--- a/output.pptx
+++ b/output.pptx
@@ -3,13 +3,962 @@
 <p:presentation xmlns:a="http://schemas.openxmlformats.org/drawingml/2006/main" xmlns:p="http://schemas.openxmlformats.org/presentationml/2006/main" xmlns:r="http://schemas.openxmlformats.org/officeDocument/2006/relationships" xmlns:p14="http://schemas.microsoft.com/office/powerpoint/2010/main" xmlns:p15="http://schemas.microsoft.com/office/powerpoint/2012/main" xmlns:mc="http://schemas.openxmlformats.org/markup-compatibility/2006">
   <p:sldMasterIdLst>
     <p:sldMasterId id="2147483648" r:id="rId2"/>
+    <p:sldMasterId id="2147483661" r:id="rId3"/>
   </p:sldMasterIdLst>
+  <p:notesMasterIdLst>
+    <p:notesMasterId r:id="rId4"/>
+  </p:notesMasterIdLst>
   <p:sldIdLst>
-    <p:sldId id="256" r:id="rId3"/>
+    <p:sldId id="256" r:id="rId5"/>
+    <p:sldId id="257" r:id="rId6"/>
+    <p:sldId id="258" r:id="rId7"/>
+    <p:sldId id="259" r:id="rId8"/>
+    <p:sldId id="260" r:id="rId9"/>
+    <p:sldId id="261" r:id="rId10"/>
+    <p:sldId id="262" r:id="rId11"/>
+    <p:sldId id="263" r:id="rId12"/>
   </p:sldIdLst>
-  <p:sldSz cx="9144000" cy="6858000"/>
-  <p:notesSz cx="7559675" cy="10691812"/>
+  <p:sldSz cx="9906000" cy="6858000"/>
+  <p:notesSz cx="6858000" cy="9144000"/>
 </p:presentation>
+</file>
+
+<file path=ppt/commentAuthors.xml><?xml version="1.0" encoding="utf-8"?>
+<p:cmAuthorLst xmlns:p="http://schemas.openxmlformats.org/presentationml/2006/main">
+  <p:cmAuthor id="0" name="nisansala pathirana" initials="np" lastIdx="4" clrIdx="0"/>
+</p:cmAuthorLst>
+</file>
+
+<file path=ppt/comments/comment3.xml><?xml version="1.0" encoding="utf-8"?>
+<p:cmLst xmlns:p="http://schemas.openxmlformats.org/presentationml/2006/main">
+  <p:cm authorId="0" dt="2021-02-05T12:56:16.386000000" idx="1">
+    <p:pos x="4679" y="3599"/>
+    <p:text>User unable to enter more than 100% but user able to add new fund, then user needs to change the allocation and adjust it to 100%.</p:text>
+  </p:cm>
+  <p:cm authorId="0" dt="2021-02-05T12:53:57.629000000" idx="2">
+    <p:pos x="3239" y="3239"/>
+    <p:text>PV01 and IE01 values are optional and both can be blank.</p:text>
+  </p:cm>
+  <p:cm authorId="0" dt="2021-02-05T12:59:55.720000000" idx="3">
+    <p:pos x="720" y="2159"/>
+    <p:text>Any user able to Approve and Reject the content</p:text>
+  </p:cm>
+  <p:cm authorId="0" dt="2021-02-09T06:38:05.847000000" idx="4">
+    <p:pos x="720" y="2159"/>
+    <p:text>Notification : Approve non-LGIM Assets - Click on 'Approve/Reject' button
+%Scheme name external assets %ACTION% by %Usr Name%</p:text>
+  </p:cm>
+</p:cmLst>
+</file>
+
+<file path=ppt/notesMasters/notesMaster1.xml><?xml version="1.0" encoding="utf-8"?>
+<p:notesMaster xmlns:a="http://schemas.openxmlformats.org/drawingml/2006/main" xmlns:p="http://schemas.openxmlformats.org/presentationml/2006/main" xmlns:r="http://schemas.openxmlformats.org/officeDocument/2006/relationships" xmlns:p14="http://schemas.microsoft.com/office/powerpoint/2010/main" xmlns:p15="http://schemas.microsoft.com/office/powerpoint/2012/main" xmlns:mc="http://schemas.openxmlformats.org/markup-compatibility/2006">
+  <p:cSld>
+    <p:spTree>
+      <p:nvGrpSpPr>
+        <p:cNvPr id="1" name=""/>
+        <p:cNvGrpSpPr/>
+        <p:nvPr/>
+      </p:nvGrpSpPr>
+      <p:grpSpPr>
+        <a:xfrm>
+          <a:off x="0" y="0"/>
+          <a:ext cx="0" cy="0"/>
+          <a:chOff x="0" y="0"/>
+          <a:chExt cx="0" cy="0"/>
+        </a:xfrm>
+      </p:grpSpPr>
+      <p:sp>
+        <p:nvSpPr>
+          <p:cNvPr id="82" name="PlaceHolder 1"/>
+          <p:cNvSpPr>
+            <a:spLocks noGrp="1"/>
+          </p:cNvSpPr>
+          <p:nvPr>
+            <p:ph type="sldImg"/>
+          </p:nvPr>
+        </p:nvSpPr>
+        <p:spPr>
+          <a:xfrm>
+            <a:off x="216000" y="812520"/>
+            <a:ext cx="7127280" cy="4008960"/>
+          </a:xfrm>
+          <a:prstGeom prst="rect">
+            <a:avLst/>
+          </a:prstGeom>
+        </p:spPr>
+        <p:txBody>
+          <a:bodyPr lIns="0" rIns="0" tIns="0" bIns="0" anchor="ctr"/>
+          <a:p>
+            <a:pPr algn="ctr"/>
+            <a:r>
+              <a:rPr b="0" lang="en-US" sz="4400" spc="-1" strike="noStrike">
+                <a:latin typeface="Arial"/>
+              </a:rPr>
+              <a:t>Click to move the slide</a:t>
+            </a:r>
+            <a:endParaRPr b="0" lang="en-US" sz="4400" spc="-1" strike="noStrike">
+              <a:latin typeface="Arial"/>
+            </a:endParaRPr>
+          </a:p>
+        </p:txBody>
+      </p:sp>
+      <p:sp>
+        <p:nvSpPr>
+          <p:cNvPr id="83" name="PlaceHolder 2"/>
+          <p:cNvSpPr>
+            <a:spLocks noGrp="1"/>
+          </p:cNvSpPr>
+          <p:nvPr>
+            <p:ph type="body"/>
+          </p:nvPr>
+        </p:nvSpPr>
+        <p:spPr>
+          <a:xfrm>
+            <a:off x="756000" y="5078520"/>
+            <a:ext cx="6047640" cy="4811040"/>
+          </a:xfrm>
+          <a:prstGeom prst="rect">
+            <a:avLst/>
+          </a:prstGeom>
+        </p:spPr>
+        <p:txBody>
+          <a:bodyPr lIns="0" rIns="0" tIns="0" bIns="0"/>
+          <a:p>
+            <a:r>
+              <a:rPr b="0" lang="en-US" sz="2000" spc="-1" strike="noStrike">
+                <a:latin typeface="Arial"/>
+              </a:rPr>
+              <a:t>Click to edit the notes format</a:t>
+            </a:r>
+            <a:endParaRPr b="0" lang="en-US" sz="2000" spc="-1" strike="noStrike">
+              <a:latin typeface="Arial"/>
+            </a:endParaRPr>
+          </a:p>
+        </p:txBody>
+      </p:sp>
+      <p:sp>
+        <p:nvSpPr>
+          <p:cNvPr id="84" name="PlaceHolder 3"/>
+          <p:cNvSpPr>
+            <a:spLocks noGrp="1"/>
+          </p:cNvSpPr>
+          <p:nvPr>
+            <p:ph type="hdr"/>
+          </p:nvPr>
+        </p:nvSpPr>
+        <p:spPr>
+          <a:xfrm>
+            <a:off x="0" y="0"/>
+            <a:ext cx="3280680" cy="534240"/>
+          </a:xfrm>
+          <a:prstGeom prst="rect">
+            <a:avLst/>
+          </a:prstGeom>
+        </p:spPr>
+        <p:txBody>
+          <a:bodyPr lIns="0" rIns="0" tIns="0" bIns="0"/>
+          <a:p>
+            <a:r>
+              <a:rPr b="0" lang="en-US" sz="1400" spc="-1" strike="noStrike">
+                <a:latin typeface="Times New Roman"/>
+              </a:rPr>
+              <a:t>&lt;header&gt;</a:t>
+            </a:r>
+            <a:endParaRPr b="0" lang="en-US" sz="1400" spc="-1" strike="noStrike">
+              <a:latin typeface="Times New Roman"/>
+            </a:endParaRPr>
+          </a:p>
+        </p:txBody>
+      </p:sp>
+      <p:sp>
+        <p:nvSpPr>
+          <p:cNvPr id="85" name="PlaceHolder 4"/>
+          <p:cNvSpPr>
+            <a:spLocks noGrp="1"/>
+          </p:cNvSpPr>
+          <p:nvPr>
+            <p:ph type="dt"/>
+          </p:nvPr>
+        </p:nvSpPr>
+        <p:spPr>
+          <a:xfrm>
+            <a:off x="4278960" y="0"/>
+            <a:ext cx="3280680" cy="534240"/>
+          </a:xfrm>
+          <a:prstGeom prst="rect">
+            <a:avLst/>
+          </a:prstGeom>
+        </p:spPr>
+        <p:txBody>
+          <a:bodyPr lIns="0" rIns="0" tIns="0" bIns="0"/>
+          <a:p>
+            <a:pPr algn="r"/>
+            <a:r>
+              <a:rPr b="0" lang="en-US" sz="1400" spc="-1" strike="noStrike">
+                <a:latin typeface="Times New Roman"/>
+              </a:rPr>
+              <a:t>&lt;date/time&gt;</a:t>
+            </a:r>
+            <a:endParaRPr b="0" lang="en-US" sz="1400" spc="-1" strike="noStrike">
+              <a:latin typeface="Times New Roman"/>
+            </a:endParaRPr>
+          </a:p>
+        </p:txBody>
+      </p:sp>
+      <p:sp>
+        <p:nvSpPr>
+          <p:cNvPr id="86" name="PlaceHolder 5"/>
+          <p:cNvSpPr>
+            <a:spLocks noGrp="1"/>
+          </p:cNvSpPr>
+          <p:nvPr>
+            <p:ph type="ftr"/>
+          </p:nvPr>
+        </p:nvSpPr>
+        <p:spPr>
+          <a:xfrm>
+            <a:off x="0" y="10157400"/>
+            <a:ext cx="3280680" cy="534240"/>
+          </a:xfrm>
+          <a:prstGeom prst="rect">
+            <a:avLst/>
+          </a:prstGeom>
+        </p:spPr>
+        <p:txBody>
+          <a:bodyPr lIns="0" rIns="0" tIns="0" bIns="0" anchor="b"/>
+          <a:p>
+            <a:r>
+              <a:rPr b="0" lang="en-US" sz="1400" spc="-1" strike="noStrike">
+                <a:latin typeface="Times New Roman"/>
+              </a:rPr>
+              <a:t>&lt;footer&gt;</a:t>
+            </a:r>
+            <a:endParaRPr b="0" lang="en-US" sz="1400" spc="-1" strike="noStrike">
+              <a:latin typeface="Times New Roman"/>
+            </a:endParaRPr>
+          </a:p>
+        </p:txBody>
+      </p:sp>
+      <p:sp>
+        <p:nvSpPr>
+          <p:cNvPr id="87" name="PlaceHolder 6"/>
+          <p:cNvSpPr>
+            <a:spLocks noGrp="1"/>
+          </p:cNvSpPr>
+          <p:nvPr>
+            <p:ph type="sldNum"/>
+          </p:nvPr>
+        </p:nvSpPr>
+        <p:spPr>
+          <a:xfrm>
+            <a:off x="4278960" y="10157400"/>
+            <a:ext cx="3280680" cy="534240"/>
+          </a:xfrm>
+          <a:prstGeom prst="rect">
+            <a:avLst/>
+          </a:prstGeom>
+        </p:spPr>
+        <p:txBody>
+          <a:bodyPr lIns="0" rIns="0" tIns="0" bIns="0" anchor="b"/>
+          <a:p>
+            <a:pPr algn="r"/>
+            <a:fld id="{D06F6CA5-19A1-4C3D-BA2B-F70D1B5AC3B3}" type="slidenum">
+              <a:rPr b="0" lang="en-US" sz="1400" spc="-1" strike="noStrike">
+                <a:latin typeface="Times New Roman"/>
+              </a:rPr>
+              <a:t>&lt;number&gt;</a:t>
+            </a:fld>
+            <a:endParaRPr b="0" lang="en-US" sz="1400" spc="-1" strike="noStrike">
+              <a:latin typeface="Times New Roman"/>
+            </a:endParaRPr>
+          </a:p>
+        </p:txBody>
+      </p:sp>
+    </p:spTree>
+  </p:cSld>
+  <p:clrMap bg1="lt1" bg2="lt2" tx1="dk1" tx2="dk2" accent1="accent1" accent2="accent2" accent3="accent3" accent4="accent4" accent5="accent5" accent6="accent6" hlink="hlink" folHlink="folHlink"/>
+</p:notesMaster>
+</file>
+
+<file path=ppt/notesSlides/notesSlide1.xml><?xml version="1.0" encoding="utf-8"?>
+<p:notes xmlns:a="http://schemas.openxmlformats.org/drawingml/2006/main" xmlns:p="http://schemas.openxmlformats.org/presentationml/2006/main" xmlns:r="http://schemas.openxmlformats.org/officeDocument/2006/relationships" xmlns:p14="http://schemas.microsoft.com/office/powerpoint/2010/main" xmlns:p15="http://schemas.microsoft.com/office/powerpoint/2012/main" xmlns:mc="http://schemas.openxmlformats.org/markup-compatibility/2006">
+  <p:cSld>
+    <p:spTree>
+      <p:nvGrpSpPr>
+        <p:cNvPr id="1" name=""/>
+        <p:cNvGrpSpPr/>
+        <p:nvPr/>
+      </p:nvGrpSpPr>
+      <p:grpSpPr>
+        <a:xfrm>
+          <a:off x="0" y="0"/>
+          <a:ext cx="0" cy="0"/>
+          <a:chOff x="0" y="0"/>
+          <a:chExt cx="0" cy="0"/>
+        </a:xfrm>
+      </p:grpSpPr>
+      <p:sp>
+        <p:nvSpPr>
+          <p:cNvPr id="204" name="PlaceHolder 1"/>
+          <p:cNvSpPr>
+            <a:spLocks noGrp="1"/>
+          </p:cNvSpPr>
+          <p:nvPr>
+            <p:ph type="sldImg"/>
+          </p:nvPr>
+        </p:nvSpPr>
+        <p:spPr>
+          <a:xfrm>
+            <a:off x="1200240" y="1143000"/>
+            <a:ext cx="4455000" cy="3083400"/>
+          </a:xfrm>
+          <a:prstGeom prst="rect">
+            <a:avLst/>
+          </a:prstGeom>
+        </p:spPr>
+      </p:sp>
+      <p:sp>
+        <p:nvSpPr>
+          <p:cNvPr id="205" name="PlaceHolder 2"/>
+          <p:cNvSpPr>
+            <a:spLocks noGrp="1"/>
+          </p:cNvSpPr>
+          <p:nvPr>
+            <p:ph type="body"/>
+          </p:nvPr>
+        </p:nvSpPr>
+        <p:spPr>
+          <a:xfrm>
+            <a:off x="685800" y="4400640"/>
+            <a:ext cx="5483520" cy="3597480"/>
+          </a:xfrm>
+          <a:prstGeom prst="rect">
+            <a:avLst/>
+          </a:prstGeom>
+        </p:spPr>
+        <p:txBody>
+          <a:bodyPr lIns="0" rIns="0" tIns="0" bIns="0"/>
+          <a:p>
+            <a:endParaRPr b="0" lang="en-US" sz="2000" spc="-1" strike="noStrike">
+              <a:latin typeface="Arial"/>
+            </a:endParaRPr>
+          </a:p>
+        </p:txBody>
+      </p:sp>
+      <p:sp>
+        <p:nvSpPr>
+          <p:cNvPr id="206" name="CustomShape 3"/>
+          <p:cNvSpPr/>
+          <p:nvPr/>
+        </p:nvSpPr>
+        <p:spPr>
+          <a:xfrm>
+            <a:off x="0" y="0"/>
+            <a:ext cx="2968920" cy="455760"/>
+          </a:xfrm>
+          <a:prstGeom prst="rect">
+            <a:avLst/>
+          </a:prstGeom>
+          <a:noFill/>
+          <a:ln>
+            <a:noFill/>
+          </a:ln>
+        </p:spPr>
+        <p:style>
+          <a:lnRef idx="0"/>
+          <a:fillRef idx="0"/>
+          <a:effectRef idx="0"/>
+          <a:fontRef idx="minor"/>
+        </p:style>
+      </p:sp>
+      <p:sp>
+        <p:nvSpPr>
+          <p:cNvPr id="207" name="CustomShape 4"/>
+          <p:cNvSpPr/>
+          <p:nvPr/>
+        </p:nvSpPr>
+        <p:spPr>
+          <a:xfrm>
+            <a:off x="0" y="8685360"/>
+            <a:ext cx="2968920" cy="455760"/>
+          </a:xfrm>
+          <a:prstGeom prst="rect">
+            <a:avLst/>
+          </a:prstGeom>
+          <a:noFill/>
+          <a:ln>
+            <a:noFill/>
+          </a:ln>
+        </p:spPr>
+        <p:style>
+          <a:lnRef idx="0"/>
+          <a:fillRef idx="0"/>
+          <a:effectRef idx="0"/>
+          <a:fontRef idx="minor"/>
+        </p:style>
+      </p:sp>
+      <p:sp>
+        <p:nvSpPr>
+          <p:cNvPr id="208" name="CustomShape 5"/>
+          <p:cNvSpPr/>
+          <p:nvPr/>
+        </p:nvSpPr>
+        <p:spPr>
+          <a:xfrm>
+            <a:off x="3884760" y="8685360"/>
+            <a:ext cx="2968920" cy="455760"/>
+          </a:xfrm>
+          <a:prstGeom prst="rect">
+            <a:avLst/>
+          </a:prstGeom>
+          <a:noFill/>
+          <a:ln>
+            <a:noFill/>
+          </a:ln>
+        </p:spPr>
+        <p:style>
+          <a:lnRef idx="0"/>
+          <a:fillRef idx="0"/>
+          <a:effectRef idx="0"/>
+          <a:fontRef idx="minor"/>
+        </p:style>
+        <p:txBody>
+          <a:bodyPr lIns="90000" rIns="90000" tIns="45000" bIns="45000" anchor="b"/>
+          <a:p>
+            <a:pPr algn="r">
+              <a:lnSpc>
+                <a:spcPct val="100000"/>
+              </a:lnSpc>
+            </a:pPr>
+            <a:fld id="{3DB8FE37-2BD8-49EB-99C3-2C5431900465}" type="slidenum">
+              <a:rPr b="0" lang="en-US" sz="1400" spc="-1" strike="noStrike">
+                <a:solidFill>
+                  <a:srgbClr val="000000"/>
+                </a:solidFill>
+                <a:latin typeface="Times New Roman"/>
+              </a:rPr>
+              <a:t>&lt;number&gt;</a:t>
+            </a:fld>
+            <a:endParaRPr b="0" lang="en-US" sz="1400" spc="-1" strike="noStrike">
+              <a:latin typeface="Arial"/>
+            </a:endParaRPr>
+          </a:p>
+        </p:txBody>
+      </p:sp>
+    </p:spTree>
+  </p:cSld>
+</p:notes>
+</file>
+
+<file path=ppt/notesSlides/notesSlide3.xml><?xml version="1.0" encoding="utf-8"?>
+<p:notes xmlns:a="http://schemas.openxmlformats.org/drawingml/2006/main" xmlns:p="http://schemas.openxmlformats.org/presentationml/2006/main" xmlns:r="http://schemas.openxmlformats.org/officeDocument/2006/relationships" xmlns:p14="http://schemas.microsoft.com/office/powerpoint/2010/main" xmlns:p15="http://schemas.microsoft.com/office/powerpoint/2012/main" xmlns:mc="http://schemas.openxmlformats.org/markup-compatibility/2006">
+  <p:cSld>
+    <p:spTree>
+      <p:nvGrpSpPr>
+        <p:cNvPr id="1" name=""/>
+        <p:cNvGrpSpPr/>
+        <p:nvPr/>
+      </p:nvGrpSpPr>
+      <p:grpSpPr>
+        <a:xfrm>
+          <a:off x="0" y="0"/>
+          <a:ext cx="0" cy="0"/>
+          <a:chOff x="0" y="0"/>
+          <a:chExt cx="0" cy="0"/>
+        </a:xfrm>
+      </p:grpSpPr>
+      <p:sp>
+        <p:nvSpPr>
+          <p:cNvPr id="209" name="PlaceHolder 1"/>
+          <p:cNvSpPr>
+            <a:spLocks noGrp="1"/>
+          </p:cNvSpPr>
+          <p:nvPr>
+            <p:ph type="sldImg"/>
+          </p:nvPr>
+        </p:nvSpPr>
+        <p:spPr>
+          <a:xfrm>
+            <a:off x="1200240" y="1143000"/>
+            <a:ext cx="4455000" cy="3083400"/>
+          </a:xfrm>
+          <a:prstGeom prst="rect">
+            <a:avLst/>
+          </a:prstGeom>
+        </p:spPr>
+      </p:sp>
+      <p:sp>
+        <p:nvSpPr>
+          <p:cNvPr id="210" name="PlaceHolder 2"/>
+          <p:cNvSpPr>
+            <a:spLocks noGrp="1"/>
+          </p:cNvSpPr>
+          <p:nvPr>
+            <p:ph type="body"/>
+          </p:nvPr>
+        </p:nvSpPr>
+        <p:spPr>
+          <a:xfrm>
+            <a:off x="685800" y="4400640"/>
+            <a:ext cx="5483520" cy="3597480"/>
+          </a:xfrm>
+          <a:prstGeom prst="rect">
+            <a:avLst/>
+          </a:prstGeom>
+        </p:spPr>
+        <p:txBody>
+          <a:bodyPr lIns="0" rIns="0" tIns="0" bIns="0"/>
+          <a:p>
+            <a:endParaRPr b="0" lang="en-US" sz="2000" spc="-1" strike="noStrike">
+              <a:latin typeface="Arial"/>
+            </a:endParaRPr>
+          </a:p>
+        </p:txBody>
+      </p:sp>
+      <p:sp>
+        <p:nvSpPr>
+          <p:cNvPr id="211" name="CustomShape 3"/>
+          <p:cNvSpPr/>
+          <p:nvPr/>
+        </p:nvSpPr>
+        <p:spPr>
+          <a:xfrm>
+            <a:off x="0" y="0"/>
+            <a:ext cx="2968920" cy="455760"/>
+          </a:xfrm>
+          <a:prstGeom prst="rect">
+            <a:avLst/>
+          </a:prstGeom>
+          <a:noFill/>
+          <a:ln>
+            <a:noFill/>
+          </a:ln>
+        </p:spPr>
+        <p:style>
+          <a:lnRef idx="0"/>
+          <a:fillRef idx="0"/>
+          <a:effectRef idx="0"/>
+          <a:fontRef idx="minor"/>
+        </p:style>
+      </p:sp>
+      <p:sp>
+        <p:nvSpPr>
+          <p:cNvPr id="212" name="CustomShape 4"/>
+          <p:cNvSpPr/>
+          <p:nvPr/>
+        </p:nvSpPr>
+        <p:spPr>
+          <a:xfrm>
+            <a:off x="0" y="8685360"/>
+            <a:ext cx="2968920" cy="455760"/>
+          </a:xfrm>
+          <a:prstGeom prst="rect">
+            <a:avLst/>
+          </a:prstGeom>
+          <a:noFill/>
+          <a:ln>
+            <a:noFill/>
+          </a:ln>
+        </p:spPr>
+        <p:style>
+          <a:lnRef idx="0"/>
+          <a:fillRef idx="0"/>
+          <a:effectRef idx="0"/>
+          <a:fontRef idx="minor"/>
+        </p:style>
+      </p:sp>
+      <p:sp>
+        <p:nvSpPr>
+          <p:cNvPr id="213" name="CustomShape 5"/>
+          <p:cNvSpPr/>
+          <p:nvPr/>
+        </p:nvSpPr>
+        <p:spPr>
+          <a:xfrm>
+            <a:off x="3884760" y="8685360"/>
+            <a:ext cx="2968920" cy="455760"/>
+          </a:xfrm>
+          <a:prstGeom prst="rect">
+            <a:avLst/>
+          </a:prstGeom>
+          <a:noFill/>
+          <a:ln>
+            <a:noFill/>
+          </a:ln>
+        </p:spPr>
+        <p:style>
+          <a:lnRef idx="0"/>
+          <a:fillRef idx="0"/>
+          <a:effectRef idx="0"/>
+          <a:fontRef idx="minor"/>
+        </p:style>
+        <p:txBody>
+          <a:bodyPr lIns="90000" rIns="90000" tIns="45000" bIns="45000" anchor="b"/>
+          <a:p>
+            <a:pPr algn="r">
+              <a:lnSpc>
+                <a:spcPct val="100000"/>
+              </a:lnSpc>
+            </a:pPr>
+            <a:fld id="{661D13BE-8239-4F9D-9A34-32F2F5935BD3}" type="slidenum">
+              <a:rPr b="0" lang="en-US" sz="1400" spc="-1" strike="noStrike">
+                <a:solidFill>
+                  <a:srgbClr val="000000"/>
+                </a:solidFill>
+                <a:latin typeface="Times New Roman"/>
+              </a:rPr>
+              <a:t>&lt;number&gt;</a:t>
+            </a:fld>
+            <a:endParaRPr b="0" lang="en-US" sz="1400" spc="-1" strike="noStrike">
+              <a:latin typeface="Arial"/>
+            </a:endParaRPr>
+          </a:p>
+        </p:txBody>
+      </p:sp>
+    </p:spTree>
+  </p:cSld>
+</p:notes>
+</file>
+
+<file path=ppt/notesSlides/notesSlide4.xml><?xml version="1.0" encoding="utf-8"?>
+<p:notes xmlns:a="http://schemas.openxmlformats.org/drawingml/2006/main" xmlns:p="http://schemas.openxmlformats.org/presentationml/2006/main" xmlns:r="http://schemas.openxmlformats.org/officeDocument/2006/relationships" xmlns:p14="http://schemas.microsoft.com/office/powerpoint/2010/main" xmlns:p15="http://schemas.microsoft.com/office/powerpoint/2012/main" xmlns:mc="http://schemas.openxmlformats.org/markup-compatibility/2006">
+  <p:cSld>
+    <p:spTree>
+      <p:nvGrpSpPr>
+        <p:cNvPr id="1" name=""/>
+        <p:cNvGrpSpPr/>
+        <p:nvPr/>
+      </p:nvGrpSpPr>
+      <p:grpSpPr>
+        <a:xfrm>
+          <a:off x="0" y="0"/>
+          <a:ext cx="0" cy="0"/>
+          <a:chOff x="0" y="0"/>
+          <a:chExt cx="0" cy="0"/>
+        </a:xfrm>
+      </p:grpSpPr>
+      <p:sp>
+        <p:nvSpPr>
+          <p:cNvPr id="214" name="PlaceHolder 1"/>
+          <p:cNvSpPr>
+            <a:spLocks noGrp="1"/>
+          </p:cNvSpPr>
+          <p:nvPr>
+            <p:ph type="sldImg"/>
+          </p:nvPr>
+        </p:nvSpPr>
+        <p:spPr>
+          <a:xfrm>
+            <a:off x="1200240" y="1143000"/>
+            <a:ext cx="4455000" cy="3083400"/>
+          </a:xfrm>
+          <a:prstGeom prst="rect">
+            <a:avLst/>
+          </a:prstGeom>
+        </p:spPr>
+      </p:sp>
+      <p:sp>
+        <p:nvSpPr>
+          <p:cNvPr id="215" name="PlaceHolder 2"/>
+          <p:cNvSpPr>
+            <a:spLocks noGrp="1"/>
+          </p:cNvSpPr>
+          <p:nvPr>
+            <p:ph type="body"/>
+          </p:nvPr>
+        </p:nvSpPr>
+        <p:spPr>
+          <a:xfrm>
+            <a:off x="685800" y="4400640"/>
+            <a:ext cx="5483520" cy="3597480"/>
+          </a:xfrm>
+          <a:prstGeom prst="rect">
+            <a:avLst/>
+          </a:prstGeom>
+        </p:spPr>
+        <p:txBody>
+          <a:bodyPr lIns="0" rIns="0" tIns="0" bIns="0"/>
+          <a:p>
+            <a:endParaRPr b="0" lang="en-US" sz="2000" spc="-1" strike="noStrike">
+              <a:latin typeface="Arial"/>
+            </a:endParaRPr>
+          </a:p>
+        </p:txBody>
+      </p:sp>
+      <p:sp>
+        <p:nvSpPr>
+          <p:cNvPr id="216" name="CustomShape 3"/>
+          <p:cNvSpPr/>
+          <p:nvPr/>
+        </p:nvSpPr>
+        <p:spPr>
+          <a:xfrm>
+            <a:off x="0" y="0"/>
+            <a:ext cx="2968920" cy="455760"/>
+          </a:xfrm>
+          <a:prstGeom prst="rect">
+            <a:avLst/>
+          </a:prstGeom>
+          <a:noFill/>
+          <a:ln>
+            <a:noFill/>
+          </a:ln>
+        </p:spPr>
+        <p:style>
+          <a:lnRef idx="0"/>
+          <a:fillRef idx="0"/>
+          <a:effectRef idx="0"/>
+          <a:fontRef idx="minor"/>
+        </p:style>
+      </p:sp>
+      <p:sp>
+        <p:nvSpPr>
+          <p:cNvPr id="217" name="CustomShape 4"/>
+          <p:cNvSpPr/>
+          <p:nvPr/>
+        </p:nvSpPr>
+        <p:spPr>
+          <a:xfrm>
+            <a:off x="0" y="8685360"/>
+            <a:ext cx="2968920" cy="455760"/>
+          </a:xfrm>
+          <a:prstGeom prst="rect">
+            <a:avLst/>
+          </a:prstGeom>
+          <a:noFill/>
+          <a:ln>
+            <a:noFill/>
+          </a:ln>
+        </p:spPr>
+        <p:style>
+          <a:lnRef idx="0"/>
+          <a:fillRef idx="0"/>
+          <a:effectRef idx="0"/>
+          <a:fontRef idx="minor"/>
+        </p:style>
+      </p:sp>
+      <p:sp>
+        <p:nvSpPr>
+          <p:cNvPr id="218" name="CustomShape 5"/>
+          <p:cNvSpPr/>
+          <p:nvPr/>
+        </p:nvSpPr>
+        <p:spPr>
+          <a:xfrm>
+            <a:off x="3884760" y="8685360"/>
+            <a:ext cx="2968920" cy="455760"/>
+          </a:xfrm>
+          <a:prstGeom prst="rect">
+            <a:avLst/>
+          </a:prstGeom>
+          <a:noFill/>
+          <a:ln>
+            <a:noFill/>
+          </a:ln>
+        </p:spPr>
+        <p:style>
+          <a:lnRef idx="0"/>
+          <a:fillRef idx="0"/>
+          <a:effectRef idx="0"/>
+          <a:fontRef idx="minor"/>
+        </p:style>
+        <p:txBody>
+          <a:bodyPr lIns="90000" rIns="90000" tIns="45000" bIns="45000" anchor="b"/>
+          <a:p>
+            <a:pPr algn="r">
+              <a:lnSpc>
+                <a:spcPct val="100000"/>
+              </a:lnSpc>
+            </a:pPr>
+            <a:fld id="{96F4F6A7-BE41-45C5-8CDA-D0A8F2E25990}" type="slidenum">
+              <a:rPr b="0" lang="en-US" sz="1400" spc="-1" strike="noStrike">
+                <a:solidFill>
+                  <a:srgbClr val="000000"/>
+                </a:solidFill>
+                <a:latin typeface="Times New Roman"/>
+              </a:rPr>
+              <a:t>&lt;number&gt;</a:t>
+            </a:fld>
+            <a:endParaRPr b="0" lang="en-US" sz="1400" spc="-1" strike="noStrike">
+              <a:latin typeface="Arial"/>
+            </a:endParaRPr>
+          </a:p>
+        </p:txBody>
+      </p:sp>
+    </p:spTree>
+  </p:cSld>
+</p:notes>
+</file>
+
+<file path=ppt/notesSlides/notesSlide5.xml><?xml version="1.0" encoding="utf-8"?>
+<p:notes xmlns:a="http://schemas.openxmlformats.org/drawingml/2006/main" xmlns:p="http://schemas.openxmlformats.org/presentationml/2006/main" xmlns:r="http://schemas.openxmlformats.org/officeDocument/2006/relationships" xmlns:p14="http://schemas.microsoft.com/office/powerpoint/2010/main" xmlns:p15="http://schemas.microsoft.com/office/powerpoint/2012/main" xmlns:mc="http://schemas.openxmlformats.org/markup-compatibility/2006">
+  <p:cSld>
+    <p:spTree>
+      <p:nvGrpSpPr>
+        <p:cNvPr id="1" name=""/>
+        <p:cNvGrpSpPr/>
+        <p:nvPr/>
+      </p:nvGrpSpPr>
+      <p:grpSpPr>
+        <a:xfrm>
+          <a:off x="0" y="0"/>
+          <a:ext cx="0" cy="0"/>
+          <a:chOff x="0" y="0"/>
+          <a:chExt cx="0" cy="0"/>
+        </a:xfrm>
+      </p:grpSpPr>
+      <p:sp>
+        <p:nvSpPr>
+          <p:cNvPr id="219" name="PlaceHolder 1"/>
+          <p:cNvSpPr>
+            <a:spLocks noGrp="1"/>
+          </p:cNvSpPr>
+          <p:nvPr>
+            <p:ph type="sldImg"/>
+          </p:nvPr>
+        </p:nvSpPr>
+        <p:spPr>
+          <a:xfrm>
+            <a:off x="1200240" y="1143000"/>
+            <a:ext cx="4455000" cy="3083400"/>
+          </a:xfrm>
+          <a:prstGeom prst="rect">
+            <a:avLst/>
+          </a:prstGeom>
+        </p:spPr>
+      </p:sp>
+      <p:sp>
+        <p:nvSpPr>
+          <p:cNvPr id="220" name="PlaceHolder 2"/>
+          <p:cNvSpPr>
+            <a:spLocks noGrp="1"/>
+          </p:cNvSpPr>
+          <p:nvPr>
+            <p:ph type="body"/>
+          </p:nvPr>
+        </p:nvSpPr>
+        <p:spPr>
+          <a:xfrm>
+            <a:off x="685800" y="4400640"/>
+            <a:ext cx="5483520" cy="3597480"/>
+          </a:xfrm>
+          <a:prstGeom prst="rect">
+            <a:avLst/>
+          </a:prstGeom>
+        </p:spPr>
+        <p:txBody>
+          <a:bodyPr lIns="0" rIns="0" tIns="0" bIns="0"/>
+          <a:p>
+            <a:endParaRPr b="0" lang="en-US" sz="2000" spc="-1" strike="noStrike">
+              <a:latin typeface="Arial"/>
+            </a:endParaRPr>
+          </a:p>
+        </p:txBody>
+      </p:sp>
+      <p:sp>
+        <p:nvSpPr>
+          <p:cNvPr id="221" name="CustomShape 3"/>
+          <p:cNvSpPr/>
+          <p:nvPr/>
+        </p:nvSpPr>
+        <p:spPr>
+          <a:xfrm>
+            <a:off x="0" y="0"/>
+            <a:ext cx="2968920" cy="455760"/>
+          </a:xfrm>
+          <a:prstGeom prst="rect">
+            <a:avLst/>
+          </a:prstGeom>
+          <a:noFill/>
+          <a:ln>
+            <a:noFill/>
+          </a:ln>
+        </p:spPr>
+        <p:style>
+          <a:lnRef idx="0"/>
+          <a:fillRef idx="0"/>
+          <a:effectRef idx="0"/>
+          <a:fontRef idx="minor"/>
+        </p:style>
+      </p:sp>
+      <p:sp>
+        <p:nvSpPr>
+          <p:cNvPr id="222" name="CustomShape 4"/>
+          <p:cNvSpPr/>
+          <p:nvPr/>
+        </p:nvSpPr>
+        <p:spPr>
+          <a:xfrm>
+            <a:off x="0" y="8685360"/>
+            <a:ext cx="2968920" cy="455760"/>
+          </a:xfrm>
+          <a:prstGeom prst="rect">
+            <a:avLst/>
+          </a:prstGeom>
+          <a:noFill/>
+          <a:ln>
+            <a:noFill/>
+          </a:ln>
+        </p:spPr>
+        <p:style>
+          <a:lnRef idx="0"/>
+          <a:fillRef idx="0"/>
+          <a:effectRef idx="0"/>
+          <a:fontRef idx="minor"/>
+        </p:style>
+      </p:sp>
+      <p:sp>
+        <p:nvSpPr>
+          <p:cNvPr id="223" name="CustomShape 5"/>
+          <p:cNvSpPr/>
+          <p:nvPr/>
+        </p:nvSpPr>
+        <p:spPr>
+          <a:xfrm>
+            <a:off x="3884760" y="8685360"/>
+            <a:ext cx="2968920" cy="455760"/>
+          </a:xfrm>
+          <a:prstGeom prst="rect">
+            <a:avLst/>
+          </a:prstGeom>
+          <a:noFill/>
+          <a:ln>
+            <a:noFill/>
+          </a:ln>
+        </p:spPr>
+        <p:style>
+          <a:lnRef idx="0"/>
+          <a:fillRef idx="0"/>
+          <a:effectRef idx="0"/>
+          <a:fontRef idx="minor"/>
+        </p:style>
+        <p:txBody>
+          <a:bodyPr lIns="90000" rIns="90000" tIns="45000" bIns="45000" anchor="b"/>
+          <a:p>
+            <a:pPr algn="r">
+              <a:lnSpc>
+                <a:spcPct val="100000"/>
+              </a:lnSpc>
+            </a:pPr>
+            <a:fld id="{5963E366-79D5-4664-9CD8-D70575E21A3D}" type="slidenum">
+              <a:rPr b="0" lang="en-US" sz="1400" spc="-1" strike="noStrike">
+                <a:solidFill>
+                  <a:srgbClr val="000000"/>
+                </a:solidFill>
+                <a:latin typeface="Times New Roman"/>
+              </a:rPr>
+              <a:t>&lt;number&gt;</a:t>
+            </a:fld>
+            <a:endParaRPr b="0" lang="en-US" sz="1400" spc="-1" strike="noStrike">
+              <a:latin typeface="Arial"/>
+            </a:endParaRPr>
+          </a:p>
+        </p:txBody>
+      </p:sp>
+    </p:spTree>
+  </p:cSld>
+</p:notes>
 </file>
 
 <file path=ppt/slideLayouts/slideLayout1.xml><?xml version="1.0" encoding="utf-8"?>
@@ -53,7 +1002,7 @@
       </p:grpSpPr>
       <p:sp>
         <p:nvSpPr>
-          <p:cNvPr id="23" name="PlaceHolder 1"/>
+          <p:cNvPr id="27" name="PlaceHolder 1"/>
           <p:cNvSpPr>
             <a:spLocks noGrp="1"/>
           </p:cNvSpPr>
@@ -63,8 +1012,8 @@
         </p:nvSpPr>
         <p:spPr>
           <a:xfrm>
-            <a:off x="685800" y="2130480"/>
-            <a:ext cx="7771320" cy="1468800"/>
+            <a:off x="495000" y="273600"/>
+            <a:ext cx="8915040" cy="1144800"/>
           </a:xfrm>
           <a:prstGeom prst="rect">
             <a:avLst/>
@@ -82,7 +1031,7 @@
       </p:sp>
       <p:sp>
         <p:nvSpPr>
-          <p:cNvPr id="24" name="PlaceHolder 2"/>
+          <p:cNvPr id="28" name="PlaceHolder 2"/>
           <p:cNvSpPr>
             <a:spLocks noGrp="1"/>
           </p:cNvSpPr>
@@ -92,8 +1041,8 @@
         </p:nvSpPr>
         <p:spPr>
           <a:xfrm>
-            <a:off x="457200" y="1604520"/>
-            <a:ext cx="8228880" cy="1896840"/>
+            <a:off x="495000" y="1604520"/>
+            <a:ext cx="8915040" cy="1896840"/>
           </a:xfrm>
           <a:prstGeom prst="rect">
             <a:avLst/>
@@ -112,7 +1061,7 @@
       </p:sp>
       <p:sp>
         <p:nvSpPr>
-          <p:cNvPr id="25" name="PlaceHolder 3"/>
+          <p:cNvPr id="29" name="PlaceHolder 3"/>
           <p:cNvSpPr>
             <a:spLocks noGrp="1"/>
           </p:cNvSpPr>
@@ -122,8 +1071,8 @@
         </p:nvSpPr>
         <p:spPr>
           <a:xfrm>
-            <a:off x="457200" y="3682080"/>
-            <a:ext cx="8228880" cy="1896840"/>
+            <a:off x="495000" y="3682080"/>
+            <a:ext cx="8915040" cy="1896840"/>
           </a:xfrm>
           <a:prstGeom prst="rect">
             <a:avLst/>
@@ -164,7 +1113,7 @@
       </p:grpSpPr>
       <p:sp>
         <p:nvSpPr>
-          <p:cNvPr id="26" name="PlaceHolder 1"/>
+          <p:cNvPr id="30" name="PlaceHolder 1"/>
           <p:cNvSpPr>
             <a:spLocks noGrp="1"/>
           </p:cNvSpPr>
@@ -174,8 +1123,8 @@
         </p:nvSpPr>
         <p:spPr>
           <a:xfrm>
-            <a:off x="685800" y="2130480"/>
-            <a:ext cx="7771320" cy="1468800"/>
+            <a:off x="495000" y="273600"/>
+            <a:ext cx="8915040" cy="1144800"/>
           </a:xfrm>
           <a:prstGeom prst="rect">
             <a:avLst/>
@@ -193,7 +1142,7 @@
       </p:sp>
       <p:sp>
         <p:nvSpPr>
-          <p:cNvPr id="27" name="PlaceHolder 2"/>
+          <p:cNvPr id="31" name="PlaceHolder 2"/>
           <p:cNvSpPr>
             <a:spLocks noGrp="1"/>
           </p:cNvSpPr>
@@ -203,8 +1152,8 @@
         </p:nvSpPr>
         <p:spPr>
           <a:xfrm>
-            <a:off x="457200" y="1604520"/>
-            <a:ext cx="4015440" cy="1896840"/>
+            <a:off x="495000" y="1604520"/>
+            <a:ext cx="4350240" cy="1896840"/>
           </a:xfrm>
           <a:prstGeom prst="rect">
             <a:avLst/>
@@ -223,7 +1172,7 @@
       </p:sp>
       <p:sp>
         <p:nvSpPr>
-          <p:cNvPr id="28" name="PlaceHolder 3"/>
+          <p:cNvPr id="32" name="PlaceHolder 3"/>
           <p:cNvSpPr>
             <a:spLocks noGrp="1"/>
           </p:cNvSpPr>
@@ -233,8 +1182,8 @@
         </p:nvSpPr>
         <p:spPr>
           <a:xfrm>
-            <a:off x="4673880" y="1604520"/>
-            <a:ext cx="4015440" cy="1896840"/>
+            <a:off x="5063040" y="1604520"/>
+            <a:ext cx="4350240" cy="1896840"/>
           </a:xfrm>
           <a:prstGeom prst="rect">
             <a:avLst/>
@@ -253,7 +1202,7 @@
       </p:sp>
       <p:sp>
         <p:nvSpPr>
-          <p:cNvPr id="29" name="PlaceHolder 4"/>
+          <p:cNvPr id="33" name="PlaceHolder 4"/>
           <p:cNvSpPr>
             <a:spLocks noGrp="1"/>
           </p:cNvSpPr>
@@ -263,8 +1212,8 @@
         </p:nvSpPr>
         <p:spPr>
           <a:xfrm>
-            <a:off x="457200" y="3682080"/>
-            <a:ext cx="4015440" cy="1896840"/>
+            <a:off x="495000" y="3682080"/>
+            <a:ext cx="4350240" cy="1896840"/>
           </a:xfrm>
           <a:prstGeom prst="rect">
             <a:avLst/>
@@ -283,7 +1232,7 @@
       </p:sp>
       <p:sp>
         <p:nvSpPr>
-          <p:cNvPr id="30" name="PlaceHolder 5"/>
+          <p:cNvPr id="34" name="PlaceHolder 5"/>
           <p:cNvSpPr>
             <a:spLocks noGrp="1"/>
           </p:cNvSpPr>
@@ -293,8 +1242,8 @@
         </p:nvSpPr>
         <p:spPr>
           <a:xfrm>
-            <a:off x="4673880" y="3682080"/>
-            <a:ext cx="4015440" cy="1896840"/>
+            <a:off x="5063040" y="3682080"/>
+            <a:ext cx="4350240" cy="1896840"/>
           </a:xfrm>
           <a:prstGeom prst="rect">
             <a:avLst/>
@@ -335,7 +1284,7 @@
       </p:grpSpPr>
       <p:sp>
         <p:nvSpPr>
-          <p:cNvPr id="31" name="PlaceHolder 1"/>
+          <p:cNvPr id="35" name="PlaceHolder 1"/>
           <p:cNvSpPr>
             <a:spLocks noGrp="1"/>
           </p:cNvSpPr>
@@ -345,8 +1294,8 @@
         </p:nvSpPr>
         <p:spPr>
           <a:xfrm>
-            <a:off x="685800" y="2130480"/>
-            <a:ext cx="7771320" cy="1468800"/>
+            <a:off x="495000" y="273600"/>
+            <a:ext cx="8915040" cy="1144800"/>
           </a:xfrm>
           <a:prstGeom prst="rect">
             <a:avLst/>
@@ -364,7 +1313,7 @@
       </p:sp>
       <p:sp>
         <p:nvSpPr>
-          <p:cNvPr id="32" name="PlaceHolder 2"/>
+          <p:cNvPr id="36" name="PlaceHolder 2"/>
           <p:cNvSpPr>
             <a:spLocks noGrp="1"/>
           </p:cNvSpPr>
@@ -374,8 +1323,8 @@
         </p:nvSpPr>
         <p:spPr>
           <a:xfrm>
-            <a:off x="457200" y="1604520"/>
-            <a:ext cx="2649600" cy="1896840"/>
+            <a:off x="495000" y="1604520"/>
+            <a:ext cx="2870280" cy="1896840"/>
           </a:xfrm>
           <a:prstGeom prst="rect">
             <a:avLst/>
@@ -394,7 +1343,7 @@
       </p:sp>
       <p:sp>
         <p:nvSpPr>
-          <p:cNvPr id="33" name="PlaceHolder 3"/>
+          <p:cNvPr id="37" name="PlaceHolder 3"/>
           <p:cNvSpPr>
             <a:spLocks noGrp="1"/>
           </p:cNvSpPr>
@@ -404,8 +1353,8 @@
         </p:nvSpPr>
         <p:spPr>
           <a:xfrm>
-            <a:off x="3239640" y="1604520"/>
-            <a:ext cx="2649600" cy="1896840"/>
+            <a:off x="3509280" y="1604520"/>
+            <a:ext cx="2870280" cy="1896840"/>
           </a:xfrm>
           <a:prstGeom prst="rect">
             <a:avLst/>
@@ -424,7 +1373,7 @@
       </p:sp>
       <p:sp>
         <p:nvSpPr>
-          <p:cNvPr id="34" name="PlaceHolder 4"/>
+          <p:cNvPr id="38" name="PlaceHolder 4"/>
           <p:cNvSpPr>
             <a:spLocks noGrp="1"/>
           </p:cNvSpPr>
@@ -434,8 +1383,8 @@
         </p:nvSpPr>
         <p:spPr>
           <a:xfrm>
-            <a:off x="6022080" y="1604520"/>
-            <a:ext cx="2649600" cy="1896840"/>
+            <a:off x="6523200" y="1604520"/>
+            <a:ext cx="2870280" cy="1896840"/>
           </a:xfrm>
           <a:prstGeom prst="rect">
             <a:avLst/>
@@ -454,7 +1403,7 @@
       </p:sp>
       <p:sp>
         <p:nvSpPr>
-          <p:cNvPr id="35" name="PlaceHolder 5"/>
+          <p:cNvPr id="39" name="PlaceHolder 5"/>
           <p:cNvSpPr>
             <a:spLocks noGrp="1"/>
           </p:cNvSpPr>
@@ -464,8 +1413,8 @@
         </p:nvSpPr>
         <p:spPr>
           <a:xfrm>
-            <a:off x="457200" y="3682080"/>
-            <a:ext cx="2649600" cy="1896840"/>
+            <a:off x="495000" y="3682080"/>
+            <a:ext cx="2870280" cy="1896840"/>
           </a:xfrm>
           <a:prstGeom prst="rect">
             <a:avLst/>
@@ -484,7 +1433,7 @@
       </p:sp>
       <p:sp>
         <p:nvSpPr>
-          <p:cNvPr id="36" name="PlaceHolder 6"/>
+          <p:cNvPr id="40" name="PlaceHolder 6"/>
           <p:cNvSpPr>
             <a:spLocks noGrp="1"/>
           </p:cNvSpPr>
@@ -494,8 +1443,8 @@
         </p:nvSpPr>
         <p:spPr>
           <a:xfrm>
-            <a:off x="3239640" y="3682080"/>
-            <a:ext cx="2649600" cy="1896840"/>
+            <a:off x="3509280" y="3682080"/>
+            <a:ext cx="2870280" cy="1896840"/>
           </a:xfrm>
           <a:prstGeom prst="rect">
             <a:avLst/>
@@ -514,7 +1463,7 @@
       </p:sp>
       <p:sp>
         <p:nvSpPr>
-          <p:cNvPr id="37" name="PlaceHolder 7"/>
+          <p:cNvPr id="41" name="PlaceHolder 7"/>
           <p:cNvSpPr>
             <a:spLocks noGrp="1"/>
           </p:cNvSpPr>
@@ -524,8 +1473,545 @@
         </p:nvSpPr>
         <p:spPr>
           <a:xfrm>
-            <a:off x="6022080" y="3682080"/>
-            <a:ext cx="2649600" cy="1896840"/>
+            <a:off x="6523200" y="3682080"/>
+            <a:ext cx="2870280" cy="1896840"/>
+          </a:xfrm>
+          <a:prstGeom prst="rect">
+            <a:avLst/>
+          </a:prstGeom>
+        </p:spPr>
+        <p:txBody>
+          <a:bodyPr lIns="0" rIns="0" tIns="0" bIns="0">
+            <a:normAutofit/>
+          </a:bodyPr>
+          <a:p>
+            <a:endParaRPr b="0" lang="en-US" sz="3200" spc="-1" strike="noStrike">
+              <a:latin typeface="Arial"/>
+            </a:endParaRPr>
+          </a:p>
+        </p:txBody>
+      </p:sp>
+    </p:spTree>
+  </p:cSld>
+</p:sldLayout>
+</file>
+
+<file path=ppt/slideLayouts/slideLayout13.xml><?xml version="1.0" encoding="utf-8"?>
+<p:sldLayout xmlns:a="http://schemas.openxmlformats.org/drawingml/2006/main" xmlns:p="http://schemas.openxmlformats.org/presentationml/2006/main" xmlns:r="http://schemas.openxmlformats.org/officeDocument/2006/relationships" xmlns:p14="http://schemas.microsoft.com/office/powerpoint/2010/main" xmlns:p15="http://schemas.microsoft.com/office/powerpoint/2012/main" xmlns:mc="http://schemas.openxmlformats.org/markup-compatibility/2006" type="blank" preserve="1">
+  <p:cSld name="Blank Slide">
+    <p:spTree>
+      <p:nvGrpSpPr>
+        <p:cNvPr id="1" name=""/>
+        <p:cNvGrpSpPr/>
+        <p:nvPr/>
+      </p:nvGrpSpPr>
+      <p:grpSpPr>
+        <a:xfrm>
+          <a:off x="0" y="0"/>
+          <a:ext cx="0" cy="0"/>
+          <a:chOff x="0" y="0"/>
+          <a:chExt cx="0" cy="0"/>
+        </a:xfrm>
+      </p:grpSpPr>
+    </p:spTree>
+  </p:cSld>
+</p:sldLayout>
+</file>
+
+<file path=ppt/slideLayouts/slideLayout14.xml><?xml version="1.0" encoding="utf-8"?>
+<p:sldLayout xmlns:a="http://schemas.openxmlformats.org/drawingml/2006/main" xmlns:p="http://schemas.openxmlformats.org/presentationml/2006/main" xmlns:r="http://schemas.openxmlformats.org/officeDocument/2006/relationships" xmlns:p14="http://schemas.microsoft.com/office/powerpoint/2010/main" xmlns:p15="http://schemas.microsoft.com/office/powerpoint/2012/main" xmlns:mc="http://schemas.openxmlformats.org/markup-compatibility/2006" type="tx" preserve="1">
+  <p:cSld name="Title Slide">
+    <p:spTree>
+      <p:nvGrpSpPr>
+        <p:cNvPr id="1" name=""/>
+        <p:cNvGrpSpPr/>
+        <p:nvPr/>
+      </p:nvGrpSpPr>
+      <p:grpSpPr>
+        <a:xfrm>
+          <a:off x="0" y="0"/>
+          <a:ext cx="0" cy="0"/>
+          <a:chOff x="0" y="0"/>
+          <a:chExt cx="0" cy="0"/>
+        </a:xfrm>
+      </p:grpSpPr>
+      <p:sp>
+        <p:nvSpPr>
+          <p:cNvPr id="46" name="PlaceHolder 1"/>
+          <p:cNvSpPr>
+            <a:spLocks noGrp="1"/>
+          </p:cNvSpPr>
+          <p:nvPr>
+            <p:ph type="title"/>
+          </p:nvPr>
+        </p:nvSpPr>
+        <p:spPr>
+          <a:xfrm>
+            <a:off x="495000" y="273600"/>
+            <a:ext cx="8915040" cy="1144800"/>
+          </a:xfrm>
+          <a:prstGeom prst="rect">
+            <a:avLst/>
+          </a:prstGeom>
+        </p:spPr>
+        <p:txBody>
+          <a:bodyPr lIns="0" rIns="0" tIns="0" bIns="0" anchor="ctr"/>
+          <a:p>
+            <a:pPr algn="ctr"/>
+            <a:endParaRPr b="0" lang="en-US" sz="4400" spc="-1" strike="noStrike">
+              <a:latin typeface="Arial"/>
+            </a:endParaRPr>
+          </a:p>
+        </p:txBody>
+      </p:sp>
+      <p:sp>
+        <p:nvSpPr>
+          <p:cNvPr id="47" name="PlaceHolder 2"/>
+          <p:cNvSpPr>
+            <a:spLocks noGrp="1"/>
+          </p:cNvSpPr>
+          <p:nvPr>
+            <p:ph type="subTitle"/>
+          </p:nvPr>
+        </p:nvSpPr>
+        <p:spPr>
+          <a:xfrm>
+            <a:off x="495000" y="1604520"/>
+            <a:ext cx="8915040" cy="3977280"/>
+          </a:xfrm>
+          <a:prstGeom prst="rect">
+            <a:avLst/>
+          </a:prstGeom>
+        </p:spPr>
+        <p:txBody>
+          <a:bodyPr lIns="0" rIns="0" tIns="0" bIns="0" anchor="ctr"/>
+          <a:p>
+            <a:pPr algn="ctr"/>
+            <a:endParaRPr b="0" lang="en-US" sz="3200" spc="-1" strike="noStrike">
+              <a:latin typeface="Arial"/>
+            </a:endParaRPr>
+          </a:p>
+        </p:txBody>
+      </p:sp>
+    </p:spTree>
+  </p:cSld>
+</p:sldLayout>
+</file>
+
+<file path=ppt/slideLayouts/slideLayout15.xml><?xml version="1.0" encoding="utf-8"?>
+<p:sldLayout xmlns:a="http://schemas.openxmlformats.org/drawingml/2006/main" xmlns:p="http://schemas.openxmlformats.org/presentationml/2006/main" xmlns:r="http://schemas.openxmlformats.org/officeDocument/2006/relationships" xmlns:p14="http://schemas.microsoft.com/office/powerpoint/2010/main" xmlns:p15="http://schemas.microsoft.com/office/powerpoint/2012/main" xmlns:mc="http://schemas.openxmlformats.org/markup-compatibility/2006" type="obj" preserve="1">
+  <p:cSld name="Title, Content">
+    <p:spTree>
+      <p:nvGrpSpPr>
+        <p:cNvPr id="1" name=""/>
+        <p:cNvGrpSpPr/>
+        <p:nvPr/>
+      </p:nvGrpSpPr>
+      <p:grpSpPr>
+        <a:xfrm>
+          <a:off x="0" y="0"/>
+          <a:ext cx="0" cy="0"/>
+          <a:chOff x="0" y="0"/>
+          <a:chExt cx="0" cy="0"/>
+        </a:xfrm>
+      </p:grpSpPr>
+      <p:sp>
+        <p:nvSpPr>
+          <p:cNvPr id="48" name="PlaceHolder 1"/>
+          <p:cNvSpPr>
+            <a:spLocks noGrp="1"/>
+          </p:cNvSpPr>
+          <p:nvPr>
+            <p:ph type="title"/>
+          </p:nvPr>
+        </p:nvSpPr>
+        <p:spPr>
+          <a:xfrm>
+            <a:off x="495000" y="273600"/>
+            <a:ext cx="8915040" cy="1144800"/>
+          </a:xfrm>
+          <a:prstGeom prst="rect">
+            <a:avLst/>
+          </a:prstGeom>
+        </p:spPr>
+        <p:txBody>
+          <a:bodyPr lIns="0" rIns="0" tIns="0" bIns="0" anchor="ctr"/>
+          <a:p>
+            <a:pPr algn="ctr"/>
+            <a:endParaRPr b="0" lang="en-US" sz="4400" spc="-1" strike="noStrike">
+              <a:latin typeface="Arial"/>
+            </a:endParaRPr>
+          </a:p>
+        </p:txBody>
+      </p:sp>
+      <p:sp>
+        <p:nvSpPr>
+          <p:cNvPr id="49" name="PlaceHolder 2"/>
+          <p:cNvSpPr>
+            <a:spLocks noGrp="1"/>
+          </p:cNvSpPr>
+          <p:nvPr>
+            <p:ph type="body"/>
+          </p:nvPr>
+        </p:nvSpPr>
+        <p:spPr>
+          <a:xfrm>
+            <a:off x="495000" y="1604520"/>
+            <a:ext cx="8915040" cy="3977280"/>
+          </a:xfrm>
+          <a:prstGeom prst="rect">
+            <a:avLst/>
+          </a:prstGeom>
+        </p:spPr>
+        <p:txBody>
+          <a:bodyPr lIns="0" rIns="0" tIns="0" bIns="0">
+            <a:normAutofit/>
+          </a:bodyPr>
+          <a:p>
+            <a:endParaRPr b="0" lang="en-US" sz="3200" spc="-1" strike="noStrike">
+              <a:latin typeface="Arial"/>
+            </a:endParaRPr>
+          </a:p>
+        </p:txBody>
+      </p:sp>
+    </p:spTree>
+  </p:cSld>
+</p:sldLayout>
+</file>
+
+<file path=ppt/slideLayouts/slideLayout16.xml><?xml version="1.0" encoding="utf-8"?>
+<p:sldLayout xmlns:a="http://schemas.openxmlformats.org/drawingml/2006/main" xmlns:p="http://schemas.openxmlformats.org/presentationml/2006/main" xmlns:r="http://schemas.openxmlformats.org/officeDocument/2006/relationships" xmlns:p14="http://schemas.microsoft.com/office/powerpoint/2010/main" xmlns:p15="http://schemas.microsoft.com/office/powerpoint/2012/main" xmlns:mc="http://schemas.openxmlformats.org/markup-compatibility/2006" type="twoObj" preserve="1">
+  <p:cSld name="Title, 2 Content">
+    <p:spTree>
+      <p:nvGrpSpPr>
+        <p:cNvPr id="1" name=""/>
+        <p:cNvGrpSpPr/>
+        <p:nvPr/>
+      </p:nvGrpSpPr>
+      <p:grpSpPr>
+        <a:xfrm>
+          <a:off x="0" y="0"/>
+          <a:ext cx="0" cy="0"/>
+          <a:chOff x="0" y="0"/>
+          <a:chExt cx="0" cy="0"/>
+        </a:xfrm>
+      </p:grpSpPr>
+      <p:sp>
+        <p:nvSpPr>
+          <p:cNvPr id="50" name="PlaceHolder 1"/>
+          <p:cNvSpPr>
+            <a:spLocks noGrp="1"/>
+          </p:cNvSpPr>
+          <p:nvPr>
+            <p:ph type="title"/>
+          </p:nvPr>
+        </p:nvSpPr>
+        <p:spPr>
+          <a:xfrm>
+            <a:off x="495000" y="273600"/>
+            <a:ext cx="8915040" cy="1144800"/>
+          </a:xfrm>
+          <a:prstGeom prst="rect">
+            <a:avLst/>
+          </a:prstGeom>
+        </p:spPr>
+        <p:txBody>
+          <a:bodyPr lIns="0" rIns="0" tIns="0" bIns="0" anchor="ctr"/>
+          <a:p>
+            <a:pPr algn="ctr"/>
+            <a:endParaRPr b="0" lang="en-US" sz="4400" spc="-1" strike="noStrike">
+              <a:latin typeface="Arial"/>
+            </a:endParaRPr>
+          </a:p>
+        </p:txBody>
+      </p:sp>
+      <p:sp>
+        <p:nvSpPr>
+          <p:cNvPr id="51" name="PlaceHolder 2"/>
+          <p:cNvSpPr>
+            <a:spLocks noGrp="1"/>
+          </p:cNvSpPr>
+          <p:nvPr>
+            <p:ph type="body"/>
+          </p:nvPr>
+        </p:nvSpPr>
+        <p:spPr>
+          <a:xfrm>
+            <a:off x="495000" y="1604520"/>
+            <a:ext cx="4350240" cy="3977280"/>
+          </a:xfrm>
+          <a:prstGeom prst="rect">
+            <a:avLst/>
+          </a:prstGeom>
+        </p:spPr>
+        <p:txBody>
+          <a:bodyPr lIns="0" rIns="0" tIns="0" bIns="0">
+            <a:normAutofit/>
+          </a:bodyPr>
+          <a:p>
+            <a:endParaRPr b="0" lang="en-US" sz="3200" spc="-1" strike="noStrike">
+              <a:latin typeface="Arial"/>
+            </a:endParaRPr>
+          </a:p>
+        </p:txBody>
+      </p:sp>
+      <p:sp>
+        <p:nvSpPr>
+          <p:cNvPr id="52" name="PlaceHolder 3"/>
+          <p:cNvSpPr>
+            <a:spLocks noGrp="1"/>
+          </p:cNvSpPr>
+          <p:nvPr>
+            <p:ph type="body"/>
+          </p:nvPr>
+        </p:nvSpPr>
+        <p:spPr>
+          <a:xfrm>
+            <a:off x="5063040" y="1604520"/>
+            <a:ext cx="4350240" cy="3977280"/>
+          </a:xfrm>
+          <a:prstGeom prst="rect">
+            <a:avLst/>
+          </a:prstGeom>
+        </p:spPr>
+        <p:txBody>
+          <a:bodyPr lIns="0" rIns="0" tIns="0" bIns="0">
+            <a:normAutofit/>
+          </a:bodyPr>
+          <a:p>
+            <a:endParaRPr b="0" lang="en-US" sz="3200" spc="-1" strike="noStrike">
+              <a:latin typeface="Arial"/>
+            </a:endParaRPr>
+          </a:p>
+        </p:txBody>
+      </p:sp>
+    </p:spTree>
+  </p:cSld>
+</p:sldLayout>
+</file>
+
+<file path=ppt/slideLayouts/slideLayout17.xml><?xml version="1.0" encoding="utf-8"?>
+<p:sldLayout xmlns:a="http://schemas.openxmlformats.org/drawingml/2006/main" xmlns:p="http://schemas.openxmlformats.org/presentationml/2006/main" xmlns:r="http://schemas.openxmlformats.org/officeDocument/2006/relationships" xmlns:p14="http://schemas.microsoft.com/office/powerpoint/2010/main" xmlns:p15="http://schemas.microsoft.com/office/powerpoint/2012/main" xmlns:mc="http://schemas.openxmlformats.org/markup-compatibility/2006" type="titleOnly" preserve="1">
+  <p:cSld name="Title Only">
+    <p:spTree>
+      <p:nvGrpSpPr>
+        <p:cNvPr id="1" name=""/>
+        <p:cNvGrpSpPr/>
+        <p:nvPr/>
+      </p:nvGrpSpPr>
+      <p:grpSpPr>
+        <a:xfrm>
+          <a:off x="0" y="0"/>
+          <a:ext cx="0" cy="0"/>
+          <a:chOff x="0" y="0"/>
+          <a:chExt cx="0" cy="0"/>
+        </a:xfrm>
+      </p:grpSpPr>
+      <p:sp>
+        <p:nvSpPr>
+          <p:cNvPr id="53" name="PlaceHolder 1"/>
+          <p:cNvSpPr>
+            <a:spLocks noGrp="1"/>
+          </p:cNvSpPr>
+          <p:nvPr>
+            <p:ph type="title"/>
+          </p:nvPr>
+        </p:nvSpPr>
+        <p:spPr>
+          <a:xfrm>
+            <a:off x="495000" y="273600"/>
+            <a:ext cx="8915040" cy="1144800"/>
+          </a:xfrm>
+          <a:prstGeom prst="rect">
+            <a:avLst/>
+          </a:prstGeom>
+        </p:spPr>
+        <p:txBody>
+          <a:bodyPr lIns="0" rIns="0" tIns="0" bIns="0" anchor="ctr"/>
+          <a:p>
+            <a:pPr algn="ctr"/>
+            <a:endParaRPr b="0" lang="en-US" sz="4400" spc="-1" strike="noStrike">
+              <a:latin typeface="Arial"/>
+            </a:endParaRPr>
+          </a:p>
+        </p:txBody>
+      </p:sp>
+    </p:spTree>
+  </p:cSld>
+</p:sldLayout>
+</file>
+
+<file path=ppt/slideLayouts/slideLayout18.xml><?xml version="1.0" encoding="utf-8"?>
+<p:sldLayout xmlns:a="http://schemas.openxmlformats.org/drawingml/2006/main" xmlns:p="http://schemas.openxmlformats.org/presentationml/2006/main" xmlns:r="http://schemas.openxmlformats.org/officeDocument/2006/relationships" xmlns:p14="http://schemas.microsoft.com/office/powerpoint/2010/main" xmlns:p15="http://schemas.microsoft.com/office/powerpoint/2012/main" xmlns:mc="http://schemas.openxmlformats.org/markup-compatibility/2006" type="objOnly" preserve="1">
+  <p:cSld name="Centered Text">
+    <p:spTree>
+      <p:nvGrpSpPr>
+        <p:cNvPr id="1" name=""/>
+        <p:cNvGrpSpPr/>
+        <p:nvPr/>
+      </p:nvGrpSpPr>
+      <p:grpSpPr>
+        <a:xfrm>
+          <a:off x="0" y="0"/>
+          <a:ext cx="0" cy="0"/>
+          <a:chOff x="0" y="0"/>
+          <a:chExt cx="0" cy="0"/>
+        </a:xfrm>
+      </p:grpSpPr>
+      <p:sp>
+        <p:nvSpPr>
+          <p:cNvPr id="54" name="PlaceHolder 1"/>
+          <p:cNvSpPr>
+            <a:spLocks noGrp="1"/>
+          </p:cNvSpPr>
+          <p:nvPr>
+            <p:ph type="subTitle"/>
+          </p:nvPr>
+        </p:nvSpPr>
+        <p:spPr>
+          <a:xfrm>
+            <a:off x="495000" y="273600"/>
+            <a:ext cx="8915040" cy="5307840"/>
+          </a:xfrm>
+          <a:prstGeom prst="rect">
+            <a:avLst/>
+          </a:prstGeom>
+        </p:spPr>
+        <p:txBody>
+          <a:bodyPr lIns="0" rIns="0" tIns="0" bIns="0" anchor="ctr"/>
+          <a:p>
+            <a:pPr algn="ctr"/>
+            <a:endParaRPr b="0" lang="en-US" sz="3200" spc="-1" strike="noStrike">
+              <a:latin typeface="Arial"/>
+            </a:endParaRPr>
+          </a:p>
+        </p:txBody>
+      </p:sp>
+    </p:spTree>
+  </p:cSld>
+</p:sldLayout>
+</file>
+
+<file path=ppt/slideLayouts/slideLayout19.xml><?xml version="1.0" encoding="utf-8"?>
+<p:sldLayout xmlns:a="http://schemas.openxmlformats.org/drawingml/2006/main" xmlns:p="http://schemas.openxmlformats.org/presentationml/2006/main" xmlns:r="http://schemas.openxmlformats.org/officeDocument/2006/relationships" xmlns:p14="http://schemas.microsoft.com/office/powerpoint/2010/main" xmlns:p15="http://schemas.microsoft.com/office/powerpoint/2012/main" xmlns:mc="http://schemas.openxmlformats.org/markup-compatibility/2006" type="twoObjAndObj" preserve="1">
+  <p:cSld name="Title, 2 Content and Content">
+    <p:spTree>
+      <p:nvGrpSpPr>
+        <p:cNvPr id="1" name=""/>
+        <p:cNvGrpSpPr/>
+        <p:nvPr/>
+      </p:nvGrpSpPr>
+      <p:grpSpPr>
+        <a:xfrm>
+          <a:off x="0" y="0"/>
+          <a:ext cx="0" cy="0"/>
+          <a:chOff x="0" y="0"/>
+          <a:chExt cx="0" cy="0"/>
+        </a:xfrm>
+      </p:grpSpPr>
+      <p:sp>
+        <p:nvSpPr>
+          <p:cNvPr id="55" name="PlaceHolder 1"/>
+          <p:cNvSpPr>
+            <a:spLocks noGrp="1"/>
+          </p:cNvSpPr>
+          <p:nvPr>
+            <p:ph type="title"/>
+          </p:nvPr>
+        </p:nvSpPr>
+        <p:spPr>
+          <a:xfrm>
+            <a:off x="495000" y="273600"/>
+            <a:ext cx="8915040" cy="1144800"/>
+          </a:xfrm>
+          <a:prstGeom prst="rect">
+            <a:avLst/>
+          </a:prstGeom>
+        </p:spPr>
+        <p:txBody>
+          <a:bodyPr lIns="0" rIns="0" tIns="0" bIns="0" anchor="ctr"/>
+          <a:p>
+            <a:pPr algn="ctr"/>
+            <a:endParaRPr b="0" lang="en-US" sz="4400" spc="-1" strike="noStrike">
+              <a:latin typeface="Arial"/>
+            </a:endParaRPr>
+          </a:p>
+        </p:txBody>
+      </p:sp>
+      <p:sp>
+        <p:nvSpPr>
+          <p:cNvPr id="56" name="PlaceHolder 2"/>
+          <p:cNvSpPr>
+            <a:spLocks noGrp="1"/>
+          </p:cNvSpPr>
+          <p:nvPr>
+            <p:ph type="body"/>
+          </p:nvPr>
+        </p:nvSpPr>
+        <p:spPr>
+          <a:xfrm>
+            <a:off x="495000" y="1604520"/>
+            <a:ext cx="4350240" cy="1896840"/>
+          </a:xfrm>
+          <a:prstGeom prst="rect">
+            <a:avLst/>
+          </a:prstGeom>
+        </p:spPr>
+        <p:txBody>
+          <a:bodyPr lIns="0" rIns="0" tIns="0" bIns="0">
+            <a:normAutofit/>
+          </a:bodyPr>
+          <a:p>
+            <a:endParaRPr b="0" lang="en-US" sz="3200" spc="-1" strike="noStrike">
+              <a:latin typeface="Arial"/>
+            </a:endParaRPr>
+          </a:p>
+        </p:txBody>
+      </p:sp>
+      <p:sp>
+        <p:nvSpPr>
+          <p:cNvPr id="57" name="PlaceHolder 3"/>
+          <p:cNvSpPr>
+            <a:spLocks noGrp="1"/>
+          </p:cNvSpPr>
+          <p:nvPr>
+            <p:ph type="body"/>
+          </p:nvPr>
+        </p:nvSpPr>
+        <p:spPr>
+          <a:xfrm>
+            <a:off x="5063040" y="1604520"/>
+            <a:ext cx="4350240" cy="3977280"/>
+          </a:xfrm>
+          <a:prstGeom prst="rect">
+            <a:avLst/>
+          </a:prstGeom>
+        </p:spPr>
+        <p:txBody>
+          <a:bodyPr lIns="0" rIns="0" tIns="0" bIns="0">
+            <a:normAutofit/>
+          </a:bodyPr>
+          <a:p>
+            <a:endParaRPr b="0" lang="en-US" sz="3200" spc="-1" strike="noStrike">
+              <a:latin typeface="Arial"/>
+            </a:endParaRPr>
+          </a:p>
+        </p:txBody>
+      </p:sp>
+      <p:sp>
+        <p:nvSpPr>
+          <p:cNvPr id="58" name="PlaceHolder 4"/>
+          <p:cNvSpPr>
+            <a:spLocks noGrp="1"/>
+          </p:cNvSpPr>
+          <p:nvPr>
+            <p:ph type="body"/>
+          </p:nvPr>
+        </p:nvSpPr>
+        <p:spPr>
+          <a:xfrm>
+            <a:off x="495000" y="3682080"/>
+            <a:ext cx="4350240" cy="1896840"/>
           </a:xfrm>
           <a:prstGeom prst="rect">
             <a:avLst/>
@@ -566,7 +2052,7 @@
       </p:grpSpPr>
       <p:sp>
         <p:nvSpPr>
-          <p:cNvPr id="2" name="PlaceHolder 1"/>
+          <p:cNvPr id="6" name="PlaceHolder 1"/>
           <p:cNvSpPr>
             <a:spLocks noGrp="1"/>
           </p:cNvSpPr>
@@ -576,8 +2062,8 @@
         </p:nvSpPr>
         <p:spPr>
           <a:xfrm>
-            <a:off x="685800" y="2130480"/>
-            <a:ext cx="7771320" cy="1468800"/>
+            <a:off x="495000" y="273600"/>
+            <a:ext cx="8915040" cy="1144800"/>
           </a:xfrm>
           <a:prstGeom prst="rect">
             <a:avLst/>
@@ -595,7 +2081,7 @@
       </p:sp>
       <p:sp>
         <p:nvSpPr>
-          <p:cNvPr id="3" name="PlaceHolder 2"/>
+          <p:cNvPr id="7" name="PlaceHolder 2"/>
           <p:cNvSpPr>
             <a:spLocks noGrp="1"/>
           </p:cNvSpPr>
@@ -605,8 +2091,8 @@
         </p:nvSpPr>
         <p:spPr>
           <a:xfrm>
-            <a:off x="457200" y="1604520"/>
-            <a:ext cx="8228880" cy="3976920"/>
+            <a:off x="495000" y="1604520"/>
+            <a:ext cx="8915040" cy="3977280"/>
           </a:xfrm>
           <a:prstGeom prst="rect">
             <a:avLst/>
@@ -616,6 +2102,801 @@
           <a:bodyPr lIns="0" rIns="0" tIns="0" bIns="0" anchor="ctr"/>
           <a:p>
             <a:pPr algn="ctr"/>
+            <a:endParaRPr b="0" lang="en-US" sz="3200" spc="-1" strike="noStrike">
+              <a:latin typeface="Arial"/>
+            </a:endParaRPr>
+          </a:p>
+        </p:txBody>
+      </p:sp>
+    </p:spTree>
+  </p:cSld>
+</p:sldLayout>
+</file>
+
+<file path=ppt/slideLayouts/slideLayout20.xml><?xml version="1.0" encoding="utf-8"?>
+<p:sldLayout xmlns:a="http://schemas.openxmlformats.org/drawingml/2006/main" xmlns:p="http://schemas.openxmlformats.org/presentationml/2006/main" xmlns:r="http://schemas.openxmlformats.org/officeDocument/2006/relationships" xmlns:p14="http://schemas.microsoft.com/office/powerpoint/2010/main" xmlns:p15="http://schemas.microsoft.com/office/powerpoint/2012/main" xmlns:mc="http://schemas.openxmlformats.org/markup-compatibility/2006" type="objAndTwoObj" preserve="1">
+  <p:cSld name="Title Content and 2 Content">
+    <p:spTree>
+      <p:nvGrpSpPr>
+        <p:cNvPr id="1" name=""/>
+        <p:cNvGrpSpPr/>
+        <p:nvPr/>
+      </p:nvGrpSpPr>
+      <p:grpSpPr>
+        <a:xfrm>
+          <a:off x="0" y="0"/>
+          <a:ext cx="0" cy="0"/>
+          <a:chOff x="0" y="0"/>
+          <a:chExt cx="0" cy="0"/>
+        </a:xfrm>
+      </p:grpSpPr>
+      <p:sp>
+        <p:nvSpPr>
+          <p:cNvPr id="59" name="PlaceHolder 1"/>
+          <p:cNvSpPr>
+            <a:spLocks noGrp="1"/>
+          </p:cNvSpPr>
+          <p:nvPr>
+            <p:ph type="title"/>
+          </p:nvPr>
+        </p:nvSpPr>
+        <p:spPr>
+          <a:xfrm>
+            <a:off x="495000" y="273600"/>
+            <a:ext cx="8915040" cy="1144800"/>
+          </a:xfrm>
+          <a:prstGeom prst="rect">
+            <a:avLst/>
+          </a:prstGeom>
+        </p:spPr>
+        <p:txBody>
+          <a:bodyPr lIns="0" rIns="0" tIns="0" bIns="0" anchor="ctr"/>
+          <a:p>
+            <a:pPr algn="ctr"/>
+            <a:endParaRPr b="0" lang="en-US" sz="4400" spc="-1" strike="noStrike">
+              <a:latin typeface="Arial"/>
+            </a:endParaRPr>
+          </a:p>
+        </p:txBody>
+      </p:sp>
+      <p:sp>
+        <p:nvSpPr>
+          <p:cNvPr id="60" name="PlaceHolder 2"/>
+          <p:cNvSpPr>
+            <a:spLocks noGrp="1"/>
+          </p:cNvSpPr>
+          <p:nvPr>
+            <p:ph type="body"/>
+          </p:nvPr>
+        </p:nvSpPr>
+        <p:spPr>
+          <a:xfrm>
+            <a:off x="495000" y="1604520"/>
+            <a:ext cx="4350240" cy="3977280"/>
+          </a:xfrm>
+          <a:prstGeom prst="rect">
+            <a:avLst/>
+          </a:prstGeom>
+        </p:spPr>
+        <p:txBody>
+          <a:bodyPr lIns="0" rIns="0" tIns="0" bIns="0">
+            <a:normAutofit/>
+          </a:bodyPr>
+          <a:p>
+            <a:endParaRPr b="0" lang="en-US" sz="3200" spc="-1" strike="noStrike">
+              <a:latin typeface="Arial"/>
+            </a:endParaRPr>
+          </a:p>
+        </p:txBody>
+      </p:sp>
+      <p:sp>
+        <p:nvSpPr>
+          <p:cNvPr id="61" name="PlaceHolder 3"/>
+          <p:cNvSpPr>
+            <a:spLocks noGrp="1"/>
+          </p:cNvSpPr>
+          <p:nvPr>
+            <p:ph type="body"/>
+          </p:nvPr>
+        </p:nvSpPr>
+        <p:spPr>
+          <a:xfrm>
+            <a:off x="5063040" y="1604520"/>
+            <a:ext cx="4350240" cy="1896840"/>
+          </a:xfrm>
+          <a:prstGeom prst="rect">
+            <a:avLst/>
+          </a:prstGeom>
+        </p:spPr>
+        <p:txBody>
+          <a:bodyPr lIns="0" rIns="0" tIns="0" bIns="0">
+            <a:normAutofit/>
+          </a:bodyPr>
+          <a:p>
+            <a:endParaRPr b="0" lang="en-US" sz="3200" spc="-1" strike="noStrike">
+              <a:latin typeface="Arial"/>
+            </a:endParaRPr>
+          </a:p>
+        </p:txBody>
+      </p:sp>
+      <p:sp>
+        <p:nvSpPr>
+          <p:cNvPr id="62" name="PlaceHolder 4"/>
+          <p:cNvSpPr>
+            <a:spLocks noGrp="1"/>
+          </p:cNvSpPr>
+          <p:nvPr>
+            <p:ph type="body"/>
+          </p:nvPr>
+        </p:nvSpPr>
+        <p:spPr>
+          <a:xfrm>
+            <a:off x="5063040" y="3682080"/>
+            <a:ext cx="4350240" cy="1896840"/>
+          </a:xfrm>
+          <a:prstGeom prst="rect">
+            <a:avLst/>
+          </a:prstGeom>
+        </p:spPr>
+        <p:txBody>
+          <a:bodyPr lIns="0" rIns="0" tIns="0" bIns="0">
+            <a:normAutofit/>
+          </a:bodyPr>
+          <a:p>
+            <a:endParaRPr b="0" lang="en-US" sz="3200" spc="-1" strike="noStrike">
+              <a:latin typeface="Arial"/>
+            </a:endParaRPr>
+          </a:p>
+        </p:txBody>
+      </p:sp>
+    </p:spTree>
+  </p:cSld>
+</p:sldLayout>
+</file>
+
+<file path=ppt/slideLayouts/slideLayout21.xml><?xml version="1.0" encoding="utf-8"?>
+<p:sldLayout xmlns:a="http://schemas.openxmlformats.org/drawingml/2006/main" xmlns:p="http://schemas.openxmlformats.org/presentationml/2006/main" xmlns:r="http://schemas.openxmlformats.org/officeDocument/2006/relationships" xmlns:p14="http://schemas.microsoft.com/office/powerpoint/2010/main" xmlns:p15="http://schemas.microsoft.com/office/powerpoint/2012/main" xmlns:mc="http://schemas.openxmlformats.org/markup-compatibility/2006" type="twoObjOverTx" preserve="1">
+  <p:cSld name="Title, 2 Content over Content">
+    <p:spTree>
+      <p:nvGrpSpPr>
+        <p:cNvPr id="1" name=""/>
+        <p:cNvGrpSpPr/>
+        <p:nvPr/>
+      </p:nvGrpSpPr>
+      <p:grpSpPr>
+        <a:xfrm>
+          <a:off x="0" y="0"/>
+          <a:ext cx="0" cy="0"/>
+          <a:chOff x="0" y="0"/>
+          <a:chExt cx="0" cy="0"/>
+        </a:xfrm>
+      </p:grpSpPr>
+      <p:sp>
+        <p:nvSpPr>
+          <p:cNvPr id="63" name="PlaceHolder 1"/>
+          <p:cNvSpPr>
+            <a:spLocks noGrp="1"/>
+          </p:cNvSpPr>
+          <p:nvPr>
+            <p:ph type="title"/>
+          </p:nvPr>
+        </p:nvSpPr>
+        <p:spPr>
+          <a:xfrm>
+            <a:off x="495000" y="273600"/>
+            <a:ext cx="8915040" cy="1144800"/>
+          </a:xfrm>
+          <a:prstGeom prst="rect">
+            <a:avLst/>
+          </a:prstGeom>
+        </p:spPr>
+        <p:txBody>
+          <a:bodyPr lIns="0" rIns="0" tIns="0" bIns="0" anchor="ctr"/>
+          <a:p>
+            <a:pPr algn="ctr"/>
+            <a:endParaRPr b="0" lang="en-US" sz="4400" spc="-1" strike="noStrike">
+              <a:latin typeface="Arial"/>
+            </a:endParaRPr>
+          </a:p>
+        </p:txBody>
+      </p:sp>
+      <p:sp>
+        <p:nvSpPr>
+          <p:cNvPr id="64" name="PlaceHolder 2"/>
+          <p:cNvSpPr>
+            <a:spLocks noGrp="1"/>
+          </p:cNvSpPr>
+          <p:nvPr>
+            <p:ph type="body"/>
+          </p:nvPr>
+        </p:nvSpPr>
+        <p:spPr>
+          <a:xfrm>
+            <a:off x="495000" y="1604520"/>
+            <a:ext cx="4350240" cy="1896840"/>
+          </a:xfrm>
+          <a:prstGeom prst="rect">
+            <a:avLst/>
+          </a:prstGeom>
+        </p:spPr>
+        <p:txBody>
+          <a:bodyPr lIns="0" rIns="0" tIns="0" bIns="0">
+            <a:normAutofit/>
+          </a:bodyPr>
+          <a:p>
+            <a:endParaRPr b="0" lang="en-US" sz="3200" spc="-1" strike="noStrike">
+              <a:latin typeface="Arial"/>
+            </a:endParaRPr>
+          </a:p>
+        </p:txBody>
+      </p:sp>
+      <p:sp>
+        <p:nvSpPr>
+          <p:cNvPr id="65" name="PlaceHolder 3"/>
+          <p:cNvSpPr>
+            <a:spLocks noGrp="1"/>
+          </p:cNvSpPr>
+          <p:nvPr>
+            <p:ph type="body"/>
+          </p:nvPr>
+        </p:nvSpPr>
+        <p:spPr>
+          <a:xfrm>
+            <a:off x="5063040" y="1604520"/>
+            <a:ext cx="4350240" cy="1896840"/>
+          </a:xfrm>
+          <a:prstGeom prst="rect">
+            <a:avLst/>
+          </a:prstGeom>
+        </p:spPr>
+        <p:txBody>
+          <a:bodyPr lIns="0" rIns="0" tIns="0" bIns="0">
+            <a:normAutofit/>
+          </a:bodyPr>
+          <a:p>
+            <a:endParaRPr b="0" lang="en-US" sz="3200" spc="-1" strike="noStrike">
+              <a:latin typeface="Arial"/>
+            </a:endParaRPr>
+          </a:p>
+        </p:txBody>
+      </p:sp>
+      <p:sp>
+        <p:nvSpPr>
+          <p:cNvPr id="66" name="PlaceHolder 4"/>
+          <p:cNvSpPr>
+            <a:spLocks noGrp="1"/>
+          </p:cNvSpPr>
+          <p:nvPr>
+            <p:ph type="body"/>
+          </p:nvPr>
+        </p:nvSpPr>
+        <p:spPr>
+          <a:xfrm>
+            <a:off x="495000" y="3682080"/>
+            <a:ext cx="8915040" cy="1896840"/>
+          </a:xfrm>
+          <a:prstGeom prst="rect">
+            <a:avLst/>
+          </a:prstGeom>
+        </p:spPr>
+        <p:txBody>
+          <a:bodyPr lIns="0" rIns="0" tIns="0" bIns="0">
+            <a:normAutofit/>
+          </a:bodyPr>
+          <a:p>
+            <a:endParaRPr b="0" lang="en-US" sz="3200" spc="-1" strike="noStrike">
+              <a:latin typeface="Arial"/>
+            </a:endParaRPr>
+          </a:p>
+        </p:txBody>
+      </p:sp>
+    </p:spTree>
+  </p:cSld>
+</p:sldLayout>
+</file>
+
+<file path=ppt/slideLayouts/slideLayout22.xml><?xml version="1.0" encoding="utf-8"?>
+<p:sldLayout xmlns:a="http://schemas.openxmlformats.org/drawingml/2006/main" xmlns:p="http://schemas.openxmlformats.org/presentationml/2006/main" xmlns:r="http://schemas.openxmlformats.org/officeDocument/2006/relationships" xmlns:p14="http://schemas.microsoft.com/office/powerpoint/2010/main" xmlns:p15="http://schemas.microsoft.com/office/powerpoint/2012/main" xmlns:mc="http://schemas.openxmlformats.org/markup-compatibility/2006" type="objOverTx" preserve="1">
+  <p:cSld name="Title, Content over Content">
+    <p:spTree>
+      <p:nvGrpSpPr>
+        <p:cNvPr id="1" name=""/>
+        <p:cNvGrpSpPr/>
+        <p:nvPr/>
+      </p:nvGrpSpPr>
+      <p:grpSpPr>
+        <a:xfrm>
+          <a:off x="0" y="0"/>
+          <a:ext cx="0" cy="0"/>
+          <a:chOff x="0" y="0"/>
+          <a:chExt cx="0" cy="0"/>
+        </a:xfrm>
+      </p:grpSpPr>
+      <p:sp>
+        <p:nvSpPr>
+          <p:cNvPr id="67" name="PlaceHolder 1"/>
+          <p:cNvSpPr>
+            <a:spLocks noGrp="1"/>
+          </p:cNvSpPr>
+          <p:nvPr>
+            <p:ph type="title"/>
+          </p:nvPr>
+        </p:nvSpPr>
+        <p:spPr>
+          <a:xfrm>
+            <a:off x="495000" y="273600"/>
+            <a:ext cx="8915040" cy="1144800"/>
+          </a:xfrm>
+          <a:prstGeom prst="rect">
+            <a:avLst/>
+          </a:prstGeom>
+        </p:spPr>
+        <p:txBody>
+          <a:bodyPr lIns="0" rIns="0" tIns="0" bIns="0" anchor="ctr"/>
+          <a:p>
+            <a:pPr algn="ctr"/>
+            <a:endParaRPr b="0" lang="en-US" sz="4400" spc="-1" strike="noStrike">
+              <a:latin typeface="Arial"/>
+            </a:endParaRPr>
+          </a:p>
+        </p:txBody>
+      </p:sp>
+      <p:sp>
+        <p:nvSpPr>
+          <p:cNvPr id="68" name="PlaceHolder 2"/>
+          <p:cNvSpPr>
+            <a:spLocks noGrp="1"/>
+          </p:cNvSpPr>
+          <p:nvPr>
+            <p:ph type="body"/>
+          </p:nvPr>
+        </p:nvSpPr>
+        <p:spPr>
+          <a:xfrm>
+            <a:off x="495000" y="1604520"/>
+            <a:ext cx="8915040" cy="1896840"/>
+          </a:xfrm>
+          <a:prstGeom prst="rect">
+            <a:avLst/>
+          </a:prstGeom>
+        </p:spPr>
+        <p:txBody>
+          <a:bodyPr lIns="0" rIns="0" tIns="0" bIns="0">
+            <a:normAutofit/>
+          </a:bodyPr>
+          <a:p>
+            <a:endParaRPr b="0" lang="en-US" sz="3200" spc="-1" strike="noStrike">
+              <a:latin typeface="Arial"/>
+            </a:endParaRPr>
+          </a:p>
+        </p:txBody>
+      </p:sp>
+      <p:sp>
+        <p:nvSpPr>
+          <p:cNvPr id="69" name="PlaceHolder 3"/>
+          <p:cNvSpPr>
+            <a:spLocks noGrp="1"/>
+          </p:cNvSpPr>
+          <p:nvPr>
+            <p:ph type="body"/>
+          </p:nvPr>
+        </p:nvSpPr>
+        <p:spPr>
+          <a:xfrm>
+            <a:off x="495000" y="3682080"/>
+            <a:ext cx="8915040" cy="1896840"/>
+          </a:xfrm>
+          <a:prstGeom prst="rect">
+            <a:avLst/>
+          </a:prstGeom>
+        </p:spPr>
+        <p:txBody>
+          <a:bodyPr lIns="0" rIns="0" tIns="0" bIns="0">
+            <a:normAutofit/>
+          </a:bodyPr>
+          <a:p>
+            <a:endParaRPr b="0" lang="en-US" sz="3200" spc="-1" strike="noStrike">
+              <a:latin typeface="Arial"/>
+            </a:endParaRPr>
+          </a:p>
+        </p:txBody>
+      </p:sp>
+    </p:spTree>
+  </p:cSld>
+</p:sldLayout>
+</file>
+
+<file path=ppt/slideLayouts/slideLayout23.xml><?xml version="1.0" encoding="utf-8"?>
+<p:sldLayout xmlns:a="http://schemas.openxmlformats.org/drawingml/2006/main" xmlns:p="http://schemas.openxmlformats.org/presentationml/2006/main" xmlns:r="http://schemas.openxmlformats.org/officeDocument/2006/relationships" xmlns:p14="http://schemas.microsoft.com/office/powerpoint/2010/main" xmlns:p15="http://schemas.microsoft.com/office/powerpoint/2012/main" xmlns:mc="http://schemas.openxmlformats.org/markup-compatibility/2006" type="fourObj" preserve="1">
+  <p:cSld name="Title, 4 Content">
+    <p:spTree>
+      <p:nvGrpSpPr>
+        <p:cNvPr id="1" name=""/>
+        <p:cNvGrpSpPr/>
+        <p:nvPr/>
+      </p:nvGrpSpPr>
+      <p:grpSpPr>
+        <a:xfrm>
+          <a:off x="0" y="0"/>
+          <a:ext cx="0" cy="0"/>
+          <a:chOff x="0" y="0"/>
+          <a:chExt cx="0" cy="0"/>
+        </a:xfrm>
+      </p:grpSpPr>
+      <p:sp>
+        <p:nvSpPr>
+          <p:cNvPr id="70" name="PlaceHolder 1"/>
+          <p:cNvSpPr>
+            <a:spLocks noGrp="1"/>
+          </p:cNvSpPr>
+          <p:nvPr>
+            <p:ph type="title"/>
+          </p:nvPr>
+        </p:nvSpPr>
+        <p:spPr>
+          <a:xfrm>
+            <a:off x="495000" y="273600"/>
+            <a:ext cx="8915040" cy="1144800"/>
+          </a:xfrm>
+          <a:prstGeom prst="rect">
+            <a:avLst/>
+          </a:prstGeom>
+        </p:spPr>
+        <p:txBody>
+          <a:bodyPr lIns="0" rIns="0" tIns="0" bIns="0" anchor="ctr"/>
+          <a:p>
+            <a:pPr algn="ctr"/>
+            <a:endParaRPr b="0" lang="en-US" sz="4400" spc="-1" strike="noStrike">
+              <a:latin typeface="Arial"/>
+            </a:endParaRPr>
+          </a:p>
+        </p:txBody>
+      </p:sp>
+      <p:sp>
+        <p:nvSpPr>
+          <p:cNvPr id="71" name="PlaceHolder 2"/>
+          <p:cNvSpPr>
+            <a:spLocks noGrp="1"/>
+          </p:cNvSpPr>
+          <p:nvPr>
+            <p:ph type="body"/>
+          </p:nvPr>
+        </p:nvSpPr>
+        <p:spPr>
+          <a:xfrm>
+            <a:off x="495000" y="1604520"/>
+            <a:ext cx="4350240" cy="1896840"/>
+          </a:xfrm>
+          <a:prstGeom prst="rect">
+            <a:avLst/>
+          </a:prstGeom>
+        </p:spPr>
+        <p:txBody>
+          <a:bodyPr lIns="0" rIns="0" tIns="0" bIns="0">
+            <a:normAutofit/>
+          </a:bodyPr>
+          <a:p>
+            <a:endParaRPr b="0" lang="en-US" sz="3200" spc="-1" strike="noStrike">
+              <a:latin typeface="Arial"/>
+            </a:endParaRPr>
+          </a:p>
+        </p:txBody>
+      </p:sp>
+      <p:sp>
+        <p:nvSpPr>
+          <p:cNvPr id="72" name="PlaceHolder 3"/>
+          <p:cNvSpPr>
+            <a:spLocks noGrp="1"/>
+          </p:cNvSpPr>
+          <p:nvPr>
+            <p:ph type="body"/>
+          </p:nvPr>
+        </p:nvSpPr>
+        <p:spPr>
+          <a:xfrm>
+            <a:off x="5063040" y="1604520"/>
+            <a:ext cx="4350240" cy="1896840"/>
+          </a:xfrm>
+          <a:prstGeom prst="rect">
+            <a:avLst/>
+          </a:prstGeom>
+        </p:spPr>
+        <p:txBody>
+          <a:bodyPr lIns="0" rIns="0" tIns="0" bIns="0">
+            <a:normAutofit/>
+          </a:bodyPr>
+          <a:p>
+            <a:endParaRPr b="0" lang="en-US" sz="3200" spc="-1" strike="noStrike">
+              <a:latin typeface="Arial"/>
+            </a:endParaRPr>
+          </a:p>
+        </p:txBody>
+      </p:sp>
+      <p:sp>
+        <p:nvSpPr>
+          <p:cNvPr id="73" name="PlaceHolder 4"/>
+          <p:cNvSpPr>
+            <a:spLocks noGrp="1"/>
+          </p:cNvSpPr>
+          <p:nvPr>
+            <p:ph type="body"/>
+          </p:nvPr>
+        </p:nvSpPr>
+        <p:spPr>
+          <a:xfrm>
+            <a:off x="495000" y="3682080"/>
+            <a:ext cx="4350240" cy="1896840"/>
+          </a:xfrm>
+          <a:prstGeom prst="rect">
+            <a:avLst/>
+          </a:prstGeom>
+        </p:spPr>
+        <p:txBody>
+          <a:bodyPr lIns="0" rIns="0" tIns="0" bIns="0">
+            <a:normAutofit/>
+          </a:bodyPr>
+          <a:p>
+            <a:endParaRPr b="0" lang="en-US" sz="3200" spc="-1" strike="noStrike">
+              <a:latin typeface="Arial"/>
+            </a:endParaRPr>
+          </a:p>
+        </p:txBody>
+      </p:sp>
+      <p:sp>
+        <p:nvSpPr>
+          <p:cNvPr id="74" name="PlaceHolder 5"/>
+          <p:cNvSpPr>
+            <a:spLocks noGrp="1"/>
+          </p:cNvSpPr>
+          <p:nvPr>
+            <p:ph type="body"/>
+          </p:nvPr>
+        </p:nvSpPr>
+        <p:spPr>
+          <a:xfrm>
+            <a:off x="5063040" y="3682080"/>
+            <a:ext cx="4350240" cy="1896840"/>
+          </a:xfrm>
+          <a:prstGeom prst="rect">
+            <a:avLst/>
+          </a:prstGeom>
+        </p:spPr>
+        <p:txBody>
+          <a:bodyPr lIns="0" rIns="0" tIns="0" bIns="0">
+            <a:normAutofit/>
+          </a:bodyPr>
+          <a:p>
+            <a:endParaRPr b="0" lang="en-US" sz="3200" spc="-1" strike="noStrike">
+              <a:latin typeface="Arial"/>
+            </a:endParaRPr>
+          </a:p>
+        </p:txBody>
+      </p:sp>
+    </p:spTree>
+  </p:cSld>
+</p:sldLayout>
+</file>
+
+<file path=ppt/slideLayouts/slideLayout24.xml><?xml version="1.0" encoding="utf-8"?>
+<p:sldLayout xmlns:a="http://schemas.openxmlformats.org/drawingml/2006/main" xmlns:p="http://schemas.openxmlformats.org/presentationml/2006/main" xmlns:r="http://schemas.openxmlformats.org/officeDocument/2006/relationships" xmlns:p14="http://schemas.microsoft.com/office/powerpoint/2010/main" xmlns:p15="http://schemas.microsoft.com/office/powerpoint/2012/main" xmlns:mc="http://schemas.openxmlformats.org/markup-compatibility/2006" type="blank" preserve="1">
+  <p:cSld name="Title, 6 Content">
+    <p:spTree>
+      <p:nvGrpSpPr>
+        <p:cNvPr id="1" name=""/>
+        <p:cNvGrpSpPr/>
+        <p:nvPr/>
+      </p:nvGrpSpPr>
+      <p:grpSpPr>
+        <a:xfrm>
+          <a:off x="0" y="0"/>
+          <a:ext cx="0" cy="0"/>
+          <a:chOff x="0" y="0"/>
+          <a:chExt cx="0" cy="0"/>
+        </a:xfrm>
+      </p:grpSpPr>
+      <p:sp>
+        <p:nvSpPr>
+          <p:cNvPr id="75" name="PlaceHolder 1"/>
+          <p:cNvSpPr>
+            <a:spLocks noGrp="1"/>
+          </p:cNvSpPr>
+          <p:nvPr>
+            <p:ph type="title"/>
+          </p:nvPr>
+        </p:nvSpPr>
+        <p:spPr>
+          <a:xfrm>
+            <a:off x="495000" y="273600"/>
+            <a:ext cx="8915040" cy="1144800"/>
+          </a:xfrm>
+          <a:prstGeom prst="rect">
+            <a:avLst/>
+          </a:prstGeom>
+        </p:spPr>
+        <p:txBody>
+          <a:bodyPr lIns="0" rIns="0" tIns="0" bIns="0" anchor="ctr"/>
+          <a:p>
+            <a:pPr algn="ctr"/>
+            <a:endParaRPr b="0" lang="en-US" sz="4400" spc="-1" strike="noStrike">
+              <a:latin typeface="Arial"/>
+            </a:endParaRPr>
+          </a:p>
+        </p:txBody>
+      </p:sp>
+      <p:sp>
+        <p:nvSpPr>
+          <p:cNvPr id="76" name="PlaceHolder 2"/>
+          <p:cNvSpPr>
+            <a:spLocks noGrp="1"/>
+          </p:cNvSpPr>
+          <p:nvPr>
+            <p:ph type="body"/>
+          </p:nvPr>
+        </p:nvSpPr>
+        <p:spPr>
+          <a:xfrm>
+            <a:off x="495000" y="1604520"/>
+            <a:ext cx="2870280" cy="1896840"/>
+          </a:xfrm>
+          <a:prstGeom prst="rect">
+            <a:avLst/>
+          </a:prstGeom>
+        </p:spPr>
+        <p:txBody>
+          <a:bodyPr lIns="0" rIns="0" tIns="0" bIns="0">
+            <a:normAutofit/>
+          </a:bodyPr>
+          <a:p>
+            <a:endParaRPr b="0" lang="en-US" sz="3200" spc="-1" strike="noStrike">
+              <a:latin typeface="Arial"/>
+            </a:endParaRPr>
+          </a:p>
+        </p:txBody>
+      </p:sp>
+      <p:sp>
+        <p:nvSpPr>
+          <p:cNvPr id="77" name="PlaceHolder 3"/>
+          <p:cNvSpPr>
+            <a:spLocks noGrp="1"/>
+          </p:cNvSpPr>
+          <p:nvPr>
+            <p:ph type="body"/>
+          </p:nvPr>
+        </p:nvSpPr>
+        <p:spPr>
+          <a:xfrm>
+            <a:off x="3509280" y="1604520"/>
+            <a:ext cx="2870280" cy="1896840"/>
+          </a:xfrm>
+          <a:prstGeom prst="rect">
+            <a:avLst/>
+          </a:prstGeom>
+        </p:spPr>
+        <p:txBody>
+          <a:bodyPr lIns="0" rIns="0" tIns="0" bIns="0">
+            <a:normAutofit/>
+          </a:bodyPr>
+          <a:p>
+            <a:endParaRPr b="0" lang="en-US" sz="3200" spc="-1" strike="noStrike">
+              <a:latin typeface="Arial"/>
+            </a:endParaRPr>
+          </a:p>
+        </p:txBody>
+      </p:sp>
+      <p:sp>
+        <p:nvSpPr>
+          <p:cNvPr id="78" name="PlaceHolder 4"/>
+          <p:cNvSpPr>
+            <a:spLocks noGrp="1"/>
+          </p:cNvSpPr>
+          <p:nvPr>
+            <p:ph type="body"/>
+          </p:nvPr>
+        </p:nvSpPr>
+        <p:spPr>
+          <a:xfrm>
+            <a:off x="6523200" y="1604520"/>
+            <a:ext cx="2870280" cy="1896840"/>
+          </a:xfrm>
+          <a:prstGeom prst="rect">
+            <a:avLst/>
+          </a:prstGeom>
+        </p:spPr>
+        <p:txBody>
+          <a:bodyPr lIns="0" rIns="0" tIns="0" bIns="0">
+            <a:normAutofit/>
+          </a:bodyPr>
+          <a:p>
+            <a:endParaRPr b="0" lang="en-US" sz="3200" spc="-1" strike="noStrike">
+              <a:latin typeface="Arial"/>
+            </a:endParaRPr>
+          </a:p>
+        </p:txBody>
+      </p:sp>
+      <p:sp>
+        <p:nvSpPr>
+          <p:cNvPr id="79" name="PlaceHolder 5"/>
+          <p:cNvSpPr>
+            <a:spLocks noGrp="1"/>
+          </p:cNvSpPr>
+          <p:nvPr>
+            <p:ph type="body"/>
+          </p:nvPr>
+        </p:nvSpPr>
+        <p:spPr>
+          <a:xfrm>
+            <a:off x="495000" y="3682080"/>
+            <a:ext cx="2870280" cy="1896840"/>
+          </a:xfrm>
+          <a:prstGeom prst="rect">
+            <a:avLst/>
+          </a:prstGeom>
+        </p:spPr>
+        <p:txBody>
+          <a:bodyPr lIns="0" rIns="0" tIns="0" bIns="0">
+            <a:normAutofit/>
+          </a:bodyPr>
+          <a:p>
+            <a:endParaRPr b="0" lang="en-US" sz="3200" spc="-1" strike="noStrike">
+              <a:latin typeface="Arial"/>
+            </a:endParaRPr>
+          </a:p>
+        </p:txBody>
+      </p:sp>
+      <p:sp>
+        <p:nvSpPr>
+          <p:cNvPr id="80" name="PlaceHolder 6"/>
+          <p:cNvSpPr>
+            <a:spLocks noGrp="1"/>
+          </p:cNvSpPr>
+          <p:nvPr>
+            <p:ph type="body"/>
+          </p:nvPr>
+        </p:nvSpPr>
+        <p:spPr>
+          <a:xfrm>
+            <a:off x="3509280" y="3682080"/>
+            <a:ext cx="2870280" cy="1896840"/>
+          </a:xfrm>
+          <a:prstGeom prst="rect">
+            <a:avLst/>
+          </a:prstGeom>
+        </p:spPr>
+        <p:txBody>
+          <a:bodyPr lIns="0" rIns="0" tIns="0" bIns="0">
+            <a:normAutofit/>
+          </a:bodyPr>
+          <a:p>
+            <a:endParaRPr b="0" lang="en-US" sz="3200" spc="-1" strike="noStrike">
+              <a:latin typeface="Arial"/>
+            </a:endParaRPr>
+          </a:p>
+        </p:txBody>
+      </p:sp>
+      <p:sp>
+        <p:nvSpPr>
+          <p:cNvPr id="81" name="PlaceHolder 7"/>
+          <p:cNvSpPr>
+            <a:spLocks noGrp="1"/>
+          </p:cNvSpPr>
+          <p:nvPr>
+            <p:ph type="body"/>
+          </p:nvPr>
+        </p:nvSpPr>
+        <p:spPr>
+          <a:xfrm>
+            <a:off x="6523200" y="3682080"/>
+            <a:ext cx="2870280" cy="1896840"/>
+          </a:xfrm>
+          <a:prstGeom prst="rect">
+            <a:avLst/>
+          </a:prstGeom>
+        </p:spPr>
+        <p:txBody>
+          <a:bodyPr lIns="0" rIns="0" tIns="0" bIns="0">
+            <a:normAutofit/>
+          </a:bodyPr>
+          <a:p>
             <a:endParaRPr b="0" lang="en-US" sz="3200" spc="-1" strike="noStrike">
               <a:latin typeface="Arial"/>
             </a:endParaRPr>
@@ -646,7 +2927,7 @@
       </p:grpSpPr>
       <p:sp>
         <p:nvSpPr>
-          <p:cNvPr id="4" name="PlaceHolder 1"/>
+          <p:cNvPr id="8" name="PlaceHolder 1"/>
           <p:cNvSpPr>
             <a:spLocks noGrp="1"/>
           </p:cNvSpPr>
@@ -656,8 +2937,8 @@
         </p:nvSpPr>
         <p:spPr>
           <a:xfrm>
-            <a:off x="685800" y="2130480"/>
-            <a:ext cx="7771320" cy="1468800"/>
+            <a:off x="495000" y="273600"/>
+            <a:ext cx="8915040" cy="1144800"/>
           </a:xfrm>
           <a:prstGeom prst="rect">
             <a:avLst/>
@@ -675,7 +2956,7 @@
       </p:sp>
       <p:sp>
         <p:nvSpPr>
-          <p:cNvPr id="5" name="PlaceHolder 2"/>
+          <p:cNvPr id="9" name="PlaceHolder 2"/>
           <p:cNvSpPr>
             <a:spLocks noGrp="1"/>
           </p:cNvSpPr>
@@ -685,8 +2966,8 @@
         </p:nvSpPr>
         <p:spPr>
           <a:xfrm>
-            <a:off x="457200" y="1604520"/>
-            <a:ext cx="8228880" cy="3976920"/>
+            <a:off x="495000" y="1604520"/>
+            <a:ext cx="8915040" cy="3977280"/>
           </a:xfrm>
           <a:prstGeom prst="rect">
             <a:avLst/>
@@ -727,7 +3008,7 @@
       </p:grpSpPr>
       <p:sp>
         <p:nvSpPr>
-          <p:cNvPr id="6" name="PlaceHolder 1"/>
+          <p:cNvPr id="10" name="PlaceHolder 1"/>
           <p:cNvSpPr>
             <a:spLocks noGrp="1"/>
           </p:cNvSpPr>
@@ -737,8 +3018,8 @@
         </p:nvSpPr>
         <p:spPr>
           <a:xfrm>
-            <a:off x="685800" y="2130480"/>
-            <a:ext cx="7771320" cy="1468800"/>
+            <a:off x="495000" y="273600"/>
+            <a:ext cx="8915040" cy="1144800"/>
           </a:xfrm>
           <a:prstGeom prst="rect">
             <a:avLst/>
@@ -756,7 +3037,7 @@
       </p:sp>
       <p:sp>
         <p:nvSpPr>
-          <p:cNvPr id="7" name="PlaceHolder 2"/>
+          <p:cNvPr id="11" name="PlaceHolder 2"/>
           <p:cNvSpPr>
             <a:spLocks noGrp="1"/>
           </p:cNvSpPr>
@@ -766,8 +3047,8 @@
         </p:nvSpPr>
         <p:spPr>
           <a:xfrm>
-            <a:off x="457200" y="1604520"/>
-            <a:ext cx="4015440" cy="3976920"/>
+            <a:off x="495000" y="1604520"/>
+            <a:ext cx="4350240" cy="3977280"/>
           </a:xfrm>
           <a:prstGeom prst="rect">
             <a:avLst/>
@@ -786,7 +3067,7 @@
       </p:sp>
       <p:sp>
         <p:nvSpPr>
-          <p:cNvPr id="8" name="PlaceHolder 3"/>
+          <p:cNvPr id="12" name="PlaceHolder 3"/>
           <p:cNvSpPr>
             <a:spLocks noGrp="1"/>
           </p:cNvSpPr>
@@ -796,8 +3077,8 @@
         </p:nvSpPr>
         <p:spPr>
           <a:xfrm>
-            <a:off x="4673880" y="1604520"/>
-            <a:ext cx="4015440" cy="3976920"/>
+            <a:off x="5063040" y="1604520"/>
+            <a:ext cx="4350240" cy="3977280"/>
           </a:xfrm>
           <a:prstGeom prst="rect">
             <a:avLst/>
@@ -838,7 +3119,7 @@
       </p:grpSpPr>
       <p:sp>
         <p:nvSpPr>
-          <p:cNvPr id="9" name="PlaceHolder 1"/>
+          <p:cNvPr id="13" name="PlaceHolder 1"/>
           <p:cNvSpPr>
             <a:spLocks noGrp="1"/>
           </p:cNvSpPr>
@@ -848,8 +3129,8 @@
         </p:nvSpPr>
         <p:spPr>
           <a:xfrm>
-            <a:off x="685800" y="2130480"/>
-            <a:ext cx="7771320" cy="1468800"/>
+            <a:off x="495000" y="273600"/>
+            <a:ext cx="8915040" cy="1144800"/>
           </a:xfrm>
           <a:prstGeom prst="rect">
             <a:avLst/>
@@ -889,7 +3170,7 @@
       </p:grpSpPr>
       <p:sp>
         <p:nvSpPr>
-          <p:cNvPr id="10" name="PlaceHolder 1"/>
+          <p:cNvPr id="14" name="PlaceHolder 1"/>
           <p:cNvSpPr>
             <a:spLocks noGrp="1"/>
           </p:cNvSpPr>
@@ -899,8 +3180,8 @@
         </p:nvSpPr>
         <p:spPr>
           <a:xfrm>
-            <a:off x="685800" y="2130480"/>
-            <a:ext cx="7771320" cy="6809760"/>
+            <a:off x="495000" y="273600"/>
+            <a:ext cx="8915040" cy="5307840"/>
           </a:xfrm>
           <a:prstGeom prst="rect">
             <a:avLst/>
@@ -940,7 +3221,7 @@
       </p:grpSpPr>
       <p:sp>
         <p:nvSpPr>
-          <p:cNvPr id="11" name="PlaceHolder 1"/>
+          <p:cNvPr id="15" name="PlaceHolder 1"/>
           <p:cNvSpPr>
             <a:spLocks noGrp="1"/>
           </p:cNvSpPr>
@@ -950,8 +3231,8 @@
         </p:nvSpPr>
         <p:spPr>
           <a:xfrm>
-            <a:off x="685800" y="2130480"/>
-            <a:ext cx="7771320" cy="1468800"/>
+            <a:off x="495000" y="273600"/>
+            <a:ext cx="8915040" cy="1144800"/>
           </a:xfrm>
           <a:prstGeom prst="rect">
             <a:avLst/>
@@ -969,7 +3250,7 @@
       </p:sp>
       <p:sp>
         <p:nvSpPr>
-          <p:cNvPr id="12" name="PlaceHolder 2"/>
+          <p:cNvPr id="16" name="PlaceHolder 2"/>
           <p:cNvSpPr>
             <a:spLocks noGrp="1"/>
           </p:cNvSpPr>
@@ -979,8 +3260,8 @@
         </p:nvSpPr>
         <p:spPr>
           <a:xfrm>
-            <a:off x="457200" y="1604520"/>
-            <a:ext cx="4015440" cy="1896840"/>
+            <a:off x="495000" y="1604520"/>
+            <a:ext cx="4350240" cy="1896840"/>
           </a:xfrm>
           <a:prstGeom prst="rect">
             <a:avLst/>
@@ -999,7 +3280,7 @@
       </p:sp>
       <p:sp>
         <p:nvSpPr>
-          <p:cNvPr id="13" name="PlaceHolder 3"/>
+          <p:cNvPr id="17" name="PlaceHolder 3"/>
           <p:cNvSpPr>
             <a:spLocks noGrp="1"/>
           </p:cNvSpPr>
@@ -1009,8 +3290,8 @@
         </p:nvSpPr>
         <p:spPr>
           <a:xfrm>
-            <a:off x="4673880" y="1604520"/>
-            <a:ext cx="4015440" cy="3976920"/>
+            <a:off x="5063040" y="1604520"/>
+            <a:ext cx="4350240" cy="3977280"/>
           </a:xfrm>
           <a:prstGeom prst="rect">
             <a:avLst/>
@@ -1029,7 +3310,7 @@
       </p:sp>
       <p:sp>
         <p:nvSpPr>
-          <p:cNvPr id="14" name="PlaceHolder 4"/>
+          <p:cNvPr id="18" name="PlaceHolder 4"/>
           <p:cNvSpPr>
             <a:spLocks noGrp="1"/>
           </p:cNvSpPr>
@@ -1039,8 +3320,8 @@
         </p:nvSpPr>
         <p:spPr>
           <a:xfrm>
-            <a:off x="457200" y="3682080"/>
-            <a:ext cx="4015440" cy="1896840"/>
+            <a:off x="495000" y="3682080"/>
+            <a:ext cx="4350240" cy="1896840"/>
           </a:xfrm>
           <a:prstGeom prst="rect">
             <a:avLst/>
@@ -1081,7 +3362,7 @@
       </p:grpSpPr>
       <p:sp>
         <p:nvSpPr>
-          <p:cNvPr id="15" name="PlaceHolder 1"/>
+          <p:cNvPr id="19" name="PlaceHolder 1"/>
           <p:cNvSpPr>
             <a:spLocks noGrp="1"/>
           </p:cNvSpPr>
@@ -1091,8 +3372,8 @@
         </p:nvSpPr>
         <p:spPr>
           <a:xfrm>
-            <a:off x="685800" y="2130480"/>
-            <a:ext cx="7771320" cy="1468800"/>
+            <a:off x="495000" y="273600"/>
+            <a:ext cx="8915040" cy="1144800"/>
           </a:xfrm>
           <a:prstGeom prst="rect">
             <a:avLst/>
@@ -1110,7 +3391,7 @@
       </p:sp>
       <p:sp>
         <p:nvSpPr>
-          <p:cNvPr id="16" name="PlaceHolder 2"/>
+          <p:cNvPr id="20" name="PlaceHolder 2"/>
           <p:cNvSpPr>
             <a:spLocks noGrp="1"/>
           </p:cNvSpPr>
@@ -1120,8 +3401,8 @@
         </p:nvSpPr>
         <p:spPr>
           <a:xfrm>
-            <a:off x="457200" y="1604520"/>
-            <a:ext cx="4015440" cy="3976920"/>
+            <a:off x="495000" y="1604520"/>
+            <a:ext cx="4350240" cy="3977280"/>
           </a:xfrm>
           <a:prstGeom prst="rect">
             <a:avLst/>
@@ -1140,7 +3421,7 @@
       </p:sp>
       <p:sp>
         <p:nvSpPr>
-          <p:cNvPr id="17" name="PlaceHolder 3"/>
+          <p:cNvPr id="21" name="PlaceHolder 3"/>
           <p:cNvSpPr>
             <a:spLocks noGrp="1"/>
           </p:cNvSpPr>
@@ -1150,8 +3431,8 @@
         </p:nvSpPr>
         <p:spPr>
           <a:xfrm>
-            <a:off x="4673880" y="1604520"/>
-            <a:ext cx="4015440" cy="1896840"/>
+            <a:off x="5063040" y="1604520"/>
+            <a:ext cx="4350240" cy="1896840"/>
           </a:xfrm>
           <a:prstGeom prst="rect">
             <a:avLst/>
@@ -1170,7 +3451,7 @@
       </p:sp>
       <p:sp>
         <p:nvSpPr>
-          <p:cNvPr id="18" name="PlaceHolder 4"/>
+          <p:cNvPr id="22" name="PlaceHolder 4"/>
           <p:cNvSpPr>
             <a:spLocks noGrp="1"/>
           </p:cNvSpPr>
@@ -1180,8 +3461,8 @@
         </p:nvSpPr>
         <p:spPr>
           <a:xfrm>
-            <a:off x="4673880" y="3682080"/>
-            <a:ext cx="4015440" cy="1896840"/>
+            <a:off x="5063040" y="3682080"/>
+            <a:ext cx="4350240" cy="1896840"/>
           </a:xfrm>
           <a:prstGeom prst="rect">
             <a:avLst/>
@@ -1222,7 +3503,7 @@
       </p:grpSpPr>
       <p:sp>
         <p:nvSpPr>
-          <p:cNvPr id="19" name="PlaceHolder 1"/>
+          <p:cNvPr id="23" name="PlaceHolder 1"/>
           <p:cNvSpPr>
             <a:spLocks noGrp="1"/>
           </p:cNvSpPr>
@@ -1232,8 +3513,8 @@
         </p:nvSpPr>
         <p:spPr>
           <a:xfrm>
-            <a:off x="685800" y="2130480"/>
-            <a:ext cx="7771320" cy="1468800"/>
+            <a:off x="495000" y="273600"/>
+            <a:ext cx="8915040" cy="1144800"/>
           </a:xfrm>
           <a:prstGeom prst="rect">
             <a:avLst/>
@@ -1251,7 +3532,7 @@
       </p:sp>
       <p:sp>
         <p:nvSpPr>
-          <p:cNvPr id="20" name="PlaceHolder 2"/>
+          <p:cNvPr id="24" name="PlaceHolder 2"/>
           <p:cNvSpPr>
             <a:spLocks noGrp="1"/>
           </p:cNvSpPr>
@@ -1261,8 +3542,8 @@
         </p:nvSpPr>
         <p:spPr>
           <a:xfrm>
-            <a:off x="457200" y="1604520"/>
-            <a:ext cx="4015440" cy="1896840"/>
+            <a:off x="495000" y="1604520"/>
+            <a:ext cx="4350240" cy="1896840"/>
           </a:xfrm>
           <a:prstGeom prst="rect">
             <a:avLst/>
@@ -1281,7 +3562,7 @@
       </p:sp>
       <p:sp>
         <p:nvSpPr>
-          <p:cNvPr id="21" name="PlaceHolder 3"/>
+          <p:cNvPr id="25" name="PlaceHolder 3"/>
           <p:cNvSpPr>
             <a:spLocks noGrp="1"/>
           </p:cNvSpPr>
@@ -1291,8 +3572,8 @@
         </p:nvSpPr>
         <p:spPr>
           <a:xfrm>
-            <a:off x="4673880" y="1604520"/>
-            <a:ext cx="4015440" cy="1896840"/>
+            <a:off x="5063040" y="1604520"/>
+            <a:ext cx="4350240" cy="1896840"/>
           </a:xfrm>
           <a:prstGeom prst="rect">
             <a:avLst/>
@@ -1311,7 +3592,7 @@
       </p:sp>
       <p:sp>
         <p:nvSpPr>
-          <p:cNvPr id="22" name="PlaceHolder 4"/>
+          <p:cNvPr id="26" name="PlaceHolder 4"/>
           <p:cNvSpPr>
             <a:spLocks noGrp="1"/>
           </p:cNvSpPr>
@@ -1321,8 +3602,8 @@
         </p:nvSpPr>
         <p:spPr>
           <a:xfrm>
-            <a:off x="457200" y="3682080"/>
-            <a:ext cx="8228880" cy="1896840"/>
+            <a:off x="495000" y="3682080"/>
+            <a:ext cx="8915040" cy="1896840"/>
           </a:xfrm>
           <a:prstGeom prst="rect">
             <a:avLst/>
@@ -1370,7 +3651,119 @@
       </p:grpSpPr>
       <p:sp>
         <p:nvSpPr>
-          <p:cNvPr id="0" name="PlaceHolder 1"/>
+          <p:cNvPr id="0" name="CustomShape 1" hidden="1"/>
+          <p:cNvSpPr/>
+          <p:nvPr/>
+        </p:nvSpPr>
+        <p:spPr>
+          <a:xfrm>
+            <a:off x="456480" y="6377760"/>
+            <a:ext cx="360" cy="105120"/>
+          </a:xfrm>
+          <a:custGeom>
+            <a:avLst/>
+            <a:gdLst/>
+            <a:ahLst/>
+            <a:rect l="l" t="t" r="r" b="b"/>
+            <a:pathLst>
+              <a:path w="21600" h="21600">
+                <a:moveTo>
+                  <a:pt x="0" y="0"/>
+                </a:moveTo>
+                <a:lnTo>
+                  <a:pt x="21600" y="21600"/>
+                </a:lnTo>
+              </a:path>
+            </a:pathLst>
+          </a:custGeom>
+          <a:noFill/>
+          <a:ln w="9360">
+            <a:solidFill>
+              <a:schemeClr val="accent1"/>
+            </a:solidFill>
+            <a:miter/>
+          </a:ln>
+        </p:spPr>
+        <p:style>
+          <a:lnRef idx="0"/>
+          <a:fillRef idx="0"/>
+          <a:effectRef idx="0"/>
+          <a:fontRef idx="minor"/>
+        </p:style>
+      </p:sp>
+      <p:pic>
+        <p:nvPicPr>
+          <p:cNvPr id="1" name="Google Shape;15;p6" descr=""/>
+          <p:cNvPicPr/>
+          <p:nvPr/>
+        </p:nvPicPr>
+        <p:blipFill>
+          <a:blip r:embed="rId2"/>
+          <a:stretch/>
+        </p:blipFill>
+        <p:spPr>
+          <a:xfrm>
+            <a:off x="8551080" y="5941440"/>
+            <a:ext cx="1177200" cy="869400"/>
+          </a:xfrm>
+          <a:prstGeom prst="rect">
+            <a:avLst/>
+          </a:prstGeom>
+          <a:ln>
+            <a:noFill/>
+          </a:ln>
+        </p:spPr>
+      </p:pic>
+      <p:pic>
+        <p:nvPicPr>
+          <p:cNvPr id="2" name="Google Shape;20;p7" descr=""/>
+          <p:cNvPicPr/>
+          <p:nvPr/>
+        </p:nvPicPr>
+        <p:blipFill>
+          <a:blip r:embed="rId3"/>
+          <a:stretch/>
+        </p:blipFill>
+        <p:spPr>
+          <a:xfrm>
+            <a:off x="8134560" y="182880"/>
+            <a:ext cx="1644840" cy="1215000"/>
+          </a:xfrm>
+          <a:prstGeom prst="rect">
+            <a:avLst/>
+          </a:prstGeom>
+          <a:ln>
+            <a:noFill/>
+          </a:ln>
+        </p:spPr>
+      </p:pic>
+      <p:pic>
+        <p:nvPicPr>
+          <p:cNvPr id="3" name="Google Shape;21;p7" descr=""/>
+          <p:cNvPicPr/>
+          <p:nvPr/>
+        </p:nvPicPr>
+        <p:blipFill>
+          <a:blip r:embed="rId4"/>
+          <a:srcRect l="0" t="0" r="45460" b="51098"/>
+          <a:stretch/>
+        </p:blipFill>
+        <p:spPr>
+          <a:xfrm>
+            <a:off x="4107960" y="1810440"/>
+            <a:ext cx="5806080" cy="5055480"/>
+          </a:xfrm>
+          <a:prstGeom prst="rect">
+            <a:avLst/>
+          </a:prstGeom>
+          <a:ln>
+            <a:noFill/>
+          </a:ln>
+        </p:spPr>
+      </p:pic>
+      <p:sp>
+        <p:nvSpPr>
+          <p:cNvPr id="4" name="PlaceHolder 2"/>
           <p:cNvSpPr>
             <a:spLocks noGrp="1"/>
           </p:cNvSpPr>
@@ -1380,8 +3773,8 @@
         </p:nvSpPr>
         <p:spPr>
           <a:xfrm>
-            <a:off x="685800" y="2130480"/>
-            <a:ext cx="7771320" cy="1468800"/>
+            <a:off x="495000" y="273600"/>
+            <a:ext cx="8915040" cy="1144800"/>
           </a:xfrm>
           <a:prstGeom prst="rect">
             <a:avLst/>
@@ -1390,21 +3783,22 @@
         <p:txBody>
           <a:bodyPr lIns="0" rIns="0" tIns="0" bIns="0" anchor="ctr"/>
           <a:p>
+            <a:pPr algn="ctr"/>
             <a:r>
-              <a:rPr b="0" lang="en-US" sz="1800" spc="-1" strike="noStrike">
+              <a:rPr b="0" lang="en-US" sz="4400" spc="-1" strike="noStrike">
                 <a:latin typeface="Arial"/>
               </a:rPr>
               <a:t>Click to edit the title text format</a:t>
             </a:r>
-            <a:endParaRPr b="0" lang="en-US" sz="1800" spc="-1" strike="noStrike">
-              <a:latin typeface="Arial"/>
-            </a:endParaRPr>
-          </a:p>
-        </p:txBody>
-      </p:sp>
-      <p:sp>
-        <p:nvSpPr>
-          <p:cNvPr id="1" name="PlaceHolder 2"/>
+            <a:endParaRPr b="0" lang="en-US" sz="4400" spc="-1" strike="noStrike">
+              <a:latin typeface="Arial"/>
+            </a:endParaRPr>
+          </a:p>
+        </p:txBody>
+      </p:sp>
+      <p:sp>
+        <p:nvSpPr>
+          <p:cNvPr id="5" name="PlaceHolder 3"/>
           <p:cNvSpPr>
             <a:spLocks noGrp="1"/>
           </p:cNvSpPr>
@@ -1414,8 +3808,8 @@
         </p:nvSpPr>
         <p:spPr>
           <a:xfrm>
-            <a:off x="457200" y="1604520"/>
-            <a:ext cx="8228880" cy="3976920"/>
+            <a:off x="495000" y="1604520"/>
+            <a:ext cx="8915040" cy="3977280"/>
           </a:xfrm>
           <a:prstGeom prst="rect">
             <a:avLst/>
@@ -1438,12 +3832,12 @@
               <a:buChar char=""/>
             </a:pPr>
             <a:r>
-              <a:rPr b="0" lang="en-US" sz="1800" spc="-1" strike="noStrike">
+              <a:rPr b="0" lang="en-US" sz="3200" spc="-1" strike="noStrike">
                 <a:latin typeface="Arial"/>
               </a:rPr>
               <a:t>Click to edit the outline text format</a:t>
             </a:r>
-            <a:endParaRPr b="0" lang="en-US" sz="1800" spc="-1" strike="noStrike">
+            <a:endParaRPr b="0" lang="en-US" sz="3200" spc="-1" strike="noStrike">
               <a:latin typeface="Arial"/>
             </a:endParaRPr>
           </a:p>
@@ -1460,12 +3854,12 @@
               <a:buChar char=""/>
             </a:pPr>
             <a:r>
-              <a:rPr b="0" lang="en-US" sz="1800" spc="-1" strike="noStrike">
+              <a:rPr b="0" lang="en-US" sz="2800" spc="-1" strike="noStrike">
                 <a:latin typeface="Arial"/>
               </a:rPr>
               <a:t>Second Outline Level</a:t>
             </a:r>
-            <a:endParaRPr b="0" lang="en-US" sz="1800" spc="-1" strike="noStrike">
+            <a:endParaRPr b="0" lang="en-US" sz="2800" spc="-1" strike="noStrike">
               <a:latin typeface="Arial"/>
             </a:endParaRPr>
           </a:p>
@@ -1482,12 +3876,12 @@
               <a:buChar char=""/>
             </a:pPr>
             <a:r>
-              <a:rPr b="0" lang="en-US" sz="1800" spc="-1" strike="noStrike">
+              <a:rPr b="0" lang="en-US" sz="2400" spc="-1" strike="noStrike">
                 <a:latin typeface="Arial"/>
               </a:rPr>
               <a:t>Third Outline Level</a:t>
             </a:r>
-            <a:endParaRPr b="0" lang="en-US" sz="1800" spc="-1" strike="noStrike">
+            <a:endParaRPr b="0" lang="en-US" sz="2400" spc="-1" strike="noStrike">
               <a:latin typeface="Arial"/>
             </a:endParaRPr>
           </a:p>
@@ -1504,12 +3898,12 @@
               <a:buChar char=""/>
             </a:pPr>
             <a:r>
-              <a:rPr b="0" lang="en-US" sz="1800" spc="-1" strike="noStrike">
+              <a:rPr b="0" lang="en-US" sz="2000" spc="-1" strike="noStrike">
                 <a:latin typeface="Arial"/>
               </a:rPr>
               <a:t>Fourth Outline Level</a:t>
             </a:r>
-            <a:endParaRPr b="0" lang="en-US" sz="1800" spc="-1" strike="noStrike">
+            <a:endParaRPr b="0" lang="en-US" sz="2000" spc="-1" strike="noStrike">
               <a:latin typeface="Arial"/>
             </a:endParaRPr>
           </a:p>
@@ -1526,12 +3920,12 @@
               <a:buChar char=""/>
             </a:pPr>
             <a:r>
-              <a:rPr b="0" lang="en-US" sz="1800" spc="-1" strike="noStrike">
+              <a:rPr b="0" lang="en-US" sz="2000" spc="-1" strike="noStrike">
                 <a:latin typeface="Arial"/>
               </a:rPr>
               <a:t>Fifth Outline Level</a:t>
             </a:r>
-            <a:endParaRPr b="0" lang="en-US" sz="1800" spc="-1" strike="noStrike">
+            <a:endParaRPr b="0" lang="en-US" sz="2000" spc="-1" strike="noStrike">
               <a:latin typeface="Arial"/>
             </a:endParaRPr>
           </a:p>
@@ -1548,12 +3942,12 @@
               <a:buChar char=""/>
             </a:pPr>
             <a:r>
-              <a:rPr b="0" lang="en-US" sz="1800" spc="-1" strike="noStrike">
+              <a:rPr b="0" lang="en-US" sz="2000" spc="-1" strike="noStrike">
                 <a:latin typeface="Arial"/>
               </a:rPr>
               <a:t>Sixth Outline Level</a:t>
             </a:r>
-            <a:endParaRPr b="0" lang="en-US" sz="1800" spc="-1" strike="noStrike">
+            <a:endParaRPr b="0" lang="en-US" sz="2000" spc="-1" strike="noStrike">
               <a:latin typeface="Arial"/>
             </a:endParaRPr>
           </a:p>
@@ -1570,12 +3964,12 @@
               <a:buChar char=""/>
             </a:pPr>
             <a:r>
-              <a:rPr b="0" lang="en-US" sz="1800" spc="-1" strike="noStrike">
+              <a:rPr b="0" lang="en-US" sz="2000" spc="-1" strike="noStrike">
                 <a:latin typeface="Arial"/>
               </a:rPr>
               <a:t>Seventh Outline Level</a:t>
             </a:r>
-            <a:endParaRPr b="0" lang="en-US" sz="1800" spc="-1" strike="noStrike">
+            <a:endParaRPr b="0" lang="en-US" sz="2000" spc="-1" strike="noStrike">
               <a:latin typeface="Arial"/>
             </a:endParaRPr>
           </a:p>
@@ -1585,18 +3979,341 @@
   </p:cSld>
   <p:clrMap bg1="lt1" bg2="lt2" tx1="dk1" tx2="dk2" accent1="accent1" accent2="accent2" accent3="accent3" accent4="accent4" accent5="accent5" accent6="accent6" hlink="hlink" folHlink="folHlink"/>
   <p:sldLayoutIdLst>
-    <p:sldLayoutId id="2147483649" r:id="rId2"/>
-    <p:sldLayoutId id="2147483650" r:id="rId3"/>
-    <p:sldLayoutId id="2147483651" r:id="rId4"/>
-    <p:sldLayoutId id="2147483652" r:id="rId5"/>
-    <p:sldLayoutId id="2147483653" r:id="rId6"/>
-    <p:sldLayoutId id="2147483654" r:id="rId7"/>
-    <p:sldLayoutId id="2147483655" r:id="rId8"/>
-    <p:sldLayoutId id="2147483656" r:id="rId9"/>
-    <p:sldLayoutId id="2147483657" r:id="rId10"/>
-    <p:sldLayoutId id="2147483658" r:id="rId11"/>
-    <p:sldLayoutId id="2147483659" r:id="rId12"/>
-    <p:sldLayoutId id="2147483660" r:id="rId13"/>
+    <p:sldLayoutId id="2147483649" r:id="rId5"/>
+    <p:sldLayoutId id="2147483650" r:id="rId6"/>
+    <p:sldLayoutId id="2147483651" r:id="rId7"/>
+    <p:sldLayoutId id="2147483652" r:id="rId8"/>
+    <p:sldLayoutId id="2147483653" r:id="rId9"/>
+    <p:sldLayoutId id="2147483654" r:id="rId10"/>
+    <p:sldLayoutId id="2147483655" r:id="rId11"/>
+    <p:sldLayoutId id="2147483656" r:id="rId12"/>
+    <p:sldLayoutId id="2147483657" r:id="rId13"/>
+    <p:sldLayoutId id="2147483658" r:id="rId14"/>
+    <p:sldLayoutId id="2147483659" r:id="rId15"/>
+    <p:sldLayoutId id="2147483660" r:id="rId16"/>
+  </p:sldLayoutIdLst>
+</p:sldMaster>
+</file>
+
+<file path=ppt/slideMasters/slideMaster2.xml><?xml version="1.0" encoding="utf-8"?>
+<p:sldMaster xmlns:a="http://schemas.openxmlformats.org/drawingml/2006/main" xmlns:p="http://schemas.openxmlformats.org/presentationml/2006/main" xmlns:r="http://schemas.openxmlformats.org/officeDocument/2006/relationships" xmlns:p14="http://schemas.microsoft.com/office/powerpoint/2010/main" xmlns:p15="http://schemas.microsoft.com/office/powerpoint/2012/main" xmlns:mc="http://schemas.openxmlformats.org/markup-compatibility/2006">
+  <p:cSld>
+    <p:bg>
+      <p:bgPr>
+        <a:solidFill>
+          <a:srgbClr val="ffffff"/>
+        </a:solidFill>
+      </p:bgPr>
+    </p:bg>
+    <p:spTree>
+      <p:nvGrpSpPr>
+        <p:cNvPr id="1" name=""/>
+        <p:cNvGrpSpPr/>
+        <p:nvPr/>
+      </p:nvGrpSpPr>
+      <p:grpSpPr>
+        <a:xfrm>
+          <a:off x="0" y="0"/>
+          <a:ext cx="0" cy="0"/>
+          <a:chOff x="0" y="0"/>
+          <a:chExt cx="0" cy="0"/>
+        </a:xfrm>
+      </p:grpSpPr>
+      <p:sp>
+        <p:nvSpPr>
+          <p:cNvPr id="42" name="CustomShape 1"/>
+          <p:cNvSpPr/>
+          <p:nvPr/>
+        </p:nvSpPr>
+        <p:spPr>
+          <a:xfrm>
+            <a:off x="456480" y="6377760"/>
+            <a:ext cx="360" cy="105120"/>
+          </a:xfrm>
+          <a:custGeom>
+            <a:avLst/>
+            <a:gdLst/>
+            <a:ahLst/>
+            <a:rect l="l" t="t" r="r" b="b"/>
+            <a:pathLst>
+              <a:path w="21600" h="21600">
+                <a:moveTo>
+                  <a:pt x="0" y="0"/>
+                </a:moveTo>
+                <a:lnTo>
+                  <a:pt x="21600" y="21600"/>
+                </a:lnTo>
+              </a:path>
+            </a:pathLst>
+          </a:custGeom>
+          <a:noFill/>
+          <a:ln w="9360">
+            <a:solidFill>
+              <a:schemeClr val="accent1"/>
+            </a:solidFill>
+            <a:miter/>
+          </a:ln>
+        </p:spPr>
+        <p:style>
+          <a:lnRef idx="0"/>
+          <a:fillRef idx="0"/>
+          <a:effectRef idx="0"/>
+          <a:fontRef idx="minor"/>
+        </p:style>
+      </p:sp>
+      <p:pic>
+        <p:nvPicPr>
+          <p:cNvPr id="43" name="Google Shape;15;p6" descr=""/>
+          <p:cNvPicPr/>
+          <p:nvPr/>
+        </p:nvPicPr>
+        <p:blipFill>
+          <a:blip r:embed="rId2"/>
+          <a:stretch/>
+        </p:blipFill>
+        <p:spPr>
+          <a:xfrm>
+            <a:off x="8551080" y="5941440"/>
+            <a:ext cx="1177200" cy="869400"/>
+          </a:xfrm>
+          <a:prstGeom prst="rect">
+            <a:avLst/>
+          </a:prstGeom>
+          <a:ln>
+            <a:noFill/>
+          </a:ln>
+        </p:spPr>
+      </p:pic>
+      <p:sp>
+        <p:nvSpPr>
+          <p:cNvPr id="44" name="PlaceHolder 2"/>
+          <p:cNvSpPr>
+            <a:spLocks noGrp="1"/>
+          </p:cNvSpPr>
+          <p:nvPr>
+            <p:ph type="title"/>
+          </p:nvPr>
+        </p:nvSpPr>
+        <p:spPr>
+          <a:xfrm>
+            <a:off x="495000" y="273600"/>
+            <a:ext cx="8915040" cy="1144800"/>
+          </a:xfrm>
+          <a:prstGeom prst="rect">
+            <a:avLst/>
+          </a:prstGeom>
+        </p:spPr>
+        <p:txBody>
+          <a:bodyPr lIns="0" rIns="0" tIns="0" bIns="0" anchor="ctr"/>
+          <a:p>
+            <a:pPr algn="ctr"/>
+            <a:r>
+              <a:rPr b="0" lang="en-US" sz="4400" spc="-1" strike="noStrike">
+                <a:latin typeface="Arial"/>
+              </a:rPr>
+              <a:t>Click to edit the title text format</a:t>
+            </a:r>
+            <a:endParaRPr b="0" lang="en-US" sz="4400" spc="-1" strike="noStrike">
+              <a:latin typeface="Arial"/>
+            </a:endParaRPr>
+          </a:p>
+        </p:txBody>
+      </p:sp>
+      <p:sp>
+        <p:nvSpPr>
+          <p:cNvPr id="45" name="PlaceHolder 3"/>
+          <p:cNvSpPr>
+            <a:spLocks noGrp="1"/>
+          </p:cNvSpPr>
+          <p:nvPr>
+            <p:ph type="body"/>
+          </p:nvPr>
+        </p:nvSpPr>
+        <p:spPr>
+          <a:xfrm>
+            <a:off x="495000" y="1604520"/>
+            <a:ext cx="8915040" cy="3977280"/>
+          </a:xfrm>
+          <a:prstGeom prst="rect">
+            <a:avLst/>
+          </a:prstGeom>
+        </p:spPr>
+        <p:txBody>
+          <a:bodyPr lIns="0" rIns="0" tIns="0" bIns="0">
+            <a:normAutofit/>
+          </a:bodyPr>
+          <a:p>
+            <a:pPr marL="432000" indent="-324000">
+              <a:spcBef>
+                <a:spcPts val="1417"/>
+              </a:spcBef>
+              <a:buClr>
+                <a:srgbClr val="000000"/>
+              </a:buClr>
+              <a:buSzPct val="45000"/>
+              <a:buFont typeface="Wingdings" charset="2"/>
+              <a:buChar char=""/>
+            </a:pPr>
+            <a:r>
+              <a:rPr b="0" lang="en-US" sz="3200" spc="-1" strike="noStrike">
+                <a:latin typeface="Arial"/>
+              </a:rPr>
+              <a:t>Click to edit the outline text format</a:t>
+            </a:r>
+            <a:endParaRPr b="0" lang="en-US" sz="3200" spc="-1" strike="noStrike">
+              <a:latin typeface="Arial"/>
+            </a:endParaRPr>
+          </a:p>
+          <a:p>
+            <a:pPr lvl="1" marL="864000" indent="-324000">
+              <a:spcBef>
+                <a:spcPts val="1134"/>
+              </a:spcBef>
+              <a:buClr>
+                <a:srgbClr val="000000"/>
+              </a:buClr>
+              <a:buSzPct val="75000"/>
+              <a:buFont typeface="Symbol" charset="2"/>
+              <a:buChar char=""/>
+            </a:pPr>
+            <a:r>
+              <a:rPr b="0" lang="en-US" sz="2800" spc="-1" strike="noStrike">
+                <a:latin typeface="Arial"/>
+              </a:rPr>
+              <a:t>Second Outline Level</a:t>
+            </a:r>
+            <a:endParaRPr b="0" lang="en-US" sz="2800" spc="-1" strike="noStrike">
+              <a:latin typeface="Arial"/>
+            </a:endParaRPr>
+          </a:p>
+          <a:p>
+            <a:pPr lvl="2" marL="1296000" indent="-288000">
+              <a:spcBef>
+                <a:spcPts val="850"/>
+              </a:spcBef>
+              <a:buClr>
+                <a:srgbClr val="000000"/>
+              </a:buClr>
+              <a:buSzPct val="45000"/>
+              <a:buFont typeface="Wingdings" charset="2"/>
+              <a:buChar char=""/>
+            </a:pPr>
+            <a:r>
+              <a:rPr b="0" lang="en-US" sz="2400" spc="-1" strike="noStrike">
+                <a:latin typeface="Arial"/>
+              </a:rPr>
+              <a:t>Third Outline Level</a:t>
+            </a:r>
+            <a:endParaRPr b="0" lang="en-US" sz="2400" spc="-1" strike="noStrike">
+              <a:latin typeface="Arial"/>
+            </a:endParaRPr>
+          </a:p>
+          <a:p>
+            <a:pPr lvl="3" marL="1728000" indent="-216000">
+              <a:spcBef>
+                <a:spcPts val="567"/>
+              </a:spcBef>
+              <a:buClr>
+                <a:srgbClr val="000000"/>
+              </a:buClr>
+              <a:buSzPct val="75000"/>
+              <a:buFont typeface="Symbol" charset="2"/>
+              <a:buChar char=""/>
+            </a:pPr>
+            <a:r>
+              <a:rPr b="0" lang="en-US" sz="2000" spc="-1" strike="noStrike">
+                <a:latin typeface="Arial"/>
+              </a:rPr>
+              <a:t>Fourth Outline Level</a:t>
+            </a:r>
+            <a:endParaRPr b="0" lang="en-US" sz="2000" spc="-1" strike="noStrike">
+              <a:latin typeface="Arial"/>
+            </a:endParaRPr>
+          </a:p>
+          <a:p>
+            <a:pPr lvl="4" marL="2160000" indent="-216000">
+              <a:spcBef>
+                <a:spcPts val="283"/>
+              </a:spcBef>
+              <a:buClr>
+                <a:srgbClr val="000000"/>
+              </a:buClr>
+              <a:buSzPct val="45000"/>
+              <a:buFont typeface="Wingdings" charset="2"/>
+              <a:buChar char=""/>
+            </a:pPr>
+            <a:r>
+              <a:rPr b="0" lang="en-US" sz="2000" spc="-1" strike="noStrike">
+                <a:latin typeface="Arial"/>
+              </a:rPr>
+              <a:t>Fifth Outline Level</a:t>
+            </a:r>
+            <a:endParaRPr b="0" lang="en-US" sz="2000" spc="-1" strike="noStrike">
+              <a:latin typeface="Arial"/>
+            </a:endParaRPr>
+          </a:p>
+          <a:p>
+            <a:pPr lvl="5" marL="2592000" indent="-216000">
+              <a:spcBef>
+                <a:spcPts val="283"/>
+              </a:spcBef>
+              <a:buClr>
+                <a:srgbClr val="000000"/>
+              </a:buClr>
+              <a:buSzPct val="45000"/>
+              <a:buFont typeface="Wingdings" charset="2"/>
+              <a:buChar char=""/>
+            </a:pPr>
+            <a:r>
+              <a:rPr b="0" lang="en-US" sz="2000" spc="-1" strike="noStrike">
+                <a:latin typeface="Arial"/>
+              </a:rPr>
+              <a:t>Sixth Outline Level</a:t>
+            </a:r>
+            <a:endParaRPr b="0" lang="en-US" sz="2000" spc="-1" strike="noStrike">
+              <a:latin typeface="Arial"/>
+            </a:endParaRPr>
+          </a:p>
+          <a:p>
+            <a:pPr lvl="6" marL="3024000" indent="-216000">
+              <a:spcBef>
+                <a:spcPts val="283"/>
+              </a:spcBef>
+              <a:buClr>
+                <a:srgbClr val="000000"/>
+              </a:buClr>
+              <a:buSzPct val="45000"/>
+              <a:buFont typeface="Wingdings" charset="2"/>
+              <a:buChar char=""/>
+            </a:pPr>
+            <a:r>
+              <a:rPr b="0" lang="en-US" sz="2000" spc="-1" strike="noStrike">
+                <a:latin typeface="Arial"/>
+              </a:rPr>
+              <a:t>Seventh Outline Level</a:t>
+            </a:r>
+            <a:endParaRPr b="0" lang="en-US" sz="2000" spc="-1" strike="noStrike">
+              <a:latin typeface="Arial"/>
+            </a:endParaRPr>
+          </a:p>
+        </p:txBody>
+      </p:sp>
+    </p:spTree>
+  </p:cSld>
+  <p:clrMap bg1="lt1" bg2="lt2" tx1="dk1" tx2="dk2" accent1="accent1" accent2="accent2" accent3="accent3" accent4="accent4" accent5="accent5" accent6="accent6" hlink="hlink" folHlink="folHlink"/>
+  <p:sldLayoutIdLst>
+    <p:sldLayoutId id="2147483662" r:id="rId3"/>
+    <p:sldLayoutId id="2147483663" r:id="rId4"/>
+    <p:sldLayoutId id="2147483664" r:id="rId5"/>
+    <p:sldLayoutId id="2147483665" r:id="rId6"/>
+    <p:sldLayoutId id="2147483666" r:id="rId7"/>
+    <p:sldLayoutId id="2147483667" r:id="rId8"/>
+    <p:sldLayoutId id="2147483668" r:id="rId9"/>
+    <p:sldLayoutId id="2147483669" r:id="rId10"/>
+    <p:sldLayoutId id="2147483670" r:id="rId11"/>
+    <p:sldLayoutId id="2147483671" r:id="rId12"/>
+    <p:sldLayoutId id="2147483672" r:id="rId13"/>
+    <p:sldLayoutId id="2147483673" r:id="rId14"/>
   </p:sldLayoutIdLst>
 </p:sldMaster>
 </file>
@@ -1620,14 +4337,14 @@
       </p:grpSpPr>
       <p:sp>
         <p:nvSpPr>
-          <p:cNvPr id="38" name="CustomShape 1"/>
+          <p:cNvPr id="88" name="CustomShape 1"/>
           <p:cNvSpPr/>
           <p:nvPr/>
         </p:nvSpPr>
         <p:spPr>
           <a:xfrm>
-            <a:off x="685800" y="2130480"/>
-            <a:ext cx="7771320" cy="1468800"/>
+            <a:off x="271440" y="840960"/>
+            <a:ext cx="5359680" cy="2384640"/>
           </a:xfrm>
           <a:prstGeom prst="rect">
             <a:avLst/>
@@ -1644,75 +4361,20 @@
           <a:fontRef idx="minor"/>
         </p:style>
         <p:txBody>
-          <a:bodyPr lIns="90000" rIns="90000" tIns="45000" bIns="45000" anchor="ctr"/>
-          <a:p>
-            <a:pPr algn="ctr">
-              <a:lnSpc>
-                <a:spcPct val="100000"/>
-              </a:lnSpc>
-            </a:pPr>
-            <a:r>
-              <a:rPr b="0" lang="en-US" sz="4400" spc="-1" strike="noStrike">
-                <a:solidFill>
-                  <a:srgbClr val="000000"/>
-                </a:solidFill>
-                <a:latin typeface="Calibri"/>
-                <a:ea typeface="Noto Sans CJK SC"/>
-              </a:rPr>
-              <a:t>Gayashan sameera</a:t>
-            </a:r>
-            <a:br/>
-            <a:r>
-              <a:rPr b="0" lang="en-US" sz="1600" spc="-1" strike="noStrike">
-                <a:solidFill>
-                  <a:srgbClr val="ed1c24"/>
-                </a:solidFill>
-                <a:latin typeface="Calibri"/>
-                <a:ea typeface="Noto Sans CJK SC"/>
-              </a:rPr>
-              <a:t>text 1 </a:t>
-            </a:r>
-            <a:br/>
-            <a:r>
-              <a:rPr b="0" lang="en-US" sz="1600" spc="-1" strike="noStrike">
-                <a:solidFill>
-                  <a:srgbClr val="000000"/>
-                </a:solidFill>
-                <a:latin typeface="Calibri"/>
-                <a:ea typeface="Noto Sans CJK SC"/>
-              </a:rPr>
-              <a:t>text 2</a:t>
-            </a:r>
-            <a:br/>
-            <a:r>
-              <a:rPr b="0" lang="en-US" sz="2600" spc="-1" strike="noStrike">
-                <a:solidFill>
-                  <a:srgbClr val="0066b3"/>
-                </a:solidFill>
-                <a:latin typeface="Calibri"/>
-                <a:ea typeface="DejaVu Sans"/>
-              </a:rPr>
-              <a:t>text 3</a:t>
-            </a:r>
-            <a:br/>
-            <a:br/>
-            <a:br/>
-            <a:endParaRPr b="0" lang="en-US" sz="2600" spc="-1" strike="noStrike">
-              <a:latin typeface="Arial"/>
-            </a:endParaRPr>
-          </a:p>
-        </p:txBody>
-      </p:sp>
-      <p:sp>
-        <p:nvSpPr>
-          <p:cNvPr id="39" name="CustomShape 2"/>
+          <a:bodyPr/>
+          <a:p/>
+        </p:txBody>
+      </p:sp>
+      <p:sp>
+        <p:nvSpPr>
+          <p:cNvPr id="89" name="CustomShape 2"/>
           <p:cNvSpPr/>
           <p:nvPr/>
         </p:nvSpPr>
         <p:spPr>
           <a:xfrm>
-            <a:off x="1371600" y="3886200"/>
-            <a:ext cx="6399720" cy="1751400"/>
+            <a:off x="271440" y="3354120"/>
+            <a:ext cx="5359680" cy="1652760"/>
           </a:xfrm>
           <a:prstGeom prst="rect">
             <a:avLst/>
@@ -1729,27 +4391,115 @@
           <a:fontRef idx="minor"/>
         </p:style>
         <p:txBody>
-          <a:bodyPr lIns="90000" rIns="90000" tIns="45000" bIns="45000"/>
-          <a:p>
-            <a:pPr algn="ctr">
+          <a:bodyPr/>
+          <a:p/>
+        </p:txBody>
+      </p:sp>
+      <p:sp>
+        <p:nvSpPr>
+          <p:cNvPr id="90" name="CustomShape 3"/>
+          <p:cNvSpPr/>
+          <p:nvPr/>
+        </p:nvSpPr>
+        <p:spPr>
+          <a:xfrm>
+            <a:off x="271440" y="6072480"/>
+            <a:ext cx="4242960" cy="433800"/>
+          </a:xfrm>
+          <a:prstGeom prst="rect">
+            <a:avLst/>
+          </a:prstGeom>
+          <a:noFill/>
+          <a:ln>
+            <a:noFill/>
+          </a:ln>
+        </p:spPr>
+        <p:style>
+          <a:lnRef idx="0"/>
+          <a:fillRef idx="0"/>
+          <a:effectRef idx="0"/>
+          <a:fontRef idx="minor"/>
+        </p:style>
+        <p:txBody>
+          <a:bodyPr lIns="0" rIns="0" tIns="0" bIns="0" anchor="b"/>
+          <a:p>
+            <a:pPr>
               <a:lnSpc>
                 <a:spcPct val="100000"/>
               </a:lnSpc>
-              <a:spcBef>
-                <a:spcPts val="641"/>
-              </a:spcBef>
             </a:pPr>
             <a:r>
-              <a:rPr b="0" lang="en-US" sz="3200" spc="-1" strike="noStrike">
+              <a:rPr b="0" lang="en-US" sz="800" spc="-1" strike="noStrike">
                 <a:solidFill>
-                  <a:srgbClr val="8b8b8b"/>
+                  <a:srgbClr val="333333"/>
                 </a:solidFill>
-                <a:latin typeface="Calibri"/>
-                <a:ea typeface="DejaVu Sans"/>
-              </a:rPr>
-              <a:t>this is my first</a:t>
+                <a:latin typeface="Arial"/>
+                <a:ea typeface="Arial"/>
+              </a:rPr>
+              <a:t>CONFIDENTIAL</a:t>
             </a:r>
-            <a:endParaRPr b="0" lang="en-US" sz="3200" spc="-1" strike="noStrike">
+            <a:endParaRPr b="0" lang="en-US" sz="800" spc="-1" strike="noStrike">
+              <a:latin typeface="Arial"/>
+            </a:endParaRPr>
+          </a:p>
+        </p:txBody>
+      </p:sp>
+      <p:sp>
+        <p:nvSpPr>
+          <p:cNvPr id="91" name="CustomShape 4"/>
+          <p:cNvSpPr/>
+          <p:nvPr/>
+        </p:nvSpPr>
+        <p:spPr>
+          <a:xfrm>
+            <a:off x="548640" y="2934000"/>
+            <a:ext cx="5301360" cy="1194480"/>
+          </a:xfrm>
+          <a:prstGeom prst="rect">
+            <a:avLst/>
+          </a:prstGeom>
+          <a:noFill/>
+          <a:ln>
+            <a:noFill/>
+          </a:ln>
+        </p:spPr>
+        <p:style>
+          <a:lnRef idx="0"/>
+          <a:fillRef idx="0"/>
+          <a:effectRef idx="0"/>
+          <a:fontRef idx="minor"/>
+        </p:style>
+        <p:txBody>
+          <a:bodyPr lIns="90000" rIns="90000" tIns="45000" bIns="45000"/>
+          <a:p>
+            <a:pPr>
+              <a:lnSpc>
+                <a:spcPct val="100000"/>
+              </a:lnSpc>
+            </a:pPr>
+            <a:r>
+              <a:rPr b="1" lang="en-US" sz="3000" spc="-1" strike="noStrike">
+                <a:solidFill>
+                  <a:srgbClr val="0076d6"/>
+                </a:solidFill>
+                <a:latin typeface="Arial"/>
+                <a:ea typeface="Arial"/>
+              </a:rPr>
+              <a:t>LGIM Bridge</a:t>
+            </a:r>
+            <a:br/>
+            <a:r>
+              <a:rPr b="0" lang="en-US" sz="1800" spc="-1" strike="noStrike">
+                <a:solidFill>
+                  <a:srgbClr val="333333"/>
+                </a:solidFill>
+                <a:latin typeface="Arial"/>
+                <a:ea typeface="Arial"/>
+              </a:rPr>
+              <a:t>External asset workflow</a:t>
+            </a:r>
+            <a:br/>
+            <a:endParaRPr b="0" lang="en-US" sz="1800" spc="-1" strike="noStrike">
               <a:latin typeface="Arial"/>
             </a:endParaRPr>
           </a:p>
@@ -1757,6 +4507,9 @@
       </p:sp>
     </p:spTree>
   </p:cSld>
+  <p:transition spd="slow">
+    <p:fade/>
+  </p:transition>
   <p:timing>
     <p:tnLst>
       <p:par>
@@ -1764,6 +4517,5417 @@
           <p:childTnLst>
             <p:seq>
               <p:cTn id="2" dur="indefinite" nodeType="mainSeq"/>
+              <p:prevCondLst>
+                <p:cond delay="0" evt="onPrev">
+                  <p:tgtEl>
+                    <p:sldTgt/>
+                  </p:tgtEl>
+                </p:cond>
+              </p:prevCondLst>
+              <p:nextCondLst>
+                <p:cond delay="0" evt="onNext">
+                  <p:tgtEl>
+                    <p:sldTgt/>
+                  </p:tgtEl>
+                </p:cond>
+              </p:nextCondLst>
+            </p:seq>
+          </p:childTnLst>
+        </p:cTn>
+      </p:par>
+    </p:tnLst>
+  </p:timing>
+</p:sld>
+</file>
+
+<file path=ppt/slides/slide2.xml><?xml version="1.0" encoding="utf-8"?>
+<p:sld xmlns:a="http://schemas.openxmlformats.org/drawingml/2006/main" xmlns:p="http://schemas.openxmlformats.org/presentationml/2006/main" xmlns:r="http://schemas.openxmlformats.org/officeDocument/2006/relationships" xmlns:p14="http://schemas.microsoft.com/office/powerpoint/2010/main" xmlns:p15="http://schemas.microsoft.com/office/powerpoint/2012/main" xmlns:mc="http://schemas.openxmlformats.org/markup-compatibility/2006">
+  <p:cSld>
+    <p:spTree>
+      <p:nvGrpSpPr>
+        <p:cNvPr id="1" name=""/>
+        <p:cNvGrpSpPr/>
+        <p:nvPr/>
+      </p:nvGrpSpPr>
+      <p:grpSpPr>
+        <a:xfrm>
+          <a:off x="0" y="0"/>
+          <a:ext cx="0" cy="0"/>
+          <a:chOff x="0" y="0"/>
+          <a:chExt cx="0" cy="0"/>
+        </a:xfrm>
+      </p:grpSpPr>
+      <p:sp>
+        <p:nvSpPr>
+          <p:cNvPr id="92" name="CustomShape 1"/>
+          <p:cNvSpPr/>
+          <p:nvPr/>
+        </p:nvSpPr>
+        <p:spPr>
+          <a:xfrm>
+            <a:off x="271440" y="323280"/>
+            <a:ext cx="9322200" cy="326880"/>
+          </a:xfrm>
+          <a:prstGeom prst="rect">
+            <a:avLst/>
+          </a:prstGeom>
+          <a:noFill/>
+          <a:ln>
+            <a:noFill/>
+          </a:ln>
+        </p:spPr>
+        <p:style>
+          <a:lnRef idx="0"/>
+          <a:fillRef idx="0"/>
+          <a:effectRef idx="0"/>
+          <a:fontRef idx="minor"/>
+        </p:style>
+        <p:txBody>
+          <a:bodyPr lIns="0" rIns="0" tIns="0" bIns="0">
+            <a:normAutofit/>
+          </a:bodyPr>
+          <a:p>
+            <a:pPr>
+              <a:lnSpc>
+                <a:spcPct val="100000"/>
+              </a:lnSpc>
+            </a:pPr>
+            <a:br/>
+            <a:endParaRPr b="0" lang="en-US" sz="1800" spc="-1" strike="noStrike">
+              <a:latin typeface="Arial"/>
+            </a:endParaRPr>
+          </a:p>
+        </p:txBody>
+      </p:sp>
+      <p:sp>
+        <p:nvSpPr>
+          <p:cNvPr id="93" name="CustomShape 2"/>
+          <p:cNvSpPr/>
+          <p:nvPr/>
+        </p:nvSpPr>
+        <p:spPr>
+          <a:xfrm>
+            <a:off x="548640" y="274320"/>
+            <a:ext cx="5301360" cy="822600"/>
+          </a:xfrm>
+          <a:prstGeom prst="rect">
+            <a:avLst/>
+          </a:prstGeom>
+          <a:noFill/>
+          <a:ln>
+            <a:noFill/>
+          </a:ln>
+        </p:spPr>
+        <p:style>
+          <a:lnRef idx="0"/>
+          <a:fillRef idx="0"/>
+          <a:effectRef idx="0"/>
+          <a:fontRef idx="minor"/>
+        </p:style>
+        <p:txBody>
+          <a:bodyPr lIns="90000" rIns="90000" tIns="45000" bIns="45000"/>
+          <a:p>
+            <a:pPr>
+              <a:lnSpc>
+                <a:spcPct val="100000"/>
+              </a:lnSpc>
+            </a:pPr>
+            <a:r>
+              <a:rPr b="1" lang="en-US" sz="2000" spc="-1" strike="noStrike">
+                <a:solidFill>
+                  <a:srgbClr val="0076d6"/>
+                </a:solidFill>
+                <a:latin typeface="Arial"/>
+                <a:ea typeface="Arial"/>
+              </a:rPr>
+              <a:t>Active Client page – External assets</a:t>
+            </a:r>
+            <a:br/>
+            <a:r>
+              <a:rPr b="0" lang="en-US" sz="1800" spc="-1" strike="noStrike">
+                <a:solidFill>
+                  <a:srgbClr val="333333"/>
+                </a:solidFill>
+                <a:latin typeface="Arial"/>
+                <a:ea typeface="Arial"/>
+              </a:rPr>
+              <a:t>LGIM/Client user</a:t>
+            </a:r>
+            <a:br/>
+            <a:endParaRPr b="0" lang="en-US" sz="1800" spc="-1" strike="noStrike">
+              <a:latin typeface="Arial"/>
+            </a:endParaRPr>
+          </a:p>
+        </p:txBody>
+      </p:sp>
+      <p:pic>
+        <p:nvPicPr>
+          <p:cNvPr id="94" name="Picture 93" descr="image.png"/>
+          <p:cNvPicPr>
+            <a:picLocks noChangeAspect="1"/>
+          </p:cNvPicPr>
+          <p:nvPr/>
+        </p:nvPicPr>
+        <p:blipFill>
+          <a:blip r:embed="rId2"/>
+          <a:stretch>
+            <a:fillRect/>
+          </a:stretch>
+        </p:blipFill>
+        <p:spPr>
+          <a:xfrm>
+            <a:off x="1828800" y="1828800"/>
+            <a:ext cx="7315200" cy="2743200"/>
+          </a:xfrm>
+          <a:prstGeom prst="rect">
+            <a:avLst/>
+          </a:prstGeom>
+        </p:spPr>
+      </p:pic>
+    </p:spTree>
+  </p:cSld>
+  <p:transition spd="slow">
+    <p:fade/>
+  </p:transition>
+  <p:timing>
+    <p:tnLst>
+      <p:par>
+        <p:cTn id="3" dur="indefinite" restart="never" nodeType="tmRoot">
+          <p:childTnLst>
+            <p:seq>
+              <p:cTn id="4" dur="indefinite" nodeType="mainSeq"/>
+              <p:prevCondLst>
+                <p:cond delay="0" evt="onPrev">
+                  <p:tgtEl>
+                    <p:sldTgt/>
+                  </p:tgtEl>
+                </p:cond>
+              </p:prevCondLst>
+              <p:nextCondLst>
+                <p:cond delay="0" evt="onNext">
+                  <p:tgtEl>
+                    <p:sldTgt/>
+                  </p:tgtEl>
+                </p:cond>
+              </p:nextCondLst>
+            </p:seq>
+          </p:childTnLst>
+        </p:cTn>
+      </p:par>
+    </p:tnLst>
+  </p:timing>
+</p:sld>
+</file>
+
+<file path=ppt/slides/slide3.xml><?xml version="1.0" encoding="utf-8"?>
+<p:sld xmlns:a="http://schemas.openxmlformats.org/drawingml/2006/main" xmlns:p="http://schemas.openxmlformats.org/presentationml/2006/main" xmlns:r="http://schemas.openxmlformats.org/officeDocument/2006/relationships" xmlns:p14="http://schemas.microsoft.com/office/powerpoint/2010/main" xmlns:p15="http://schemas.microsoft.com/office/powerpoint/2012/main" xmlns:mc="http://schemas.openxmlformats.org/markup-compatibility/2006">
+  <p:cSld>
+    <p:spTree>
+      <p:nvGrpSpPr>
+        <p:cNvPr id="1" name=""/>
+        <p:cNvGrpSpPr/>
+        <p:nvPr/>
+      </p:nvGrpSpPr>
+      <p:grpSpPr>
+        <a:xfrm>
+          <a:off x="0" y="0"/>
+          <a:ext cx="0" cy="0"/>
+          <a:chOff x="0" y="0"/>
+          <a:chExt cx="0" cy="0"/>
+        </a:xfrm>
+      </p:grpSpPr>
+      <p:sp>
+        <p:nvSpPr>
+          <p:cNvPr id="94" name="CustomShape 1"/>
+          <p:cNvSpPr/>
+          <p:nvPr/>
+        </p:nvSpPr>
+        <p:spPr>
+          <a:xfrm>
+            <a:off x="271440" y="323280"/>
+            <a:ext cx="9322200" cy="326880"/>
+          </a:xfrm>
+          <a:prstGeom prst="rect">
+            <a:avLst/>
+          </a:prstGeom>
+          <a:noFill/>
+          <a:ln>
+            <a:noFill/>
+          </a:ln>
+        </p:spPr>
+        <p:style>
+          <a:lnRef idx="0"/>
+          <a:fillRef idx="0"/>
+          <a:effectRef idx="0"/>
+          <a:fontRef idx="minor"/>
+        </p:style>
+        <p:txBody>
+          <a:bodyPr lIns="0" rIns="0" tIns="0" bIns="0">
+            <a:normAutofit/>
+          </a:bodyPr>
+          <a:p>
+            <a:pPr>
+              <a:lnSpc>
+                <a:spcPct val="100000"/>
+              </a:lnSpc>
+            </a:pPr>
+            <a:r>
+              <a:rPr b="1" lang="en-US" sz="2160" spc="-1" strike="noStrike">
+                <a:solidFill>
+                  <a:srgbClr val="0076d6"/>
+                </a:solidFill>
+                <a:latin typeface="Arial"/>
+                <a:ea typeface="Arial"/>
+              </a:rPr>
+              <a:t>Active Client page – External assets</a:t>
+            </a:r>
+            <a:endParaRPr b="0" lang="en-US" sz="2160" spc="-1" strike="noStrike">
+              <a:latin typeface="Arial"/>
+            </a:endParaRPr>
+          </a:p>
+        </p:txBody>
+      </p:sp>
+      <p:sp>
+        <p:nvSpPr>
+          <p:cNvPr id="95" name="CustomShape 2"/>
+          <p:cNvSpPr/>
+          <p:nvPr/>
+        </p:nvSpPr>
+        <p:spPr>
+          <a:xfrm>
+            <a:off x="271440" y="759600"/>
+            <a:ext cx="9322200" cy="332640"/>
+          </a:xfrm>
+          <a:prstGeom prst="rect">
+            <a:avLst/>
+          </a:prstGeom>
+          <a:noFill/>
+          <a:ln>
+            <a:noFill/>
+          </a:ln>
+        </p:spPr>
+        <p:style>
+          <a:lnRef idx="0"/>
+          <a:fillRef idx="0"/>
+          <a:effectRef idx="0"/>
+          <a:fontRef idx="minor"/>
+        </p:style>
+        <p:txBody>
+          <a:bodyPr lIns="0" rIns="0" tIns="0" bIns="0">
+            <a:normAutofit/>
+          </a:bodyPr>
+          <a:p>
+            <a:pPr>
+              <a:lnSpc>
+                <a:spcPct val="100000"/>
+              </a:lnSpc>
+            </a:pPr>
+            <a:r>
+              <a:rPr b="0" lang="en-US" sz="1600" spc="-1" strike="noStrike">
+                <a:solidFill>
+                  <a:srgbClr val="333333"/>
+                </a:solidFill>
+                <a:latin typeface="Arial"/>
+                <a:ea typeface="Arial"/>
+              </a:rPr>
+              <a:t>LGIM/Client user – when the user clicks on ‘Edit detail’ for a date</a:t>
+            </a:r>
+            <a:endParaRPr b="0" lang="en-US" sz="1600" spc="-1" strike="noStrike">
+              <a:latin typeface="Arial"/>
+            </a:endParaRPr>
+          </a:p>
+        </p:txBody>
+      </p:sp>
+      <p:sp>
+        <p:nvSpPr>
+          <p:cNvPr id="96" name="CustomShape 3"/>
+          <p:cNvSpPr/>
+          <p:nvPr/>
+        </p:nvSpPr>
+        <p:spPr>
+          <a:xfrm>
+            <a:off x="44640" y="6315840"/>
+            <a:ext cx="348480" cy="204120"/>
+          </a:xfrm>
+          <a:prstGeom prst="rect">
+            <a:avLst/>
+          </a:prstGeom>
+          <a:noFill/>
+          <a:ln>
+            <a:noFill/>
+          </a:ln>
+        </p:spPr>
+        <p:style>
+          <a:lnRef idx="0"/>
+          <a:fillRef idx="0"/>
+          <a:effectRef idx="0"/>
+          <a:fontRef idx="minor"/>
+        </p:style>
+        <p:txBody>
+          <a:bodyPr lIns="0" rIns="0" tIns="0" bIns="0" anchor="ctr"/>
+          <a:p>
+            <a:pPr algn="r">
+              <a:lnSpc>
+                <a:spcPct val="100000"/>
+              </a:lnSpc>
+            </a:pPr>
+            <a:fld id="{20BE420F-0B6F-40BB-BA70-AB78FBCE856C}" type="slidenum">
+              <a:rPr b="1" lang="en-US" sz="800" spc="-1" strike="noStrike">
+                <a:solidFill>
+                  <a:srgbClr val="333333"/>
+                </a:solidFill>
+                <a:latin typeface="Arial"/>
+                <a:ea typeface="Arial"/>
+              </a:rPr>
+              <a:t>&lt;number&gt;</a:t>
+            </a:fld>
+            <a:endParaRPr b="0" lang="en-US" sz="800" spc="-1" strike="noStrike">
+              <a:latin typeface="Arial"/>
+            </a:endParaRPr>
+          </a:p>
+        </p:txBody>
+      </p:sp>
+      <p:pic>
+        <p:nvPicPr>
+          <p:cNvPr id="97" name="Google Shape;398;p3" descr=""/>
+          <p:cNvPicPr/>
+          <p:nvPr/>
+        </p:nvPicPr>
+        <p:blipFill>
+          <a:blip r:embed="rId1"/>
+          <a:stretch/>
+        </p:blipFill>
+        <p:spPr>
+          <a:xfrm>
+            <a:off x="820440" y="1267200"/>
+            <a:ext cx="7650360" cy="5304240"/>
+          </a:xfrm>
+          <a:prstGeom prst="rect">
+            <a:avLst/>
+          </a:prstGeom>
+          <a:ln>
+            <a:noFill/>
+          </a:ln>
+        </p:spPr>
+      </p:pic>
+      <p:sp>
+        <p:nvSpPr>
+          <p:cNvPr id="98" name="CustomShape 4"/>
+          <p:cNvSpPr/>
+          <p:nvPr/>
+        </p:nvSpPr>
+        <p:spPr>
+          <a:xfrm>
+            <a:off x="3440160" y="2316600"/>
+            <a:ext cx="4903920" cy="321480"/>
+          </a:xfrm>
+          <a:prstGeom prst="rect">
+            <a:avLst/>
+          </a:prstGeom>
+          <a:solidFill>
+            <a:srgbClr val="f0f0f0"/>
+          </a:solidFill>
+          <a:ln>
+            <a:noFill/>
+          </a:ln>
+        </p:spPr>
+        <p:style>
+          <a:lnRef idx="0"/>
+          <a:fillRef idx="0"/>
+          <a:effectRef idx="0"/>
+          <a:fontRef idx="minor"/>
+        </p:style>
+        <p:txBody>
+          <a:bodyPr/>
+          <a:p/>
+        </p:txBody>
+      </p:sp>
+      <p:sp>
+        <p:nvSpPr>
+          <p:cNvPr id="99" name="CustomShape 5"/>
+          <p:cNvSpPr/>
+          <p:nvPr/>
+        </p:nvSpPr>
+        <p:spPr>
+          <a:xfrm>
+            <a:off x="3452400" y="2390400"/>
+            <a:ext cx="1880280" cy="210960"/>
+          </a:xfrm>
+          <a:prstGeom prst="rect">
+            <a:avLst/>
+          </a:prstGeom>
+          <a:noFill/>
+          <a:ln>
+            <a:noFill/>
+          </a:ln>
+        </p:spPr>
+        <p:style>
+          <a:lnRef idx="0"/>
+          <a:fillRef idx="0"/>
+          <a:effectRef idx="0"/>
+          <a:fontRef idx="minor"/>
+        </p:style>
+        <p:txBody>
+          <a:bodyPr lIns="90000" rIns="90000" tIns="45000" bIns="45000"/>
+          <a:p>
+            <a:pPr>
+              <a:lnSpc>
+                <a:spcPct val="100000"/>
+              </a:lnSpc>
+            </a:pPr>
+            <a:r>
+              <a:rPr b="1" lang="en-US" sz="800" spc="-1" strike="noStrike">
+                <a:solidFill>
+                  <a:srgbClr val="595959"/>
+                </a:solidFill>
+                <a:latin typeface="Arial"/>
+                <a:ea typeface="Arial"/>
+              </a:rPr>
+              <a:t>Input non-LGIM assets</a:t>
+            </a:r>
+            <a:endParaRPr b="0" lang="en-US" sz="800" spc="-1" strike="noStrike">
+              <a:latin typeface="Arial"/>
+            </a:endParaRPr>
+          </a:p>
+        </p:txBody>
+      </p:sp>
+      <p:pic>
+        <p:nvPicPr>
+          <p:cNvPr id="100" name="Google Shape;401;p3" descr=""/>
+          <p:cNvPicPr/>
+          <p:nvPr/>
+        </p:nvPicPr>
+        <p:blipFill>
+          <a:blip r:embed="rId2"/>
+          <a:stretch/>
+        </p:blipFill>
+        <p:spPr>
+          <a:xfrm>
+            <a:off x="7679880" y="2326680"/>
+            <a:ext cx="669240" cy="321480"/>
+          </a:xfrm>
+          <a:prstGeom prst="rect">
+            <a:avLst/>
+          </a:prstGeom>
+          <a:ln>
+            <a:noFill/>
+          </a:ln>
+        </p:spPr>
+      </p:pic>
+      <p:sp>
+        <p:nvSpPr>
+          <p:cNvPr id="101" name="CustomShape 6"/>
+          <p:cNvSpPr/>
+          <p:nvPr/>
+        </p:nvSpPr>
+        <p:spPr>
+          <a:xfrm>
+            <a:off x="3524040" y="2745360"/>
+            <a:ext cx="2987280" cy="195840"/>
+          </a:xfrm>
+          <a:prstGeom prst="rect">
+            <a:avLst/>
+          </a:prstGeom>
+          <a:noFill/>
+          <a:ln>
+            <a:noFill/>
+          </a:ln>
+        </p:spPr>
+        <p:style>
+          <a:lnRef idx="0"/>
+          <a:fillRef idx="0"/>
+          <a:effectRef idx="0"/>
+          <a:fontRef idx="minor"/>
+        </p:style>
+        <p:txBody>
+          <a:bodyPr lIns="90000" rIns="90000" tIns="45000" bIns="45000"/>
+          <a:p>
+            <a:pPr>
+              <a:lnSpc>
+                <a:spcPct val="100000"/>
+              </a:lnSpc>
+            </a:pPr>
+            <a:r>
+              <a:rPr b="1" lang="en-US" sz="700" spc="-1" strike="noStrike">
+                <a:solidFill>
+                  <a:srgbClr val="595959"/>
+                </a:solidFill>
+                <a:latin typeface="Arial"/>
+                <a:ea typeface="Arial"/>
+              </a:rPr>
+              <a:t>Add details of non-LGIM assets and associated valuation dates:</a:t>
+            </a:r>
+            <a:endParaRPr b="0" lang="en-US" sz="700" spc="-1" strike="noStrike">
+              <a:latin typeface="Arial"/>
+            </a:endParaRPr>
+          </a:p>
+        </p:txBody>
+      </p:sp>
+      <p:sp>
+        <p:nvSpPr>
+          <p:cNvPr id="102" name="CustomShape 7"/>
+          <p:cNvSpPr/>
+          <p:nvPr/>
+        </p:nvSpPr>
+        <p:spPr>
+          <a:xfrm>
+            <a:off x="7308000" y="3098160"/>
+            <a:ext cx="799200" cy="187920"/>
+          </a:xfrm>
+          <a:prstGeom prst="rect">
+            <a:avLst/>
+          </a:prstGeom>
+          <a:noFill/>
+          <a:ln>
+            <a:noFill/>
+          </a:ln>
+        </p:spPr>
+        <p:style>
+          <a:lnRef idx="0"/>
+          <a:fillRef idx="0"/>
+          <a:effectRef idx="0"/>
+          <a:fontRef idx="minor"/>
+        </p:style>
+        <p:txBody>
+          <a:bodyPr lIns="90000" rIns="90000" tIns="45000" bIns="45000"/>
+          <a:p>
+            <a:pPr>
+              <a:lnSpc>
+                <a:spcPct val="100000"/>
+              </a:lnSpc>
+            </a:pPr>
+            <a:r>
+              <a:rPr b="1" lang="en-US" sz="650" spc="-1" strike="noStrike">
+                <a:solidFill>
+                  <a:srgbClr val="0099cc"/>
+                </a:solidFill>
+                <a:latin typeface="Arial"/>
+                <a:ea typeface="Arial"/>
+              </a:rPr>
+              <a:t>+ Add new date</a:t>
+            </a:r>
+            <a:endParaRPr b="0" lang="en-US" sz="650" spc="-1" strike="noStrike">
+              <a:latin typeface="Arial"/>
+            </a:endParaRPr>
+          </a:p>
+        </p:txBody>
+      </p:sp>
+      <p:grpSp>
+        <p:nvGrpSpPr>
+          <p:cNvPr id="103" name="Group 8"/>
+          <p:cNvGrpSpPr/>
+          <p:nvPr/>
+        </p:nvGrpSpPr>
+        <p:grpSpPr>
+          <a:xfrm>
+            <a:off x="7305840" y="3469680"/>
+            <a:ext cx="799200" cy="195480"/>
+            <a:chOff x="7305840" y="3469680"/>
+            <a:chExt cx="799200" cy="195480"/>
+          </a:xfrm>
+        </p:grpSpPr>
+        <p:sp>
+          <p:nvSpPr>
+            <p:cNvPr id="104" name="CustomShape 9"/>
+            <p:cNvSpPr/>
+            <p:nvPr/>
+          </p:nvSpPr>
+          <p:spPr>
+            <a:xfrm>
+              <a:off x="7305840" y="3469680"/>
+              <a:ext cx="799200" cy="195120"/>
+            </a:xfrm>
+            <a:prstGeom prst="roundRect">
+              <a:avLst>
+                <a:gd name="adj" fmla="val 6411"/>
+              </a:avLst>
+            </a:prstGeom>
+            <a:solidFill>
+              <a:srgbClr val="0099cc"/>
+            </a:solidFill>
+            <a:ln w="9360">
+              <a:solidFill>
+                <a:srgbClr val="0099cc"/>
+              </a:solidFill>
+              <a:miter/>
+            </a:ln>
+          </p:spPr>
+          <p:style>
+            <a:lnRef idx="0"/>
+            <a:fillRef idx="0"/>
+            <a:effectRef idx="0"/>
+            <a:fontRef idx="minor"/>
+          </p:style>
+        </p:sp>
+        <p:sp>
+          <p:nvSpPr>
+            <p:cNvPr id="105" name="CustomShape 10"/>
+            <p:cNvSpPr/>
+            <p:nvPr/>
+          </p:nvSpPr>
+          <p:spPr>
+            <a:xfrm>
+              <a:off x="7383960" y="3477240"/>
+              <a:ext cx="640440" cy="187920"/>
+            </a:xfrm>
+            <a:prstGeom prst="rect">
+              <a:avLst/>
+            </a:prstGeom>
+            <a:noFill/>
+            <a:ln>
+              <a:noFill/>
+            </a:ln>
+          </p:spPr>
+          <p:style>
+            <a:lnRef idx="0"/>
+            <a:fillRef idx="0"/>
+            <a:effectRef idx="0"/>
+            <a:fontRef idx="minor"/>
+          </p:style>
+          <p:txBody>
+            <a:bodyPr lIns="36000" rIns="36000" tIns="45000" bIns="45000"/>
+            <a:p>
+              <a:pPr algn="ctr">
+                <a:lnSpc>
+                  <a:spcPct val="100000"/>
+                </a:lnSpc>
+              </a:pPr>
+              <a:r>
+                <a:rPr b="1" lang="en-US" sz="650" spc="-1" strike="noStrike">
+                  <a:solidFill>
+                    <a:srgbClr val="ffffff"/>
+                  </a:solidFill>
+                  <a:latin typeface="Arial"/>
+                  <a:ea typeface="Arial"/>
+                </a:rPr>
+                <a:t>Hide detail</a:t>
+              </a:r>
+              <a:endParaRPr b="0" lang="en-US" sz="650" spc="-1" strike="noStrike">
+                <a:latin typeface="Arial"/>
+              </a:endParaRPr>
+            </a:p>
+          </p:txBody>
+        </p:sp>
+      </p:grpSp>
+      <p:sp>
+        <p:nvSpPr>
+          <p:cNvPr id="106" name="CustomShape 11"/>
+          <p:cNvSpPr/>
+          <p:nvPr/>
+        </p:nvSpPr>
+        <p:spPr>
+          <a:xfrm>
+            <a:off x="7306920" y="3084120"/>
+            <a:ext cx="799200" cy="195120"/>
+          </a:xfrm>
+          <a:prstGeom prst="roundRect">
+            <a:avLst>
+              <a:gd name="adj" fmla="val 6411"/>
+            </a:avLst>
+          </a:prstGeom>
+          <a:noFill/>
+          <a:ln w="9360">
+            <a:solidFill>
+              <a:srgbClr val="0099cc"/>
+            </a:solidFill>
+            <a:miter/>
+          </a:ln>
+        </p:spPr>
+        <p:style>
+          <a:lnRef idx="0"/>
+          <a:fillRef idx="0"/>
+          <a:effectRef idx="0"/>
+          <a:fontRef idx="minor"/>
+        </p:style>
+        <p:txBody>
+          <a:bodyPr/>
+          <a:p/>
+        </p:txBody>
+      </p:sp>
+      <p:grpSp>
+        <p:nvGrpSpPr>
+          <p:cNvPr id="107" name="Group 12"/>
+          <p:cNvGrpSpPr/>
+          <p:nvPr/>
+        </p:nvGrpSpPr>
+        <p:grpSpPr>
+          <a:xfrm>
+            <a:off x="5438520" y="3433680"/>
+            <a:ext cx="1467000" cy="897120"/>
+            <a:chOff x="5438520" y="3433680"/>
+            <a:chExt cx="1467000" cy="897120"/>
+          </a:xfrm>
+        </p:grpSpPr>
+        <p:pic>
+          <p:nvPicPr>
+            <p:cNvPr id="108" name="Google Shape;409;p3" descr=""/>
+            <p:cNvPicPr/>
+            <p:nvPr/>
+          </p:nvPicPr>
+          <p:blipFill>
+            <a:blip r:embed="rId3"/>
+            <a:stretch/>
+          </p:blipFill>
+          <p:spPr>
+            <a:xfrm>
+              <a:off x="5783400" y="3433680"/>
+              <a:ext cx="1122120" cy="897120"/>
+            </a:xfrm>
+            <a:prstGeom prst="rect">
+              <a:avLst/>
+            </a:prstGeom>
+            <a:ln>
+              <a:noFill/>
+            </a:ln>
+          </p:spPr>
+        </p:pic>
+        <p:sp>
+          <p:nvSpPr>
+            <p:cNvPr id="109" name="CustomShape 13"/>
+            <p:cNvSpPr/>
+            <p:nvPr/>
+          </p:nvSpPr>
+          <p:spPr>
+            <a:xfrm>
+              <a:off x="5438520" y="3454920"/>
+              <a:ext cx="781560" cy="195840"/>
+            </a:xfrm>
+            <a:prstGeom prst="rect">
+              <a:avLst/>
+            </a:prstGeom>
+            <a:noFill/>
+            <a:ln>
+              <a:noFill/>
+            </a:ln>
+          </p:spPr>
+          <p:style>
+            <a:lnRef idx="0"/>
+            <a:fillRef idx="0"/>
+            <a:effectRef idx="0"/>
+            <a:fontRef idx="minor"/>
+          </p:style>
+          <p:txBody>
+            <a:bodyPr lIns="90000" rIns="90000" tIns="45000" bIns="45000"/>
+            <a:p>
+              <a:pPr>
+                <a:lnSpc>
+                  <a:spcPct val="100000"/>
+                </a:lnSpc>
+              </a:pPr>
+              <a:r>
+                <a:rPr b="0" lang="en-US" sz="700" spc="-1" strike="noStrike">
+                  <a:solidFill>
+                    <a:srgbClr val="595959"/>
+                  </a:solidFill>
+                  <a:latin typeface="Arial"/>
+                  <a:ea typeface="Arial"/>
+                </a:rPr>
+                <a:t>Value</a:t>
+              </a:r>
+              <a:endParaRPr b="0" lang="en-US" sz="700" spc="-1" strike="noStrike">
+                <a:latin typeface="Arial"/>
+              </a:endParaRPr>
+            </a:p>
+          </p:txBody>
+        </p:sp>
+        <p:sp>
+          <p:nvSpPr>
+            <p:cNvPr id="110" name="CustomShape 14"/>
+            <p:cNvSpPr/>
+            <p:nvPr/>
+          </p:nvSpPr>
+          <p:spPr>
+            <a:xfrm>
+              <a:off x="5445000" y="3773520"/>
+              <a:ext cx="781560" cy="195840"/>
+            </a:xfrm>
+            <a:prstGeom prst="rect">
+              <a:avLst/>
+            </a:prstGeom>
+            <a:noFill/>
+            <a:ln>
+              <a:noFill/>
+            </a:ln>
+          </p:spPr>
+          <p:style>
+            <a:lnRef idx="0"/>
+            <a:fillRef idx="0"/>
+            <a:effectRef idx="0"/>
+            <a:fontRef idx="minor"/>
+          </p:style>
+          <p:txBody>
+            <a:bodyPr lIns="90000" rIns="90000" tIns="45000" bIns="45000"/>
+            <a:p>
+              <a:pPr>
+                <a:lnSpc>
+                  <a:spcPct val="100000"/>
+                </a:lnSpc>
+              </a:pPr>
+              <a:r>
+                <a:rPr b="0" lang="en-US" sz="700" spc="-1" strike="noStrike">
+                  <a:solidFill>
+                    <a:srgbClr val="595959"/>
+                  </a:solidFill>
+                  <a:latin typeface="Arial"/>
+                  <a:ea typeface="Arial"/>
+                </a:rPr>
+                <a:t>Value</a:t>
+              </a:r>
+              <a:endParaRPr b="0" lang="en-US" sz="700" spc="-1" strike="noStrike">
+                <a:latin typeface="Arial"/>
+              </a:endParaRPr>
+            </a:p>
+          </p:txBody>
+        </p:sp>
+        <p:sp>
+          <p:nvSpPr>
+            <p:cNvPr id="111" name="CustomShape 15"/>
+            <p:cNvSpPr/>
+            <p:nvPr/>
+          </p:nvSpPr>
+          <p:spPr>
+            <a:xfrm>
+              <a:off x="5450040" y="4094280"/>
+              <a:ext cx="781560" cy="195840"/>
+            </a:xfrm>
+            <a:prstGeom prst="rect">
+              <a:avLst/>
+            </a:prstGeom>
+            <a:noFill/>
+            <a:ln>
+              <a:noFill/>
+            </a:ln>
+          </p:spPr>
+          <p:style>
+            <a:lnRef idx="0"/>
+            <a:fillRef idx="0"/>
+            <a:effectRef idx="0"/>
+            <a:fontRef idx="minor"/>
+          </p:style>
+          <p:txBody>
+            <a:bodyPr lIns="90000" rIns="90000" tIns="45000" bIns="45000"/>
+            <a:p>
+              <a:pPr>
+                <a:lnSpc>
+                  <a:spcPct val="100000"/>
+                </a:lnSpc>
+              </a:pPr>
+              <a:r>
+                <a:rPr b="0" lang="en-US" sz="700" spc="-1" strike="noStrike">
+                  <a:solidFill>
+                    <a:srgbClr val="595959"/>
+                  </a:solidFill>
+                  <a:latin typeface="Arial"/>
+                  <a:ea typeface="Arial"/>
+                </a:rPr>
+                <a:t>Value</a:t>
+              </a:r>
+              <a:endParaRPr b="0" lang="en-US" sz="700" spc="-1" strike="noStrike">
+                <a:latin typeface="Arial"/>
+              </a:endParaRPr>
+            </a:p>
+          </p:txBody>
+        </p:sp>
+      </p:grpSp>
+      <p:sp>
+        <p:nvSpPr>
+          <p:cNvPr id="112" name="CustomShape 16"/>
+          <p:cNvSpPr/>
+          <p:nvPr/>
+        </p:nvSpPr>
+        <p:spPr>
+          <a:xfrm>
+            <a:off x="3595680" y="3447720"/>
+            <a:ext cx="472320" cy="195840"/>
+          </a:xfrm>
+          <a:prstGeom prst="rect">
+            <a:avLst/>
+          </a:prstGeom>
+          <a:noFill/>
+          <a:ln>
+            <a:noFill/>
+          </a:ln>
+        </p:spPr>
+        <p:style>
+          <a:lnRef idx="0"/>
+          <a:fillRef idx="0"/>
+          <a:effectRef idx="0"/>
+          <a:fontRef idx="minor"/>
+        </p:style>
+        <p:txBody>
+          <a:bodyPr lIns="90000" rIns="90000" tIns="45000" bIns="45000"/>
+          <a:p>
+            <a:pPr>
+              <a:lnSpc>
+                <a:spcPct val="100000"/>
+              </a:lnSpc>
+            </a:pPr>
+            <a:r>
+              <a:rPr b="0" lang="en-US" sz="700" spc="-1" strike="noStrike">
+                <a:solidFill>
+                  <a:srgbClr val="595959"/>
+                </a:solidFill>
+                <a:latin typeface="Arial"/>
+                <a:ea typeface="Arial"/>
+              </a:rPr>
+              <a:t>Date</a:t>
+            </a:r>
+            <a:endParaRPr b="0" lang="en-US" sz="700" spc="-1" strike="noStrike">
+              <a:latin typeface="Arial"/>
+            </a:endParaRPr>
+          </a:p>
+        </p:txBody>
+      </p:sp>
+      <p:grpSp>
+        <p:nvGrpSpPr>
+          <p:cNvPr id="113" name="Group 17"/>
+          <p:cNvGrpSpPr/>
+          <p:nvPr/>
+        </p:nvGrpSpPr>
+        <p:grpSpPr>
+          <a:xfrm>
+            <a:off x="3918600" y="3426120"/>
+            <a:ext cx="1081800" cy="897120"/>
+            <a:chOff x="3918600" y="3426120"/>
+            <a:chExt cx="1081800" cy="897120"/>
+          </a:xfrm>
+        </p:grpSpPr>
+        <p:pic>
+          <p:nvPicPr>
+            <p:cNvPr id="114" name="Google Shape;415;p3" descr=""/>
+            <p:cNvPicPr/>
+            <p:nvPr/>
+          </p:nvPicPr>
+          <p:blipFill>
+            <a:blip r:embed="rId4"/>
+            <a:stretch/>
+          </p:blipFill>
+          <p:spPr>
+            <a:xfrm>
+              <a:off x="3918600" y="3426120"/>
+              <a:ext cx="1081800" cy="897120"/>
+            </a:xfrm>
+            <a:prstGeom prst="rect">
+              <a:avLst/>
+            </a:prstGeom>
+            <a:ln>
+              <a:noFill/>
+            </a:ln>
+          </p:spPr>
+        </p:pic>
+        <p:sp>
+          <p:nvSpPr>
+            <p:cNvPr id="115" name="CustomShape 18"/>
+            <p:cNvSpPr/>
+            <p:nvPr/>
+          </p:nvSpPr>
+          <p:spPr>
+            <a:xfrm>
+              <a:off x="3943440" y="3778920"/>
+              <a:ext cx="708120" cy="187920"/>
+            </a:xfrm>
+            <a:prstGeom prst="rect">
+              <a:avLst/>
+            </a:prstGeom>
+            <a:noFill/>
+            <a:ln>
+              <a:noFill/>
+            </a:ln>
+          </p:spPr>
+          <p:style>
+            <a:lnRef idx="0"/>
+            <a:fillRef idx="0"/>
+            <a:effectRef idx="0"/>
+            <a:fontRef idx="minor"/>
+          </p:style>
+          <p:txBody>
+            <a:bodyPr lIns="90000" rIns="90000" tIns="45000" bIns="45000"/>
+            <a:p>
+              <a:pPr>
+                <a:lnSpc>
+                  <a:spcPct val="100000"/>
+                </a:lnSpc>
+              </a:pPr>
+              <a:r>
+                <a:rPr b="0" lang="en-US" sz="650" spc="-1" strike="noStrike">
+                  <a:solidFill>
+                    <a:srgbClr val="7f7f7f"/>
+                  </a:solidFill>
+                  <a:latin typeface="Arial"/>
+                  <a:ea typeface="Arial"/>
+                </a:rPr>
+                <a:t>23-12-2020</a:t>
+              </a:r>
+              <a:endParaRPr b="0" lang="en-US" sz="650" spc="-1" strike="noStrike">
+                <a:latin typeface="Arial"/>
+              </a:endParaRPr>
+            </a:p>
+          </p:txBody>
+        </p:sp>
+        <p:sp>
+          <p:nvSpPr>
+            <p:cNvPr id="116" name="CustomShape 19"/>
+            <p:cNvSpPr/>
+            <p:nvPr/>
+          </p:nvSpPr>
+          <p:spPr>
+            <a:xfrm>
+              <a:off x="3940560" y="4088520"/>
+              <a:ext cx="708120" cy="187920"/>
+            </a:xfrm>
+            <a:prstGeom prst="rect">
+              <a:avLst/>
+            </a:prstGeom>
+            <a:noFill/>
+            <a:ln>
+              <a:noFill/>
+            </a:ln>
+          </p:spPr>
+          <p:style>
+            <a:lnRef idx="0"/>
+            <a:fillRef idx="0"/>
+            <a:effectRef idx="0"/>
+            <a:fontRef idx="minor"/>
+          </p:style>
+          <p:txBody>
+            <a:bodyPr lIns="90000" rIns="90000" tIns="45000" bIns="45000"/>
+            <a:p>
+              <a:pPr>
+                <a:lnSpc>
+                  <a:spcPct val="100000"/>
+                </a:lnSpc>
+              </a:pPr>
+              <a:r>
+                <a:rPr b="0" lang="en-US" sz="650" spc="-1" strike="noStrike">
+                  <a:solidFill>
+                    <a:srgbClr val="7f7f7f"/>
+                  </a:solidFill>
+                  <a:latin typeface="Arial"/>
+                  <a:ea typeface="Arial"/>
+                </a:rPr>
+                <a:t>15-11-2020</a:t>
+              </a:r>
+              <a:endParaRPr b="0" lang="en-US" sz="650" spc="-1" strike="noStrike">
+                <a:latin typeface="Arial"/>
+              </a:endParaRPr>
+            </a:p>
+          </p:txBody>
+        </p:sp>
+      </p:grpSp>
+      <p:pic>
+        <p:nvPicPr>
+          <p:cNvPr id="117" name="Google Shape;418;p3" descr=""/>
+          <p:cNvPicPr/>
+          <p:nvPr/>
+        </p:nvPicPr>
+        <p:blipFill>
+          <a:blip r:embed="rId5"/>
+          <a:stretch/>
+        </p:blipFill>
+        <p:spPr>
+          <a:xfrm>
+            <a:off x="5022720" y="3501000"/>
+            <a:ext cx="92520" cy="105120"/>
+          </a:xfrm>
+          <a:prstGeom prst="rect">
+            <a:avLst/>
+          </a:prstGeom>
+          <a:ln>
+            <a:noFill/>
+          </a:ln>
+        </p:spPr>
+      </p:pic>
+      <p:sp>
+        <p:nvSpPr>
+          <p:cNvPr id="118" name="CustomShape 20"/>
+          <p:cNvSpPr/>
+          <p:nvPr/>
+        </p:nvSpPr>
+        <p:spPr>
+          <a:xfrm>
+            <a:off x="3904200" y="3735720"/>
+            <a:ext cx="2987280" cy="577800"/>
+          </a:xfrm>
+          <a:prstGeom prst="rect">
+            <a:avLst/>
+          </a:prstGeom>
+          <a:solidFill>
+            <a:schemeClr val="lt1"/>
+          </a:solidFill>
+          <a:ln>
+            <a:noFill/>
+          </a:ln>
+        </p:spPr>
+        <p:style>
+          <a:lnRef idx="0"/>
+          <a:fillRef idx="0"/>
+          <a:effectRef idx="0"/>
+          <a:fontRef idx="minor"/>
+        </p:style>
+        <p:txBody>
+          <a:bodyPr/>
+          <a:p/>
+        </p:txBody>
+      </p:sp>
+      <p:sp>
+        <p:nvSpPr>
+          <p:cNvPr id="119" name="CustomShape 21"/>
+          <p:cNvSpPr/>
+          <p:nvPr/>
+        </p:nvSpPr>
+        <p:spPr>
+          <a:xfrm>
+            <a:off x="3451680" y="6257880"/>
+            <a:ext cx="4903920" cy="577800"/>
+          </a:xfrm>
+          <a:prstGeom prst="rect">
+            <a:avLst/>
+          </a:prstGeom>
+          <a:solidFill>
+            <a:schemeClr val="lt1"/>
+          </a:solidFill>
+          <a:ln>
+            <a:noFill/>
+          </a:ln>
+        </p:spPr>
+        <p:style>
+          <a:lnRef idx="0"/>
+          <a:fillRef idx="0"/>
+          <a:effectRef idx="0"/>
+          <a:fontRef idx="minor"/>
+        </p:style>
+        <p:txBody>
+          <a:bodyPr/>
+          <a:p/>
+        </p:txBody>
+      </p:sp>
+      <p:sp>
+        <p:nvSpPr>
+          <p:cNvPr id="120" name="CustomShape 22"/>
+          <p:cNvSpPr/>
+          <p:nvPr/>
+        </p:nvSpPr>
+        <p:spPr>
+          <a:xfrm>
+            <a:off x="3648240" y="4046040"/>
+            <a:ext cx="1829160" cy="195120"/>
+          </a:xfrm>
+          <a:prstGeom prst="roundRect">
+            <a:avLst>
+              <a:gd name="adj" fmla="val 6411"/>
+            </a:avLst>
+          </a:prstGeom>
+          <a:noFill/>
+          <a:ln w="9360">
+            <a:solidFill>
+              <a:srgbClr val="cccccc"/>
+            </a:solidFill>
+            <a:miter/>
+          </a:ln>
+        </p:spPr>
+        <p:style>
+          <a:lnRef idx="0"/>
+          <a:fillRef idx="0"/>
+          <a:effectRef idx="0"/>
+          <a:fontRef idx="minor"/>
+        </p:style>
+        <p:txBody>
+          <a:bodyPr/>
+          <a:p/>
+        </p:txBody>
+      </p:sp>
+      <p:sp>
+        <p:nvSpPr>
+          <p:cNvPr id="121" name="CustomShape 23"/>
+          <p:cNvSpPr/>
+          <p:nvPr/>
+        </p:nvSpPr>
+        <p:spPr>
+          <a:xfrm>
+            <a:off x="5817960" y="4046040"/>
+            <a:ext cx="1257120" cy="195120"/>
+          </a:xfrm>
+          <a:prstGeom prst="roundRect">
+            <a:avLst>
+              <a:gd name="adj" fmla="val 6411"/>
+            </a:avLst>
+          </a:prstGeom>
+          <a:noFill/>
+          <a:ln w="9360">
+            <a:solidFill>
+              <a:srgbClr val="cccccc"/>
+            </a:solidFill>
+            <a:miter/>
+          </a:ln>
+        </p:spPr>
+        <p:style>
+          <a:lnRef idx="0"/>
+          <a:fillRef idx="0"/>
+          <a:effectRef idx="0"/>
+          <a:fontRef idx="minor"/>
+        </p:style>
+        <p:txBody>
+          <a:bodyPr/>
+          <a:p/>
+        </p:txBody>
+      </p:sp>
+      <p:sp>
+        <p:nvSpPr>
+          <p:cNvPr id="122" name="CustomShape 24"/>
+          <p:cNvSpPr/>
+          <p:nvPr/>
+        </p:nvSpPr>
+        <p:spPr>
+          <a:xfrm>
+            <a:off x="7462080" y="4047480"/>
+            <a:ext cx="645120" cy="195120"/>
+          </a:xfrm>
+          <a:prstGeom prst="roundRect">
+            <a:avLst>
+              <a:gd name="adj" fmla="val 6411"/>
+            </a:avLst>
+          </a:prstGeom>
+          <a:noFill/>
+          <a:ln w="9360">
+            <a:solidFill>
+              <a:srgbClr val="cccccc"/>
+            </a:solidFill>
+            <a:miter/>
+          </a:ln>
+        </p:spPr>
+        <p:style>
+          <a:lnRef idx="0"/>
+          <a:fillRef idx="0"/>
+          <a:effectRef idx="0"/>
+          <a:fontRef idx="minor"/>
+        </p:style>
+        <p:txBody>
+          <a:bodyPr/>
+          <a:p/>
+        </p:txBody>
+      </p:sp>
+      <p:sp>
+        <p:nvSpPr>
+          <p:cNvPr id="123" name="CustomShape 25"/>
+          <p:cNvSpPr/>
+          <p:nvPr/>
+        </p:nvSpPr>
+        <p:spPr>
+          <a:xfrm>
+            <a:off x="3673080" y="4051800"/>
+            <a:ext cx="1387440" cy="187920"/>
+          </a:xfrm>
+          <a:prstGeom prst="rect">
+            <a:avLst/>
+          </a:prstGeom>
+          <a:noFill/>
+          <a:ln>
+            <a:noFill/>
+          </a:ln>
+        </p:spPr>
+        <p:style>
+          <a:lnRef idx="0"/>
+          <a:fillRef idx="0"/>
+          <a:effectRef idx="0"/>
+          <a:fontRef idx="minor"/>
+        </p:style>
+        <p:txBody>
+          <a:bodyPr lIns="90000" rIns="90000" tIns="45000" bIns="45000"/>
+          <a:p>
+            <a:pPr>
+              <a:lnSpc>
+                <a:spcPct val="100000"/>
+              </a:lnSpc>
+            </a:pPr>
+            <a:r>
+              <a:rPr b="0" lang="en-US" sz="650" spc="-1" strike="noStrike">
+                <a:solidFill>
+                  <a:srgbClr val="7f7f7f"/>
+                </a:solidFill>
+                <a:latin typeface="Arial"/>
+                <a:ea typeface="Arial"/>
+              </a:rPr>
+              <a:t>BlackRock equities</a:t>
+            </a:r>
+            <a:endParaRPr b="0" lang="en-US" sz="650" spc="-1" strike="noStrike">
+              <a:latin typeface="Arial"/>
+            </a:endParaRPr>
+          </a:p>
+        </p:txBody>
+      </p:sp>
+      <p:sp>
+        <p:nvSpPr>
+          <p:cNvPr id="124" name="CustomShape 26"/>
+          <p:cNvSpPr/>
+          <p:nvPr/>
+        </p:nvSpPr>
+        <p:spPr>
+          <a:xfrm>
+            <a:off x="5845680" y="4051800"/>
+            <a:ext cx="767880" cy="187920"/>
+          </a:xfrm>
+          <a:prstGeom prst="rect">
+            <a:avLst/>
+          </a:prstGeom>
+          <a:noFill/>
+          <a:ln>
+            <a:noFill/>
+          </a:ln>
+        </p:spPr>
+        <p:style>
+          <a:lnRef idx="0"/>
+          <a:fillRef idx="0"/>
+          <a:effectRef idx="0"/>
+          <a:fontRef idx="minor"/>
+        </p:style>
+        <p:txBody>
+          <a:bodyPr lIns="90000" rIns="90000" tIns="45000" bIns="45000"/>
+          <a:p>
+            <a:pPr>
+              <a:lnSpc>
+                <a:spcPct val="100000"/>
+              </a:lnSpc>
+            </a:pPr>
+            <a:r>
+              <a:rPr b="0" lang="en-US" sz="650" spc="-1" strike="noStrike">
+                <a:solidFill>
+                  <a:srgbClr val="7f7f7f"/>
+                </a:solidFill>
+                <a:latin typeface="Arial"/>
+                <a:ea typeface="Arial"/>
+              </a:rPr>
+              <a:t>Global equity</a:t>
+            </a:r>
+            <a:endParaRPr b="0" lang="en-US" sz="650" spc="-1" strike="noStrike">
+              <a:latin typeface="Arial"/>
+            </a:endParaRPr>
+          </a:p>
+        </p:txBody>
+      </p:sp>
+      <p:sp>
+        <p:nvSpPr>
+          <p:cNvPr id="125" name="CustomShape 27"/>
+          <p:cNvSpPr/>
+          <p:nvPr/>
+        </p:nvSpPr>
+        <p:spPr>
+          <a:xfrm>
+            <a:off x="7436880" y="4051800"/>
+            <a:ext cx="608040" cy="187920"/>
+          </a:xfrm>
+          <a:prstGeom prst="rect">
+            <a:avLst/>
+          </a:prstGeom>
+          <a:noFill/>
+          <a:ln>
+            <a:noFill/>
+          </a:ln>
+        </p:spPr>
+        <p:style>
+          <a:lnRef idx="0"/>
+          <a:fillRef idx="0"/>
+          <a:effectRef idx="0"/>
+          <a:fontRef idx="minor"/>
+        </p:style>
+        <p:txBody>
+          <a:bodyPr lIns="0" rIns="0" tIns="45000" bIns="45000"/>
+          <a:p>
+            <a:pPr algn="r">
+              <a:lnSpc>
+                <a:spcPct val="100000"/>
+              </a:lnSpc>
+            </a:pPr>
+            <a:r>
+              <a:rPr b="0" lang="en-US" sz="650" spc="-1" strike="noStrike">
+                <a:solidFill>
+                  <a:srgbClr val="7f7f7f"/>
+                </a:solidFill>
+                <a:latin typeface="Arial"/>
+                <a:ea typeface="Arial"/>
+              </a:rPr>
+              <a:t>30.0        %</a:t>
+            </a:r>
+            <a:endParaRPr b="0" lang="en-US" sz="650" spc="-1" strike="noStrike">
+              <a:latin typeface="Arial"/>
+            </a:endParaRPr>
+          </a:p>
+        </p:txBody>
+      </p:sp>
+      <p:pic>
+        <p:nvPicPr>
+          <p:cNvPr id="126" name="Google Shape;427;p3" descr=""/>
+          <p:cNvPicPr/>
+          <p:nvPr/>
+        </p:nvPicPr>
+        <p:blipFill>
+          <a:blip r:embed="rId6"/>
+          <a:stretch/>
+        </p:blipFill>
+        <p:spPr>
+          <a:xfrm>
+            <a:off x="8142840" y="4091040"/>
+            <a:ext cx="92520" cy="105120"/>
+          </a:xfrm>
+          <a:prstGeom prst="rect">
+            <a:avLst/>
+          </a:prstGeom>
+          <a:ln>
+            <a:noFill/>
+          </a:ln>
+        </p:spPr>
+      </p:pic>
+      <p:pic>
+        <p:nvPicPr>
+          <p:cNvPr id="127" name="Google Shape;428;p3" descr=""/>
+          <p:cNvPicPr/>
+          <p:nvPr/>
+        </p:nvPicPr>
+        <p:blipFill>
+          <a:blip r:embed="rId7"/>
+          <a:stretch/>
+        </p:blipFill>
+        <p:spPr>
+          <a:xfrm>
+            <a:off x="6877440" y="4097880"/>
+            <a:ext cx="102960" cy="87120"/>
+          </a:xfrm>
+          <a:prstGeom prst="rect">
+            <a:avLst/>
+          </a:prstGeom>
+          <a:ln>
+            <a:noFill/>
+          </a:ln>
+        </p:spPr>
+      </p:pic>
+      <p:sp>
+        <p:nvSpPr>
+          <p:cNvPr id="128" name="CustomShape 28"/>
+          <p:cNvSpPr/>
+          <p:nvPr/>
+        </p:nvSpPr>
+        <p:spPr>
+          <a:xfrm>
+            <a:off x="3650400" y="4403160"/>
+            <a:ext cx="1829160" cy="195120"/>
+          </a:xfrm>
+          <a:prstGeom prst="roundRect">
+            <a:avLst>
+              <a:gd name="adj" fmla="val 6411"/>
+            </a:avLst>
+          </a:prstGeom>
+          <a:noFill/>
+          <a:ln w="9360">
+            <a:solidFill>
+              <a:srgbClr val="cccccc"/>
+            </a:solidFill>
+            <a:miter/>
+          </a:ln>
+        </p:spPr>
+        <p:style>
+          <a:lnRef idx="0"/>
+          <a:fillRef idx="0"/>
+          <a:effectRef idx="0"/>
+          <a:fontRef idx="minor"/>
+        </p:style>
+        <p:txBody>
+          <a:bodyPr/>
+          <a:p/>
+        </p:txBody>
+      </p:sp>
+      <p:sp>
+        <p:nvSpPr>
+          <p:cNvPr id="129" name="CustomShape 29"/>
+          <p:cNvSpPr/>
+          <p:nvPr/>
+        </p:nvSpPr>
+        <p:spPr>
+          <a:xfrm>
+            <a:off x="5827320" y="4403160"/>
+            <a:ext cx="1257120" cy="195120"/>
+          </a:xfrm>
+          <a:prstGeom prst="roundRect">
+            <a:avLst>
+              <a:gd name="adj" fmla="val 6411"/>
+            </a:avLst>
+          </a:prstGeom>
+          <a:noFill/>
+          <a:ln w="9360">
+            <a:solidFill>
+              <a:srgbClr val="cccccc"/>
+            </a:solidFill>
+            <a:miter/>
+          </a:ln>
+        </p:spPr>
+        <p:style>
+          <a:lnRef idx="0"/>
+          <a:fillRef idx="0"/>
+          <a:effectRef idx="0"/>
+          <a:fontRef idx="minor"/>
+        </p:style>
+        <p:txBody>
+          <a:bodyPr/>
+          <a:p/>
+        </p:txBody>
+      </p:sp>
+      <p:sp>
+        <p:nvSpPr>
+          <p:cNvPr id="130" name="CustomShape 30"/>
+          <p:cNvSpPr/>
+          <p:nvPr/>
+        </p:nvSpPr>
+        <p:spPr>
+          <a:xfrm>
+            <a:off x="7464240" y="4404600"/>
+            <a:ext cx="645120" cy="195120"/>
+          </a:xfrm>
+          <a:prstGeom prst="roundRect">
+            <a:avLst>
+              <a:gd name="adj" fmla="val 6411"/>
+            </a:avLst>
+          </a:prstGeom>
+          <a:noFill/>
+          <a:ln w="9360">
+            <a:solidFill>
+              <a:srgbClr val="cccccc"/>
+            </a:solidFill>
+            <a:miter/>
+          </a:ln>
+        </p:spPr>
+        <p:style>
+          <a:lnRef idx="0"/>
+          <a:fillRef idx="0"/>
+          <a:effectRef idx="0"/>
+          <a:fontRef idx="minor"/>
+        </p:style>
+        <p:txBody>
+          <a:bodyPr/>
+          <a:p/>
+        </p:txBody>
+      </p:sp>
+      <p:sp>
+        <p:nvSpPr>
+          <p:cNvPr id="131" name="CustomShape 31"/>
+          <p:cNvSpPr/>
+          <p:nvPr/>
+        </p:nvSpPr>
+        <p:spPr>
+          <a:xfrm>
+            <a:off x="3675600" y="4408920"/>
+            <a:ext cx="1387440" cy="187920"/>
+          </a:xfrm>
+          <a:prstGeom prst="rect">
+            <a:avLst/>
+          </a:prstGeom>
+          <a:noFill/>
+          <a:ln>
+            <a:noFill/>
+          </a:ln>
+        </p:spPr>
+        <p:style>
+          <a:lnRef idx="0"/>
+          <a:fillRef idx="0"/>
+          <a:effectRef idx="0"/>
+          <a:fontRef idx="minor"/>
+        </p:style>
+        <p:txBody>
+          <a:bodyPr lIns="90000" rIns="90000" tIns="45000" bIns="45000"/>
+          <a:p>
+            <a:pPr>
+              <a:lnSpc>
+                <a:spcPct val="100000"/>
+              </a:lnSpc>
+            </a:pPr>
+            <a:r>
+              <a:rPr b="0" lang="en-US" sz="650" spc="-1" strike="noStrike">
+                <a:solidFill>
+                  <a:srgbClr val="7f7f7f"/>
+                </a:solidFill>
+                <a:latin typeface="Arial"/>
+                <a:ea typeface="Arial"/>
+              </a:rPr>
+              <a:t>Schroders equities</a:t>
+            </a:r>
+            <a:endParaRPr b="0" lang="en-US" sz="650" spc="-1" strike="noStrike">
+              <a:latin typeface="Arial"/>
+            </a:endParaRPr>
+          </a:p>
+        </p:txBody>
+      </p:sp>
+      <p:sp>
+        <p:nvSpPr>
+          <p:cNvPr id="132" name="CustomShape 32"/>
+          <p:cNvSpPr/>
+          <p:nvPr/>
+        </p:nvSpPr>
+        <p:spPr>
+          <a:xfrm>
+            <a:off x="5841360" y="4408920"/>
+            <a:ext cx="767880" cy="187920"/>
+          </a:xfrm>
+          <a:prstGeom prst="rect">
+            <a:avLst/>
+          </a:prstGeom>
+          <a:noFill/>
+          <a:ln>
+            <a:noFill/>
+          </a:ln>
+        </p:spPr>
+        <p:style>
+          <a:lnRef idx="0"/>
+          <a:fillRef idx="0"/>
+          <a:effectRef idx="0"/>
+          <a:fontRef idx="minor"/>
+        </p:style>
+        <p:txBody>
+          <a:bodyPr lIns="90000" rIns="90000" tIns="45000" bIns="45000"/>
+          <a:p>
+            <a:pPr>
+              <a:lnSpc>
+                <a:spcPct val="100000"/>
+              </a:lnSpc>
+            </a:pPr>
+            <a:r>
+              <a:rPr b="0" lang="en-US" sz="650" spc="-1" strike="noStrike">
+                <a:solidFill>
+                  <a:srgbClr val="7f7f7f"/>
+                </a:solidFill>
+                <a:latin typeface="Arial"/>
+                <a:ea typeface="Arial"/>
+              </a:rPr>
+              <a:t>UK equity</a:t>
+            </a:r>
+            <a:endParaRPr b="0" lang="en-US" sz="650" spc="-1" strike="noStrike">
+              <a:latin typeface="Arial"/>
+            </a:endParaRPr>
+          </a:p>
+        </p:txBody>
+      </p:sp>
+      <p:sp>
+        <p:nvSpPr>
+          <p:cNvPr id="133" name="CustomShape 33"/>
+          <p:cNvSpPr/>
+          <p:nvPr/>
+        </p:nvSpPr>
+        <p:spPr>
+          <a:xfrm>
+            <a:off x="7439400" y="4408920"/>
+            <a:ext cx="608040" cy="187920"/>
+          </a:xfrm>
+          <a:prstGeom prst="rect">
+            <a:avLst/>
+          </a:prstGeom>
+          <a:noFill/>
+          <a:ln>
+            <a:noFill/>
+          </a:ln>
+        </p:spPr>
+        <p:style>
+          <a:lnRef idx="0"/>
+          <a:fillRef idx="0"/>
+          <a:effectRef idx="0"/>
+          <a:fontRef idx="minor"/>
+        </p:style>
+        <p:txBody>
+          <a:bodyPr lIns="0" rIns="0" tIns="45000" bIns="45000"/>
+          <a:p>
+            <a:pPr algn="r">
+              <a:lnSpc>
+                <a:spcPct val="100000"/>
+              </a:lnSpc>
+            </a:pPr>
+            <a:r>
+              <a:rPr b="0" lang="en-US" sz="650" spc="-1" strike="noStrike">
+                <a:solidFill>
+                  <a:srgbClr val="7f7f7f"/>
+                </a:solidFill>
+                <a:latin typeface="Arial"/>
+                <a:ea typeface="Arial"/>
+              </a:rPr>
+              <a:t>20.0        %</a:t>
+            </a:r>
+            <a:endParaRPr b="0" lang="en-US" sz="650" spc="-1" strike="noStrike">
+              <a:latin typeface="Arial"/>
+            </a:endParaRPr>
+          </a:p>
+        </p:txBody>
+      </p:sp>
+      <p:pic>
+        <p:nvPicPr>
+          <p:cNvPr id="134" name="Google Shape;435;p3" descr=""/>
+          <p:cNvPicPr/>
+          <p:nvPr/>
+        </p:nvPicPr>
+        <p:blipFill>
+          <a:blip r:embed="rId8"/>
+          <a:stretch/>
+        </p:blipFill>
+        <p:spPr>
+          <a:xfrm>
+            <a:off x="8145000" y="4448160"/>
+            <a:ext cx="92520" cy="105120"/>
+          </a:xfrm>
+          <a:prstGeom prst="rect">
+            <a:avLst/>
+          </a:prstGeom>
+          <a:ln>
+            <a:noFill/>
+          </a:ln>
+        </p:spPr>
+      </p:pic>
+      <p:pic>
+        <p:nvPicPr>
+          <p:cNvPr id="135" name="Google Shape;436;p3" descr=""/>
+          <p:cNvPicPr/>
+          <p:nvPr/>
+        </p:nvPicPr>
+        <p:blipFill>
+          <a:blip r:embed="rId9"/>
+          <a:stretch/>
+        </p:blipFill>
+        <p:spPr>
+          <a:xfrm>
+            <a:off x="6879960" y="4455000"/>
+            <a:ext cx="102960" cy="87120"/>
+          </a:xfrm>
+          <a:prstGeom prst="rect">
+            <a:avLst/>
+          </a:prstGeom>
+          <a:ln>
+            <a:noFill/>
+          </a:ln>
+        </p:spPr>
+      </p:pic>
+      <p:sp>
+        <p:nvSpPr>
+          <p:cNvPr id="136" name="CustomShape 34"/>
+          <p:cNvSpPr/>
+          <p:nvPr/>
+        </p:nvSpPr>
+        <p:spPr>
+          <a:xfrm>
+            <a:off x="3648600" y="4757760"/>
+            <a:ext cx="1829160" cy="195120"/>
+          </a:xfrm>
+          <a:prstGeom prst="roundRect">
+            <a:avLst>
+              <a:gd name="adj" fmla="val 6411"/>
+            </a:avLst>
+          </a:prstGeom>
+          <a:noFill/>
+          <a:ln w="9360">
+            <a:solidFill>
+              <a:srgbClr val="cccccc"/>
+            </a:solidFill>
+            <a:miter/>
+          </a:ln>
+        </p:spPr>
+        <p:style>
+          <a:lnRef idx="0"/>
+          <a:fillRef idx="0"/>
+          <a:effectRef idx="0"/>
+          <a:fontRef idx="minor"/>
+        </p:style>
+        <p:txBody>
+          <a:bodyPr/>
+          <a:p/>
+        </p:txBody>
+      </p:sp>
+      <p:sp>
+        <p:nvSpPr>
+          <p:cNvPr id="137" name="CustomShape 35"/>
+          <p:cNvSpPr/>
+          <p:nvPr/>
+        </p:nvSpPr>
+        <p:spPr>
+          <a:xfrm>
+            <a:off x="5822640" y="4760280"/>
+            <a:ext cx="1257120" cy="195120"/>
+          </a:xfrm>
+          <a:prstGeom prst="roundRect">
+            <a:avLst>
+              <a:gd name="adj" fmla="val 6411"/>
+            </a:avLst>
+          </a:prstGeom>
+          <a:noFill/>
+          <a:ln w="9360">
+            <a:solidFill>
+              <a:srgbClr val="cccccc"/>
+            </a:solidFill>
+            <a:miter/>
+          </a:ln>
+        </p:spPr>
+        <p:style>
+          <a:lnRef idx="0"/>
+          <a:fillRef idx="0"/>
+          <a:effectRef idx="0"/>
+          <a:fontRef idx="minor"/>
+        </p:style>
+        <p:txBody>
+          <a:bodyPr/>
+          <a:p/>
+        </p:txBody>
+      </p:sp>
+      <p:sp>
+        <p:nvSpPr>
+          <p:cNvPr id="138" name="CustomShape 36"/>
+          <p:cNvSpPr/>
+          <p:nvPr/>
+        </p:nvSpPr>
+        <p:spPr>
+          <a:xfrm>
+            <a:off x="7466760" y="4761720"/>
+            <a:ext cx="645120" cy="195120"/>
+          </a:xfrm>
+          <a:prstGeom prst="roundRect">
+            <a:avLst>
+              <a:gd name="adj" fmla="val 6411"/>
+            </a:avLst>
+          </a:prstGeom>
+          <a:noFill/>
+          <a:ln w="9360">
+            <a:solidFill>
+              <a:srgbClr val="cccccc"/>
+            </a:solidFill>
+            <a:miter/>
+          </a:ln>
+        </p:spPr>
+        <p:style>
+          <a:lnRef idx="0"/>
+          <a:fillRef idx="0"/>
+          <a:effectRef idx="0"/>
+          <a:fontRef idx="minor"/>
+        </p:style>
+        <p:txBody>
+          <a:bodyPr/>
+          <a:p/>
+        </p:txBody>
+      </p:sp>
+      <p:sp>
+        <p:nvSpPr>
+          <p:cNvPr id="139" name="CustomShape 37"/>
+          <p:cNvSpPr/>
+          <p:nvPr/>
+        </p:nvSpPr>
+        <p:spPr>
+          <a:xfrm>
+            <a:off x="3670920" y="4766040"/>
+            <a:ext cx="1387440" cy="187920"/>
+          </a:xfrm>
+          <a:prstGeom prst="rect">
+            <a:avLst/>
+          </a:prstGeom>
+          <a:noFill/>
+          <a:ln>
+            <a:noFill/>
+          </a:ln>
+        </p:spPr>
+        <p:style>
+          <a:lnRef idx="0"/>
+          <a:fillRef idx="0"/>
+          <a:effectRef idx="0"/>
+          <a:fontRef idx="minor"/>
+        </p:style>
+        <p:txBody>
+          <a:bodyPr lIns="90000" rIns="90000" tIns="45000" bIns="45000"/>
+          <a:p>
+            <a:pPr>
+              <a:lnSpc>
+                <a:spcPct val="100000"/>
+              </a:lnSpc>
+            </a:pPr>
+            <a:r>
+              <a:rPr b="0" lang="en-US" sz="650" spc="-1" strike="noStrike">
+                <a:solidFill>
+                  <a:srgbClr val="7f7f7f"/>
+                </a:solidFill>
+                <a:latin typeface="Arial"/>
+                <a:ea typeface="Arial"/>
+              </a:rPr>
+              <a:t>Insight LDI</a:t>
+            </a:r>
+            <a:endParaRPr b="0" lang="en-US" sz="650" spc="-1" strike="noStrike">
+              <a:latin typeface="Arial"/>
+            </a:endParaRPr>
+          </a:p>
+        </p:txBody>
+      </p:sp>
+      <p:sp>
+        <p:nvSpPr>
+          <p:cNvPr id="140" name="CustomShape 38"/>
+          <p:cNvSpPr/>
+          <p:nvPr/>
+        </p:nvSpPr>
+        <p:spPr>
+          <a:xfrm>
+            <a:off x="5843520" y="4766040"/>
+            <a:ext cx="767880" cy="187920"/>
+          </a:xfrm>
+          <a:prstGeom prst="rect">
+            <a:avLst/>
+          </a:prstGeom>
+          <a:noFill/>
+          <a:ln>
+            <a:noFill/>
+          </a:ln>
+        </p:spPr>
+        <p:style>
+          <a:lnRef idx="0"/>
+          <a:fillRef idx="0"/>
+          <a:effectRef idx="0"/>
+          <a:fontRef idx="minor"/>
+        </p:style>
+        <p:txBody>
+          <a:bodyPr lIns="90000" rIns="90000" tIns="45000" bIns="45000"/>
+          <a:p>
+            <a:pPr>
+              <a:lnSpc>
+                <a:spcPct val="100000"/>
+              </a:lnSpc>
+            </a:pPr>
+            <a:r>
+              <a:rPr b="0" lang="en-US" sz="650" spc="-1" strike="noStrike">
+                <a:solidFill>
+                  <a:srgbClr val="7f7f7f"/>
+                </a:solidFill>
+                <a:latin typeface="Arial"/>
+                <a:ea typeface="Arial"/>
+              </a:rPr>
+              <a:t>LDI</a:t>
+            </a:r>
+            <a:endParaRPr b="0" lang="en-US" sz="650" spc="-1" strike="noStrike">
+              <a:latin typeface="Arial"/>
+            </a:endParaRPr>
+          </a:p>
+        </p:txBody>
+      </p:sp>
+      <p:sp>
+        <p:nvSpPr>
+          <p:cNvPr id="141" name="CustomShape 39"/>
+          <p:cNvSpPr/>
+          <p:nvPr/>
+        </p:nvSpPr>
+        <p:spPr>
+          <a:xfrm>
+            <a:off x="7434720" y="4766040"/>
+            <a:ext cx="608040" cy="187920"/>
+          </a:xfrm>
+          <a:prstGeom prst="rect">
+            <a:avLst/>
+          </a:prstGeom>
+          <a:noFill/>
+          <a:ln>
+            <a:noFill/>
+          </a:ln>
+        </p:spPr>
+        <p:style>
+          <a:lnRef idx="0"/>
+          <a:fillRef idx="0"/>
+          <a:effectRef idx="0"/>
+          <a:fontRef idx="minor"/>
+        </p:style>
+        <p:txBody>
+          <a:bodyPr lIns="0" rIns="0" tIns="45000" bIns="45000"/>
+          <a:p>
+            <a:pPr algn="r">
+              <a:lnSpc>
+                <a:spcPct val="100000"/>
+              </a:lnSpc>
+            </a:pPr>
+            <a:r>
+              <a:rPr b="0" lang="en-US" sz="650" spc="-1" strike="noStrike">
+                <a:solidFill>
+                  <a:srgbClr val="7f7f7f"/>
+                </a:solidFill>
+                <a:latin typeface="Arial"/>
+                <a:ea typeface="Arial"/>
+              </a:rPr>
+              <a:t>30.0        %</a:t>
+            </a:r>
+            <a:endParaRPr b="0" lang="en-US" sz="650" spc="-1" strike="noStrike">
+              <a:latin typeface="Arial"/>
+            </a:endParaRPr>
+          </a:p>
+        </p:txBody>
+      </p:sp>
+      <p:pic>
+        <p:nvPicPr>
+          <p:cNvPr id="142" name="Google Shape;443;p3" descr=""/>
+          <p:cNvPicPr/>
+          <p:nvPr/>
+        </p:nvPicPr>
+        <p:blipFill>
+          <a:blip r:embed="rId10"/>
+          <a:stretch/>
+        </p:blipFill>
+        <p:spPr>
+          <a:xfrm>
+            <a:off x="8130960" y="4805280"/>
+            <a:ext cx="92520" cy="105120"/>
+          </a:xfrm>
+          <a:prstGeom prst="rect">
+            <a:avLst/>
+          </a:prstGeom>
+          <a:ln>
+            <a:noFill/>
+          </a:ln>
+        </p:spPr>
+      </p:pic>
+      <p:pic>
+        <p:nvPicPr>
+          <p:cNvPr id="143" name="Google Shape;444;p3" descr=""/>
+          <p:cNvPicPr/>
+          <p:nvPr/>
+        </p:nvPicPr>
+        <p:blipFill>
+          <a:blip r:embed="rId11"/>
+          <a:stretch/>
+        </p:blipFill>
+        <p:spPr>
+          <a:xfrm>
+            <a:off x="6875280" y="4812120"/>
+            <a:ext cx="102960" cy="87120"/>
+          </a:xfrm>
+          <a:prstGeom prst="rect">
+            <a:avLst/>
+          </a:prstGeom>
+          <a:ln>
+            <a:noFill/>
+          </a:ln>
+        </p:spPr>
+      </p:pic>
+      <p:sp>
+        <p:nvSpPr>
+          <p:cNvPr id="144" name="CustomShape 40"/>
+          <p:cNvSpPr/>
+          <p:nvPr/>
+        </p:nvSpPr>
+        <p:spPr>
+          <a:xfrm>
+            <a:off x="7138440" y="5112000"/>
+            <a:ext cx="969120" cy="195120"/>
+          </a:xfrm>
+          <a:prstGeom prst="roundRect">
+            <a:avLst>
+              <a:gd name="adj" fmla="val 6411"/>
+            </a:avLst>
+          </a:prstGeom>
+          <a:noFill/>
+          <a:ln w="9360">
+            <a:solidFill>
+              <a:srgbClr val="cccccc"/>
+            </a:solidFill>
+            <a:miter/>
+          </a:ln>
+        </p:spPr>
+        <p:style>
+          <a:lnRef idx="0"/>
+          <a:fillRef idx="0"/>
+          <a:effectRef idx="0"/>
+          <a:fontRef idx="minor"/>
+        </p:style>
+        <p:txBody>
+          <a:bodyPr/>
+          <a:p/>
+        </p:txBody>
+      </p:sp>
+      <p:sp>
+        <p:nvSpPr>
+          <p:cNvPr id="145" name="CustomShape 41"/>
+          <p:cNvSpPr/>
+          <p:nvPr/>
+        </p:nvSpPr>
+        <p:spPr>
+          <a:xfrm>
+            <a:off x="5726520" y="5107320"/>
+            <a:ext cx="969120" cy="195120"/>
+          </a:xfrm>
+          <a:prstGeom prst="roundRect">
+            <a:avLst>
+              <a:gd name="adj" fmla="val 6411"/>
+            </a:avLst>
+          </a:prstGeom>
+          <a:noFill/>
+          <a:ln w="9360">
+            <a:solidFill>
+              <a:srgbClr val="cccccc"/>
+            </a:solidFill>
+            <a:miter/>
+          </a:ln>
+        </p:spPr>
+        <p:style>
+          <a:lnRef idx="0"/>
+          <a:fillRef idx="0"/>
+          <a:effectRef idx="0"/>
+          <a:fontRef idx="minor"/>
+        </p:style>
+        <p:txBody>
+          <a:bodyPr/>
+          <a:p/>
+        </p:txBody>
+      </p:sp>
+      <p:sp>
+        <p:nvSpPr>
+          <p:cNvPr id="146" name="CustomShape 42"/>
+          <p:cNvSpPr/>
+          <p:nvPr/>
+        </p:nvSpPr>
+        <p:spPr>
+          <a:xfrm>
+            <a:off x="5343480" y="5104440"/>
+            <a:ext cx="472320" cy="195840"/>
+          </a:xfrm>
+          <a:prstGeom prst="rect">
+            <a:avLst/>
+          </a:prstGeom>
+          <a:noFill/>
+          <a:ln>
+            <a:noFill/>
+          </a:ln>
+        </p:spPr>
+        <p:style>
+          <a:lnRef idx="0"/>
+          <a:fillRef idx="0"/>
+          <a:effectRef idx="0"/>
+          <a:fontRef idx="minor"/>
+        </p:style>
+        <p:txBody>
+          <a:bodyPr lIns="90000" rIns="90000" tIns="45000" bIns="45000"/>
+          <a:p>
+            <a:pPr>
+              <a:lnSpc>
+                <a:spcPct val="100000"/>
+              </a:lnSpc>
+            </a:pPr>
+            <a:r>
+              <a:rPr b="0" lang="en-US" sz="700" spc="-1" strike="noStrike">
+                <a:solidFill>
+                  <a:srgbClr val="595959"/>
+                </a:solidFill>
+                <a:latin typeface="Arial"/>
+                <a:ea typeface="Arial"/>
+              </a:rPr>
+              <a:t>PV01</a:t>
+            </a:r>
+            <a:endParaRPr b="0" lang="en-US" sz="700" spc="-1" strike="noStrike">
+              <a:latin typeface="Arial"/>
+            </a:endParaRPr>
+          </a:p>
+        </p:txBody>
+      </p:sp>
+      <p:sp>
+        <p:nvSpPr>
+          <p:cNvPr id="147" name="CustomShape 43"/>
+          <p:cNvSpPr/>
+          <p:nvPr/>
+        </p:nvSpPr>
+        <p:spPr>
+          <a:xfrm>
+            <a:off x="6768720" y="5112000"/>
+            <a:ext cx="472320" cy="195840"/>
+          </a:xfrm>
+          <a:prstGeom prst="rect">
+            <a:avLst/>
+          </a:prstGeom>
+          <a:noFill/>
+          <a:ln>
+            <a:noFill/>
+          </a:ln>
+        </p:spPr>
+        <p:style>
+          <a:lnRef idx="0"/>
+          <a:fillRef idx="0"/>
+          <a:effectRef idx="0"/>
+          <a:fontRef idx="minor"/>
+        </p:style>
+        <p:txBody>
+          <a:bodyPr lIns="90000" rIns="90000" tIns="45000" bIns="45000"/>
+          <a:p>
+            <a:pPr>
+              <a:lnSpc>
+                <a:spcPct val="100000"/>
+              </a:lnSpc>
+            </a:pPr>
+            <a:r>
+              <a:rPr b="0" lang="en-US" sz="700" spc="-1" strike="noStrike">
+                <a:solidFill>
+                  <a:srgbClr val="595959"/>
+                </a:solidFill>
+                <a:latin typeface="Arial"/>
+                <a:ea typeface="Arial"/>
+              </a:rPr>
+              <a:t>IE01</a:t>
+            </a:r>
+            <a:endParaRPr b="0" lang="en-US" sz="700" spc="-1" strike="noStrike">
+              <a:latin typeface="Arial"/>
+            </a:endParaRPr>
+          </a:p>
+        </p:txBody>
+      </p:sp>
+      <p:sp>
+        <p:nvSpPr>
+          <p:cNvPr id="148" name="CustomShape 44"/>
+          <p:cNvSpPr/>
+          <p:nvPr/>
+        </p:nvSpPr>
+        <p:spPr>
+          <a:xfrm>
+            <a:off x="5717520" y="5117040"/>
+            <a:ext cx="774720" cy="187920"/>
+          </a:xfrm>
+          <a:prstGeom prst="rect">
+            <a:avLst/>
+          </a:prstGeom>
+          <a:noFill/>
+          <a:ln>
+            <a:noFill/>
+          </a:ln>
+        </p:spPr>
+        <p:style>
+          <a:lnRef idx="0"/>
+          <a:fillRef idx="0"/>
+          <a:effectRef idx="0"/>
+          <a:fontRef idx="minor"/>
+        </p:style>
+        <p:txBody>
+          <a:bodyPr lIns="90000" rIns="90000" tIns="45000" bIns="45000"/>
+          <a:p>
+            <a:pPr>
+              <a:lnSpc>
+                <a:spcPct val="100000"/>
+              </a:lnSpc>
+            </a:pPr>
+            <a:r>
+              <a:rPr b="0" lang="en-US" sz="650" spc="-1" strike="noStrike">
+                <a:solidFill>
+                  <a:srgbClr val="7f7f7f"/>
+                </a:solidFill>
+                <a:latin typeface="Arial"/>
+                <a:ea typeface="Arial"/>
+              </a:rPr>
+              <a:t>£   35,000</a:t>
+            </a:r>
+            <a:endParaRPr b="0" lang="en-US" sz="650" spc="-1" strike="noStrike">
+              <a:latin typeface="Arial"/>
+            </a:endParaRPr>
+          </a:p>
+        </p:txBody>
+      </p:sp>
+      <p:sp>
+        <p:nvSpPr>
+          <p:cNvPr id="149" name="CustomShape 45"/>
+          <p:cNvSpPr/>
+          <p:nvPr/>
+        </p:nvSpPr>
+        <p:spPr>
+          <a:xfrm>
+            <a:off x="7117920" y="5117760"/>
+            <a:ext cx="774720" cy="187920"/>
+          </a:xfrm>
+          <a:prstGeom prst="rect">
+            <a:avLst/>
+          </a:prstGeom>
+          <a:noFill/>
+          <a:ln>
+            <a:noFill/>
+          </a:ln>
+        </p:spPr>
+        <p:style>
+          <a:lnRef idx="0"/>
+          <a:fillRef idx="0"/>
+          <a:effectRef idx="0"/>
+          <a:fontRef idx="minor"/>
+        </p:style>
+        <p:txBody>
+          <a:bodyPr lIns="90000" rIns="90000" tIns="45000" bIns="45000"/>
+          <a:p>
+            <a:pPr>
+              <a:lnSpc>
+                <a:spcPct val="100000"/>
+              </a:lnSpc>
+            </a:pPr>
+            <a:r>
+              <a:rPr b="0" lang="en-US" sz="650" spc="-1" strike="noStrike">
+                <a:solidFill>
+                  <a:srgbClr val="7f7f7f"/>
+                </a:solidFill>
+                <a:latin typeface="Arial"/>
+                <a:ea typeface="Arial"/>
+              </a:rPr>
+              <a:t>£   20,000</a:t>
+            </a:r>
+            <a:endParaRPr b="0" lang="en-US" sz="650" spc="-1" strike="noStrike">
+              <a:latin typeface="Arial"/>
+            </a:endParaRPr>
+          </a:p>
+        </p:txBody>
+      </p:sp>
+      <p:sp>
+        <p:nvSpPr>
+          <p:cNvPr id="150" name="CustomShape 46"/>
+          <p:cNvSpPr/>
+          <p:nvPr/>
+        </p:nvSpPr>
+        <p:spPr>
+          <a:xfrm>
+            <a:off x="3651120" y="5463000"/>
+            <a:ext cx="1829160" cy="195120"/>
+          </a:xfrm>
+          <a:prstGeom prst="roundRect">
+            <a:avLst>
+              <a:gd name="adj" fmla="val 6411"/>
+            </a:avLst>
+          </a:prstGeom>
+          <a:noFill/>
+          <a:ln w="9360">
+            <a:solidFill>
+              <a:srgbClr val="cccccc"/>
+            </a:solidFill>
+            <a:miter/>
+          </a:ln>
+        </p:spPr>
+        <p:style>
+          <a:lnRef idx="0"/>
+          <a:fillRef idx="0"/>
+          <a:effectRef idx="0"/>
+          <a:fontRef idx="minor"/>
+        </p:style>
+        <p:txBody>
+          <a:bodyPr/>
+          <a:p/>
+        </p:txBody>
+      </p:sp>
+      <p:sp>
+        <p:nvSpPr>
+          <p:cNvPr id="151" name="CustomShape 47"/>
+          <p:cNvSpPr/>
+          <p:nvPr/>
+        </p:nvSpPr>
+        <p:spPr>
+          <a:xfrm>
+            <a:off x="5824800" y="5465520"/>
+            <a:ext cx="1257120" cy="195120"/>
+          </a:xfrm>
+          <a:prstGeom prst="roundRect">
+            <a:avLst>
+              <a:gd name="adj" fmla="val 6411"/>
+            </a:avLst>
+          </a:prstGeom>
+          <a:noFill/>
+          <a:ln w="9360">
+            <a:solidFill>
+              <a:srgbClr val="cccccc"/>
+            </a:solidFill>
+            <a:miter/>
+          </a:ln>
+        </p:spPr>
+        <p:style>
+          <a:lnRef idx="0"/>
+          <a:fillRef idx="0"/>
+          <a:effectRef idx="0"/>
+          <a:fontRef idx="minor"/>
+        </p:style>
+        <p:txBody>
+          <a:bodyPr/>
+          <a:p/>
+        </p:txBody>
+      </p:sp>
+      <p:sp>
+        <p:nvSpPr>
+          <p:cNvPr id="152" name="CustomShape 48"/>
+          <p:cNvSpPr/>
+          <p:nvPr/>
+        </p:nvSpPr>
+        <p:spPr>
+          <a:xfrm>
+            <a:off x="7471440" y="5466960"/>
+            <a:ext cx="645120" cy="195120"/>
+          </a:xfrm>
+          <a:prstGeom prst="roundRect">
+            <a:avLst>
+              <a:gd name="adj" fmla="val 6411"/>
+            </a:avLst>
+          </a:prstGeom>
+          <a:noFill/>
+          <a:ln w="9360">
+            <a:solidFill>
+              <a:srgbClr val="cccccc"/>
+            </a:solidFill>
+            <a:miter/>
+          </a:ln>
+        </p:spPr>
+        <p:style>
+          <a:lnRef idx="0"/>
+          <a:fillRef idx="0"/>
+          <a:effectRef idx="0"/>
+          <a:fontRef idx="minor"/>
+        </p:style>
+        <p:txBody>
+          <a:bodyPr/>
+          <a:p/>
+        </p:txBody>
+      </p:sp>
+      <p:sp>
+        <p:nvSpPr>
+          <p:cNvPr id="153" name="CustomShape 49"/>
+          <p:cNvSpPr/>
+          <p:nvPr/>
+        </p:nvSpPr>
+        <p:spPr>
+          <a:xfrm>
+            <a:off x="3673080" y="5470920"/>
+            <a:ext cx="1387440" cy="187920"/>
+          </a:xfrm>
+          <a:prstGeom prst="rect">
+            <a:avLst/>
+          </a:prstGeom>
+          <a:noFill/>
+          <a:ln>
+            <a:noFill/>
+          </a:ln>
+        </p:spPr>
+        <p:style>
+          <a:lnRef idx="0"/>
+          <a:fillRef idx="0"/>
+          <a:effectRef idx="0"/>
+          <a:fontRef idx="minor"/>
+        </p:style>
+        <p:txBody>
+          <a:bodyPr lIns="90000" rIns="90000" tIns="45000" bIns="45000"/>
+          <a:p>
+            <a:pPr>
+              <a:lnSpc>
+                <a:spcPct val="100000"/>
+              </a:lnSpc>
+            </a:pPr>
+            <a:r>
+              <a:rPr b="0" lang="en-US" sz="650" spc="-1" strike="noStrike">
+                <a:solidFill>
+                  <a:srgbClr val="7f7f7f"/>
+                </a:solidFill>
+                <a:latin typeface="Arial"/>
+                <a:ea typeface="Arial"/>
+              </a:rPr>
+              <a:t>Insight credit</a:t>
+            </a:r>
+            <a:endParaRPr b="0" lang="en-US" sz="650" spc="-1" strike="noStrike">
+              <a:latin typeface="Arial"/>
+            </a:endParaRPr>
+          </a:p>
+        </p:txBody>
+      </p:sp>
+      <p:sp>
+        <p:nvSpPr>
+          <p:cNvPr id="154" name="CustomShape 50"/>
+          <p:cNvSpPr/>
+          <p:nvPr/>
+        </p:nvSpPr>
+        <p:spPr>
+          <a:xfrm>
+            <a:off x="5866200" y="5470920"/>
+            <a:ext cx="931680" cy="187920"/>
+          </a:xfrm>
+          <a:prstGeom prst="rect">
+            <a:avLst/>
+          </a:prstGeom>
+          <a:noFill/>
+          <a:ln>
+            <a:noFill/>
+          </a:ln>
+        </p:spPr>
+        <p:style>
+          <a:lnRef idx="0"/>
+          <a:fillRef idx="0"/>
+          <a:effectRef idx="0"/>
+          <a:fontRef idx="minor"/>
+        </p:style>
+        <p:txBody>
+          <a:bodyPr lIns="90000" rIns="90000" tIns="45000" bIns="45000"/>
+          <a:p>
+            <a:pPr>
+              <a:lnSpc>
+                <a:spcPct val="100000"/>
+              </a:lnSpc>
+            </a:pPr>
+            <a:r>
+              <a:rPr b="0" lang="en-US" sz="650" spc="-1" strike="noStrike">
+                <a:solidFill>
+                  <a:srgbClr val="7f7f7f"/>
+                </a:solidFill>
+                <a:latin typeface="Arial"/>
+                <a:ea typeface="Arial"/>
+              </a:rPr>
+              <a:t>UK corporate bonds</a:t>
+            </a:r>
+            <a:endParaRPr b="0" lang="en-US" sz="650" spc="-1" strike="noStrike">
+              <a:latin typeface="Arial"/>
+            </a:endParaRPr>
+          </a:p>
+        </p:txBody>
+      </p:sp>
+      <p:sp>
+        <p:nvSpPr>
+          <p:cNvPr id="155" name="CustomShape 51"/>
+          <p:cNvSpPr/>
+          <p:nvPr/>
+        </p:nvSpPr>
+        <p:spPr>
+          <a:xfrm>
+            <a:off x="7436880" y="5470920"/>
+            <a:ext cx="608040" cy="187920"/>
+          </a:xfrm>
+          <a:prstGeom prst="rect">
+            <a:avLst/>
+          </a:prstGeom>
+          <a:noFill/>
+          <a:ln>
+            <a:noFill/>
+          </a:ln>
+        </p:spPr>
+        <p:style>
+          <a:lnRef idx="0"/>
+          <a:fillRef idx="0"/>
+          <a:effectRef idx="0"/>
+          <a:fontRef idx="minor"/>
+        </p:style>
+        <p:txBody>
+          <a:bodyPr lIns="0" rIns="0" tIns="45000" bIns="45000"/>
+          <a:p>
+            <a:pPr algn="r">
+              <a:lnSpc>
+                <a:spcPct val="100000"/>
+              </a:lnSpc>
+            </a:pPr>
+            <a:r>
+              <a:rPr b="0" lang="en-US" sz="650" spc="-1" strike="noStrike">
+                <a:solidFill>
+                  <a:srgbClr val="7f7f7f"/>
+                </a:solidFill>
+                <a:latin typeface="Arial"/>
+                <a:ea typeface="Arial"/>
+              </a:rPr>
+              <a:t>20.0        %</a:t>
+            </a:r>
+            <a:endParaRPr b="0" lang="en-US" sz="650" spc="-1" strike="noStrike">
+              <a:latin typeface="Arial"/>
+            </a:endParaRPr>
+          </a:p>
+        </p:txBody>
+      </p:sp>
+      <p:pic>
+        <p:nvPicPr>
+          <p:cNvPr id="156" name="Google Shape;457;p3" descr=""/>
+          <p:cNvPicPr/>
+          <p:nvPr/>
+        </p:nvPicPr>
+        <p:blipFill>
+          <a:blip r:embed="rId12"/>
+          <a:stretch/>
+        </p:blipFill>
+        <p:spPr>
+          <a:xfrm>
+            <a:off x="8142840" y="5510520"/>
+            <a:ext cx="92520" cy="105120"/>
+          </a:xfrm>
+          <a:prstGeom prst="rect">
+            <a:avLst/>
+          </a:prstGeom>
+          <a:ln>
+            <a:noFill/>
+          </a:ln>
+        </p:spPr>
+      </p:pic>
+      <p:pic>
+        <p:nvPicPr>
+          <p:cNvPr id="157" name="Google Shape;458;p3" descr=""/>
+          <p:cNvPicPr/>
+          <p:nvPr/>
+        </p:nvPicPr>
+        <p:blipFill>
+          <a:blip r:embed="rId13"/>
+          <a:stretch/>
+        </p:blipFill>
+        <p:spPr>
+          <a:xfrm>
+            <a:off x="6877440" y="5517360"/>
+            <a:ext cx="102960" cy="87120"/>
+          </a:xfrm>
+          <a:prstGeom prst="rect">
+            <a:avLst/>
+          </a:prstGeom>
+          <a:ln>
+            <a:noFill/>
+          </a:ln>
+        </p:spPr>
+      </p:pic>
+      <p:sp>
+        <p:nvSpPr>
+          <p:cNvPr id="158" name="CustomShape 52"/>
+          <p:cNvSpPr/>
+          <p:nvPr/>
+        </p:nvSpPr>
+        <p:spPr>
+          <a:xfrm>
+            <a:off x="7471440" y="5828760"/>
+            <a:ext cx="645120" cy="195120"/>
+          </a:xfrm>
+          <a:prstGeom prst="roundRect">
+            <a:avLst>
+              <a:gd name="adj" fmla="val 6411"/>
+            </a:avLst>
+          </a:prstGeom>
+          <a:noFill/>
+          <a:ln w="9360">
+            <a:solidFill>
+              <a:srgbClr val="cccccc"/>
+            </a:solidFill>
+            <a:miter/>
+          </a:ln>
+        </p:spPr>
+        <p:style>
+          <a:lnRef idx="0"/>
+          <a:fillRef idx="0"/>
+          <a:effectRef idx="0"/>
+          <a:fontRef idx="minor"/>
+        </p:style>
+        <p:txBody>
+          <a:bodyPr/>
+          <a:p/>
+        </p:txBody>
+      </p:sp>
+      <p:sp>
+        <p:nvSpPr>
+          <p:cNvPr id="159" name="CustomShape 53"/>
+          <p:cNvSpPr/>
+          <p:nvPr/>
+        </p:nvSpPr>
+        <p:spPr>
+          <a:xfrm>
+            <a:off x="7446600" y="5833080"/>
+            <a:ext cx="608040" cy="187920"/>
+          </a:xfrm>
+          <a:prstGeom prst="rect">
+            <a:avLst/>
+          </a:prstGeom>
+          <a:noFill/>
+          <a:ln>
+            <a:noFill/>
+          </a:ln>
+        </p:spPr>
+        <p:style>
+          <a:lnRef idx="0"/>
+          <a:fillRef idx="0"/>
+          <a:effectRef idx="0"/>
+          <a:fontRef idx="minor"/>
+        </p:style>
+        <p:txBody>
+          <a:bodyPr lIns="0" rIns="0" tIns="45000" bIns="45000"/>
+          <a:p>
+            <a:pPr algn="r">
+              <a:lnSpc>
+                <a:spcPct val="100000"/>
+              </a:lnSpc>
+            </a:pPr>
+            <a:r>
+              <a:rPr b="0" lang="en-US" sz="650" spc="-1" strike="noStrike">
+                <a:solidFill>
+                  <a:srgbClr val="7f7f7f"/>
+                </a:solidFill>
+                <a:latin typeface="Arial"/>
+                <a:ea typeface="Arial"/>
+              </a:rPr>
+              <a:t>100.0       %</a:t>
+            </a:r>
+            <a:endParaRPr b="0" lang="en-US" sz="650" spc="-1" strike="noStrike">
+              <a:latin typeface="Arial"/>
+            </a:endParaRPr>
+          </a:p>
+        </p:txBody>
+      </p:sp>
+      <p:sp>
+        <p:nvSpPr>
+          <p:cNvPr id="160" name="CustomShape 54"/>
+          <p:cNvSpPr/>
+          <p:nvPr/>
+        </p:nvSpPr>
+        <p:spPr>
+          <a:xfrm>
+            <a:off x="7053480" y="5838840"/>
+            <a:ext cx="472320" cy="195840"/>
+          </a:xfrm>
+          <a:prstGeom prst="rect">
+            <a:avLst/>
+          </a:prstGeom>
+          <a:noFill/>
+          <a:ln>
+            <a:noFill/>
+          </a:ln>
+        </p:spPr>
+        <p:style>
+          <a:lnRef idx="0"/>
+          <a:fillRef idx="0"/>
+          <a:effectRef idx="0"/>
+          <a:fontRef idx="minor"/>
+        </p:style>
+        <p:txBody>
+          <a:bodyPr lIns="90000" rIns="90000" tIns="45000" bIns="45000"/>
+          <a:p>
+            <a:pPr>
+              <a:lnSpc>
+                <a:spcPct val="100000"/>
+              </a:lnSpc>
+            </a:pPr>
+            <a:r>
+              <a:rPr b="0" lang="en-US" sz="700" spc="-1" strike="noStrike">
+                <a:solidFill>
+                  <a:srgbClr val="595959"/>
+                </a:solidFill>
+                <a:latin typeface="Arial"/>
+                <a:ea typeface="Arial"/>
+              </a:rPr>
+              <a:t>Total</a:t>
+            </a:r>
+            <a:endParaRPr b="0" lang="en-US" sz="700" spc="-1" strike="noStrike">
+              <a:latin typeface="Arial"/>
+            </a:endParaRPr>
+          </a:p>
+        </p:txBody>
+      </p:sp>
+      <p:sp>
+        <p:nvSpPr>
+          <p:cNvPr id="161" name="CustomShape 55"/>
+          <p:cNvSpPr/>
+          <p:nvPr/>
+        </p:nvSpPr>
+        <p:spPr>
+          <a:xfrm>
+            <a:off x="3637080" y="3817440"/>
+            <a:ext cx="2539080" cy="195840"/>
+          </a:xfrm>
+          <a:prstGeom prst="rect">
+            <a:avLst/>
+          </a:prstGeom>
+          <a:noFill/>
+          <a:ln>
+            <a:noFill/>
+          </a:ln>
+        </p:spPr>
+        <p:style>
+          <a:lnRef idx="0"/>
+          <a:fillRef idx="0"/>
+          <a:effectRef idx="0"/>
+          <a:fontRef idx="minor"/>
+        </p:style>
+        <p:txBody>
+          <a:bodyPr lIns="90000" rIns="90000" tIns="45000" bIns="45000"/>
+          <a:p>
+            <a:pPr>
+              <a:lnSpc>
+                <a:spcPct val="100000"/>
+              </a:lnSpc>
+            </a:pPr>
+            <a:r>
+              <a:rPr b="1" lang="en-US" sz="700" spc="-1" strike="noStrike">
+                <a:solidFill>
+                  <a:srgbClr val="595959"/>
+                </a:solidFill>
+                <a:latin typeface="Arial"/>
+                <a:ea typeface="Arial"/>
+              </a:rPr>
+              <a:t>Fund name</a:t>
+            </a:r>
+            <a:endParaRPr b="0" lang="en-US" sz="700" spc="-1" strike="noStrike">
+              <a:latin typeface="Arial"/>
+            </a:endParaRPr>
+          </a:p>
+        </p:txBody>
+      </p:sp>
+      <p:sp>
+        <p:nvSpPr>
+          <p:cNvPr id="162" name="CustomShape 56"/>
+          <p:cNvSpPr/>
+          <p:nvPr/>
+        </p:nvSpPr>
+        <p:spPr>
+          <a:xfrm>
+            <a:off x="5805720" y="3817440"/>
+            <a:ext cx="1122120" cy="195840"/>
+          </a:xfrm>
+          <a:prstGeom prst="rect">
+            <a:avLst/>
+          </a:prstGeom>
+          <a:noFill/>
+          <a:ln>
+            <a:noFill/>
+          </a:ln>
+        </p:spPr>
+        <p:style>
+          <a:lnRef idx="0"/>
+          <a:fillRef idx="0"/>
+          <a:effectRef idx="0"/>
+          <a:fontRef idx="minor"/>
+        </p:style>
+        <p:txBody>
+          <a:bodyPr lIns="90000" rIns="90000" tIns="45000" bIns="45000"/>
+          <a:p>
+            <a:pPr>
+              <a:lnSpc>
+                <a:spcPct val="100000"/>
+              </a:lnSpc>
+            </a:pPr>
+            <a:r>
+              <a:rPr b="1" lang="en-US" sz="700" spc="-1" strike="noStrike">
+                <a:solidFill>
+                  <a:srgbClr val="595959"/>
+                </a:solidFill>
+                <a:latin typeface="Arial"/>
+                <a:ea typeface="Arial"/>
+              </a:rPr>
+              <a:t>Fund classification</a:t>
+            </a:r>
+            <a:endParaRPr b="0" lang="en-US" sz="700" spc="-1" strike="noStrike">
+              <a:latin typeface="Arial"/>
+            </a:endParaRPr>
+          </a:p>
+        </p:txBody>
+      </p:sp>
+      <p:sp>
+        <p:nvSpPr>
+          <p:cNvPr id="163" name="CustomShape 57"/>
+          <p:cNvSpPr/>
+          <p:nvPr/>
+        </p:nvSpPr>
+        <p:spPr>
+          <a:xfrm>
+            <a:off x="7408080" y="3807720"/>
+            <a:ext cx="799200" cy="195840"/>
+          </a:xfrm>
+          <a:prstGeom prst="rect">
+            <a:avLst/>
+          </a:prstGeom>
+          <a:noFill/>
+          <a:ln>
+            <a:noFill/>
+          </a:ln>
+        </p:spPr>
+        <p:style>
+          <a:lnRef idx="0"/>
+          <a:fillRef idx="0"/>
+          <a:effectRef idx="0"/>
+          <a:fontRef idx="minor"/>
+        </p:style>
+        <p:txBody>
+          <a:bodyPr lIns="90000" rIns="90000" tIns="45000" bIns="45000"/>
+          <a:p>
+            <a:pPr>
+              <a:lnSpc>
+                <a:spcPct val="100000"/>
+              </a:lnSpc>
+            </a:pPr>
+            <a:r>
+              <a:rPr b="1" lang="en-US" sz="700" spc="-1" strike="noStrike">
+                <a:solidFill>
+                  <a:srgbClr val="595959"/>
+                </a:solidFill>
+                <a:latin typeface="Arial"/>
+                <a:ea typeface="Arial"/>
+              </a:rPr>
+              <a:t>Allocation</a:t>
+            </a:r>
+            <a:endParaRPr b="0" lang="en-US" sz="700" spc="-1" strike="noStrike">
+              <a:latin typeface="Arial"/>
+            </a:endParaRPr>
+          </a:p>
+        </p:txBody>
+      </p:sp>
+      <p:grpSp>
+        <p:nvGrpSpPr>
+          <p:cNvPr id="164" name="Group 58"/>
+          <p:cNvGrpSpPr/>
+          <p:nvPr/>
+        </p:nvGrpSpPr>
+        <p:grpSpPr>
+          <a:xfrm>
+            <a:off x="5463720" y="5958360"/>
+            <a:ext cx="1460520" cy="897120"/>
+            <a:chOff x="5463720" y="5958360"/>
+            <a:chExt cx="1460520" cy="897120"/>
+          </a:xfrm>
+        </p:grpSpPr>
+        <p:pic>
+          <p:nvPicPr>
+            <p:cNvPr id="165" name="Google Shape;466;p3" descr=""/>
+            <p:cNvPicPr/>
+            <p:nvPr/>
+          </p:nvPicPr>
+          <p:blipFill>
+            <a:blip r:embed="rId14"/>
+            <a:stretch/>
+          </p:blipFill>
+          <p:spPr>
+            <a:xfrm>
+              <a:off x="5802120" y="5958360"/>
+              <a:ext cx="1122120" cy="897120"/>
+            </a:xfrm>
+            <a:prstGeom prst="rect">
+              <a:avLst/>
+            </a:prstGeom>
+            <a:ln>
+              <a:noFill/>
+            </a:ln>
+          </p:spPr>
+        </p:pic>
+        <p:sp>
+          <p:nvSpPr>
+            <p:cNvPr id="166" name="CustomShape 59"/>
+            <p:cNvSpPr/>
+            <p:nvPr/>
+          </p:nvSpPr>
+          <p:spPr>
+            <a:xfrm>
+              <a:off x="5463720" y="6298200"/>
+              <a:ext cx="781560" cy="195840"/>
+            </a:xfrm>
+            <a:prstGeom prst="rect">
+              <a:avLst/>
+            </a:prstGeom>
+            <a:noFill/>
+            <a:ln>
+              <a:noFill/>
+            </a:ln>
+          </p:spPr>
+          <p:style>
+            <a:lnRef idx="0"/>
+            <a:fillRef idx="0"/>
+            <a:effectRef idx="0"/>
+            <a:fontRef idx="minor"/>
+          </p:style>
+          <p:txBody>
+            <a:bodyPr lIns="90000" rIns="90000" tIns="45000" bIns="45000"/>
+            <a:p>
+              <a:pPr>
+                <a:lnSpc>
+                  <a:spcPct val="100000"/>
+                </a:lnSpc>
+              </a:pPr>
+              <a:r>
+                <a:rPr b="0" lang="en-US" sz="700" spc="-1" strike="noStrike">
+                  <a:solidFill>
+                    <a:srgbClr val="595959"/>
+                  </a:solidFill>
+                  <a:latin typeface="Arial"/>
+                  <a:ea typeface="Arial"/>
+                </a:rPr>
+                <a:t>Value</a:t>
+              </a:r>
+              <a:endParaRPr b="0" lang="en-US" sz="700" spc="-1" strike="noStrike">
+                <a:latin typeface="Arial"/>
+              </a:endParaRPr>
+            </a:p>
+          </p:txBody>
+        </p:sp>
+        <p:sp>
+          <p:nvSpPr>
+            <p:cNvPr id="167" name="CustomShape 60"/>
+            <p:cNvSpPr/>
+            <p:nvPr/>
+          </p:nvSpPr>
+          <p:spPr>
+            <a:xfrm>
+              <a:off x="5468400" y="6618960"/>
+              <a:ext cx="781560" cy="195840"/>
+            </a:xfrm>
+            <a:prstGeom prst="rect">
+              <a:avLst/>
+            </a:prstGeom>
+            <a:noFill/>
+            <a:ln>
+              <a:noFill/>
+            </a:ln>
+          </p:spPr>
+          <p:style>
+            <a:lnRef idx="0"/>
+            <a:fillRef idx="0"/>
+            <a:effectRef idx="0"/>
+            <a:fontRef idx="minor"/>
+          </p:style>
+          <p:txBody>
+            <a:bodyPr lIns="90000" rIns="90000" tIns="45000" bIns="45000"/>
+            <a:p>
+              <a:pPr>
+                <a:lnSpc>
+                  <a:spcPct val="100000"/>
+                </a:lnSpc>
+              </a:pPr>
+              <a:r>
+                <a:rPr b="0" lang="en-US" sz="700" spc="-1" strike="noStrike">
+                  <a:solidFill>
+                    <a:srgbClr val="595959"/>
+                  </a:solidFill>
+                  <a:latin typeface="Arial"/>
+                  <a:ea typeface="Arial"/>
+                </a:rPr>
+                <a:t>Value</a:t>
+              </a:r>
+              <a:endParaRPr b="0" lang="en-US" sz="700" spc="-1" strike="noStrike">
+                <a:latin typeface="Arial"/>
+              </a:endParaRPr>
+            </a:p>
+          </p:txBody>
+        </p:sp>
+      </p:grpSp>
+      <p:sp>
+        <p:nvSpPr>
+          <p:cNvPr id="168" name="CustomShape 61"/>
+          <p:cNvSpPr/>
+          <p:nvPr/>
+        </p:nvSpPr>
+        <p:spPr>
+          <a:xfrm>
+            <a:off x="3633840" y="6257520"/>
+            <a:ext cx="472320" cy="195840"/>
+          </a:xfrm>
+          <a:prstGeom prst="rect">
+            <a:avLst/>
+          </a:prstGeom>
+          <a:noFill/>
+          <a:ln>
+            <a:noFill/>
+          </a:ln>
+        </p:spPr>
+        <p:style>
+          <a:lnRef idx="0"/>
+          <a:fillRef idx="0"/>
+          <a:effectRef idx="0"/>
+          <a:fontRef idx="minor"/>
+        </p:style>
+        <p:txBody>
+          <a:bodyPr lIns="90000" rIns="90000" tIns="45000" bIns="45000"/>
+          <a:p>
+            <a:pPr>
+              <a:lnSpc>
+                <a:spcPct val="100000"/>
+              </a:lnSpc>
+            </a:pPr>
+            <a:r>
+              <a:rPr b="0" lang="en-US" sz="700" spc="-1" strike="noStrike">
+                <a:solidFill>
+                  <a:srgbClr val="595959"/>
+                </a:solidFill>
+                <a:latin typeface="Arial"/>
+                <a:ea typeface="Arial"/>
+              </a:rPr>
+              <a:t>Date</a:t>
+            </a:r>
+            <a:endParaRPr b="0" lang="en-US" sz="700" spc="-1" strike="noStrike">
+              <a:latin typeface="Arial"/>
+            </a:endParaRPr>
+          </a:p>
+        </p:txBody>
+      </p:sp>
+      <p:grpSp>
+        <p:nvGrpSpPr>
+          <p:cNvPr id="169" name="Group 62"/>
+          <p:cNvGrpSpPr/>
+          <p:nvPr/>
+        </p:nvGrpSpPr>
+        <p:grpSpPr>
+          <a:xfrm>
+            <a:off x="3975840" y="5921640"/>
+            <a:ext cx="1081800" cy="897120"/>
+            <a:chOff x="3975840" y="5921640"/>
+            <a:chExt cx="1081800" cy="897120"/>
+          </a:xfrm>
+        </p:grpSpPr>
+        <p:pic>
+          <p:nvPicPr>
+            <p:cNvPr id="170" name="Google Shape;471;p3" descr=""/>
+            <p:cNvPicPr/>
+            <p:nvPr/>
+          </p:nvPicPr>
+          <p:blipFill>
+            <a:blip r:embed="rId15"/>
+            <a:stretch/>
+          </p:blipFill>
+          <p:spPr>
+            <a:xfrm>
+              <a:off x="3975840" y="5921640"/>
+              <a:ext cx="1081800" cy="897120"/>
+            </a:xfrm>
+            <a:prstGeom prst="rect">
+              <a:avLst/>
+            </a:prstGeom>
+            <a:ln>
+              <a:noFill/>
+            </a:ln>
+          </p:spPr>
+        </p:pic>
+        <p:sp>
+          <p:nvSpPr>
+            <p:cNvPr id="171" name="CustomShape 63"/>
+            <p:cNvSpPr/>
+            <p:nvPr/>
+          </p:nvSpPr>
+          <p:spPr>
+            <a:xfrm>
+              <a:off x="4000320" y="6293520"/>
+              <a:ext cx="708120" cy="187920"/>
+            </a:xfrm>
+            <a:prstGeom prst="rect">
+              <a:avLst/>
+            </a:prstGeom>
+            <a:noFill/>
+            <a:ln>
+              <a:noFill/>
+            </a:ln>
+          </p:spPr>
+          <p:style>
+            <a:lnRef idx="0"/>
+            <a:fillRef idx="0"/>
+            <a:effectRef idx="0"/>
+            <a:fontRef idx="minor"/>
+          </p:style>
+          <p:txBody>
+            <a:bodyPr lIns="90000" rIns="90000" tIns="45000" bIns="45000"/>
+            <a:p>
+              <a:pPr>
+                <a:lnSpc>
+                  <a:spcPct val="100000"/>
+                </a:lnSpc>
+              </a:pPr>
+              <a:r>
+                <a:rPr b="0" lang="en-US" sz="650" spc="-1" strike="noStrike">
+                  <a:solidFill>
+                    <a:srgbClr val="7f7f7f"/>
+                  </a:solidFill>
+                  <a:latin typeface="Arial"/>
+                  <a:ea typeface="Arial"/>
+                </a:rPr>
+                <a:t>23-12-2020</a:t>
+              </a:r>
+              <a:endParaRPr b="0" lang="en-US" sz="650" spc="-1" strike="noStrike">
+                <a:latin typeface="Arial"/>
+              </a:endParaRPr>
+            </a:p>
+          </p:txBody>
+        </p:sp>
+        <p:sp>
+          <p:nvSpPr>
+            <p:cNvPr id="172" name="CustomShape 64"/>
+            <p:cNvSpPr/>
+            <p:nvPr/>
+          </p:nvSpPr>
+          <p:spPr>
+            <a:xfrm>
+              <a:off x="3997800" y="6507720"/>
+              <a:ext cx="708120" cy="187920"/>
+            </a:xfrm>
+            <a:prstGeom prst="rect">
+              <a:avLst/>
+            </a:prstGeom>
+            <a:noFill/>
+            <a:ln>
+              <a:noFill/>
+            </a:ln>
+          </p:spPr>
+          <p:style>
+            <a:lnRef idx="0"/>
+            <a:fillRef idx="0"/>
+            <a:effectRef idx="0"/>
+            <a:fontRef idx="minor"/>
+          </p:style>
+          <p:txBody>
+            <a:bodyPr lIns="90000" rIns="90000" tIns="45000" bIns="45000"/>
+            <a:p>
+              <a:pPr>
+                <a:lnSpc>
+                  <a:spcPct val="100000"/>
+                </a:lnSpc>
+              </a:pPr>
+              <a:r>
+                <a:rPr b="0" lang="en-US" sz="650" spc="-1" strike="noStrike">
+                  <a:solidFill>
+                    <a:srgbClr val="7f7f7f"/>
+                  </a:solidFill>
+                  <a:latin typeface="Arial"/>
+                  <a:ea typeface="Arial"/>
+                </a:rPr>
+                <a:t>15-11-2020</a:t>
+              </a:r>
+              <a:endParaRPr b="0" lang="en-US" sz="650" spc="-1" strike="noStrike">
+                <a:latin typeface="Arial"/>
+              </a:endParaRPr>
+            </a:p>
+          </p:txBody>
+        </p:sp>
+      </p:grpSp>
+      <p:pic>
+        <p:nvPicPr>
+          <p:cNvPr id="173" name="Google Shape;474;p3" descr=""/>
+          <p:cNvPicPr/>
+          <p:nvPr/>
+        </p:nvPicPr>
+        <p:blipFill>
+          <a:blip r:embed="rId16"/>
+          <a:stretch/>
+        </p:blipFill>
+        <p:spPr>
+          <a:xfrm>
+            <a:off x="5089320" y="6329880"/>
+            <a:ext cx="92520" cy="105120"/>
+          </a:xfrm>
+          <a:prstGeom prst="rect">
+            <a:avLst/>
+          </a:prstGeom>
+          <a:ln>
+            <a:noFill/>
+          </a:ln>
+        </p:spPr>
+      </p:pic>
+      <p:pic>
+        <p:nvPicPr>
+          <p:cNvPr id="174" name="Google Shape;475;p3" descr=""/>
+          <p:cNvPicPr/>
+          <p:nvPr/>
+        </p:nvPicPr>
+        <p:blipFill>
+          <a:blip r:embed="rId17"/>
+          <a:stretch/>
+        </p:blipFill>
+        <p:spPr>
+          <a:xfrm>
+            <a:off x="3951360" y="5831640"/>
+            <a:ext cx="3042000" cy="393480"/>
+          </a:xfrm>
+          <a:prstGeom prst="rect">
+            <a:avLst/>
+          </a:prstGeom>
+          <a:ln>
+            <a:noFill/>
+          </a:ln>
+        </p:spPr>
+      </p:pic>
+      <p:pic>
+        <p:nvPicPr>
+          <p:cNvPr id="175" name="Google Shape;476;p3" descr=""/>
+          <p:cNvPicPr/>
+          <p:nvPr/>
+        </p:nvPicPr>
+        <p:blipFill>
+          <a:blip r:embed="rId18"/>
+          <a:stretch/>
+        </p:blipFill>
+        <p:spPr>
+          <a:xfrm>
+            <a:off x="3871440" y="6534720"/>
+            <a:ext cx="3319920" cy="300600"/>
+          </a:xfrm>
+          <a:prstGeom prst="rect">
+            <a:avLst/>
+          </a:prstGeom>
+          <a:ln>
+            <a:noFill/>
+          </a:ln>
+        </p:spPr>
+      </p:pic>
+      <p:grpSp>
+        <p:nvGrpSpPr>
+          <p:cNvPr id="176" name="Group 65"/>
+          <p:cNvGrpSpPr/>
+          <p:nvPr/>
+        </p:nvGrpSpPr>
+        <p:grpSpPr>
+          <a:xfrm>
+            <a:off x="7298640" y="6288840"/>
+            <a:ext cx="799200" cy="195840"/>
+            <a:chOff x="7298640" y="6288840"/>
+            <a:chExt cx="799200" cy="195840"/>
+          </a:xfrm>
+        </p:grpSpPr>
+        <p:sp>
+          <p:nvSpPr>
+            <p:cNvPr id="177" name="CustomShape 66"/>
+            <p:cNvSpPr/>
+            <p:nvPr/>
+          </p:nvSpPr>
+          <p:spPr>
+            <a:xfrm>
+              <a:off x="7298640" y="6288840"/>
+              <a:ext cx="799200" cy="195120"/>
+            </a:xfrm>
+            <a:prstGeom prst="roundRect">
+              <a:avLst>
+                <a:gd name="adj" fmla="val 6411"/>
+              </a:avLst>
+            </a:prstGeom>
+            <a:solidFill>
+              <a:srgbClr val="0099cc"/>
+            </a:solidFill>
+            <a:ln w="9360">
+              <a:solidFill>
+                <a:srgbClr val="0099cc"/>
+              </a:solidFill>
+              <a:miter/>
+            </a:ln>
+          </p:spPr>
+          <p:style>
+            <a:lnRef idx="0"/>
+            <a:fillRef idx="0"/>
+            <a:effectRef idx="0"/>
+            <a:fontRef idx="minor"/>
+          </p:style>
+        </p:sp>
+        <p:sp>
+          <p:nvSpPr>
+            <p:cNvPr id="178" name="CustomShape 67"/>
+            <p:cNvSpPr/>
+            <p:nvPr/>
+          </p:nvSpPr>
+          <p:spPr>
+            <a:xfrm>
+              <a:off x="7376760" y="6296760"/>
+              <a:ext cx="640440" cy="187920"/>
+            </a:xfrm>
+            <a:prstGeom prst="rect">
+              <a:avLst/>
+            </a:prstGeom>
+            <a:noFill/>
+            <a:ln>
+              <a:noFill/>
+            </a:ln>
+          </p:spPr>
+          <p:style>
+            <a:lnRef idx="0"/>
+            <a:fillRef idx="0"/>
+            <a:effectRef idx="0"/>
+            <a:fontRef idx="minor"/>
+          </p:style>
+          <p:txBody>
+            <a:bodyPr lIns="36000" rIns="36000" tIns="45000" bIns="45000"/>
+            <a:p>
+              <a:pPr algn="ctr">
+                <a:lnSpc>
+                  <a:spcPct val="100000"/>
+                </a:lnSpc>
+              </a:pPr>
+              <a:r>
+                <a:rPr b="1" lang="en-US" sz="650" spc="-1" strike="noStrike">
+                  <a:solidFill>
+                    <a:srgbClr val="ffffff"/>
+                  </a:solidFill>
+                  <a:latin typeface="Arial"/>
+                  <a:ea typeface="Arial"/>
+                </a:rPr>
+                <a:t>Edit detail</a:t>
+              </a:r>
+              <a:endParaRPr b="0" lang="en-US" sz="650" spc="-1" strike="noStrike">
+                <a:latin typeface="Arial"/>
+              </a:endParaRPr>
+            </a:p>
+          </p:txBody>
+        </p:sp>
+      </p:grpSp>
+      <p:sp>
+        <p:nvSpPr>
+          <p:cNvPr id="179" name="CustomShape 68"/>
+          <p:cNvSpPr/>
+          <p:nvPr/>
+        </p:nvSpPr>
+        <p:spPr>
+          <a:xfrm>
+            <a:off x="3627360" y="5870520"/>
+            <a:ext cx="799200" cy="187920"/>
+          </a:xfrm>
+          <a:prstGeom prst="rect">
+            <a:avLst/>
+          </a:prstGeom>
+          <a:noFill/>
+          <a:ln>
+            <a:noFill/>
+          </a:ln>
+        </p:spPr>
+        <p:style>
+          <a:lnRef idx="0"/>
+          <a:fillRef idx="0"/>
+          <a:effectRef idx="0"/>
+          <a:fontRef idx="minor"/>
+        </p:style>
+        <p:txBody>
+          <a:bodyPr lIns="90000" rIns="90000" tIns="45000" bIns="45000"/>
+          <a:p>
+            <a:pPr>
+              <a:lnSpc>
+                <a:spcPct val="100000"/>
+              </a:lnSpc>
+            </a:pPr>
+            <a:r>
+              <a:rPr b="1" lang="en-US" sz="650" spc="-1" strike="noStrike">
+                <a:solidFill>
+                  <a:srgbClr val="0099cc"/>
+                </a:solidFill>
+                <a:latin typeface="Arial"/>
+                <a:ea typeface="Arial"/>
+              </a:rPr>
+              <a:t>+ Add new fund</a:t>
+            </a:r>
+            <a:endParaRPr b="0" lang="en-US" sz="650" spc="-1" strike="noStrike">
+              <a:latin typeface="Arial"/>
+            </a:endParaRPr>
+          </a:p>
+        </p:txBody>
+      </p:sp>
+      <p:sp>
+        <p:nvSpPr>
+          <p:cNvPr id="180" name="CustomShape 69"/>
+          <p:cNvSpPr/>
+          <p:nvPr/>
+        </p:nvSpPr>
+        <p:spPr>
+          <a:xfrm>
+            <a:off x="3645000" y="5856120"/>
+            <a:ext cx="799200" cy="195120"/>
+          </a:xfrm>
+          <a:prstGeom prst="roundRect">
+            <a:avLst>
+              <a:gd name="adj" fmla="val 6411"/>
+            </a:avLst>
+          </a:prstGeom>
+          <a:noFill/>
+          <a:ln w="9360">
+            <a:solidFill>
+              <a:srgbClr val="0099cc"/>
+            </a:solidFill>
+            <a:miter/>
+          </a:ln>
+        </p:spPr>
+        <p:style>
+          <a:lnRef idx="0"/>
+          <a:fillRef idx="0"/>
+          <a:effectRef idx="0"/>
+          <a:fontRef idx="minor"/>
+        </p:style>
+        <p:txBody>
+          <a:bodyPr/>
+          <a:p/>
+        </p:txBody>
+      </p:sp>
+      <p:sp>
+        <p:nvSpPr>
+          <p:cNvPr id="181" name="CustomShape 70"/>
+          <p:cNvSpPr/>
+          <p:nvPr/>
+        </p:nvSpPr>
+        <p:spPr>
+          <a:xfrm>
+            <a:off x="3931560" y="6582240"/>
+            <a:ext cx="2813760" cy="195840"/>
+          </a:xfrm>
+          <a:prstGeom prst="rect">
+            <a:avLst/>
+          </a:prstGeom>
+          <a:noFill/>
+          <a:ln>
+            <a:noFill/>
+          </a:ln>
+        </p:spPr>
+        <p:style>
+          <a:lnRef idx="0"/>
+          <a:fillRef idx="0"/>
+          <a:effectRef idx="0"/>
+          <a:fontRef idx="minor"/>
+        </p:style>
+        <p:txBody>
+          <a:bodyPr lIns="90000" rIns="90000" tIns="45000" bIns="45000"/>
+          <a:p>
+            <a:pPr>
+              <a:lnSpc>
+                <a:spcPct val="100000"/>
+              </a:lnSpc>
+            </a:pPr>
+            <a:r>
+              <a:rPr b="0" lang="en-US" sz="700" spc="-1" strike="noStrike">
+                <a:solidFill>
+                  <a:srgbClr val="ff0000"/>
+                </a:solidFill>
+                <a:latin typeface="Arial"/>
+                <a:ea typeface="Arial"/>
+              </a:rPr>
+              <a:t>Etc. Dates continue below</a:t>
+            </a:r>
+            <a:endParaRPr b="0" lang="en-US" sz="700" spc="-1" strike="noStrike">
+              <a:latin typeface="Arial"/>
+            </a:endParaRPr>
+          </a:p>
+        </p:txBody>
+      </p:sp>
+      <p:sp>
+        <p:nvSpPr>
+          <p:cNvPr id="182" name="CustomShape 71"/>
+          <p:cNvSpPr/>
+          <p:nvPr/>
+        </p:nvSpPr>
+        <p:spPr>
+          <a:xfrm>
+            <a:off x="3249720" y="3778920"/>
+            <a:ext cx="81000" cy="2430720"/>
+          </a:xfrm>
+          <a:prstGeom prst="leftBrace">
+            <a:avLst>
+              <a:gd name="adj1" fmla="val 8333"/>
+              <a:gd name="adj2" fmla="val 50000"/>
+            </a:avLst>
+          </a:prstGeom>
+          <a:noFill/>
+          <a:ln w="9360">
+            <a:solidFill>
+              <a:srgbClr val="ff0000"/>
+            </a:solidFill>
+            <a:miter/>
+          </a:ln>
+        </p:spPr>
+        <p:style>
+          <a:lnRef idx="0"/>
+          <a:fillRef idx="0"/>
+          <a:effectRef idx="0"/>
+          <a:fontRef idx="minor"/>
+        </p:style>
+        <p:txBody>
+          <a:bodyPr/>
+          <a:p/>
+        </p:txBody>
+      </p:sp>
+      <p:sp>
+        <p:nvSpPr>
+          <p:cNvPr id="183" name="CustomShape 72"/>
+          <p:cNvSpPr/>
+          <p:nvPr/>
+        </p:nvSpPr>
+        <p:spPr>
+          <a:xfrm>
+            <a:off x="1004760" y="2797560"/>
+            <a:ext cx="1880280" cy="203760"/>
+          </a:xfrm>
+          <a:prstGeom prst="rect">
+            <a:avLst/>
+          </a:prstGeom>
+          <a:noFill/>
+          <a:ln>
+            <a:noFill/>
+          </a:ln>
+        </p:spPr>
+        <p:style>
+          <a:lnRef idx="0"/>
+          <a:fillRef idx="0"/>
+          <a:effectRef idx="0"/>
+          <a:fontRef idx="minor"/>
+        </p:style>
+        <p:txBody>
+          <a:bodyPr lIns="90000" rIns="90000" tIns="45000" bIns="45000"/>
+          <a:p>
+            <a:pPr>
+              <a:lnSpc>
+                <a:spcPct val="100000"/>
+              </a:lnSpc>
+            </a:pPr>
+            <a:r>
+              <a:rPr b="0" lang="en-US" sz="750" spc="-1" strike="noStrike">
+                <a:solidFill>
+                  <a:srgbClr val="7f7f7f"/>
+                </a:solidFill>
+                <a:latin typeface="Arial"/>
+                <a:ea typeface="Arial"/>
+              </a:rPr>
+              <a:t>Update non-LGIM assets</a:t>
+            </a:r>
+            <a:endParaRPr b="0" lang="en-US" sz="750" spc="-1" strike="noStrike">
+              <a:latin typeface="Arial"/>
+            </a:endParaRPr>
+          </a:p>
+        </p:txBody>
+      </p:sp>
+      <p:pic>
+        <p:nvPicPr>
+          <p:cNvPr id="184" name="Google Shape;485;p3" descr=""/>
+          <p:cNvPicPr/>
+          <p:nvPr/>
+        </p:nvPicPr>
+        <p:blipFill>
+          <a:blip r:embed="rId19"/>
+          <a:stretch/>
+        </p:blipFill>
+        <p:spPr>
+          <a:xfrm>
+            <a:off x="2982960" y="2844720"/>
+            <a:ext cx="145800" cy="96120"/>
+          </a:xfrm>
+          <a:prstGeom prst="rect">
+            <a:avLst/>
+          </a:prstGeom>
+          <a:ln>
+            <a:noFill/>
+          </a:ln>
+        </p:spPr>
+      </p:pic>
+      <p:sp>
+        <p:nvSpPr>
+          <p:cNvPr id="185" name="CustomShape 73"/>
+          <p:cNvSpPr/>
+          <p:nvPr/>
+        </p:nvSpPr>
+        <p:spPr>
+          <a:xfrm>
+            <a:off x="1239840" y="3094200"/>
+            <a:ext cx="1880280" cy="203760"/>
+          </a:xfrm>
+          <a:prstGeom prst="rect">
+            <a:avLst/>
+          </a:prstGeom>
+          <a:noFill/>
+          <a:ln>
+            <a:noFill/>
+          </a:ln>
+        </p:spPr>
+        <p:style>
+          <a:lnRef idx="0"/>
+          <a:fillRef idx="0"/>
+          <a:effectRef idx="0"/>
+          <a:fontRef idx="minor"/>
+        </p:style>
+        <p:txBody>
+          <a:bodyPr lIns="90000" rIns="90000" tIns="45000" bIns="45000"/>
+          <a:p>
+            <a:pPr>
+              <a:lnSpc>
+                <a:spcPct val="100000"/>
+              </a:lnSpc>
+            </a:pPr>
+            <a:r>
+              <a:rPr b="1" lang="en-US" sz="750" spc="-1" strike="noStrike">
+                <a:solidFill>
+                  <a:srgbClr val="7f7f7f"/>
+                </a:solidFill>
+                <a:latin typeface="Arial"/>
+                <a:ea typeface="Arial"/>
+              </a:rPr>
+              <a:t>Input non-LGIM assets</a:t>
+            </a:r>
+            <a:endParaRPr b="0" lang="en-US" sz="750" spc="-1" strike="noStrike">
+              <a:latin typeface="Arial"/>
+            </a:endParaRPr>
+          </a:p>
+        </p:txBody>
+      </p:sp>
+      <p:sp>
+        <p:nvSpPr>
+          <p:cNvPr id="186" name="CustomShape 74"/>
+          <p:cNvSpPr/>
+          <p:nvPr/>
+        </p:nvSpPr>
+        <p:spPr>
+          <a:xfrm>
+            <a:off x="1239840" y="3389400"/>
+            <a:ext cx="1880280" cy="203760"/>
+          </a:xfrm>
+          <a:prstGeom prst="rect">
+            <a:avLst/>
+          </a:prstGeom>
+          <a:noFill/>
+          <a:ln>
+            <a:noFill/>
+          </a:ln>
+        </p:spPr>
+        <p:style>
+          <a:lnRef idx="0"/>
+          <a:fillRef idx="0"/>
+          <a:effectRef idx="0"/>
+          <a:fontRef idx="minor"/>
+        </p:style>
+        <p:txBody>
+          <a:bodyPr lIns="90000" rIns="90000" tIns="45000" bIns="45000"/>
+          <a:p>
+            <a:pPr>
+              <a:lnSpc>
+                <a:spcPct val="100000"/>
+              </a:lnSpc>
+            </a:pPr>
+            <a:r>
+              <a:rPr b="0" lang="en-US" sz="750" spc="-1" strike="noStrike">
+                <a:solidFill>
+                  <a:srgbClr val="7f7f7f"/>
+                </a:solidFill>
+                <a:latin typeface="Arial"/>
+                <a:ea typeface="Arial"/>
+              </a:rPr>
+              <a:t>Approve non-LGIM assets</a:t>
+            </a:r>
+            <a:endParaRPr b="0" lang="en-US" sz="750" spc="-1" strike="noStrike">
+              <a:latin typeface="Arial"/>
+            </a:endParaRPr>
+          </a:p>
+        </p:txBody>
+      </p:sp>
+      <p:pic>
+        <p:nvPicPr>
+          <p:cNvPr id="187" name="Google Shape;488;p3" descr=""/>
+          <p:cNvPicPr/>
+          <p:nvPr/>
+        </p:nvPicPr>
+        <p:blipFill>
+          <a:blip r:embed="rId20"/>
+          <a:stretch/>
+        </p:blipFill>
+        <p:spPr>
+          <a:xfrm>
+            <a:off x="1046880" y="3094200"/>
+            <a:ext cx="232560" cy="826920"/>
+          </a:xfrm>
+          <a:prstGeom prst="rect">
+            <a:avLst/>
+          </a:prstGeom>
+          <a:ln>
+            <a:noFill/>
+          </a:ln>
+        </p:spPr>
+      </p:pic>
+      <p:sp>
+        <p:nvSpPr>
+          <p:cNvPr id="188" name="CustomShape 75"/>
+          <p:cNvSpPr/>
+          <p:nvPr/>
+        </p:nvSpPr>
+        <p:spPr>
+          <a:xfrm>
+            <a:off x="1046880" y="3576960"/>
+            <a:ext cx="232560" cy="437760"/>
+          </a:xfrm>
+          <a:prstGeom prst="rect">
+            <a:avLst/>
+          </a:prstGeom>
+          <a:solidFill>
+            <a:schemeClr val="lt1"/>
+          </a:solidFill>
+          <a:ln>
+            <a:noFill/>
+          </a:ln>
+        </p:spPr>
+        <p:style>
+          <a:lnRef idx="0"/>
+          <a:fillRef idx="0"/>
+          <a:effectRef idx="0"/>
+          <a:fontRef idx="minor"/>
+        </p:style>
+        <p:txBody>
+          <a:bodyPr/>
+          <a:p/>
+        </p:txBody>
+      </p:sp>
+      <p:sp>
+        <p:nvSpPr>
+          <p:cNvPr id="189" name="CustomShape 76"/>
+          <p:cNvSpPr/>
+          <p:nvPr/>
+        </p:nvSpPr>
+        <p:spPr>
+          <a:xfrm>
+            <a:off x="1024200" y="3803760"/>
+            <a:ext cx="2157120" cy="2433600"/>
+          </a:xfrm>
+          <a:prstGeom prst="rect">
+            <a:avLst/>
+          </a:prstGeom>
+          <a:noFill/>
+          <a:ln>
+            <a:noFill/>
+          </a:ln>
+        </p:spPr>
+        <p:style>
+          <a:lnRef idx="0"/>
+          <a:fillRef idx="0"/>
+          <a:effectRef idx="0"/>
+          <a:fontRef idx="minor"/>
+        </p:style>
+        <p:txBody>
+          <a:bodyPr lIns="90000" rIns="90000" tIns="45000" bIns="45000"/>
+          <a:p>
+            <a:pPr>
+              <a:lnSpc>
+                <a:spcPct val="100000"/>
+              </a:lnSpc>
+            </a:pPr>
+            <a:r>
+              <a:rPr b="0" lang="en-US" sz="700" spc="-1" strike="noStrike">
+                <a:solidFill>
+                  <a:srgbClr val="ff0000"/>
+                </a:solidFill>
+                <a:latin typeface="Arial"/>
+                <a:ea typeface="Arial"/>
+              </a:rPr>
+              <a:t>This section should open up when the user has clicked on the ‘Edit detail’ button for a given date.</a:t>
+            </a:r>
+            <a:endParaRPr b="0" lang="en-US" sz="700" spc="-1" strike="noStrike">
+              <a:latin typeface="Arial"/>
+            </a:endParaRPr>
+          </a:p>
+          <a:p>
+            <a:pPr>
+              <a:lnSpc>
+                <a:spcPct val="100000"/>
+              </a:lnSpc>
+            </a:pPr>
+            <a:endParaRPr b="0" lang="en-US" sz="700" spc="-1" strike="noStrike">
+              <a:latin typeface="Arial"/>
+            </a:endParaRPr>
+          </a:p>
+          <a:p>
+            <a:pPr>
+              <a:lnSpc>
+                <a:spcPct val="100000"/>
+              </a:lnSpc>
+            </a:pPr>
+            <a:r>
+              <a:rPr b="0" lang="en-US" sz="700" spc="-1" strike="noStrike">
+                <a:solidFill>
+                  <a:srgbClr val="ff0000"/>
+                </a:solidFill>
+                <a:latin typeface="Arial"/>
+                <a:ea typeface="Arial"/>
+              </a:rPr>
+              <a:t>If the user has not added any detail, the user should just see the ‘add new fund button’ when they click on ‘Edit detail’. By default the system will model the value provided as 100% cash if the breakdown is not provided.</a:t>
+            </a:r>
+            <a:endParaRPr b="0" lang="en-US" sz="700" spc="-1" strike="noStrike">
+              <a:latin typeface="Arial"/>
+            </a:endParaRPr>
+          </a:p>
+          <a:p>
+            <a:pPr>
+              <a:lnSpc>
+                <a:spcPct val="100000"/>
+              </a:lnSpc>
+            </a:pPr>
+            <a:endParaRPr b="0" lang="en-US" sz="700" spc="-1" strike="noStrike">
+              <a:latin typeface="Arial"/>
+            </a:endParaRPr>
+          </a:p>
+          <a:p>
+            <a:pPr>
+              <a:lnSpc>
+                <a:spcPct val="100000"/>
+              </a:lnSpc>
+            </a:pPr>
+            <a:r>
+              <a:rPr b="0" lang="en-US" sz="700" spc="-1" strike="noStrike">
+                <a:solidFill>
+                  <a:srgbClr val="ff0000"/>
+                </a:solidFill>
+                <a:latin typeface="Arial"/>
+                <a:ea typeface="Arial"/>
+              </a:rPr>
+              <a:t>When the user creates new dates, the underlying detail should be automatically populated to be the same as the most recent previous date. This would mean that they could just update the asset value without having to edit the underlying breakdown.</a:t>
+            </a:r>
+            <a:endParaRPr b="0" lang="en-US" sz="700" spc="-1" strike="noStrike">
+              <a:latin typeface="Arial"/>
+            </a:endParaRPr>
+          </a:p>
+          <a:p>
+            <a:pPr>
+              <a:lnSpc>
+                <a:spcPct val="100000"/>
+              </a:lnSpc>
+            </a:pPr>
+            <a:endParaRPr b="0" lang="en-US" sz="700" spc="-1" strike="noStrike">
+              <a:latin typeface="Arial"/>
+            </a:endParaRPr>
+          </a:p>
+          <a:p>
+            <a:pPr>
+              <a:lnSpc>
+                <a:spcPct val="100000"/>
+              </a:lnSpc>
+            </a:pPr>
+            <a:r>
+              <a:rPr b="0" lang="en-US" sz="700" spc="-1" strike="noStrike">
+                <a:solidFill>
+                  <a:srgbClr val="ff0000"/>
+                </a:solidFill>
+                <a:latin typeface="Arial"/>
+                <a:ea typeface="Arial"/>
+              </a:rPr>
+              <a:t>The ‘Fund classification’ should be chosen from a drop-down list of options.</a:t>
+            </a:r>
+            <a:endParaRPr b="0" lang="en-US" sz="700" spc="-1" strike="noStrike">
+              <a:latin typeface="Arial"/>
+            </a:endParaRPr>
+          </a:p>
+          <a:p>
+            <a:pPr>
+              <a:lnSpc>
+                <a:spcPct val="100000"/>
+              </a:lnSpc>
+            </a:pPr>
+            <a:endParaRPr b="0" lang="en-US" sz="700" spc="-1" strike="noStrike">
+              <a:latin typeface="Arial"/>
+            </a:endParaRPr>
+          </a:p>
+          <a:p>
+            <a:pPr>
+              <a:lnSpc>
+                <a:spcPct val="100000"/>
+              </a:lnSpc>
+            </a:pPr>
+            <a:r>
+              <a:rPr b="0" lang="en-US" sz="700" spc="-1" strike="noStrike">
+                <a:solidFill>
+                  <a:srgbClr val="ff0000"/>
+                </a:solidFill>
+                <a:latin typeface="Arial"/>
+                <a:ea typeface="Arial"/>
+              </a:rPr>
+              <a:t>The PV01 and IE01 boxes should only appear if the user selects the ‘LDI’ drop-down option for a given row.</a:t>
+            </a:r>
+            <a:endParaRPr b="0" lang="en-US" sz="700" spc="-1" strike="noStrike">
+              <a:latin typeface="Arial"/>
+            </a:endParaRPr>
+          </a:p>
+        </p:txBody>
+      </p:sp>
+      <p:pic>
+        <p:nvPicPr>
+          <p:cNvPr id="190" name="Google Shape;491;p3" descr=""/>
+          <p:cNvPicPr/>
+          <p:nvPr/>
+        </p:nvPicPr>
+        <p:blipFill>
+          <a:blip r:embed="rId21"/>
+          <a:stretch/>
+        </p:blipFill>
+        <p:spPr>
+          <a:xfrm>
+            <a:off x="4692240" y="2439360"/>
+            <a:ext cx="127080" cy="114840"/>
+          </a:xfrm>
+          <a:prstGeom prst="rect">
+            <a:avLst/>
+          </a:prstGeom>
+          <a:ln>
+            <a:noFill/>
+          </a:ln>
+        </p:spPr>
+      </p:pic>
+      <p:pic>
+        <p:nvPicPr>
+          <p:cNvPr id="191" name="Google Shape;492;p3" descr=""/>
+          <p:cNvPicPr/>
+          <p:nvPr/>
+        </p:nvPicPr>
+        <p:blipFill>
+          <a:blip r:embed="rId22"/>
+          <a:stretch/>
+        </p:blipFill>
+        <p:spPr>
+          <a:xfrm>
+            <a:off x="5204160" y="5146920"/>
+            <a:ext cx="151920" cy="133200"/>
+          </a:xfrm>
+          <a:prstGeom prst="rect">
+            <a:avLst/>
+          </a:prstGeom>
+          <a:ln>
+            <a:noFill/>
+          </a:ln>
+        </p:spPr>
+      </p:pic>
+    </p:spTree>
+  </p:cSld>
+  <p:transition spd="slow">
+    <p:fade/>
+  </p:transition>
+  <p:timing>
+    <p:tnLst>
+      <p:par>
+        <p:cTn id="5" dur="indefinite" restart="never" nodeType="tmRoot">
+          <p:childTnLst>
+            <p:seq>
+              <p:cTn id="6" dur="indefinite" nodeType="mainSeq"/>
+              <p:prevCondLst>
+                <p:cond delay="0" evt="onPrev">
+                  <p:tgtEl>
+                    <p:sldTgt/>
+                  </p:tgtEl>
+                </p:cond>
+              </p:prevCondLst>
+              <p:nextCondLst>
+                <p:cond delay="0" evt="onNext">
+                  <p:tgtEl>
+                    <p:sldTgt/>
+                  </p:tgtEl>
+                </p:cond>
+              </p:nextCondLst>
+            </p:seq>
+          </p:childTnLst>
+        </p:cTn>
+      </p:par>
+    </p:tnLst>
+  </p:timing>
+</p:sld>
+</file>
+
+<file path=ppt/slides/slide4.xml><?xml version="1.0" encoding="utf-8"?>
+<p:sld xmlns:a="http://schemas.openxmlformats.org/drawingml/2006/main" xmlns:p="http://schemas.openxmlformats.org/presentationml/2006/main" xmlns:r="http://schemas.openxmlformats.org/officeDocument/2006/relationships" xmlns:p14="http://schemas.microsoft.com/office/powerpoint/2010/main" xmlns:p15="http://schemas.microsoft.com/office/powerpoint/2012/main" xmlns:mc="http://schemas.openxmlformats.org/markup-compatibility/2006">
+  <p:cSld>
+    <p:spTree>
+      <p:nvGrpSpPr>
+        <p:cNvPr id="1" name=""/>
+        <p:cNvGrpSpPr/>
+        <p:nvPr/>
+      </p:nvGrpSpPr>
+      <p:grpSpPr>
+        <a:xfrm>
+          <a:off x="0" y="0"/>
+          <a:ext cx="0" cy="0"/>
+          <a:chOff x="0" y="0"/>
+          <a:chExt cx="0" cy="0"/>
+        </a:xfrm>
+      </p:grpSpPr>
+      <p:sp>
+        <p:nvSpPr>
+          <p:cNvPr id="192" name="CustomShape 1"/>
+          <p:cNvSpPr/>
+          <p:nvPr/>
+        </p:nvSpPr>
+        <p:spPr>
+          <a:xfrm>
+            <a:off x="271440" y="323280"/>
+            <a:ext cx="9322200" cy="326880"/>
+          </a:xfrm>
+          <a:prstGeom prst="rect">
+            <a:avLst/>
+          </a:prstGeom>
+          <a:noFill/>
+          <a:ln>
+            <a:noFill/>
+          </a:ln>
+        </p:spPr>
+        <p:style>
+          <a:lnRef idx="0"/>
+          <a:fillRef idx="0"/>
+          <a:effectRef idx="0"/>
+          <a:fontRef idx="minor"/>
+        </p:style>
+        <p:txBody>
+          <a:bodyPr lIns="0" rIns="0" tIns="0" bIns="0">
+            <a:normAutofit/>
+          </a:bodyPr>
+          <a:p>
+            <a:pPr>
+              <a:lnSpc>
+                <a:spcPct val="100000"/>
+              </a:lnSpc>
+            </a:pPr>
+            <a:r>
+              <a:rPr b="1" lang="en-US" sz="2160" spc="-1" strike="noStrike">
+                <a:solidFill>
+                  <a:srgbClr val="0076d6"/>
+                </a:solidFill>
+                <a:latin typeface="Arial"/>
+                <a:ea typeface="Arial"/>
+              </a:rPr>
+              <a:t>Active Client page – External assets</a:t>
+            </a:r>
+            <a:endParaRPr b="0" lang="en-US" sz="2160" spc="-1" strike="noStrike">
+              <a:latin typeface="Arial"/>
+            </a:endParaRPr>
+          </a:p>
+        </p:txBody>
+      </p:sp>
+      <p:sp>
+        <p:nvSpPr>
+          <p:cNvPr id="193" name="CustomShape 2"/>
+          <p:cNvSpPr/>
+          <p:nvPr/>
+        </p:nvSpPr>
+        <p:spPr>
+          <a:xfrm>
+            <a:off x="271440" y="759600"/>
+            <a:ext cx="9322200" cy="332640"/>
+          </a:xfrm>
+          <a:prstGeom prst="rect">
+            <a:avLst/>
+          </a:prstGeom>
+          <a:noFill/>
+          <a:ln>
+            <a:noFill/>
+          </a:ln>
+        </p:spPr>
+        <p:style>
+          <a:lnRef idx="0"/>
+          <a:fillRef idx="0"/>
+          <a:effectRef idx="0"/>
+          <a:fontRef idx="minor"/>
+        </p:style>
+        <p:txBody>
+          <a:bodyPr lIns="0" rIns="0" tIns="0" bIns="0">
+            <a:normAutofit/>
+          </a:bodyPr>
+          <a:p>
+            <a:pPr>
+              <a:lnSpc>
+                <a:spcPct val="100000"/>
+              </a:lnSpc>
+            </a:pPr>
+            <a:r>
+              <a:rPr b="0" lang="en-US" sz="1600" spc="-1" strike="noStrike">
+                <a:solidFill>
+                  <a:srgbClr val="333333"/>
+                </a:solidFill>
+                <a:latin typeface="Arial"/>
+                <a:ea typeface="Arial"/>
+              </a:rPr>
+              <a:t>Information button text</a:t>
+            </a:r>
+            <a:endParaRPr b="0" lang="en-US" sz="1600" spc="-1" strike="noStrike">
+              <a:latin typeface="Arial"/>
+            </a:endParaRPr>
+          </a:p>
+        </p:txBody>
+      </p:sp>
+      <p:sp>
+        <p:nvSpPr>
+          <p:cNvPr id="194" name="CustomShape 3"/>
+          <p:cNvSpPr/>
+          <p:nvPr/>
+        </p:nvSpPr>
+        <p:spPr>
+          <a:xfrm>
+            <a:off x="44640" y="6315840"/>
+            <a:ext cx="348480" cy="204120"/>
+          </a:xfrm>
+          <a:prstGeom prst="rect">
+            <a:avLst/>
+          </a:prstGeom>
+          <a:noFill/>
+          <a:ln>
+            <a:noFill/>
+          </a:ln>
+        </p:spPr>
+        <p:style>
+          <a:lnRef idx="0"/>
+          <a:fillRef idx="0"/>
+          <a:effectRef idx="0"/>
+          <a:fontRef idx="minor"/>
+        </p:style>
+        <p:txBody>
+          <a:bodyPr lIns="0" rIns="0" tIns="0" bIns="0" anchor="ctr"/>
+          <a:p>
+            <a:pPr algn="r">
+              <a:lnSpc>
+                <a:spcPct val="100000"/>
+              </a:lnSpc>
+            </a:pPr>
+            <a:fld id="{802FDADD-C62E-4298-9D3A-FE92DFF205F3}" type="slidenum">
+              <a:rPr b="1" lang="en-US" sz="800" spc="-1" strike="noStrike">
+                <a:solidFill>
+                  <a:srgbClr val="333333"/>
+                </a:solidFill>
+                <a:latin typeface="Arial"/>
+                <a:ea typeface="Arial"/>
+              </a:rPr>
+              <a:t>&lt;number&gt;</a:t>
+            </a:fld>
+            <a:endParaRPr b="0" lang="en-US" sz="800" spc="-1" strike="noStrike">
+              <a:latin typeface="Arial"/>
+            </a:endParaRPr>
+          </a:p>
+        </p:txBody>
+      </p:sp>
+      <p:sp>
+        <p:nvSpPr>
+          <p:cNvPr id="195" name="CustomShape 4"/>
+          <p:cNvSpPr/>
+          <p:nvPr/>
+        </p:nvSpPr>
+        <p:spPr>
+          <a:xfrm>
+            <a:off x="461880" y="2154600"/>
+            <a:ext cx="4488480" cy="3287160"/>
+          </a:xfrm>
+          <a:prstGeom prst="rect">
+            <a:avLst/>
+          </a:prstGeom>
+          <a:noFill/>
+          <a:ln w="9360">
+            <a:solidFill>
+              <a:srgbClr val="0099cc"/>
+            </a:solidFill>
+            <a:round/>
+          </a:ln>
+        </p:spPr>
+        <p:style>
+          <a:lnRef idx="0"/>
+          <a:fillRef idx="0"/>
+          <a:effectRef idx="0"/>
+          <a:fontRef idx="minor"/>
+        </p:style>
+        <p:txBody>
+          <a:bodyPr lIns="90000" rIns="90000" tIns="45000" bIns="45000"/>
+          <a:p>
+            <a:pPr algn="just">
+              <a:lnSpc>
+                <a:spcPct val="100000"/>
+              </a:lnSpc>
+            </a:pPr>
+            <a:r>
+              <a:rPr b="0" lang="en-US" sz="1000" spc="-1" strike="noStrike">
+                <a:solidFill>
+                  <a:srgbClr val="333333"/>
+                </a:solidFill>
+                <a:latin typeface="Arial"/>
+                <a:ea typeface="Arial"/>
+              </a:rPr>
+              <a:t> </a:t>
+            </a:r>
+            <a:r>
+              <a:rPr b="0" lang="en-US" sz="1000" spc="-1" strike="noStrike">
+                <a:solidFill>
+                  <a:srgbClr val="333333"/>
+                </a:solidFill>
+                <a:latin typeface="Arial"/>
+                <a:ea typeface="Arial"/>
+              </a:rPr>
+              <a:t>If the scheme holds assets which are not managed by LGIM, details can be entered here. This information will be used for tracking the funding level, and also for overall portfolio risk analysis and funding level projections.Enter the value of non-LGIM assets held at different dates. We will roll the asset value forward in an approximate manner between dates provided.By default any asset values provided will be treated as cash for both funding level tracking and risk analysis purposes. However, if you click on ‘Edit details’ for a given asset value then you will be able to provide a breakdown of the value by fund and asset class. If this information is provided then we will roll forward the asset value in line with index returns for the relevant asset class, and will include the external assets within overall portfolio risk analysis. Once you have entered the breakdown of the asset value at one date, this breakdown will be carried forward to subsequent dates by default, unless you choose to edit the detail within these later dates (for example, following a significant change in the portfolio). This enables you to quickly update the value of non-LGIM assets without having to re-enter the underlying detail at every date.</a:t>
+            </a:r>
+            <a:endParaRPr b="0" lang="en-US" sz="1000" spc="-1" strike="noStrike">
+              <a:latin typeface="Arial"/>
+            </a:endParaRPr>
+          </a:p>
+        </p:txBody>
+      </p:sp>
+      <p:sp>
+        <p:nvSpPr>
+          <p:cNvPr id="196" name="CustomShape 5"/>
+          <p:cNvSpPr/>
+          <p:nvPr/>
+        </p:nvSpPr>
+        <p:spPr>
+          <a:xfrm>
+            <a:off x="5105160" y="2154600"/>
+            <a:ext cx="4488480" cy="1764360"/>
+          </a:xfrm>
+          <a:prstGeom prst="rect">
+            <a:avLst/>
+          </a:prstGeom>
+          <a:noFill/>
+          <a:ln w="9360">
+            <a:solidFill>
+              <a:srgbClr val="0099cc"/>
+            </a:solidFill>
+            <a:round/>
+          </a:ln>
+        </p:spPr>
+        <p:style>
+          <a:lnRef idx="0"/>
+          <a:fillRef idx="0"/>
+          <a:effectRef idx="0"/>
+          <a:fontRef idx="minor"/>
+        </p:style>
+        <p:txBody>
+          <a:bodyPr lIns="90000" rIns="90000" tIns="45000" bIns="45000"/>
+          <a:p>
+            <a:pPr algn="just">
+              <a:lnSpc>
+                <a:spcPct val="100000"/>
+              </a:lnSpc>
+            </a:pPr>
+            <a:r>
+              <a:rPr b="0" lang="en-US" sz="1000" spc="-1" strike="noStrike">
+                <a:solidFill>
+                  <a:srgbClr val="333333"/>
+                </a:solidFill>
+                <a:latin typeface="Arial"/>
+                <a:ea typeface="Arial"/>
+              </a:rPr>
+              <a:t>PV01 and IE01 data should be available from your LDI provider. Note that positive numbers should typically be entered.</a:t>
+            </a:r>
+            <a:endParaRPr b="0" lang="en-US" sz="1000" spc="-1" strike="noStrike">
+              <a:latin typeface="Arial"/>
+            </a:endParaRPr>
+          </a:p>
+          <a:p>
+            <a:pPr algn="just">
+              <a:lnSpc>
+                <a:spcPct val="100000"/>
+              </a:lnSpc>
+              <a:spcBef>
+                <a:spcPts val="1199"/>
+              </a:spcBef>
+            </a:pPr>
+            <a:r>
+              <a:rPr b="0" lang="en-US" sz="1000" spc="-1" strike="noStrike">
+                <a:solidFill>
+                  <a:srgbClr val="333333"/>
+                </a:solidFill>
+                <a:latin typeface="Arial"/>
+                <a:ea typeface="Arial"/>
+              </a:rPr>
+              <a:t>PV01 - Please enter the increase in asset value that would expected in £ terms if interest rates fell 0.01%.</a:t>
+            </a:r>
+            <a:endParaRPr b="0" lang="en-US" sz="1000" spc="-1" strike="noStrike">
+              <a:latin typeface="Arial"/>
+            </a:endParaRPr>
+          </a:p>
+          <a:p>
+            <a:pPr algn="just">
+              <a:lnSpc>
+                <a:spcPct val="100000"/>
+              </a:lnSpc>
+              <a:spcBef>
+                <a:spcPts val="1199"/>
+              </a:spcBef>
+            </a:pPr>
+            <a:r>
+              <a:rPr b="0" lang="en-US" sz="1000" spc="-1" strike="noStrike">
+                <a:solidFill>
+                  <a:srgbClr val="333333"/>
+                </a:solidFill>
+                <a:latin typeface="Arial"/>
+                <a:ea typeface="Arial"/>
+              </a:rPr>
+              <a:t>IE01 - Please enter the increase in asset value that would expected in £ terms if price inflation expectations increased 0.01%.</a:t>
+            </a:r>
+            <a:endParaRPr b="0" lang="en-US" sz="1000" spc="-1" strike="noStrike">
+              <a:latin typeface="Arial"/>
+            </a:endParaRPr>
+          </a:p>
+          <a:p>
+            <a:pPr algn="just">
+              <a:lnSpc>
+                <a:spcPct val="100000"/>
+              </a:lnSpc>
+              <a:spcBef>
+                <a:spcPts val="1199"/>
+              </a:spcBef>
+            </a:pPr>
+            <a:r>
+              <a:rPr b="0" lang="en-US" sz="1000" spc="-1" strike="noStrike">
+                <a:solidFill>
+                  <a:srgbClr val="333333"/>
+                </a:solidFill>
+                <a:latin typeface="Arial"/>
+                <a:ea typeface="Arial"/>
+              </a:rPr>
+              <a:t>If you do not know this information then you can simply leave these boxes blank, and we will treat the LDI assets as cash.</a:t>
+            </a:r>
+            <a:endParaRPr b="0" lang="en-US" sz="1000" spc="-1" strike="noStrike">
+              <a:latin typeface="Arial"/>
+            </a:endParaRPr>
+          </a:p>
+        </p:txBody>
+      </p:sp>
+      <p:sp>
+        <p:nvSpPr>
+          <p:cNvPr id="197" name="CustomShape 6"/>
+          <p:cNvSpPr/>
+          <p:nvPr/>
+        </p:nvSpPr>
+        <p:spPr>
+          <a:xfrm>
+            <a:off x="461880" y="1880280"/>
+            <a:ext cx="2813760" cy="195840"/>
+          </a:xfrm>
+          <a:prstGeom prst="rect">
+            <a:avLst/>
+          </a:prstGeom>
+          <a:noFill/>
+          <a:ln>
+            <a:noFill/>
+          </a:ln>
+        </p:spPr>
+        <p:style>
+          <a:lnRef idx="0"/>
+          <a:fillRef idx="0"/>
+          <a:effectRef idx="0"/>
+          <a:fontRef idx="minor"/>
+        </p:style>
+        <p:txBody>
+          <a:bodyPr lIns="90000" rIns="90000" tIns="45000" bIns="45000"/>
+          <a:p>
+            <a:pPr>
+              <a:lnSpc>
+                <a:spcPct val="100000"/>
+              </a:lnSpc>
+            </a:pPr>
+            <a:r>
+              <a:rPr b="0" lang="en-US" sz="700" spc="-1" strike="noStrike">
+                <a:solidFill>
+                  <a:srgbClr val="ff0000"/>
+                </a:solidFill>
+                <a:latin typeface="Arial"/>
+                <a:ea typeface="Arial"/>
+              </a:rPr>
+              <a:t>Top information button text</a:t>
+            </a:r>
+            <a:endParaRPr b="0" lang="en-US" sz="700" spc="-1" strike="noStrike">
+              <a:latin typeface="Arial"/>
+            </a:endParaRPr>
+          </a:p>
+        </p:txBody>
+      </p:sp>
+      <p:sp>
+        <p:nvSpPr>
+          <p:cNvPr id="198" name="CustomShape 7"/>
+          <p:cNvSpPr/>
+          <p:nvPr/>
+        </p:nvSpPr>
+        <p:spPr>
+          <a:xfrm>
+            <a:off x="5105160" y="1880280"/>
+            <a:ext cx="2813760" cy="195840"/>
+          </a:xfrm>
+          <a:prstGeom prst="rect">
+            <a:avLst/>
+          </a:prstGeom>
+          <a:noFill/>
+          <a:ln>
+            <a:noFill/>
+          </a:ln>
+        </p:spPr>
+        <p:style>
+          <a:lnRef idx="0"/>
+          <a:fillRef idx="0"/>
+          <a:effectRef idx="0"/>
+          <a:fontRef idx="minor"/>
+        </p:style>
+        <p:txBody>
+          <a:bodyPr lIns="90000" rIns="90000" tIns="45000" bIns="45000"/>
+          <a:p>
+            <a:pPr>
+              <a:lnSpc>
+                <a:spcPct val="100000"/>
+              </a:lnSpc>
+            </a:pPr>
+            <a:r>
+              <a:rPr b="0" lang="en-US" sz="700" spc="-1" strike="noStrike">
+                <a:solidFill>
+                  <a:srgbClr val="ff0000"/>
+                </a:solidFill>
+                <a:latin typeface="Arial"/>
+                <a:ea typeface="Arial"/>
+              </a:rPr>
+              <a:t>PV01 and IE01 information button text</a:t>
+            </a:r>
+            <a:endParaRPr b="0" lang="en-US" sz="700" spc="-1" strike="noStrike">
+              <a:latin typeface="Arial"/>
+            </a:endParaRPr>
+          </a:p>
+        </p:txBody>
+      </p:sp>
+    </p:spTree>
+  </p:cSld>
+  <p:transition spd="slow">
+    <p:fade/>
+  </p:transition>
+  <p:timing>
+    <p:tnLst>
+      <p:par>
+        <p:cTn id="7" dur="indefinite" restart="never" nodeType="tmRoot">
+          <p:childTnLst>
+            <p:seq>
+              <p:cTn id="8" dur="indefinite" nodeType="mainSeq"/>
+              <p:prevCondLst>
+                <p:cond delay="0" evt="onPrev">
+                  <p:tgtEl>
+                    <p:sldTgt/>
+                  </p:tgtEl>
+                </p:cond>
+              </p:prevCondLst>
+              <p:nextCondLst>
+                <p:cond delay="0" evt="onNext">
+                  <p:tgtEl>
+                    <p:sldTgt/>
+                  </p:tgtEl>
+                </p:cond>
+              </p:nextCondLst>
+            </p:seq>
+          </p:childTnLst>
+        </p:cTn>
+      </p:par>
+    </p:tnLst>
+  </p:timing>
+</p:sld>
+</file>
+
+<file path=ppt/slides/slide5.xml><?xml version="1.0" encoding="utf-8"?>
+<p:sld xmlns:a="http://schemas.openxmlformats.org/drawingml/2006/main" xmlns:p="http://schemas.openxmlformats.org/presentationml/2006/main" xmlns:r="http://schemas.openxmlformats.org/officeDocument/2006/relationships" xmlns:p14="http://schemas.microsoft.com/office/powerpoint/2010/main" xmlns:p15="http://schemas.microsoft.com/office/powerpoint/2012/main" xmlns:mc="http://schemas.openxmlformats.org/markup-compatibility/2006">
+  <p:cSld>
+    <p:spTree>
+      <p:nvGrpSpPr>
+        <p:cNvPr id="1" name=""/>
+        <p:cNvGrpSpPr/>
+        <p:nvPr/>
+      </p:nvGrpSpPr>
+      <p:grpSpPr>
+        <a:xfrm>
+          <a:off x="0" y="0"/>
+          <a:ext cx="0" cy="0"/>
+          <a:chOff x="0" y="0"/>
+          <a:chExt cx="0" cy="0"/>
+        </a:xfrm>
+      </p:grpSpPr>
+      <p:sp>
+        <p:nvSpPr>
+          <p:cNvPr id="199" name="CustomShape 1"/>
+          <p:cNvSpPr/>
+          <p:nvPr/>
+        </p:nvSpPr>
+        <p:spPr>
+          <a:xfrm>
+            <a:off x="271440" y="323280"/>
+            <a:ext cx="9322200" cy="326880"/>
+          </a:xfrm>
+          <a:prstGeom prst="rect">
+            <a:avLst/>
+          </a:prstGeom>
+          <a:noFill/>
+          <a:ln>
+            <a:noFill/>
+          </a:ln>
+        </p:spPr>
+        <p:style>
+          <a:lnRef idx="0"/>
+          <a:fillRef idx="0"/>
+          <a:effectRef idx="0"/>
+          <a:fontRef idx="minor"/>
+        </p:style>
+        <p:txBody>
+          <a:bodyPr lIns="0" rIns="0" tIns="0" bIns="0">
+            <a:normAutofit/>
+          </a:bodyPr>
+          <a:p>
+            <a:pPr>
+              <a:lnSpc>
+                <a:spcPct val="100000"/>
+              </a:lnSpc>
+            </a:pPr>
+            <a:r>
+              <a:rPr b="1" lang="en-US" sz="2160" spc="-1" strike="noStrike">
+                <a:solidFill>
+                  <a:srgbClr val="0076d6"/>
+                </a:solidFill>
+                <a:latin typeface="Arial"/>
+                <a:ea typeface="Arial"/>
+              </a:rPr>
+              <a:t>Active Client page – External assets</a:t>
+            </a:r>
+            <a:endParaRPr b="0" lang="en-US" sz="2160" spc="-1" strike="noStrike">
+              <a:latin typeface="Arial"/>
+            </a:endParaRPr>
+          </a:p>
+        </p:txBody>
+      </p:sp>
+      <p:sp>
+        <p:nvSpPr>
+          <p:cNvPr id="200" name="CustomShape 2"/>
+          <p:cNvSpPr/>
+          <p:nvPr/>
+        </p:nvSpPr>
+        <p:spPr>
+          <a:xfrm>
+            <a:off x="271440" y="759600"/>
+            <a:ext cx="9322200" cy="332640"/>
+          </a:xfrm>
+          <a:prstGeom prst="rect">
+            <a:avLst/>
+          </a:prstGeom>
+          <a:noFill/>
+          <a:ln>
+            <a:noFill/>
+          </a:ln>
+        </p:spPr>
+        <p:style>
+          <a:lnRef idx="0"/>
+          <a:fillRef idx="0"/>
+          <a:effectRef idx="0"/>
+          <a:fontRef idx="minor"/>
+        </p:style>
+        <p:txBody>
+          <a:bodyPr lIns="0" rIns="0" tIns="0" bIns="0">
+            <a:normAutofit/>
+          </a:bodyPr>
+          <a:p>
+            <a:pPr>
+              <a:lnSpc>
+                <a:spcPct val="100000"/>
+              </a:lnSpc>
+            </a:pPr>
+            <a:r>
+              <a:rPr b="0" lang="en-US" sz="1600" spc="-1" strike="noStrike">
+                <a:solidFill>
+                  <a:srgbClr val="333333"/>
+                </a:solidFill>
+                <a:latin typeface="Arial"/>
+                <a:ea typeface="Arial"/>
+              </a:rPr>
+              <a:t>List of asset types for dropdown </a:t>
+            </a:r>
+            <a:r>
+              <a:rPr b="0" lang="en-US" sz="1600" spc="-1" strike="noStrike">
+                <a:solidFill>
+                  <a:srgbClr val="ff0000"/>
+                </a:solidFill>
+                <a:latin typeface="Arial"/>
+                <a:ea typeface="Arial"/>
+              </a:rPr>
+              <a:t>(Draft - still tbc)</a:t>
+            </a:r>
+            <a:endParaRPr b="0" lang="en-US" sz="1600" spc="-1" strike="noStrike">
+              <a:latin typeface="Arial"/>
+            </a:endParaRPr>
+          </a:p>
+        </p:txBody>
+      </p:sp>
+      <p:sp>
+        <p:nvSpPr>
+          <p:cNvPr id="201" name="CustomShape 3"/>
+          <p:cNvSpPr/>
+          <p:nvPr/>
+        </p:nvSpPr>
+        <p:spPr>
+          <a:xfrm>
+            <a:off x="44640" y="6315840"/>
+            <a:ext cx="348480" cy="204120"/>
+          </a:xfrm>
+          <a:prstGeom prst="rect">
+            <a:avLst/>
+          </a:prstGeom>
+          <a:noFill/>
+          <a:ln>
+            <a:noFill/>
+          </a:ln>
+        </p:spPr>
+        <p:style>
+          <a:lnRef idx="0"/>
+          <a:fillRef idx="0"/>
+          <a:effectRef idx="0"/>
+          <a:fontRef idx="minor"/>
+        </p:style>
+        <p:txBody>
+          <a:bodyPr lIns="0" rIns="0" tIns="0" bIns="0" anchor="ctr"/>
+          <a:p>
+            <a:pPr algn="r">
+              <a:lnSpc>
+                <a:spcPct val="100000"/>
+              </a:lnSpc>
+            </a:pPr>
+            <a:fld id="{04B6EB24-D4D0-4994-BC00-96048C6C220B}" type="slidenum">
+              <a:rPr b="1" lang="en-US" sz="800" spc="-1" strike="noStrike">
+                <a:solidFill>
+                  <a:srgbClr val="333333"/>
+                </a:solidFill>
+                <a:latin typeface="Arial"/>
+                <a:ea typeface="Arial"/>
+              </a:rPr>
+              <a:t>&lt;number&gt;</a:t>
+            </a:fld>
+            <a:endParaRPr b="0" lang="en-US" sz="800" spc="-1" strike="noStrike">
+              <a:latin typeface="Arial"/>
+            </a:endParaRPr>
+          </a:p>
+        </p:txBody>
+      </p:sp>
+      <p:sp>
+        <p:nvSpPr>
+          <p:cNvPr id="202" name="CustomShape 4"/>
+          <p:cNvSpPr/>
+          <p:nvPr/>
+        </p:nvSpPr>
+        <p:spPr>
+          <a:xfrm>
+            <a:off x="630720" y="1829880"/>
+            <a:ext cx="1752120" cy="3591720"/>
+          </a:xfrm>
+          <a:prstGeom prst="rect">
+            <a:avLst/>
+          </a:prstGeom>
+          <a:noFill/>
+          <a:ln>
+            <a:noFill/>
+          </a:ln>
+        </p:spPr>
+        <p:style>
+          <a:lnRef idx="0"/>
+          <a:fillRef idx="0"/>
+          <a:effectRef idx="0"/>
+          <a:fontRef idx="minor"/>
+        </p:style>
+        <p:txBody>
+          <a:bodyPr lIns="90000" rIns="90000" tIns="45000" bIns="45000"/>
+          <a:p>
+            <a:pPr>
+              <a:lnSpc>
+                <a:spcPct val="100000"/>
+              </a:lnSpc>
+            </a:pPr>
+            <a:r>
+              <a:rPr b="0" lang="en-US" sz="1000" spc="-1" strike="noStrike">
+                <a:solidFill>
+                  <a:srgbClr val="000000"/>
+                </a:solidFill>
+                <a:latin typeface="Arial"/>
+                <a:ea typeface="Arial"/>
+              </a:rPr>
+              <a:t>Global equity</a:t>
+            </a:r>
+            <a:endParaRPr b="0" lang="en-US" sz="1000" spc="-1" strike="noStrike">
+              <a:latin typeface="Arial"/>
+            </a:endParaRPr>
+          </a:p>
+          <a:p>
+            <a:pPr>
+              <a:lnSpc>
+                <a:spcPct val="100000"/>
+              </a:lnSpc>
+            </a:pPr>
+            <a:r>
+              <a:rPr b="0" lang="en-US" sz="1000" spc="-1" strike="noStrike">
+                <a:solidFill>
+                  <a:srgbClr val="000000"/>
+                </a:solidFill>
+                <a:latin typeface="Arial"/>
+                <a:ea typeface="Arial"/>
+              </a:rPr>
+              <a:t>UK equity</a:t>
+            </a:r>
+            <a:endParaRPr b="0" lang="en-US" sz="1000" spc="-1" strike="noStrike">
+              <a:latin typeface="Arial"/>
+            </a:endParaRPr>
+          </a:p>
+          <a:p>
+            <a:pPr>
+              <a:lnSpc>
+                <a:spcPct val="100000"/>
+              </a:lnSpc>
+            </a:pPr>
+            <a:r>
+              <a:rPr b="0" lang="en-US" sz="1000" spc="-1" strike="noStrike">
+                <a:solidFill>
+                  <a:srgbClr val="000000"/>
+                </a:solidFill>
+                <a:latin typeface="Arial"/>
+                <a:ea typeface="Arial"/>
+              </a:rPr>
+              <a:t>US equity</a:t>
+            </a:r>
+            <a:endParaRPr b="0" lang="en-US" sz="1000" spc="-1" strike="noStrike">
+              <a:latin typeface="Arial"/>
+            </a:endParaRPr>
+          </a:p>
+          <a:p>
+            <a:pPr>
+              <a:lnSpc>
+                <a:spcPct val="100000"/>
+              </a:lnSpc>
+            </a:pPr>
+            <a:r>
+              <a:rPr b="0" lang="en-US" sz="1000" spc="-1" strike="noStrike">
+                <a:solidFill>
+                  <a:srgbClr val="000000"/>
+                </a:solidFill>
+                <a:latin typeface="Arial"/>
+                <a:ea typeface="Arial"/>
+              </a:rPr>
+              <a:t>European equity</a:t>
+            </a:r>
+            <a:endParaRPr b="0" lang="en-US" sz="1000" spc="-1" strike="noStrike">
+              <a:latin typeface="Arial"/>
+            </a:endParaRPr>
+          </a:p>
+          <a:p>
+            <a:pPr>
+              <a:lnSpc>
+                <a:spcPct val="100000"/>
+              </a:lnSpc>
+            </a:pPr>
+            <a:r>
+              <a:rPr b="0" lang="en-US" sz="1000" spc="-1" strike="noStrike">
+                <a:solidFill>
+                  <a:srgbClr val="000000"/>
+                </a:solidFill>
+                <a:latin typeface="Arial"/>
+                <a:ea typeface="Arial"/>
+              </a:rPr>
+              <a:t>Japanese equity</a:t>
+            </a:r>
+            <a:endParaRPr b="0" lang="en-US" sz="1000" spc="-1" strike="noStrike">
+              <a:latin typeface="Arial"/>
+            </a:endParaRPr>
+          </a:p>
+          <a:p>
+            <a:pPr>
+              <a:lnSpc>
+                <a:spcPct val="100000"/>
+              </a:lnSpc>
+            </a:pPr>
+            <a:r>
+              <a:rPr b="0" lang="en-US" sz="1000" spc="-1" strike="noStrike">
+                <a:solidFill>
+                  <a:srgbClr val="000000"/>
+                </a:solidFill>
+                <a:latin typeface="Arial"/>
+                <a:ea typeface="Arial"/>
+              </a:rPr>
+              <a:t>Asia Pacific equity</a:t>
+            </a:r>
+            <a:endParaRPr b="0" lang="en-US" sz="1000" spc="-1" strike="noStrike">
+              <a:latin typeface="Arial"/>
+            </a:endParaRPr>
+          </a:p>
+          <a:p>
+            <a:pPr>
+              <a:lnSpc>
+                <a:spcPct val="100000"/>
+              </a:lnSpc>
+            </a:pPr>
+            <a:r>
+              <a:rPr b="0" lang="en-US" sz="1000" spc="-1" strike="noStrike">
+                <a:solidFill>
+                  <a:srgbClr val="000000"/>
+                </a:solidFill>
+                <a:latin typeface="Arial"/>
+                <a:ea typeface="Arial"/>
+              </a:rPr>
+              <a:t>Emerging market equity</a:t>
+            </a:r>
+            <a:endParaRPr b="0" lang="en-US" sz="1000" spc="-1" strike="noStrike">
+              <a:latin typeface="Arial"/>
+            </a:endParaRPr>
+          </a:p>
+          <a:p>
+            <a:pPr>
+              <a:lnSpc>
+                <a:spcPct val="100000"/>
+              </a:lnSpc>
+            </a:pPr>
+            <a:r>
+              <a:rPr b="0" lang="en-US" sz="1000" spc="-1" strike="noStrike">
+                <a:solidFill>
+                  <a:srgbClr val="000000"/>
+                </a:solidFill>
+                <a:latin typeface="Arial"/>
+                <a:ea typeface="Arial"/>
+              </a:rPr>
+              <a:t>Private equity</a:t>
+            </a:r>
+            <a:endParaRPr b="0" lang="en-US" sz="1000" spc="-1" strike="noStrike">
+              <a:latin typeface="Arial"/>
+            </a:endParaRPr>
+          </a:p>
+          <a:p>
+            <a:pPr>
+              <a:lnSpc>
+                <a:spcPct val="100000"/>
+              </a:lnSpc>
+            </a:pPr>
+            <a:r>
+              <a:rPr b="0" lang="en-US" sz="1000" spc="-1" strike="noStrike">
+                <a:solidFill>
+                  <a:srgbClr val="000000"/>
+                </a:solidFill>
+                <a:latin typeface="Arial"/>
+                <a:ea typeface="Arial"/>
+              </a:rPr>
+              <a:t>Property</a:t>
+            </a:r>
+            <a:endParaRPr b="0" lang="en-US" sz="1000" spc="-1" strike="noStrike">
+              <a:latin typeface="Arial"/>
+            </a:endParaRPr>
+          </a:p>
+          <a:p>
+            <a:pPr>
+              <a:lnSpc>
+                <a:spcPct val="100000"/>
+              </a:lnSpc>
+            </a:pPr>
+            <a:r>
+              <a:rPr b="0" lang="en-US" sz="1000" spc="-1" strike="noStrike">
+                <a:solidFill>
+                  <a:srgbClr val="000000"/>
+                </a:solidFill>
+                <a:latin typeface="Arial"/>
+                <a:ea typeface="Arial"/>
+              </a:rPr>
+              <a:t>REITs</a:t>
+            </a:r>
+            <a:endParaRPr b="0" lang="en-US" sz="1000" spc="-1" strike="noStrike">
+              <a:latin typeface="Arial"/>
+            </a:endParaRPr>
+          </a:p>
+          <a:p>
+            <a:pPr>
+              <a:lnSpc>
+                <a:spcPct val="100000"/>
+              </a:lnSpc>
+            </a:pPr>
+            <a:r>
+              <a:rPr b="0" lang="en-US" sz="1000" spc="-1" strike="noStrike">
+                <a:solidFill>
+                  <a:srgbClr val="000000"/>
+                </a:solidFill>
+                <a:latin typeface="Arial"/>
+                <a:ea typeface="Arial"/>
+              </a:rPr>
+              <a:t>Infrastructure</a:t>
+            </a:r>
+            <a:endParaRPr b="0" lang="en-US" sz="1000" spc="-1" strike="noStrike">
+              <a:latin typeface="Arial"/>
+            </a:endParaRPr>
+          </a:p>
+          <a:p>
+            <a:pPr>
+              <a:lnSpc>
+                <a:spcPct val="100000"/>
+              </a:lnSpc>
+            </a:pPr>
+            <a:r>
+              <a:rPr b="0" lang="en-US" sz="1000" spc="-1" strike="noStrike">
+                <a:solidFill>
+                  <a:srgbClr val="000000"/>
+                </a:solidFill>
+                <a:latin typeface="Arial"/>
+                <a:ea typeface="Arial"/>
+              </a:rPr>
+              <a:t>Commodities</a:t>
+            </a:r>
+            <a:endParaRPr b="0" lang="en-US" sz="1000" spc="-1" strike="noStrike">
+              <a:latin typeface="Arial"/>
+            </a:endParaRPr>
+          </a:p>
+          <a:p>
+            <a:pPr>
+              <a:lnSpc>
+                <a:spcPct val="100000"/>
+              </a:lnSpc>
+            </a:pPr>
+            <a:r>
+              <a:rPr b="0" lang="en-US" sz="1000" spc="-1" strike="noStrike">
+                <a:solidFill>
+                  <a:srgbClr val="000000"/>
+                </a:solidFill>
+                <a:latin typeface="Arial"/>
+                <a:ea typeface="Arial"/>
+              </a:rPr>
+              <a:t>High yield bonds</a:t>
+            </a:r>
+            <a:endParaRPr b="0" lang="en-US" sz="1000" spc="-1" strike="noStrike">
+              <a:latin typeface="Arial"/>
+            </a:endParaRPr>
+          </a:p>
+          <a:p>
+            <a:pPr>
+              <a:lnSpc>
+                <a:spcPct val="100000"/>
+              </a:lnSpc>
+            </a:pPr>
+            <a:r>
+              <a:rPr b="0" lang="en-US" sz="1000" spc="-1" strike="noStrike">
+                <a:solidFill>
+                  <a:srgbClr val="000000"/>
+                </a:solidFill>
+                <a:latin typeface="Arial"/>
+                <a:ea typeface="Arial"/>
+              </a:rPr>
+              <a:t>Emerging market debt</a:t>
+            </a:r>
+            <a:endParaRPr b="0" lang="en-US" sz="1000" spc="-1" strike="noStrike">
+              <a:latin typeface="Arial"/>
+            </a:endParaRPr>
+          </a:p>
+          <a:p>
+            <a:pPr>
+              <a:lnSpc>
+                <a:spcPct val="100000"/>
+              </a:lnSpc>
+            </a:pPr>
+            <a:r>
+              <a:rPr b="0" lang="en-US" sz="1000" spc="-1" strike="noStrike">
+                <a:solidFill>
+                  <a:srgbClr val="000000"/>
+                </a:solidFill>
+                <a:latin typeface="Arial"/>
+                <a:ea typeface="Arial"/>
+              </a:rPr>
+              <a:t>Global corporate bonds</a:t>
+            </a:r>
+            <a:endParaRPr b="0" lang="en-US" sz="1000" spc="-1" strike="noStrike">
+              <a:latin typeface="Arial"/>
+            </a:endParaRPr>
+          </a:p>
+          <a:p>
+            <a:pPr>
+              <a:lnSpc>
+                <a:spcPct val="100000"/>
+              </a:lnSpc>
+            </a:pPr>
+            <a:r>
+              <a:rPr b="0" lang="en-US" sz="1000" spc="-1" strike="noStrike">
+                <a:solidFill>
+                  <a:srgbClr val="000000"/>
+                </a:solidFill>
+                <a:latin typeface="Arial"/>
+                <a:ea typeface="Arial"/>
+              </a:rPr>
+              <a:t>UK corporate bonds</a:t>
+            </a:r>
+            <a:endParaRPr b="0" lang="en-US" sz="1000" spc="-1" strike="noStrike">
+              <a:latin typeface="Arial"/>
+            </a:endParaRPr>
+          </a:p>
+          <a:p>
+            <a:pPr>
+              <a:lnSpc>
+                <a:spcPct val="100000"/>
+              </a:lnSpc>
+            </a:pPr>
+            <a:r>
+              <a:rPr b="0" lang="en-US" sz="1000" spc="-1" strike="noStrike">
+                <a:solidFill>
+                  <a:srgbClr val="000000"/>
+                </a:solidFill>
+                <a:latin typeface="Arial"/>
+                <a:ea typeface="Arial"/>
+              </a:rPr>
+              <a:t>Global sovereign bonds</a:t>
+            </a:r>
+            <a:endParaRPr b="0" lang="en-US" sz="1000" spc="-1" strike="noStrike">
+              <a:latin typeface="Arial"/>
+            </a:endParaRPr>
+          </a:p>
+          <a:p>
+            <a:pPr>
+              <a:lnSpc>
+                <a:spcPct val="100000"/>
+              </a:lnSpc>
+            </a:pPr>
+            <a:r>
+              <a:rPr b="0" lang="en-US" sz="1000" spc="-1" strike="noStrike">
+                <a:solidFill>
+                  <a:srgbClr val="000000"/>
+                </a:solidFill>
+                <a:latin typeface="Arial"/>
+                <a:ea typeface="Arial"/>
+              </a:rPr>
+              <a:t>Gilts</a:t>
+            </a:r>
+            <a:endParaRPr b="0" lang="en-US" sz="1000" spc="-1" strike="noStrike">
+              <a:latin typeface="Arial"/>
+            </a:endParaRPr>
+          </a:p>
+          <a:p>
+            <a:pPr>
+              <a:lnSpc>
+                <a:spcPct val="100000"/>
+              </a:lnSpc>
+            </a:pPr>
+            <a:r>
+              <a:rPr b="0" lang="en-US" sz="1000" spc="-1" strike="noStrike">
+                <a:solidFill>
+                  <a:srgbClr val="000000"/>
+                </a:solidFill>
+                <a:latin typeface="Arial"/>
+                <a:ea typeface="Arial"/>
+              </a:rPr>
+              <a:t>Index-linked gilts</a:t>
+            </a:r>
+            <a:endParaRPr b="0" lang="en-US" sz="1000" spc="-1" strike="noStrike">
+              <a:latin typeface="Arial"/>
+            </a:endParaRPr>
+          </a:p>
+          <a:p>
+            <a:pPr>
+              <a:lnSpc>
+                <a:spcPct val="100000"/>
+              </a:lnSpc>
+            </a:pPr>
+            <a:r>
+              <a:rPr b="0" lang="en-US" sz="1000" spc="-1" strike="noStrike">
+                <a:solidFill>
+                  <a:srgbClr val="000000"/>
+                </a:solidFill>
+                <a:latin typeface="Arial"/>
+                <a:ea typeface="Arial"/>
+              </a:rPr>
+              <a:t>LDI</a:t>
+            </a:r>
+            <a:endParaRPr b="0" lang="en-US" sz="1000" spc="-1" strike="noStrike">
+              <a:latin typeface="Arial"/>
+            </a:endParaRPr>
+          </a:p>
+          <a:p>
+            <a:pPr>
+              <a:lnSpc>
+                <a:spcPct val="100000"/>
+              </a:lnSpc>
+            </a:pPr>
+            <a:r>
+              <a:rPr b="0" lang="en-US" sz="1000" spc="-1" strike="noStrike">
+                <a:solidFill>
+                  <a:srgbClr val="000000"/>
+                </a:solidFill>
+                <a:latin typeface="Arial"/>
+                <a:ea typeface="Arial"/>
+              </a:rPr>
+              <a:t>Cash</a:t>
+            </a:r>
+            <a:endParaRPr b="0" lang="en-US" sz="1000" spc="-1" strike="noStrike">
+              <a:latin typeface="Arial"/>
+            </a:endParaRPr>
+          </a:p>
+          <a:p>
+            <a:pPr>
+              <a:lnSpc>
+                <a:spcPct val="100000"/>
+              </a:lnSpc>
+            </a:pPr>
+            <a:r>
+              <a:rPr b="0" lang="en-US" sz="1000" spc="-1" strike="noStrike">
+                <a:solidFill>
+                  <a:srgbClr val="000000"/>
+                </a:solidFill>
+                <a:latin typeface="Arial"/>
+                <a:ea typeface="Arial"/>
+              </a:rPr>
+              <a:t>Other growth asset</a:t>
+            </a:r>
+            <a:endParaRPr b="0" lang="en-US" sz="1000" spc="-1" strike="noStrike">
+              <a:latin typeface="Arial"/>
+            </a:endParaRPr>
+          </a:p>
+          <a:p>
+            <a:pPr>
+              <a:lnSpc>
+                <a:spcPct val="100000"/>
+              </a:lnSpc>
+            </a:pPr>
+            <a:endParaRPr b="0" lang="en-US" sz="1000" spc="-1" strike="noStrike">
+              <a:latin typeface="Arial"/>
+            </a:endParaRPr>
+          </a:p>
+        </p:txBody>
+      </p:sp>
+      <p:sp>
+        <p:nvSpPr>
+          <p:cNvPr id="203" name="CustomShape 5"/>
+          <p:cNvSpPr/>
+          <p:nvPr/>
+        </p:nvSpPr>
+        <p:spPr>
+          <a:xfrm>
+            <a:off x="3196080" y="5317200"/>
+            <a:ext cx="2813760" cy="195840"/>
+          </a:xfrm>
+          <a:prstGeom prst="rect">
+            <a:avLst/>
+          </a:prstGeom>
+          <a:noFill/>
+          <a:ln>
+            <a:noFill/>
+          </a:ln>
+        </p:spPr>
+        <p:style>
+          <a:lnRef idx="0"/>
+          <a:fillRef idx="0"/>
+          <a:effectRef idx="0"/>
+          <a:fontRef idx="minor"/>
+        </p:style>
+        <p:txBody>
+          <a:bodyPr lIns="90000" rIns="90000" tIns="45000" bIns="45000"/>
+          <a:p>
+            <a:pPr>
+              <a:lnSpc>
+                <a:spcPct val="100000"/>
+              </a:lnSpc>
+            </a:pPr>
+            <a:r>
+              <a:rPr b="0" lang="en-US" sz="700" spc="-1" strike="noStrike">
+                <a:solidFill>
+                  <a:srgbClr val="0076d6"/>
+                </a:solidFill>
+                <a:latin typeface="Arial"/>
+                <a:ea typeface="Arial"/>
+              </a:rPr>
+              <a:t>tbc – include hedged/unhedged?</a:t>
+            </a:r>
+            <a:endParaRPr b="0" lang="en-US" sz="700" spc="-1" strike="noStrike">
+              <a:latin typeface="Arial"/>
+            </a:endParaRPr>
+          </a:p>
+        </p:txBody>
+      </p:sp>
+    </p:spTree>
+  </p:cSld>
+  <p:transition spd="slow">
+    <p:fade/>
+  </p:transition>
+  <p:timing>
+    <p:tnLst>
+      <p:par>
+        <p:cTn id="9" dur="indefinite" restart="never" nodeType="tmRoot">
+          <p:childTnLst>
+            <p:seq>
+              <p:cTn id="10" dur="indefinite" nodeType="mainSeq"/>
+              <p:prevCondLst>
+                <p:cond delay="0" evt="onPrev">
+                  <p:tgtEl>
+                    <p:sldTgt/>
+                  </p:tgtEl>
+                </p:cond>
+              </p:prevCondLst>
+              <p:nextCondLst>
+                <p:cond delay="0" evt="onNext">
+                  <p:tgtEl>
+                    <p:sldTgt/>
+                  </p:tgtEl>
+                </p:cond>
+              </p:nextCondLst>
+            </p:seq>
+          </p:childTnLst>
+        </p:cTn>
+      </p:par>
+    </p:tnLst>
+  </p:timing>
+</p:sld>
+</file>
+
+<file path=ppt/slides/slide6.xml><?xml version="1.0" encoding="utf-8"?>
+<p:sld xmlns:a="http://schemas.openxmlformats.org/drawingml/2006/main" xmlns:p="http://schemas.openxmlformats.org/presentationml/2006/main" xmlns:r="http://schemas.openxmlformats.org/officeDocument/2006/relationships" xmlns:p14="http://schemas.microsoft.com/office/powerpoint/2010/main" xmlns:p15="http://schemas.microsoft.com/office/powerpoint/2012/main" xmlns:mc="http://schemas.openxmlformats.org/markup-compatibility/2006">
+  <p:cSld>
+    <p:spTree>
+      <p:nvGrpSpPr>
+        <p:cNvPr id="1" name=""/>
+        <p:cNvGrpSpPr/>
+        <p:nvPr/>
+      </p:nvGrpSpPr>
+      <p:grpSpPr>
+        <a:xfrm>
+          <a:off x="0" y="0"/>
+          <a:ext cx="0" cy="0"/>
+          <a:chOff x="0" y="0"/>
+          <a:chExt cx="0" cy="0"/>
+        </a:xfrm>
+      </p:grpSpPr>
+    </p:spTree>
+  </p:cSld>
+  <p:transition spd="slow">
+    <p:fade/>
+  </p:transition>
+  <p:timing>
+    <p:tnLst>
+      <p:par>
+        <p:cTn id="11" dur="indefinite" restart="never" nodeType="tmRoot">
+          <p:childTnLst>
+            <p:seq>
+              <p:cTn id="12" dur="indefinite" nodeType="mainSeq"/>
+              <p:prevCondLst>
+                <p:cond delay="0" evt="onPrev">
+                  <p:tgtEl>
+                    <p:sldTgt/>
+                  </p:tgtEl>
+                </p:cond>
+              </p:prevCondLst>
+              <p:nextCondLst>
+                <p:cond delay="0" evt="onNext">
+                  <p:tgtEl>
+                    <p:sldTgt/>
+                  </p:tgtEl>
+                </p:cond>
+              </p:nextCondLst>
+            </p:seq>
+          </p:childTnLst>
+        </p:cTn>
+      </p:par>
+    </p:tnLst>
+  </p:timing>
+</p:sld>
+</file>
+
+<file path=ppt/slides/slide7.xml><?xml version="1.0" encoding="utf-8"?>
+<p:sld xmlns:a="http://schemas.openxmlformats.org/drawingml/2006/main" xmlns:p="http://schemas.openxmlformats.org/presentationml/2006/main" xmlns:r="http://schemas.openxmlformats.org/officeDocument/2006/relationships" xmlns:p14="http://schemas.microsoft.com/office/powerpoint/2010/main" xmlns:p15="http://schemas.microsoft.com/office/powerpoint/2012/main" xmlns:mc="http://schemas.openxmlformats.org/markup-compatibility/2006">
+  <p:cSld>
+    <p:spTree>
+      <p:nvGrpSpPr>
+        <p:cNvPr id="1" name=""/>
+        <p:cNvGrpSpPr/>
+        <p:nvPr/>
+      </p:nvGrpSpPr>
+      <p:grpSpPr>
+        <a:xfrm>
+          <a:off x="0" y="0"/>
+          <a:ext cx="0" cy="0"/>
+          <a:chOff x="0" y="0"/>
+          <a:chExt cx="0" cy="0"/>
+        </a:xfrm>
+      </p:grpSpPr>
+    </p:spTree>
+  </p:cSld>
+  <p:transition spd="slow">
+    <p:fade/>
+  </p:transition>
+  <p:timing>
+    <p:tnLst>
+      <p:par>
+        <p:cTn id="13" dur="indefinite" restart="never" nodeType="tmRoot">
+          <p:childTnLst>
+            <p:seq>
+              <p:cTn id="14" dur="indefinite" nodeType="mainSeq"/>
+              <p:prevCondLst>
+                <p:cond delay="0" evt="onPrev">
+                  <p:tgtEl>
+                    <p:sldTgt/>
+                  </p:tgtEl>
+                </p:cond>
+              </p:prevCondLst>
+              <p:nextCondLst>
+                <p:cond delay="0" evt="onNext">
+                  <p:tgtEl>
+                    <p:sldTgt/>
+                  </p:tgtEl>
+                </p:cond>
+              </p:nextCondLst>
+            </p:seq>
+          </p:childTnLst>
+        </p:cTn>
+      </p:par>
+    </p:tnLst>
+  </p:timing>
+</p:sld>
+</file>
+
+<file path=ppt/slides/slide8.xml><?xml version="1.0" encoding="utf-8"?>
+<p:sld xmlns:a="http://schemas.openxmlformats.org/drawingml/2006/main" xmlns:p="http://schemas.openxmlformats.org/presentationml/2006/main" xmlns:r="http://schemas.openxmlformats.org/officeDocument/2006/relationships" xmlns:p14="http://schemas.microsoft.com/office/powerpoint/2010/main" xmlns:p15="http://schemas.microsoft.com/office/powerpoint/2012/main" xmlns:mc="http://schemas.openxmlformats.org/markup-compatibility/2006">
+  <p:cSld>
+    <p:spTree>
+      <p:nvGrpSpPr>
+        <p:cNvPr id="1" name=""/>
+        <p:cNvGrpSpPr/>
+        <p:nvPr/>
+      </p:nvGrpSpPr>
+      <p:grpSpPr>
+        <a:xfrm>
+          <a:off x="0" y="0"/>
+          <a:ext cx="0" cy="0"/>
+          <a:chOff x="0" y="0"/>
+          <a:chExt cx="0" cy="0"/>
+        </a:xfrm>
+      </p:grpSpPr>
+    </p:spTree>
+  </p:cSld>
+  <p:transition spd="slow">
+    <p:fade/>
+  </p:transition>
+  <p:timing>
+    <p:tnLst>
+      <p:par>
+        <p:cTn id="15" dur="indefinite" restart="never" nodeType="tmRoot">
+          <p:childTnLst>
+            <p:seq>
+              <p:cTn id="16" dur="indefinite" nodeType="mainSeq"/>
               <p:prevCondLst>
                 <p:cond delay="0" evt="onPrev">
                   <p:tgtEl>
@@ -2008,4 +10172,450 @@
     </a:fmtScheme>
   </a:themeElements>
 </a:theme>
+</file>
+
+<file path=ppt/theme/theme2.xml><?xml version="1.0" encoding="utf-8"?>
+<a:theme xmlns:a="http://schemas.openxmlformats.org/drawingml/2006/main" name="Office Theme">
+  <a:themeElements>
+    <a:clrScheme name="Office">
+      <a:dk1>
+        <a:sysClr val="windowText" lastClr="000000"/>
+      </a:dk1>
+      <a:lt1>
+        <a:sysClr val="window" lastClr="FFFFFF"/>
+      </a:lt1>
+      <a:dk2>
+        <a:srgbClr val="333333"/>
+      </a:dk2>
+      <a:lt2>
+        <a:srgbClr val="e3e3e3"/>
+      </a:lt2>
+      <a:accent1>
+        <a:srgbClr val="004e86"/>
+      </a:accent1>
+      <a:accent2>
+        <a:srgbClr val="0076d6"/>
+      </a:accent2>
+      <a:accent3>
+        <a:srgbClr val="6fcbf4"/>
+      </a:accent3>
+      <a:accent4>
+        <a:srgbClr val="028844"/>
+      </a:accent4>
+      <a:accent5>
+        <a:srgbClr val="bbd143"/>
+      </a:accent5>
+      <a:accent6>
+        <a:srgbClr val="666666"/>
+      </a:accent6>
+      <a:hlink>
+        <a:srgbClr val="0563c1"/>
+      </a:hlink>
+      <a:folHlink>
+        <a:srgbClr val="954f72"/>
+      </a:folHlink>
+    </a:clrScheme>
+    <a:fontScheme name="Office">
+      <a:majorFont>
+        <a:latin typeface="Arial"/>
+        <a:ea typeface="DejaVu Sans"/>
+        <a:cs typeface="DejaVu Sans"/>
+      </a:majorFont>
+      <a:minorFont>
+        <a:latin typeface="Arial"/>
+        <a:ea typeface="DejaVu Sans"/>
+        <a:cs typeface="DejaVu Sans"/>
+      </a:minorFont>
+    </a:fontScheme>
+    <a:fmtScheme name="Office">
+      <a:fillStyleLst>
+        <a:solidFill>
+          <a:schemeClr val="phClr"/>
+        </a:solidFill>
+        <a:gradFill rotWithShape="1">
+          <a:gsLst>
+            <a:gs pos="0">
+              <a:schemeClr val="phClr">
+                <a:tint val="50000"/>
+                <a:satMod val="300000"/>
+              </a:schemeClr>
+            </a:gs>
+            <a:gs pos="35000">
+              <a:schemeClr val="phClr">
+                <a:tint val="37000"/>
+                <a:satMod val="300000"/>
+              </a:schemeClr>
+            </a:gs>
+            <a:gs pos="100000">
+              <a:schemeClr val="phClr">
+                <a:tint val="15000"/>
+                <a:satMod val="350000"/>
+              </a:schemeClr>
+            </a:gs>
+          </a:gsLst>
+          <a:lin ang="16200000" scaled="1"/>
+        </a:gradFill>
+        <a:gradFill rotWithShape="1">
+          <a:gsLst>
+            <a:gs pos="0">
+              <a:schemeClr val="phClr">
+                <a:shade val="51000"/>
+                <a:satMod val="130000"/>
+              </a:schemeClr>
+            </a:gs>
+            <a:gs pos="80000">
+              <a:schemeClr val="phClr">
+                <a:shade val="93000"/>
+                <a:satMod val="130000"/>
+              </a:schemeClr>
+            </a:gs>
+            <a:gs pos="100000">
+              <a:schemeClr val="phClr">
+                <a:shade val="94000"/>
+                <a:satMod val="135000"/>
+              </a:schemeClr>
+            </a:gs>
+          </a:gsLst>
+          <a:lin ang="16200000" scaled="0"/>
+        </a:gradFill>
+      </a:fillStyleLst>
+      <a:lnStyleLst>
+        <a:ln w="9525" cap="flat" cmpd="sng" algn="ctr">
+          <a:solidFill>
+            <a:schemeClr val="phClr">
+              <a:shade val="95000"/>
+              <a:satMod val="105000"/>
+            </a:schemeClr>
+          </a:solidFill>
+          <a:prstDash val="solid"/>
+        </a:ln>
+        <a:ln w="25400" cap="flat" cmpd="sng" algn="ctr">
+          <a:solidFill>
+            <a:schemeClr val="phClr"/>
+          </a:solidFill>
+          <a:prstDash val="solid"/>
+        </a:ln>
+        <a:ln w="38100" cap="flat" cmpd="sng" algn="ctr">
+          <a:solidFill>
+            <a:schemeClr val="phClr"/>
+          </a:solidFill>
+          <a:prstDash val="solid"/>
+        </a:ln>
+      </a:lnStyleLst>
+      <a:effectStyleLst>
+        <a:effectStyle>
+          <a:effectLst>
+            <a:outerShdw blurRad="40000" dist="20000" dir="5400000" rotWithShape="0">
+              <a:srgbClr val="000000">
+                <a:alpha val="38000"/>
+              </a:srgbClr>
+            </a:outerShdw>
+          </a:effectLst>
+        </a:effectStyle>
+        <a:effectStyle>
+          <a:effectLst>
+            <a:outerShdw blurRad="40000" dist="23000" dir="5400000" rotWithShape="0">
+              <a:srgbClr val="000000">
+                <a:alpha val="35000"/>
+              </a:srgbClr>
+            </a:outerShdw>
+          </a:effectLst>
+        </a:effectStyle>
+        <a:effectStyle>
+          <a:effectLst>
+            <a:outerShdw blurRad="40000" dist="23000" dir="5400000" rotWithShape="0">
+              <a:srgbClr val="000000">
+                <a:alpha val="35000"/>
+              </a:srgbClr>
+            </a:outerShdw>
+          </a:effectLst>
+          <a:scene3d>
+            <a:camera prst="orthographicFront">
+              <a:rot lat="0" lon="0" rev="0"/>
+            </a:camera>
+            <a:lightRig rig="threePt" dir="t">
+              <a:rot lat="0" lon="0" rev="1200000"/>
+            </a:lightRig>
+          </a:scene3d>
+          <a:sp3d>
+            <a:bevelT w="63500" h="25400"/>
+          </a:sp3d>
+        </a:effectStyle>
+      </a:effectStyleLst>
+      <a:bgFillStyleLst>
+        <a:solidFill>
+          <a:schemeClr val="phClr"/>
+        </a:solidFill>
+        <a:gradFill rotWithShape="1">
+          <a:gsLst>
+            <a:gs pos="0">
+              <a:schemeClr val="phClr">
+                <a:tint val="40000"/>
+                <a:satMod val="350000"/>
+              </a:schemeClr>
+            </a:gs>
+            <a:gs pos="40000">
+              <a:schemeClr val="phClr">
+                <a:tint val="45000"/>
+                <a:shade val="99000"/>
+                <a:satMod val="350000"/>
+              </a:schemeClr>
+            </a:gs>
+            <a:gs pos="100000">
+              <a:schemeClr val="phClr">
+                <a:shade val="20000"/>
+                <a:satMod val="255000"/>
+              </a:schemeClr>
+            </a:gs>
+          </a:gsLst>
+          <a:path path="circle">
+            <a:fillToRect l="50000" t="-80000" r="50000" b="180000"/>
+          </a:path>
+        </a:gradFill>
+        <a:gradFill rotWithShape="1">
+          <a:gsLst>
+            <a:gs pos="0">
+              <a:schemeClr val="phClr">
+                <a:tint val="80000"/>
+                <a:satMod val="300000"/>
+              </a:schemeClr>
+            </a:gs>
+            <a:gs pos="100000">
+              <a:schemeClr val="phClr">
+                <a:shade val="30000"/>
+                <a:satMod val="200000"/>
+              </a:schemeClr>
+            </a:gs>
+          </a:gsLst>
+          <a:path path="circle">
+            <a:fillToRect l="50000" t="50000" r="50000" b="50000"/>
+          </a:path>
+        </a:gradFill>
+      </a:bgFillStyleLst>
+    </a:fmtScheme>
+  </a:themeElements>
+</a:theme>
+</file>
+
+<file path=ppt/theme/theme3.xml><?xml version="1.0" encoding="utf-8"?>
+<a:theme xmlns:a="http://schemas.openxmlformats.org/drawingml/2006/main" name="Office Theme">
+  <a:themeElements>
+    <a:clrScheme name="Office">
+      <a:dk1>
+        <a:sysClr val="windowText" lastClr="000000"/>
+      </a:dk1>
+      <a:lt1>
+        <a:sysClr val="window" lastClr="FFFFFF"/>
+      </a:lt1>
+      <a:dk2>
+        <a:srgbClr val="1f497d"/>
+      </a:dk2>
+      <a:lt2>
+        <a:srgbClr val="eeece1"/>
+      </a:lt2>
+      <a:accent1>
+        <a:srgbClr val="4f81bd"/>
+      </a:accent1>
+      <a:accent2>
+        <a:srgbClr val="c0504d"/>
+      </a:accent2>
+      <a:accent3>
+        <a:srgbClr val="9bbb59"/>
+      </a:accent3>
+      <a:accent4>
+        <a:srgbClr val="8064a2"/>
+      </a:accent4>
+      <a:accent5>
+        <a:srgbClr val="4bacc6"/>
+      </a:accent5>
+      <a:accent6>
+        <a:srgbClr val="f79646"/>
+      </a:accent6>
+      <a:hlink>
+        <a:srgbClr val="0000ff"/>
+      </a:hlink>
+      <a:folHlink>
+        <a:srgbClr val="800080"/>
+      </a:folHlink>
+    </a:clrScheme>
+    <a:fontScheme name="Office">
+      <a:majorFont>
+        <a:latin typeface="Arial"/>
+        <a:ea typeface="DejaVu Sans"/>
+        <a:cs typeface="DejaVu Sans"/>
+      </a:majorFont>
+      <a:minorFont>
+        <a:latin typeface="Arial"/>
+        <a:ea typeface="DejaVu Sans"/>
+        <a:cs typeface="DejaVu Sans"/>
+      </a:minorFont>
+    </a:fontScheme>
+    <a:fmtScheme name="Office">
+      <a:fillStyleLst>
+        <a:solidFill>
+          <a:schemeClr val="phClr"/>
+        </a:solidFill>
+        <a:gradFill rotWithShape="1">
+          <a:gsLst>
+            <a:gs pos="0">
+              <a:schemeClr val="phClr">
+                <a:tint val="50000"/>
+                <a:satMod val="300000"/>
+              </a:schemeClr>
+            </a:gs>
+            <a:gs pos="35000">
+              <a:schemeClr val="phClr">
+                <a:tint val="37000"/>
+                <a:satMod val="300000"/>
+              </a:schemeClr>
+            </a:gs>
+            <a:gs pos="100000">
+              <a:schemeClr val="phClr">
+                <a:tint val="15000"/>
+                <a:satMod val="350000"/>
+              </a:schemeClr>
+            </a:gs>
+          </a:gsLst>
+          <a:lin ang="16200000" scaled="1"/>
+        </a:gradFill>
+        <a:gradFill rotWithShape="1">
+          <a:gsLst>
+            <a:gs pos="0">
+              <a:schemeClr val="phClr">
+                <a:shade val="51000"/>
+                <a:satMod val="130000"/>
+              </a:schemeClr>
+            </a:gs>
+            <a:gs pos="80000">
+              <a:schemeClr val="phClr">
+                <a:shade val="93000"/>
+                <a:satMod val="130000"/>
+              </a:schemeClr>
+            </a:gs>
+            <a:gs pos="100000">
+              <a:schemeClr val="phClr">
+                <a:shade val="94000"/>
+                <a:satMod val="135000"/>
+              </a:schemeClr>
+            </a:gs>
+          </a:gsLst>
+          <a:lin ang="16200000" scaled="0"/>
+        </a:gradFill>
+      </a:fillStyleLst>
+      <a:lnStyleLst>
+        <a:ln w="9525" cap="flat" cmpd="sng" algn="ctr">
+          <a:solidFill>
+            <a:schemeClr val="phClr">
+              <a:shade val="95000"/>
+              <a:satMod val="105000"/>
+            </a:schemeClr>
+          </a:solidFill>
+          <a:prstDash val="solid"/>
+        </a:ln>
+        <a:ln w="25400" cap="flat" cmpd="sng" algn="ctr">
+          <a:solidFill>
+            <a:schemeClr val="phClr"/>
+          </a:solidFill>
+          <a:prstDash val="solid"/>
+        </a:ln>
+        <a:ln w="38100" cap="flat" cmpd="sng" algn="ctr">
+          <a:solidFill>
+            <a:schemeClr val="phClr"/>
+          </a:solidFill>
+          <a:prstDash val="solid"/>
+        </a:ln>
+      </a:lnStyleLst>
+      <a:effectStyleLst>
+        <a:effectStyle>
+          <a:effectLst>
+            <a:outerShdw blurRad="40000" dist="20000" dir="5400000" rotWithShape="0">
+              <a:srgbClr val="000000">
+                <a:alpha val="38000"/>
+              </a:srgbClr>
+            </a:outerShdw>
+          </a:effectLst>
+        </a:effectStyle>
+        <a:effectStyle>
+          <a:effectLst>
+            <a:outerShdw blurRad="40000" dist="23000" dir="5400000" rotWithShape="0">
+              <a:srgbClr val="000000">
+                <a:alpha val="35000"/>
+              </a:srgbClr>
+            </a:outerShdw>
+          </a:effectLst>
+        </a:effectStyle>
+        <a:effectStyle>
+          <a:effectLst>
+            <a:outerShdw blurRad="40000" dist="23000" dir="5400000" rotWithShape="0">
+              <a:srgbClr val="000000">
+                <a:alpha val="35000"/>
+              </a:srgbClr>
+            </a:outerShdw>
+          </a:effectLst>
+          <a:scene3d>
+            <a:camera prst="orthographicFront">
+              <a:rot lat="0" lon="0" rev="0"/>
+            </a:camera>
+            <a:lightRig rig="threePt" dir="t">
+              <a:rot lat="0" lon="0" rev="1200000"/>
+            </a:lightRig>
+          </a:scene3d>
+          <a:sp3d>
+            <a:bevelT w="63500" h="25400"/>
+          </a:sp3d>
+        </a:effectStyle>
+      </a:effectStyleLst>
+      <a:bgFillStyleLst>
+        <a:solidFill>
+          <a:schemeClr val="phClr"/>
+        </a:solidFill>
+        <a:gradFill rotWithShape="1">
+          <a:gsLst>
+            <a:gs pos="0">
+              <a:schemeClr val="phClr">
+                <a:tint val="40000"/>
+                <a:satMod val="350000"/>
+              </a:schemeClr>
+            </a:gs>
+            <a:gs pos="40000">
+              <a:schemeClr val="phClr">
+                <a:tint val="45000"/>
+                <a:shade val="99000"/>
+                <a:satMod val="350000"/>
+              </a:schemeClr>
+            </a:gs>
+            <a:gs pos="100000">
+              <a:schemeClr val="phClr">
+                <a:shade val="20000"/>
+                <a:satMod val="255000"/>
+              </a:schemeClr>
+            </a:gs>
+          </a:gsLst>
+          <a:path path="circle">
+            <a:fillToRect l="50000" t="-80000" r="50000" b="180000"/>
+          </a:path>
+        </a:gradFill>
+        <a:gradFill rotWithShape="1">
+          <a:gsLst>
+            <a:gs pos="0">
+              <a:schemeClr val="phClr">
+                <a:tint val="80000"/>
+                <a:satMod val="300000"/>
+              </a:schemeClr>
+            </a:gs>
+            <a:gs pos="100000">
+              <a:schemeClr val="phClr">
+                <a:shade val="30000"/>
+                <a:satMod val="200000"/>
+              </a:schemeClr>
+            </a:gs>
+          </a:gsLst>
+          <a:path path="circle">
+            <a:fillToRect l="50000" t="50000" r="50000" b="50000"/>
+          </a:path>
+        </a:gradFill>
+      </a:bgFillStyleLst>
+    </a:fmtScheme>
+  </a:themeElements>
+</a:theme>
 </file>
--- a/output.pptx
+++ b/output.pptx
@@ -3230,7 +3230,7 @@
         <p:spPr>
           <a:xfrm>
             <a:off x="311760" y="744480"/>
-            <a:ext cx="8516160" cy="2048400"/>
+            <a:ext cx="8511480" cy="2043720"/>
           </a:xfrm>
           <a:prstGeom prst="rect">
             <a:avLst/>
@@ -3266,6 +3266,28 @@
               </a:rPr>
               <a:t>gayashan</a:t>
             </a:r>
+            <a:br/>
+            <a:r>
+              <a:rPr b="0" lang="en-US" sz="5200" spc="-1" strike="noStrike">
+                <a:solidFill>
+                  <a:srgbClr val="000000"/>
+                </a:solidFill>
+                <a:latin typeface="Arial"/>
+                <a:ea typeface="Arial"/>
+              </a:rPr>
+              <a:t>gayashan</a:t>
+            </a:r>
+            <a:br/>
+            <a:r>
+              <a:rPr b="0" lang="en-US" sz="5200" spc="-1" strike="noStrike">
+                <a:solidFill>
+                  <a:srgbClr val="000000"/>
+                </a:solidFill>
+                <a:latin typeface="Arial"/>
+                <a:ea typeface="Arial"/>
+              </a:rPr>
+              <a:t>gayashan</a:t>
+            </a:r>
             <a:endParaRPr b="0" lang="en-US" sz="5200" spc="-1" strike="noStrike">
               <a:latin typeface="Arial"/>
             </a:endParaRPr>
@@ -3281,7 +3303,7 @@
         <p:spPr>
           <a:xfrm>
             <a:off x="311760" y="2834280"/>
-            <a:ext cx="8516160" cy="788400"/>
+            <a:ext cx="8511480" cy="783720"/>
           </a:xfrm>
           <a:prstGeom prst="rect">
             <a:avLst/>
@@ -3360,7 +3382,7 @@
         <p:spPr>
           <a:xfrm>
             <a:off x="311760" y="1152360"/>
-            <a:ext cx="8516160" cy="3412080"/>
+            <a:ext cx="8511480" cy="3407400"/>
           </a:xfrm>
           <a:prstGeom prst="rect">
             <a:avLst/>
@@ -5402,7 +5424,7 @@
         <p:spPr>
           <a:xfrm>
             <a:off x="311760" y="1152360"/>
-            <a:ext cx="8516160" cy="3412080"/>
+            <a:ext cx="8511480" cy="3407400"/>
           </a:xfrm>
           <a:prstGeom prst="rect">
             <a:avLst/>
@@ -5505,7 +5527,7 @@
         <p:spPr>
           <a:xfrm>
             <a:off x="311760" y="1152360"/>
-            <a:ext cx="8516160" cy="3412080"/>
+            <a:ext cx="8511480" cy="3407400"/>
           </a:xfrm>
           <a:prstGeom prst="rect">
             <a:avLst/>
@@ -5608,7 +5630,7 @@
         <p:spPr>
           <a:xfrm>
             <a:off x="311760" y="444960"/>
-            <a:ext cx="8516160" cy="568440"/>
+            <a:ext cx="8511480" cy="563760"/>
           </a:xfrm>
           <a:prstGeom prst="rect">
             <a:avLst/>
@@ -5659,7 +5681,7 @@
         <p:spPr>
           <a:xfrm>
             <a:off x="311760" y="1152360"/>
-            <a:ext cx="8516160" cy="3412080"/>
+            <a:ext cx="8511480" cy="3407400"/>
           </a:xfrm>
           <a:prstGeom prst="rect">
             <a:avLst/>
@@ -5786,7 +5808,7 @@
         <p:spPr>
           <a:xfrm>
             <a:off x="311760" y="444960"/>
-            <a:ext cx="8516160" cy="568440"/>
+            <a:ext cx="8511480" cy="563760"/>
           </a:xfrm>
           <a:prstGeom prst="rect">
             <a:avLst/>
@@ -5837,7 +5859,7 @@
         <p:spPr>
           <a:xfrm>
             <a:off x="311760" y="1152360"/>
-            <a:ext cx="8516160" cy="3412080"/>
+            <a:ext cx="8511480" cy="3407400"/>
           </a:xfrm>
           <a:prstGeom prst="rect">
             <a:avLst/>
@@ -6493,7 +6515,7 @@
         <p:spPr>
           <a:xfrm>
             <a:off x="311760" y="444960"/>
-            <a:ext cx="8516160" cy="568440"/>
+            <a:ext cx="8511480" cy="563760"/>
           </a:xfrm>
           <a:prstGeom prst="rect">
             <a:avLst/>
@@ -6544,7 +6566,7 @@
         <p:spPr>
           <a:xfrm>
             <a:off x="311760" y="1152360"/>
-            <a:ext cx="8516160" cy="3412080"/>
+            <a:ext cx="8511480" cy="3407400"/>
           </a:xfrm>
           <a:prstGeom prst="rect">
             <a:avLst/>
@@ -6569,139 +6591,6 @@
               <a:lnSpc>
                 <a:spcPct val="115000"/>
               </a:lnSpc>
-            </a:pPr>
-            <a:r>
-              <a:rPr b="0" lang="en-US" sz="1800" spc="-1" strike="noStrike">
-                <a:solidFill>
-                  <a:srgbClr val="595959"/>
-                </a:solidFill>
-                <a:latin typeface="Arial"/>
-                <a:ea typeface="Arial"/>
-              </a:rPr>
-              <a:t>+++FOR SAMPLE_DATA</a:t>
-            </a:r>
-            <a:endParaRPr b="0" lang="en-US" sz="1800" spc="-1" strike="noStrike">
-              <a:latin typeface="Arial"/>
-            </a:endParaRPr>
-          </a:p>
-          <a:p>
-            <a:pPr>
-              <a:lnSpc>
-                <a:spcPct val="115000"/>
-              </a:lnSpc>
-              <a:spcBef>
-                <a:spcPts val="1199"/>
-              </a:spcBef>
-            </a:pPr>
-            <a:r>
-              <a:rPr b="0" lang="en-US" sz="1800" spc="-1" strike="noStrike">
-                <a:solidFill>
-                  <a:srgbClr val="595959"/>
-                </a:solidFill>
-                <a:latin typeface="Arial"/>
-                <a:ea typeface="Arial"/>
-              </a:rPr>
-              <a:t>	</a:t>
-            </a:r>
-            <a:r>
-              <a:rPr b="0" lang="en-US" sz="700" spc="-1" strike="noStrike">
-                <a:solidFill>
-                  <a:srgbClr val="000000"/>
-                </a:solidFill>
-                <a:latin typeface="Arial"/>
-                <a:ea typeface="Arial"/>
-              </a:rPr>
-              <a:t>&lt;+++INS $SAMPLE_NAME$+++ </a:t>
-            </a:r>
-            <a:r>
-              <a:rPr b="0" lang="en-US" sz="700" spc="-1" strike="noStrike">
-                <a:solidFill>
-                  <a:srgbClr val="000000"/>
-                </a:solidFill>
-                <a:latin typeface="Arial"/>
-                <a:ea typeface="Arial"/>
-              </a:rPr>
-              <a:t>	</a:t>
-            </a:r>
-            <a:r>
-              <a:rPr b="0" lang="en-US" sz="700" spc="-1" strike="noStrike">
-                <a:solidFill>
-                  <a:srgbClr val="000000"/>
-                </a:solidFill>
-                <a:latin typeface="Arial"/>
-                <a:ea typeface="Arial"/>
-              </a:rPr>
-              <a:t>	</a:t>
-            </a:r>
-            <a:r>
-              <a:rPr b="0" lang="en-US" sz="700" spc="-1" strike="noStrike">
-                <a:solidFill>
-                  <a:srgbClr val="000000"/>
-                </a:solidFill>
-                <a:latin typeface="Arial"/>
-                <a:ea typeface="Arial"/>
-              </a:rPr>
-              <a:t>	</a:t>
-            </a:r>
-            <a:r>
-              <a:rPr b="0" lang="en-US" sz="700" spc="-1" strike="noStrike">
-                <a:solidFill>
-                  <a:srgbClr val="000000"/>
-                </a:solidFill>
-                <a:latin typeface="Arial"/>
-                <a:ea typeface="Arial"/>
-              </a:rPr>
-              <a:t>+++INS $SAMPLE_DATE$  +++</a:t>
-            </a:r>
-            <a:r>
-              <a:rPr b="0" lang="en-US" sz="700" spc="-1" strike="noStrike">
-                <a:solidFill>
-                  <a:srgbClr val="000000"/>
-                </a:solidFill>
-                <a:latin typeface="Arial"/>
-                <a:ea typeface="Arial"/>
-              </a:rPr>
-              <a:t>	</a:t>
-            </a:r>
-            <a:r>
-              <a:rPr b="0" lang="en-US" sz="700" spc="-1" strike="noStrike">
-                <a:solidFill>
-                  <a:srgbClr val="000000"/>
-                </a:solidFill>
-                <a:latin typeface="Arial"/>
-                <a:ea typeface="Arial"/>
-              </a:rPr>
-              <a:t>	</a:t>
-            </a:r>
-            <a:r>
-              <a:rPr b="0" lang="en-US" sz="700" spc="-1" strike="noStrike">
-                <a:solidFill>
-                  <a:srgbClr val="000000"/>
-                </a:solidFill>
-                <a:latin typeface="Arial"/>
-                <a:ea typeface="Arial"/>
-              </a:rPr>
-              <a:t>	</a:t>
-            </a:r>
-            <a:r>
-              <a:rPr b="0" lang="en-US" sz="700" spc="-1" strike="noStrike">
-                <a:solidFill>
-                  <a:srgbClr val="000000"/>
-                </a:solidFill>
-                <a:latin typeface="Arial"/>
-                <a:ea typeface="Arial"/>
-              </a:rPr>
-              <a:t>None&gt;</a:t>
-            </a:r>
-            <a:endParaRPr b="0" lang="en-US" sz="700" spc="-1" strike="noStrike">
-              <a:latin typeface="Arial"/>
-            </a:endParaRPr>
-          </a:p>
-          <a:p>
-            <a:pPr>
-              <a:lnSpc>
-                <a:spcPct val="115000"/>
-              </a:lnSpc>
               <a:spcBef>
                 <a:spcPts val="1199"/>
               </a:spcBef>
@@ -6717,7 +6606,38 @@
                 <a:latin typeface="Arial"/>
                 <a:ea typeface="Arial"/>
               </a:rPr>
-              <a:t>FOR-END+++</a:t>
+              <a:t> GAYA 1  12
+ GAYA 2  22
+ GAYA 13  32
+</a:t>
+            </a:r>
+            <a:br/>
+            <a:r>
+              <a:rPr b="0" lang="en-US" sz="1800" spc="-1" strike="noStrike">
+                <a:solidFill>
+                  <a:srgbClr val="595959"/>
+                </a:solidFill>
+                <a:latin typeface="Arial"/>
+                <a:ea typeface="Arial"/>
+              </a:rPr>
+              <a:t> GAYA 1   12 
+ GAYA 2   22 
+ GAYA 13   32 
+</a:t>
+            </a:r>
+            <a:br/>
+            <a:r>
+              <a:rPr b="0" lang="en-US" sz="1800" spc="-1" strike="noStrike">
+                <a:solidFill>
+                  <a:srgbClr val="595959"/>
+                </a:solidFill>
+                <a:latin typeface="Arial"/>
+                <a:ea typeface="Arial"/>
+              </a:rPr>
+              <a:t> GAYA 1    12 
+ GAYA 2    22 
+ GAYA 13    32 
+</a:t>
             </a:r>
             <a:endParaRPr b="0" lang="en-US" sz="1800" spc="-1" strike="noStrike">
               <a:latin typeface="Arial"/>
@@ -6783,7 +6703,7 @@
         <p:spPr>
           <a:xfrm>
             <a:off x="311760" y="444960"/>
-            <a:ext cx="8516160" cy="568440"/>
+            <a:ext cx="8511480" cy="563760"/>
           </a:xfrm>
           <a:prstGeom prst="rect">
             <a:avLst/>
@@ -6813,7 +6733,7 @@
         <p:spPr>
           <a:xfrm>
             <a:off x="311760" y="1152360"/>
-            <a:ext cx="8516160" cy="3412080"/>
+            <a:ext cx="8511480" cy="3407400"/>
           </a:xfrm>
           <a:prstGeom prst="rect">
             <a:avLst/>
@@ -14672,7 +14592,7 @@
         <p:spPr>
           <a:xfrm>
             <a:off x="640080" y="640080"/>
-            <a:ext cx="7952760" cy="343800"/>
+            <a:ext cx="7948080" cy="339120"/>
           </a:xfrm>
           <a:prstGeom prst="rect">
             <a:avLst/>
@@ -14702,7 +14622,7 @@
         <p:spPr>
           <a:xfrm>
             <a:off x="311760" y="1152360"/>
-            <a:ext cx="8516160" cy="3412080"/>
+            <a:ext cx="8511480" cy="3407400"/>
           </a:xfrm>
           <a:prstGeom prst="rect">
             <a:avLst/>
@@ -22561,7 +22481,7 @@
         <p:spPr>
           <a:xfrm>
             <a:off x="311760" y="1152360"/>
-            <a:ext cx="8516160" cy="3412080"/>
+            <a:ext cx="8511480" cy="3407400"/>
           </a:xfrm>
           <a:prstGeom prst="rect">
             <a:avLst/>
@@ -30420,7 +30340,7 @@
         <p:spPr>
           <a:xfrm>
             <a:off x="311760" y="1152360"/>
-            <a:ext cx="8516160" cy="3412080"/>
+            <a:ext cx="8511480" cy="3407400"/>
           </a:xfrm>
           <a:prstGeom prst="rect">
             <a:avLst/>
@@ -38279,7 +38199,7 @@
         <p:spPr>
           <a:xfrm>
             <a:off x="311760" y="1152360"/>
-            <a:ext cx="8516160" cy="3412080"/>
+            <a:ext cx="8511480" cy="3407400"/>
           </a:xfrm>
           <a:prstGeom prst="rect">
             <a:avLst/>

--- a/output.pptx
+++ b/output.pptx
@@ -3231,7 +3231,7 @@
         <p:spPr>
           <a:xfrm>
             <a:off x="311760" y="744480"/>
-            <a:ext cx="8505720" cy="2037960"/>
+            <a:ext cx="8504640" cy="2036880"/>
           </a:xfrm>
           <a:prstGeom prst="rect">
             <a:avLst/>
@@ -3265,31 +3265,31 @@
                 <a:latin typeface="Arial"/>
                 <a:ea typeface="Arial"/>
               </a:rPr>
-              <a:t>gayashan</a:t>
+              <a:t>Gayashan Sameera</a:t>
             </a:r>
             <a:br/>
             <a:r>
-              <a:rPr b="0" lang="en-US" sz="5200" spc="-1" strike="noStrike">
+              <a:rPr b="0" lang="en-US" sz="2000" spc="-1" strike="noStrike">
                 <a:solidFill>
                   <a:srgbClr val="000000"/>
                 </a:solidFill>
-                <a:latin typeface="Arial"/>
+                <a:latin typeface="Purisa"/>
                 <a:ea typeface="Arial"/>
               </a:rPr>
-              <a:t>gayashan</a:t>
+              <a:t>SSE</a:t>
             </a:r>
             <a:br/>
             <a:r>
-              <a:rPr b="0" lang="en-US" sz="5200" spc="-1" strike="noStrike">
+              <a:rPr b="0" lang="en-US" sz="2000" spc="-1" strike="noStrike">
                 <a:solidFill>
                   <a:srgbClr val="000000"/>
                 </a:solidFill>
-                <a:latin typeface="Arial"/>
+                <a:latin typeface="Keraleeyam"/>
                 <a:ea typeface="Arial"/>
               </a:rPr>
-              <a:t>gayashan</a:t>
+              <a:t>Minuwangoda</a:t>
             </a:r>
-            <a:endParaRPr b="0" lang="en-US" sz="5200" spc="-1" strike="noStrike">
+            <a:endParaRPr b="0" lang="en-US" sz="2000" spc="-1" strike="noStrike">
               <a:latin typeface="Arial"/>
             </a:endParaRPr>
           </a:p>
@@ -3304,7 +3304,7 @@
         <p:spPr>
           <a:xfrm>
             <a:off x="311760" y="2834280"/>
-            <a:ext cx="8505720" cy="777960"/>
+            <a:ext cx="8504640" cy="776880"/>
           </a:xfrm>
           <a:prstGeom prst="rect">
             <a:avLst/>
@@ -3383,7 +3383,7 @@
         <p:spPr>
           <a:xfrm>
             <a:off x="311760" y="1152360"/>
-            <a:ext cx="8505720" cy="3401640"/>
+            <a:ext cx="8504640" cy="3400560"/>
           </a:xfrm>
           <a:prstGeom prst="rect">
             <a:avLst/>
@@ -11242,7 +11242,7 @@
         <p:spPr>
           <a:xfrm>
             <a:off x="311760" y="1152360"/>
-            <a:ext cx="8505720" cy="3401640"/>
+            <a:ext cx="8504640" cy="3400560"/>
           </a:xfrm>
           <a:prstGeom prst="rect">
             <a:avLst/>
@@ -19101,7 +19101,7 @@
         <p:spPr>
           <a:xfrm>
             <a:off x="311760" y="1152360"/>
-            <a:ext cx="8505720" cy="3401640"/>
+            <a:ext cx="8504640" cy="3400560"/>
           </a:xfrm>
           <a:prstGeom prst="rect">
             <a:avLst/>
@@ -26960,7 +26960,7 @@
         <p:spPr>
           <a:xfrm>
             <a:off x="311760" y="1152360"/>
-            <a:ext cx="8505720" cy="3401640"/>
+            <a:ext cx="8504640" cy="3400560"/>
           </a:xfrm>
           <a:prstGeom prst="rect">
             <a:avLst/>
@@ -29002,7 +29002,7 @@
         <p:spPr>
           <a:xfrm>
             <a:off x="311760" y="1152360"/>
-            <a:ext cx="8505720" cy="3401640"/>
+            <a:ext cx="8504640" cy="3400560"/>
           </a:xfrm>
           <a:prstGeom prst="rect">
             <a:avLst/>
@@ -29105,7 +29105,7 @@
         <p:spPr>
           <a:xfrm>
             <a:off x="311760" y="1152360"/>
-            <a:ext cx="8505720" cy="3401640"/>
+            <a:ext cx="8504640" cy="3400560"/>
           </a:xfrm>
           <a:prstGeom prst="rect">
             <a:avLst/>
@@ -29208,7 +29208,7 @@
         <p:spPr>
           <a:xfrm>
             <a:off x="311760" y="444960"/>
-            <a:ext cx="8505720" cy="558000"/>
+            <a:ext cx="8504640" cy="556920"/>
           </a:xfrm>
           <a:prstGeom prst="rect">
             <a:avLst/>
@@ -29242,7 +29242,7 @@
                 <a:latin typeface="Arial"/>
                 <a:ea typeface="Arial"/>
               </a:rPr>
-              <a:t>gayashan chart</a:t>
+              <a:t>Workflow landing page</a:t>
             </a:r>
             <a:endParaRPr b="0" lang="en-US" sz="2800" spc="-1" strike="noStrike">
               <a:latin typeface="Arial"/>
@@ -29259,7 +29259,7 @@
         <p:spPr>
           <a:xfrm>
             <a:off x="311760" y="1152360"/>
-            <a:ext cx="8505720" cy="3401640"/>
+            <a:ext cx="8504640" cy="3400560"/>
           </a:xfrm>
           <a:prstGeom prst="rect">
             <a:avLst/>
@@ -29386,7 +29386,7 @@
         <p:spPr>
           <a:xfrm>
             <a:off x="731520" y="2419920"/>
-            <a:ext cx="7584840" cy="597600"/>
+            <a:ext cx="7583760" cy="596520"/>
           </a:xfrm>
           <a:prstGeom prst="rect">
             <a:avLst/>
@@ -29418,7 +29418,7 @@
                 <a:latin typeface="Arial"/>
                 <a:ea typeface="Arial"/>
               </a:rPr>
-              <a:t> gayashan chart </a:t>
+              <a:t> React , Node , AWS serverless </a:t>
             </a:r>
             <a:endParaRPr b="0" lang="en-US" sz="1800" spc="-1" strike="noStrike">
               <a:latin typeface="Arial"/>
@@ -29484,7 +29484,7 @@
         <p:spPr>
           <a:xfrm>
             <a:off x="311760" y="444960"/>
-            <a:ext cx="8505720" cy="558000"/>
+            <a:ext cx="8504640" cy="556920"/>
           </a:xfrm>
           <a:prstGeom prst="rect">
             <a:avLst/>
@@ -29518,7 +29518,7 @@
                 <a:latin typeface="Arial"/>
                 <a:ea typeface="Arial"/>
               </a:rPr>
-              <a:t>gayashan table</a:t>
+              <a:t>Sample table to delete</a:t>
             </a:r>
             <a:endParaRPr b="0" lang="en-US" sz="2800" spc="-1" strike="noStrike">
               <a:latin typeface="Arial"/>
@@ -29535,7 +29535,7 @@
         <p:spPr>
           <a:xfrm>
             <a:off x="311760" y="1152360"/>
-            <a:ext cx="8505720" cy="3401640"/>
+            <a:ext cx="8504640" cy="3400560"/>
           </a:xfrm>
           <a:prstGeom prst="rect">
             <a:avLst/>
@@ -29639,7 +29639,7 @@
         <p:spPr>
           <a:xfrm>
             <a:off x="311760" y="444960"/>
-            <a:ext cx="8505720" cy="558000"/>
+            <a:ext cx="8504640" cy="556920"/>
           </a:xfrm>
           <a:prstGeom prst="rect">
             <a:avLst/>
@@ -29673,7 +29673,7 @@
                 <a:latin typeface="Arial"/>
                 <a:ea typeface="Arial"/>
               </a:rPr>
-              <a:t>gayashan table</a:t>
+              <a:t>Sample table to delete row</a:t>
             </a:r>
             <a:endParaRPr b="0" lang="en-US" sz="2800" spc="-1" strike="noStrike">
               <a:latin typeface="Arial"/>
@@ -29690,7 +29690,7 @@
         <p:spPr>
           <a:xfrm>
             <a:off x="311760" y="1152360"/>
-            <a:ext cx="8505720" cy="3401640"/>
+            <a:ext cx="8504640" cy="3400560"/>
           </a:xfrm>
           <a:prstGeom prst="rect">
             <a:avLst/>
@@ -29760,7 +29760,7 @@
               <a:tr h="519480">
                 <a:tc>
                   <a:txBody>
-                    <a:bodyPr lIns="91080" rIns="91080"/>
+                    <a:bodyPr lIns="90000" rIns="90000"/>
                     <a:p>
                       <a:pPr>
                         <a:lnSpc>
@@ -29768,47 +29768,49 @@
                         </a:lnSpc>
                       </a:pPr>
                       <a:r>
-                        <a:rPr b="0" lang="en-US" sz="1800" spc="-1" strike="noStrike">
+                        <a:rPr b="1" lang="en-US" sz="1800" spc="-1" strike="noStrike">
                           <a:solidFill>
-                            <a:srgbClr val="595959"/>
+                            <a:srgbClr val="000000"/>
                           </a:solidFill>
                           <a:latin typeface="Arial"/>
                           <a:ea typeface="Arial"/>
                         </a:rPr>
-                        <a:t>11</a:t>
+                        <a:t>Header 1</a:t>
                       </a:r>
                       <a:endParaRPr b="0" lang="en-US" sz="1800" spc="-1" strike="noStrike">
                         <a:latin typeface="Arial"/>
                       </a:endParaRPr>
                     </a:p>
                   </a:txBody>
-                  <a:tcPr marL="91080" marR="91080">
-                    <a:lnL w="9360">
-                      <a:solidFill>
-                        <a:srgbClr val="9e9e9e"/>
-                      </a:solidFill>
-                    </a:lnL>
-                    <a:lnR w="9360">
-                      <a:solidFill>
-                        <a:srgbClr val="9e9e9e"/>
-                      </a:solidFill>
-                    </a:lnR>
-                    <a:lnT w="9360">
-                      <a:solidFill>
-                        <a:srgbClr val="9e9e9e"/>
-                      </a:solidFill>
-                    </a:lnT>
-                    <a:lnB w="9360">
-                      <a:solidFill>
-                        <a:srgbClr val="9e9e9e"/>
-                      </a:solidFill>
-                    </a:lnB>
-                    <a:noFill/>
-                  </a:tcPr>
-                </a:tc>
-                <a:tc>
-                  <a:txBody>
-                    <a:bodyPr lIns="91080" rIns="91080"/>
+                  <a:tcPr marL="90000" marR="90000">
+                    <a:lnL w="720">
+                      <a:solidFill>
+                        <a:srgbClr val="ffffff"/>
+                      </a:solidFill>
+                    </a:lnL>
+                    <a:lnR w="720">
+                      <a:solidFill>
+                        <a:srgbClr val="ffffff"/>
+                      </a:solidFill>
+                    </a:lnR>
+                    <a:lnT w="720">
+                      <a:solidFill>
+                        <a:srgbClr val="ffffff"/>
+                      </a:solidFill>
+                    </a:lnT>
+                    <a:lnB w="720">
+                      <a:solidFill>
+                        <a:srgbClr val="ffffff"/>
+                      </a:solidFill>
+                    </a:lnB>
+                    <a:solidFill>
+                      <a:srgbClr val="198a8a"/>
+                    </a:solidFill>
+                  </a:tcPr>
+                </a:tc>
+                <a:tc>
+                  <a:txBody>
+                    <a:bodyPr lIns="90000" rIns="90000"/>
                     <a:p>
                       <a:pPr>
                         <a:lnSpc>
@@ -29816,43 +29818,49 @@
                         </a:lnSpc>
                       </a:pPr>
                       <a:r>
-                        <a:rPr b="0" lang="en-US" sz="2400" spc="-1" strike="noStrike">
-                          <a:latin typeface="Times New Roman"/>
+                        <a:rPr b="1" lang="en-US" sz="1800" spc="-1" strike="noStrike">
+                          <a:solidFill>
+                            <a:srgbClr val="000000"/>
+                          </a:solidFill>
+                          <a:latin typeface="Arial"/>
+                          <a:ea typeface="Arial"/>
                         </a:rPr>
-                        <a:t>2</a:t>
-                      </a:r>
-                      <a:endParaRPr b="0" lang="en-US" sz="2400" spc="-1" strike="noStrike">
+                        <a:t>Header 2</a:t>
+                      </a:r>
+                      <a:endParaRPr b="0" lang="en-US" sz="1800" spc="-1" strike="noStrike">
                         <a:latin typeface="Arial"/>
                       </a:endParaRPr>
                     </a:p>
                   </a:txBody>
-                  <a:tcPr marL="91080" marR="91080">
-                    <a:lnL w="9360">
-                      <a:solidFill>
-                        <a:srgbClr val="9e9e9e"/>
-                      </a:solidFill>
-                    </a:lnL>
-                    <a:lnR w="9360">
-                      <a:solidFill>
-                        <a:srgbClr val="9e9e9e"/>
-                      </a:solidFill>
-                    </a:lnR>
-                    <a:lnT w="9360">
-                      <a:solidFill>
-                        <a:srgbClr val="9e9e9e"/>
-                      </a:solidFill>
-                    </a:lnT>
-                    <a:lnB w="9360">
-                      <a:solidFill>
-                        <a:srgbClr val="9e9e9e"/>
-                      </a:solidFill>
-                    </a:lnB>
-                    <a:noFill/>
-                  </a:tcPr>
-                </a:tc>
-                <a:tc>
-                  <a:txBody>
-                    <a:bodyPr lIns="91080" rIns="91080"/>
+                  <a:tcPr marL="90000" marR="90000">
+                    <a:lnL w="720">
+                      <a:solidFill>
+                        <a:srgbClr val="ffffff"/>
+                      </a:solidFill>
+                    </a:lnL>
+                    <a:lnR w="720">
+                      <a:solidFill>
+                        <a:srgbClr val="ffffff"/>
+                      </a:solidFill>
+                    </a:lnR>
+                    <a:lnT w="720">
+                      <a:solidFill>
+                        <a:srgbClr val="ffffff"/>
+                      </a:solidFill>
+                    </a:lnT>
+                    <a:lnB w="720">
+                      <a:solidFill>
+                        <a:srgbClr val="ffffff"/>
+                      </a:solidFill>
+                    </a:lnB>
+                    <a:solidFill>
+                      <a:srgbClr val="198a8a"/>
+                    </a:solidFill>
+                  </a:tcPr>
+                </a:tc>
+                <a:tc>
+                  <a:txBody>
+                    <a:bodyPr lIns="90000" rIns="90000"/>
                     <a:p>
                       <a:pPr>
                         <a:lnSpc>
@@ -29860,43 +29868,49 @@
                         </a:lnSpc>
                       </a:pPr>
                       <a:r>
-                        <a:rPr b="0" lang="en-US" sz="2400" spc="-1" strike="noStrike">
-                          <a:latin typeface="Times New Roman"/>
+                        <a:rPr b="1" lang="en-US" sz="1800" spc="-1" strike="noStrike">
+                          <a:solidFill>
+                            <a:srgbClr val="000000"/>
+                          </a:solidFill>
+                          <a:latin typeface="Arial"/>
+                          <a:ea typeface="Arial"/>
                         </a:rPr>
-                        <a:t>3</a:t>
-                      </a:r>
-                      <a:endParaRPr b="0" lang="en-US" sz="2400" spc="-1" strike="noStrike">
+                        <a:t>Header 3</a:t>
+                      </a:r>
+                      <a:endParaRPr b="0" lang="en-US" sz="1800" spc="-1" strike="noStrike">
                         <a:latin typeface="Arial"/>
                       </a:endParaRPr>
                     </a:p>
                   </a:txBody>
-                  <a:tcPr marL="91080" marR="91080">
-                    <a:lnL w="9360">
-                      <a:solidFill>
-                        <a:srgbClr val="9e9e9e"/>
-                      </a:solidFill>
-                    </a:lnL>
-                    <a:lnR w="9360">
-                      <a:solidFill>
-                        <a:srgbClr val="9e9e9e"/>
-                      </a:solidFill>
-                    </a:lnR>
-                    <a:lnT w="9360">
-                      <a:solidFill>
-                        <a:srgbClr val="9e9e9e"/>
-                      </a:solidFill>
-                    </a:lnT>
-                    <a:lnB w="9360">
-                      <a:solidFill>
-                        <a:srgbClr val="9e9e9e"/>
-                      </a:solidFill>
-                    </a:lnB>
-                    <a:noFill/>
-                  </a:tcPr>
-                </a:tc>
-                <a:tc>
-                  <a:txBody>
-                    <a:bodyPr lIns="91080" rIns="91080"/>
+                  <a:tcPr marL="90000" marR="90000">
+                    <a:lnL w="720">
+                      <a:solidFill>
+                        <a:srgbClr val="ffffff"/>
+                      </a:solidFill>
+                    </a:lnL>
+                    <a:lnR w="720">
+                      <a:solidFill>
+                        <a:srgbClr val="ffffff"/>
+                      </a:solidFill>
+                    </a:lnR>
+                    <a:lnT w="720">
+                      <a:solidFill>
+                        <a:srgbClr val="ffffff"/>
+                      </a:solidFill>
+                    </a:lnT>
+                    <a:lnB w="720">
+                      <a:solidFill>
+                        <a:srgbClr val="ffffff"/>
+                      </a:solidFill>
+                    </a:lnB>
+                    <a:solidFill>
+                      <a:srgbClr val="198a8a"/>
+                    </a:solidFill>
+                  </a:tcPr>
+                </a:tc>
+                <a:tc>
+                  <a:txBody>
+                    <a:bodyPr lIns="90000" rIns="90000"/>
                     <a:p>
                       <a:pPr>
                         <a:lnSpc>
@@ -29904,43 +29918,49 @@
                         </a:lnSpc>
                       </a:pPr>
                       <a:r>
-                        <a:rPr b="0" lang="en-US" sz="2400" spc="-1" strike="noStrike">
-                          <a:latin typeface="Times New Roman"/>
+                        <a:rPr b="1" lang="en-US" sz="1800" spc="-1" strike="noStrike">
+                          <a:solidFill>
+                            <a:srgbClr val="000000"/>
+                          </a:solidFill>
+                          <a:latin typeface="Arial"/>
+                          <a:ea typeface="Arial"/>
                         </a:rPr>
-                        <a:t>4</a:t>
-                      </a:r>
-                      <a:endParaRPr b="0" lang="en-US" sz="2400" spc="-1" strike="noStrike">
+                        <a:t>Header 4</a:t>
+                      </a:r>
+                      <a:endParaRPr b="0" lang="en-US" sz="1800" spc="-1" strike="noStrike">
                         <a:latin typeface="Arial"/>
                       </a:endParaRPr>
                     </a:p>
                   </a:txBody>
-                  <a:tcPr marL="91080" marR="91080">
-                    <a:lnL w="9360">
-                      <a:solidFill>
-                        <a:srgbClr val="9e9e9e"/>
-                      </a:solidFill>
-                    </a:lnL>
-                    <a:lnR w="9360">
-                      <a:solidFill>
-                        <a:srgbClr val="9e9e9e"/>
-                      </a:solidFill>
-                    </a:lnR>
-                    <a:lnT w="9360">
-                      <a:solidFill>
-                        <a:srgbClr val="9e9e9e"/>
-                      </a:solidFill>
-                    </a:lnT>
-                    <a:lnB w="9360">
-                      <a:solidFill>
-                        <a:srgbClr val="9e9e9e"/>
-                      </a:solidFill>
-                    </a:lnB>
-                    <a:noFill/>
-                  </a:tcPr>
-                </a:tc>
-                <a:tc>
-                  <a:txBody>
-                    <a:bodyPr lIns="91080" rIns="91080"/>
+                  <a:tcPr marL="90000" marR="90000">
+                    <a:lnL w="720">
+                      <a:solidFill>
+                        <a:srgbClr val="ffffff"/>
+                      </a:solidFill>
+                    </a:lnL>
+                    <a:lnR w="720">
+                      <a:solidFill>
+                        <a:srgbClr val="ffffff"/>
+                      </a:solidFill>
+                    </a:lnR>
+                    <a:lnT w="720">
+                      <a:solidFill>
+                        <a:srgbClr val="ffffff"/>
+                      </a:solidFill>
+                    </a:lnT>
+                    <a:lnB w="720">
+                      <a:solidFill>
+                        <a:srgbClr val="ffffff"/>
+                      </a:solidFill>
+                    </a:lnB>
+                    <a:solidFill>
+                      <a:srgbClr val="198a8a"/>
+                    </a:solidFill>
+                  </a:tcPr>
+                </a:tc>
+                <a:tc>
+                  <a:txBody>
+                    <a:bodyPr lIns="90000" rIns="90000"/>
                     <a:p>
                       <a:pPr>
                         <a:lnSpc>
@@ -29948,45 +29968,51 @@
                         </a:lnSpc>
                       </a:pPr>
                       <a:r>
-                        <a:rPr b="0" lang="en-US" sz="2400" spc="-1" strike="noStrike">
-                          <a:latin typeface="Times New Roman"/>
+                        <a:rPr b="1" lang="en-US" sz="1800" spc="-1" strike="noStrike">
+                          <a:solidFill>
+                            <a:srgbClr val="000000"/>
+                          </a:solidFill>
+                          <a:latin typeface="Arial"/>
+                          <a:ea typeface="Arial"/>
                         </a:rPr>
-                        <a:t>5</a:t>
-                      </a:r>
-                      <a:endParaRPr b="0" lang="en-US" sz="2400" spc="-1" strike="noStrike">
+                        <a:t>Header 5</a:t>
+                      </a:r>
+                      <a:endParaRPr b="0" lang="en-US" sz="1800" spc="-1" strike="noStrike">
                         <a:latin typeface="Arial"/>
                       </a:endParaRPr>
                     </a:p>
                   </a:txBody>
-                  <a:tcPr marL="91080" marR="91080">
-                    <a:lnL w="9360">
-                      <a:solidFill>
-                        <a:srgbClr val="9e9e9e"/>
-                      </a:solidFill>
-                    </a:lnL>
-                    <a:lnR w="9360">
-                      <a:solidFill>
-                        <a:srgbClr val="9e9e9e"/>
-                      </a:solidFill>
-                    </a:lnR>
-                    <a:lnT w="9360">
-                      <a:solidFill>
-                        <a:srgbClr val="9e9e9e"/>
-                      </a:solidFill>
-                    </a:lnT>
-                    <a:lnB w="9360">
-                      <a:solidFill>
-                        <a:srgbClr val="9e9e9e"/>
-                      </a:solidFill>
-                    </a:lnB>
-                    <a:noFill/>
+                  <a:tcPr marL="90000" marR="90000">
+                    <a:lnL w="720">
+                      <a:solidFill>
+                        <a:srgbClr val="ffffff"/>
+                      </a:solidFill>
+                    </a:lnL>
+                    <a:lnR w="720">
+                      <a:solidFill>
+                        <a:srgbClr val="ffffff"/>
+                      </a:solidFill>
+                    </a:lnR>
+                    <a:lnT w="720">
+                      <a:solidFill>
+                        <a:srgbClr val="ffffff"/>
+                      </a:solidFill>
+                    </a:lnT>
+                    <a:lnB w="720">
+                      <a:solidFill>
+                        <a:srgbClr val="ffffff"/>
+                      </a:solidFill>
+                    </a:lnB>
+                    <a:solidFill>
+                      <a:srgbClr val="198a8a"/>
+                    </a:solidFill>
                   </a:tcPr>
                 </a:tc>
               </a:tr>
               <a:tr h="519480">
                 <a:tc>
                   <a:txBody>
-                    <a:bodyPr lIns="91080" rIns="91080"/>
+                    <a:bodyPr lIns="90000" rIns="90000"/>
                     <a:p>
                       <a:pPr>
                         <a:lnSpc>
@@ -30004,33 +30030,35 @@
                       </a:endParaRPr>
                     </a:p>
                   </a:txBody>
-                  <a:tcPr marL="91080" marR="91080">
-                    <a:lnL w="9360">
-                      <a:solidFill>
-                        <a:srgbClr val="9e9e9e"/>
-                      </a:solidFill>
-                    </a:lnL>
-                    <a:lnR w="9360">
-                      <a:solidFill>
-                        <a:srgbClr val="9e9e9e"/>
-                      </a:solidFill>
-                    </a:lnR>
-                    <a:lnT w="9360">
-                      <a:solidFill>
-                        <a:srgbClr val="9e9e9e"/>
-                      </a:solidFill>
-                    </a:lnT>
-                    <a:lnB w="9360">
-                      <a:solidFill>
-                        <a:srgbClr val="9e9e9e"/>
-                      </a:solidFill>
-                    </a:lnB>
-                    <a:noFill/>
-                  </a:tcPr>
-                </a:tc>
-                <a:tc>
-                  <a:txBody>
-                    <a:bodyPr lIns="91080" rIns="91080"/>
+                  <a:tcPr marL="90000" marR="90000">
+                    <a:lnL w="720">
+                      <a:solidFill>
+                        <a:srgbClr val="ffffff"/>
+                      </a:solidFill>
+                    </a:lnL>
+                    <a:lnR w="720">
+                      <a:solidFill>
+                        <a:srgbClr val="ffffff"/>
+                      </a:solidFill>
+                    </a:lnR>
+                    <a:lnT w="720">
+                      <a:solidFill>
+                        <a:srgbClr val="ffffff"/>
+                      </a:solidFill>
+                    </a:lnT>
+                    <a:lnB w="720">
+                      <a:solidFill>
+                        <a:srgbClr val="ffffff"/>
+                      </a:solidFill>
+                    </a:lnB>
+                    <a:solidFill>
+                      <a:srgbClr val="33a3a3"/>
+                    </a:solidFill>
+                  </a:tcPr>
+                </a:tc>
+                <a:tc>
+                  <a:txBody>
+                    <a:bodyPr lIns="90000" rIns="90000"/>
                     <a:p>
                       <a:pPr>
                         <a:lnSpc>
@@ -30048,33 +30076,35 @@
                       </a:endParaRPr>
                     </a:p>
                   </a:txBody>
-                  <a:tcPr marL="91080" marR="91080">
-                    <a:lnL w="9360">
-                      <a:solidFill>
-                        <a:srgbClr val="9e9e9e"/>
-                      </a:solidFill>
-                    </a:lnL>
-                    <a:lnR w="9360">
-                      <a:solidFill>
-                        <a:srgbClr val="9e9e9e"/>
-                      </a:solidFill>
-                    </a:lnR>
-                    <a:lnT w="9360">
-                      <a:solidFill>
-                        <a:srgbClr val="9e9e9e"/>
-                      </a:solidFill>
-                    </a:lnT>
-                    <a:lnB w="9360">
-                      <a:solidFill>
-                        <a:srgbClr val="9e9e9e"/>
-                      </a:solidFill>
-                    </a:lnB>
-                    <a:noFill/>
-                  </a:tcPr>
-                </a:tc>
-                <a:tc>
-                  <a:txBody>
-                    <a:bodyPr lIns="91080" rIns="91080"/>
+                  <a:tcPr marL="90000" marR="90000">
+                    <a:lnL w="720">
+                      <a:solidFill>
+                        <a:srgbClr val="ffffff"/>
+                      </a:solidFill>
+                    </a:lnL>
+                    <a:lnR w="720">
+                      <a:solidFill>
+                        <a:srgbClr val="ffffff"/>
+                      </a:solidFill>
+                    </a:lnR>
+                    <a:lnT w="720">
+                      <a:solidFill>
+                        <a:srgbClr val="ffffff"/>
+                      </a:solidFill>
+                    </a:lnT>
+                    <a:lnB w="720">
+                      <a:solidFill>
+                        <a:srgbClr val="ffffff"/>
+                      </a:solidFill>
+                    </a:lnB>
+                    <a:solidFill>
+                      <a:srgbClr val="33a3a3"/>
+                    </a:solidFill>
+                  </a:tcPr>
+                </a:tc>
+                <a:tc>
+                  <a:txBody>
+                    <a:bodyPr lIns="90000" rIns="90000"/>
                     <a:p>
                       <a:pPr>
                         <a:lnSpc>
@@ -30092,33 +30122,35 @@
                       </a:endParaRPr>
                     </a:p>
                   </a:txBody>
-                  <a:tcPr marL="91080" marR="91080">
-                    <a:lnL w="9360">
-                      <a:solidFill>
-                        <a:srgbClr val="9e9e9e"/>
-                      </a:solidFill>
-                    </a:lnL>
-                    <a:lnR w="9360">
-                      <a:solidFill>
-                        <a:srgbClr val="9e9e9e"/>
-                      </a:solidFill>
-                    </a:lnR>
-                    <a:lnT w="9360">
-                      <a:solidFill>
-                        <a:srgbClr val="9e9e9e"/>
-                      </a:solidFill>
-                    </a:lnT>
-                    <a:lnB w="9360">
-                      <a:solidFill>
-                        <a:srgbClr val="9e9e9e"/>
-                      </a:solidFill>
-                    </a:lnB>
-                    <a:noFill/>
-                  </a:tcPr>
-                </a:tc>
-                <a:tc>
-                  <a:txBody>
-                    <a:bodyPr lIns="91080" rIns="91080"/>
+                  <a:tcPr marL="90000" marR="90000">
+                    <a:lnL w="720">
+                      <a:solidFill>
+                        <a:srgbClr val="ffffff"/>
+                      </a:solidFill>
+                    </a:lnL>
+                    <a:lnR w="720">
+                      <a:solidFill>
+                        <a:srgbClr val="ffffff"/>
+                      </a:solidFill>
+                    </a:lnR>
+                    <a:lnT w="720">
+                      <a:solidFill>
+                        <a:srgbClr val="ffffff"/>
+                      </a:solidFill>
+                    </a:lnT>
+                    <a:lnB w="720">
+                      <a:solidFill>
+                        <a:srgbClr val="ffffff"/>
+                      </a:solidFill>
+                    </a:lnB>
+                    <a:solidFill>
+                      <a:srgbClr val="33a3a3"/>
+                    </a:solidFill>
+                  </a:tcPr>
+                </a:tc>
+                <a:tc>
+                  <a:txBody>
+                    <a:bodyPr lIns="90000" rIns="90000"/>
                     <a:p>
                       <a:pPr>
                         <a:lnSpc>
@@ -30136,33 +30168,35 @@
                       </a:endParaRPr>
                     </a:p>
                   </a:txBody>
-                  <a:tcPr marL="91080" marR="91080">
-                    <a:lnL w="9360">
-                      <a:solidFill>
-                        <a:srgbClr val="9e9e9e"/>
-                      </a:solidFill>
-                    </a:lnL>
-                    <a:lnR w="9360">
-                      <a:solidFill>
-                        <a:srgbClr val="9e9e9e"/>
-                      </a:solidFill>
-                    </a:lnR>
-                    <a:lnT w="9360">
-                      <a:solidFill>
-                        <a:srgbClr val="9e9e9e"/>
-                      </a:solidFill>
-                    </a:lnT>
-                    <a:lnB w="9360">
-                      <a:solidFill>
-                        <a:srgbClr val="9e9e9e"/>
-                      </a:solidFill>
-                    </a:lnB>
-                    <a:noFill/>
-                  </a:tcPr>
-                </a:tc>
-                <a:tc>
-                  <a:txBody>
-                    <a:bodyPr lIns="91080" rIns="91080"/>
+                  <a:tcPr marL="90000" marR="90000">
+                    <a:lnL w="720">
+                      <a:solidFill>
+                        <a:srgbClr val="ffffff"/>
+                      </a:solidFill>
+                    </a:lnL>
+                    <a:lnR w="720">
+                      <a:solidFill>
+                        <a:srgbClr val="ffffff"/>
+                      </a:solidFill>
+                    </a:lnR>
+                    <a:lnT w="720">
+                      <a:solidFill>
+                        <a:srgbClr val="ffffff"/>
+                      </a:solidFill>
+                    </a:lnT>
+                    <a:lnB w="720">
+                      <a:solidFill>
+                        <a:srgbClr val="ffffff"/>
+                      </a:solidFill>
+                    </a:lnB>
+                    <a:solidFill>
+                      <a:srgbClr val="33a3a3"/>
+                    </a:solidFill>
+                  </a:tcPr>
+                </a:tc>
+                <a:tc>
+                  <a:txBody>
+                    <a:bodyPr lIns="90000" rIns="90000"/>
                     <a:p>
                       <a:pPr>
                         <a:lnSpc>
@@ -30180,35 +30214,37 @@
                       </a:endParaRPr>
                     </a:p>
                   </a:txBody>
-                  <a:tcPr marL="91080" marR="91080">
-                    <a:lnL w="9360">
-                      <a:solidFill>
-                        <a:srgbClr val="9e9e9e"/>
-                      </a:solidFill>
-                    </a:lnL>
-                    <a:lnR w="9360">
-                      <a:solidFill>
-                        <a:srgbClr val="9e9e9e"/>
-                      </a:solidFill>
-                    </a:lnR>
-                    <a:lnT w="9360">
-                      <a:solidFill>
-                        <a:srgbClr val="9e9e9e"/>
-                      </a:solidFill>
-                    </a:lnT>
-                    <a:lnB w="9360">
-                      <a:solidFill>
-                        <a:srgbClr val="9e9e9e"/>
-                      </a:solidFill>
-                    </a:lnB>
-                    <a:noFill/>
+                  <a:tcPr marL="90000" marR="90000">
+                    <a:lnL w="720">
+                      <a:solidFill>
+                        <a:srgbClr val="ffffff"/>
+                      </a:solidFill>
+                    </a:lnL>
+                    <a:lnR w="720">
+                      <a:solidFill>
+                        <a:srgbClr val="ffffff"/>
+                      </a:solidFill>
+                    </a:lnR>
+                    <a:lnT w="720">
+                      <a:solidFill>
+                        <a:srgbClr val="ffffff"/>
+                      </a:solidFill>
+                    </a:lnT>
+                    <a:lnB w="720">
+                      <a:solidFill>
+                        <a:srgbClr val="ffffff"/>
+                      </a:solidFill>
+                    </a:lnB>
+                    <a:solidFill>
+                      <a:srgbClr val="33a3a3"/>
+                    </a:solidFill>
                   </a:tcPr>
                 </a:tc>
               </a:tr>
               <a:tr h="519480">
                 <a:tc>
                   <a:txBody>
-                    <a:bodyPr lIns="91080" rIns="91080"/>
+                    <a:bodyPr lIns="90000" rIns="90000"/>
                     <a:p>
                       <a:pPr>
                         <a:lnSpc>
@@ -30226,33 +30262,35 @@
                       </a:endParaRPr>
                     </a:p>
                   </a:txBody>
-                  <a:tcPr marL="91080" marR="91080">
-                    <a:lnL w="9360">
-                      <a:solidFill>
-                        <a:srgbClr val="9e9e9e"/>
-                      </a:solidFill>
-                    </a:lnL>
-                    <a:lnR w="9360">
-                      <a:solidFill>
-                        <a:srgbClr val="9e9e9e"/>
-                      </a:solidFill>
-                    </a:lnR>
-                    <a:lnT w="9360">
-                      <a:solidFill>
-                        <a:srgbClr val="9e9e9e"/>
-                      </a:solidFill>
-                    </a:lnT>
-                    <a:lnB w="9360">
-                      <a:solidFill>
-                        <a:srgbClr val="9e9e9e"/>
-                      </a:solidFill>
-                    </a:lnB>
-                    <a:noFill/>
-                  </a:tcPr>
-                </a:tc>
-                <a:tc>
-                  <a:txBody>
-                    <a:bodyPr lIns="91080" rIns="91080"/>
+                  <a:tcPr marL="90000" marR="90000">
+                    <a:lnL w="720">
+                      <a:solidFill>
+                        <a:srgbClr val="ffffff"/>
+                      </a:solidFill>
+                    </a:lnL>
+                    <a:lnR w="720">
+                      <a:solidFill>
+                        <a:srgbClr val="ffffff"/>
+                      </a:solidFill>
+                    </a:lnR>
+                    <a:lnT w="720">
+                      <a:solidFill>
+                        <a:srgbClr val="ffffff"/>
+                      </a:solidFill>
+                    </a:lnT>
+                    <a:lnB w="720">
+                      <a:solidFill>
+                        <a:srgbClr val="ffffff"/>
+                      </a:solidFill>
+                    </a:lnB>
+                    <a:solidFill>
+                      <a:srgbClr val="33a3a3"/>
+                    </a:solidFill>
+                  </a:tcPr>
+                </a:tc>
+                <a:tc>
+                  <a:txBody>
+                    <a:bodyPr lIns="90000" rIns="90000"/>
                     <a:p>
                       <a:pPr>
                         <a:lnSpc>
@@ -30270,33 +30308,35 @@
                       </a:endParaRPr>
                     </a:p>
                   </a:txBody>
-                  <a:tcPr marL="91080" marR="91080">
-                    <a:lnL w="9360">
-                      <a:solidFill>
-                        <a:srgbClr val="9e9e9e"/>
-                      </a:solidFill>
-                    </a:lnL>
-                    <a:lnR w="9360">
-                      <a:solidFill>
-                        <a:srgbClr val="9e9e9e"/>
-                      </a:solidFill>
-                    </a:lnR>
-                    <a:lnT w="9360">
-                      <a:solidFill>
-                        <a:srgbClr val="9e9e9e"/>
-                      </a:solidFill>
-                    </a:lnT>
-                    <a:lnB w="9360">
-                      <a:solidFill>
-                        <a:srgbClr val="9e9e9e"/>
-                      </a:solidFill>
-                    </a:lnB>
-                    <a:noFill/>
-                  </a:tcPr>
-                </a:tc>
-                <a:tc>
-                  <a:txBody>
-                    <a:bodyPr lIns="91080" rIns="91080"/>
+                  <a:tcPr marL="90000" marR="90000">
+                    <a:lnL w="720">
+                      <a:solidFill>
+                        <a:srgbClr val="ffffff"/>
+                      </a:solidFill>
+                    </a:lnL>
+                    <a:lnR w="720">
+                      <a:solidFill>
+                        <a:srgbClr val="ffffff"/>
+                      </a:solidFill>
+                    </a:lnR>
+                    <a:lnT w="720">
+                      <a:solidFill>
+                        <a:srgbClr val="ffffff"/>
+                      </a:solidFill>
+                    </a:lnT>
+                    <a:lnB w="720">
+                      <a:solidFill>
+                        <a:srgbClr val="ffffff"/>
+                      </a:solidFill>
+                    </a:lnB>
+                    <a:solidFill>
+                      <a:srgbClr val="33a3a3"/>
+                    </a:solidFill>
+                  </a:tcPr>
+                </a:tc>
+                <a:tc>
+                  <a:txBody>
+                    <a:bodyPr lIns="90000" rIns="90000"/>
                     <a:p>
                       <a:pPr>
                         <a:lnSpc>
@@ -30314,33 +30354,35 @@
                       </a:endParaRPr>
                     </a:p>
                   </a:txBody>
-                  <a:tcPr marL="91080" marR="91080">
-                    <a:lnL w="9360">
-                      <a:solidFill>
-                        <a:srgbClr val="9e9e9e"/>
-                      </a:solidFill>
-                    </a:lnL>
-                    <a:lnR w="9360">
-                      <a:solidFill>
-                        <a:srgbClr val="9e9e9e"/>
-                      </a:solidFill>
-                    </a:lnR>
-                    <a:lnT w="9360">
-                      <a:solidFill>
-                        <a:srgbClr val="9e9e9e"/>
-                      </a:solidFill>
-                    </a:lnT>
-                    <a:lnB w="9360">
-                      <a:solidFill>
-                        <a:srgbClr val="9e9e9e"/>
-                      </a:solidFill>
-                    </a:lnB>
-                    <a:noFill/>
-                  </a:tcPr>
-                </a:tc>
-                <a:tc>
-                  <a:txBody>
-                    <a:bodyPr lIns="91080" rIns="91080"/>
+                  <a:tcPr marL="90000" marR="90000">
+                    <a:lnL w="720">
+                      <a:solidFill>
+                        <a:srgbClr val="ffffff"/>
+                      </a:solidFill>
+                    </a:lnL>
+                    <a:lnR w="720">
+                      <a:solidFill>
+                        <a:srgbClr val="ffffff"/>
+                      </a:solidFill>
+                    </a:lnR>
+                    <a:lnT w="720">
+                      <a:solidFill>
+                        <a:srgbClr val="ffffff"/>
+                      </a:solidFill>
+                    </a:lnT>
+                    <a:lnB w="720">
+                      <a:solidFill>
+                        <a:srgbClr val="ffffff"/>
+                      </a:solidFill>
+                    </a:lnB>
+                    <a:solidFill>
+                      <a:srgbClr val="33a3a3"/>
+                    </a:solidFill>
+                  </a:tcPr>
+                </a:tc>
+                <a:tc>
+                  <a:txBody>
+                    <a:bodyPr lIns="90000" rIns="90000"/>
                     <a:p>
                       <a:pPr>
                         <a:lnSpc>
@@ -30358,33 +30400,35 @@
                       </a:endParaRPr>
                     </a:p>
                   </a:txBody>
-                  <a:tcPr marL="91080" marR="91080">
-                    <a:lnL w="9360">
-                      <a:solidFill>
-                        <a:srgbClr val="9e9e9e"/>
-                      </a:solidFill>
-                    </a:lnL>
-                    <a:lnR w="9360">
-                      <a:solidFill>
-                        <a:srgbClr val="9e9e9e"/>
-                      </a:solidFill>
-                    </a:lnR>
-                    <a:lnT w="9360">
-                      <a:solidFill>
-                        <a:srgbClr val="9e9e9e"/>
-                      </a:solidFill>
-                    </a:lnT>
-                    <a:lnB w="9360">
-                      <a:solidFill>
-                        <a:srgbClr val="9e9e9e"/>
-                      </a:solidFill>
-                    </a:lnB>
-                    <a:noFill/>
-                  </a:tcPr>
-                </a:tc>
-                <a:tc>
-                  <a:txBody>
-                    <a:bodyPr lIns="91080" rIns="91080"/>
+                  <a:tcPr marL="90000" marR="90000">
+                    <a:lnL w="720">
+                      <a:solidFill>
+                        <a:srgbClr val="ffffff"/>
+                      </a:solidFill>
+                    </a:lnL>
+                    <a:lnR w="720">
+                      <a:solidFill>
+                        <a:srgbClr val="ffffff"/>
+                      </a:solidFill>
+                    </a:lnR>
+                    <a:lnT w="720">
+                      <a:solidFill>
+                        <a:srgbClr val="ffffff"/>
+                      </a:solidFill>
+                    </a:lnT>
+                    <a:lnB w="720">
+                      <a:solidFill>
+                        <a:srgbClr val="ffffff"/>
+                      </a:solidFill>
+                    </a:lnB>
+                    <a:solidFill>
+                      <a:srgbClr val="33a3a3"/>
+                    </a:solidFill>
+                  </a:tcPr>
+                </a:tc>
+                <a:tc>
+                  <a:txBody>
+                    <a:bodyPr lIns="90000" rIns="90000"/>
                     <a:p>
                       <a:pPr>
                         <a:lnSpc>
@@ -30402,28 +30446,30 @@
                       </a:endParaRPr>
                     </a:p>
                   </a:txBody>
-                  <a:tcPr marL="91080" marR="91080">
-                    <a:lnL w="9360">
-                      <a:solidFill>
-                        <a:srgbClr val="9e9e9e"/>
-                      </a:solidFill>
-                    </a:lnL>
-                    <a:lnR w="9360">
-                      <a:solidFill>
-                        <a:srgbClr val="9e9e9e"/>
-                      </a:solidFill>
-                    </a:lnR>
-                    <a:lnT w="9360">
-                      <a:solidFill>
-                        <a:srgbClr val="9e9e9e"/>
-                      </a:solidFill>
-                    </a:lnT>
-                    <a:lnB w="9360">
-                      <a:solidFill>
-                        <a:srgbClr val="9e9e9e"/>
-                      </a:solidFill>
-                    </a:lnB>
-                    <a:noFill/>
+                  <a:tcPr marL="90000" marR="90000">
+                    <a:lnL w="720">
+                      <a:solidFill>
+                        <a:srgbClr val="ffffff"/>
+                      </a:solidFill>
+                    </a:lnL>
+                    <a:lnR w="720">
+                      <a:solidFill>
+                        <a:srgbClr val="ffffff"/>
+                      </a:solidFill>
+                    </a:lnR>
+                    <a:lnT w="720">
+                      <a:solidFill>
+                        <a:srgbClr val="ffffff"/>
+                      </a:solidFill>
+                    </a:lnT>
+                    <a:lnB w="720">
+                      <a:solidFill>
+                        <a:srgbClr val="ffffff"/>
+                      </a:solidFill>
+                    </a:lnB>
+                    <a:solidFill>
+                      <a:srgbClr val="33a3a3"/>
+                    </a:solidFill>
                   </a:tcPr>
                 </a:tc>
               </a:tr>
@@ -30489,7 +30535,7 @@
         <p:spPr>
           <a:xfrm>
             <a:off x="311760" y="444960"/>
-            <a:ext cx="8505720" cy="558000"/>
+            <a:ext cx="8504640" cy="556920"/>
           </a:xfrm>
           <a:prstGeom prst="rect">
             <a:avLst/>
@@ -30523,7 +30569,7 @@
                 <a:latin typeface="Arial"/>
                 <a:ea typeface="Arial"/>
               </a:rPr>
-              <a:t>gayashan table</a:t>
+              <a:t>Sample table to delete column</a:t>
             </a:r>
             <a:endParaRPr b="0" lang="en-US" sz="2800" spc="-1" strike="noStrike">
               <a:latin typeface="Arial"/>
@@ -30540,7 +30586,7 @@
         <p:spPr>
           <a:xfrm>
             <a:off x="311760" y="1152360"/>
-            <a:ext cx="8505720" cy="3401640"/>
+            <a:ext cx="8504640" cy="3400560"/>
           </a:xfrm>
           <a:prstGeom prst="rect">
             <a:avLst/>
@@ -30609,7 +30655,7 @@
               <a:tr h="519480">
                 <a:tc>
                   <a:txBody>
-                    <a:bodyPr lIns="91080" rIns="91080"/>
+                    <a:bodyPr lIns="90000" rIns="90000"/>
                     <a:p>
                       <a:pPr>
                         <a:lnSpc>
@@ -30617,47 +30663,49 @@
                         </a:lnSpc>
                       </a:pPr>
                       <a:r>
-                        <a:rPr b="0" lang="en-US" sz="1800" spc="-1" strike="noStrike">
+                        <a:rPr b="1" lang="en-US" sz="1800" spc="-1" strike="noStrike">
                           <a:solidFill>
-                            <a:srgbClr val="595959"/>
+                            <a:srgbClr val="000000"/>
                           </a:solidFill>
                           <a:latin typeface="Arial"/>
                           <a:ea typeface="Arial"/>
                         </a:rPr>
-                        <a:t>11</a:t>
+                        <a:t>Header 1</a:t>
                       </a:r>
                       <a:endParaRPr b="0" lang="en-US" sz="1800" spc="-1" strike="noStrike">
                         <a:latin typeface="Arial"/>
                       </a:endParaRPr>
                     </a:p>
                   </a:txBody>
-                  <a:tcPr marL="91080" marR="91080">
-                    <a:lnL w="9360">
-                      <a:solidFill>
-                        <a:srgbClr val="9e9e9e"/>
-                      </a:solidFill>
-                    </a:lnL>
-                    <a:lnR w="9360">
-                      <a:solidFill>
-                        <a:srgbClr val="9e9e9e"/>
-                      </a:solidFill>
-                    </a:lnR>
-                    <a:lnT w="9360">
-                      <a:solidFill>
-                        <a:srgbClr val="9e9e9e"/>
-                      </a:solidFill>
-                    </a:lnT>
-                    <a:lnB w="9360">
-                      <a:solidFill>
-                        <a:srgbClr val="9e9e9e"/>
-                      </a:solidFill>
-                    </a:lnB>
-                    <a:noFill/>
-                  </a:tcPr>
-                </a:tc>
-                <a:tc>
-                  <a:txBody>
-                    <a:bodyPr lIns="91080" rIns="91080"/>
+                  <a:tcPr marL="90000" marR="90000">
+                    <a:lnL w="720">
+                      <a:solidFill>
+                        <a:srgbClr val="ffffff"/>
+                      </a:solidFill>
+                    </a:lnL>
+                    <a:lnR w="720">
+                      <a:solidFill>
+                        <a:srgbClr val="ffffff"/>
+                      </a:solidFill>
+                    </a:lnR>
+                    <a:lnT w="720">
+                      <a:solidFill>
+                        <a:srgbClr val="ffffff"/>
+                      </a:solidFill>
+                    </a:lnT>
+                    <a:lnB w="720">
+                      <a:solidFill>
+                        <a:srgbClr val="ffffff"/>
+                      </a:solidFill>
+                    </a:lnB>
+                    <a:solidFill>
+                      <a:srgbClr val="9999cc"/>
+                    </a:solidFill>
+                  </a:tcPr>
+                </a:tc>
+                <a:tc>
+                  <a:txBody>
+                    <a:bodyPr lIns="90000" rIns="90000"/>
                     <a:p>
                       <a:pPr>
                         <a:lnSpc>
@@ -30665,43 +30713,49 @@
                         </a:lnSpc>
                       </a:pPr>
                       <a:r>
-                        <a:rPr b="0" lang="en-US" sz="2400" spc="-1" strike="noStrike">
-                          <a:latin typeface="Times New Roman"/>
+                        <a:rPr b="1" lang="en-US" sz="1800" spc="-1" strike="noStrike">
+                          <a:solidFill>
+                            <a:srgbClr val="000000"/>
+                          </a:solidFill>
+                          <a:latin typeface="Arial"/>
+                          <a:ea typeface="Arial"/>
                         </a:rPr>
-                        <a:t>2</a:t>
-                      </a:r>
-                      <a:endParaRPr b="0" lang="en-US" sz="2400" spc="-1" strike="noStrike">
+                        <a:t>Header 2</a:t>
+                      </a:r>
+                      <a:endParaRPr b="0" lang="en-US" sz="1800" spc="-1" strike="noStrike">
                         <a:latin typeface="Arial"/>
                       </a:endParaRPr>
                     </a:p>
                   </a:txBody>
-                  <a:tcPr marL="91080" marR="91080">
-                    <a:lnL w="9360">
-                      <a:solidFill>
-                        <a:srgbClr val="9e9e9e"/>
-                      </a:solidFill>
-                    </a:lnL>
-                    <a:lnR w="9360">
-                      <a:solidFill>
-                        <a:srgbClr val="9e9e9e"/>
-                      </a:solidFill>
-                    </a:lnR>
-                    <a:lnT w="9360">
-                      <a:solidFill>
-                        <a:srgbClr val="9e9e9e"/>
-                      </a:solidFill>
-                    </a:lnT>
-                    <a:lnB w="9360">
-                      <a:solidFill>
-                        <a:srgbClr val="9e9e9e"/>
-                      </a:solidFill>
-                    </a:lnB>
-                    <a:noFill/>
-                  </a:tcPr>
-                </a:tc>
-                <a:tc>
-                  <a:txBody>
-                    <a:bodyPr lIns="91080" rIns="91080"/>
+                  <a:tcPr marL="90000" marR="90000">
+                    <a:lnL w="720">
+                      <a:solidFill>
+                        <a:srgbClr val="ffffff"/>
+                      </a:solidFill>
+                    </a:lnL>
+                    <a:lnR w="720">
+                      <a:solidFill>
+                        <a:srgbClr val="ffffff"/>
+                      </a:solidFill>
+                    </a:lnR>
+                    <a:lnT w="720">
+                      <a:solidFill>
+                        <a:srgbClr val="ffffff"/>
+                      </a:solidFill>
+                    </a:lnT>
+                    <a:lnB w="720">
+                      <a:solidFill>
+                        <a:srgbClr val="ffffff"/>
+                      </a:solidFill>
+                    </a:lnB>
+                    <a:solidFill>
+                      <a:srgbClr val="9999cc"/>
+                    </a:solidFill>
+                  </a:tcPr>
+                </a:tc>
+                <a:tc>
+                  <a:txBody>
+                    <a:bodyPr lIns="90000" rIns="90000"/>
                     <a:p>
                       <a:pPr>
                         <a:lnSpc>
@@ -30709,43 +30763,49 @@
                         </a:lnSpc>
                       </a:pPr>
                       <a:r>
-                        <a:rPr b="0" lang="en-US" sz="2400" spc="-1" strike="noStrike">
-                          <a:latin typeface="Times New Roman"/>
+                        <a:rPr b="1" lang="en-US" sz="1800" spc="-1" strike="noStrike">
+                          <a:solidFill>
+                            <a:srgbClr val="000000"/>
+                          </a:solidFill>
+                          <a:latin typeface="Arial"/>
+                          <a:ea typeface="Arial"/>
                         </a:rPr>
-                        <a:t>3</a:t>
-                      </a:r>
-                      <a:endParaRPr b="0" lang="en-US" sz="2400" spc="-1" strike="noStrike">
+                        <a:t>Header 3</a:t>
+                      </a:r>
+                      <a:endParaRPr b="0" lang="en-US" sz="1800" spc="-1" strike="noStrike">
                         <a:latin typeface="Arial"/>
                       </a:endParaRPr>
                     </a:p>
                   </a:txBody>
-                  <a:tcPr marL="91080" marR="91080">
-                    <a:lnL w="9360">
-                      <a:solidFill>
-                        <a:srgbClr val="9e9e9e"/>
-                      </a:solidFill>
-                    </a:lnL>
-                    <a:lnR w="9360">
-                      <a:solidFill>
-                        <a:srgbClr val="9e9e9e"/>
-                      </a:solidFill>
-                    </a:lnR>
-                    <a:lnT w="9360">
-                      <a:solidFill>
-                        <a:srgbClr val="9e9e9e"/>
-                      </a:solidFill>
-                    </a:lnT>
-                    <a:lnB w="9360">
-                      <a:solidFill>
-                        <a:srgbClr val="9e9e9e"/>
-                      </a:solidFill>
-                    </a:lnB>
-                    <a:noFill/>
-                  </a:tcPr>
-                </a:tc>
-                <a:tc>
-                  <a:txBody>
-                    <a:bodyPr lIns="91080" rIns="91080"/>
+                  <a:tcPr marL="90000" marR="90000">
+                    <a:lnL w="720">
+                      <a:solidFill>
+                        <a:srgbClr val="ffffff"/>
+                      </a:solidFill>
+                    </a:lnL>
+                    <a:lnR w="720">
+                      <a:solidFill>
+                        <a:srgbClr val="ffffff"/>
+                      </a:solidFill>
+                    </a:lnR>
+                    <a:lnT w="720">
+                      <a:solidFill>
+                        <a:srgbClr val="ffffff"/>
+                      </a:solidFill>
+                    </a:lnT>
+                    <a:lnB w="720">
+                      <a:solidFill>
+                        <a:srgbClr val="ffffff"/>
+                      </a:solidFill>
+                    </a:lnB>
+                    <a:solidFill>
+                      <a:srgbClr val="9999cc"/>
+                    </a:solidFill>
+                  </a:tcPr>
+                </a:tc>
+                <a:tc>
+                  <a:txBody>
+                    <a:bodyPr lIns="90000" rIns="90000"/>
                     <a:p>
                       <a:pPr>
                         <a:lnSpc>
@@ -30753,45 +30813,51 @@
                         </a:lnSpc>
                       </a:pPr>
                       <a:r>
-                        <a:rPr b="0" lang="en-US" sz="2400" spc="-1" strike="noStrike">
-                          <a:latin typeface="Times New Roman"/>
+                        <a:rPr b="1" lang="en-US" sz="1800" spc="-1" strike="noStrike">
+                          <a:solidFill>
+                            <a:srgbClr val="000000"/>
+                          </a:solidFill>
+                          <a:latin typeface="Arial"/>
+                          <a:ea typeface="Arial"/>
                         </a:rPr>
-                        <a:t>5</a:t>
-                      </a:r>
-                      <a:endParaRPr b="0" lang="en-US" sz="2400" spc="-1" strike="noStrike">
+                        <a:t>Header 5</a:t>
+                      </a:r>
+                      <a:endParaRPr b="0" lang="en-US" sz="1800" spc="-1" strike="noStrike">
                         <a:latin typeface="Arial"/>
                       </a:endParaRPr>
                     </a:p>
                   </a:txBody>
-                  <a:tcPr marL="91080" marR="91080">
-                    <a:lnL w="9360">
-                      <a:solidFill>
-                        <a:srgbClr val="9e9e9e"/>
-                      </a:solidFill>
-                    </a:lnL>
-                    <a:lnR w="9360">
-                      <a:solidFill>
-                        <a:srgbClr val="9e9e9e"/>
-                      </a:solidFill>
-                    </a:lnR>
-                    <a:lnT w="9360">
-                      <a:solidFill>
-                        <a:srgbClr val="9e9e9e"/>
-                      </a:solidFill>
-                    </a:lnT>
-                    <a:lnB w="9360">
-                      <a:solidFill>
-                        <a:srgbClr val="9e9e9e"/>
-                      </a:solidFill>
-                    </a:lnB>
-                    <a:noFill/>
+                  <a:tcPr marL="90000" marR="90000">
+                    <a:lnL w="720">
+                      <a:solidFill>
+                        <a:srgbClr val="ffffff"/>
+                      </a:solidFill>
+                    </a:lnL>
+                    <a:lnR w="720">
+                      <a:solidFill>
+                        <a:srgbClr val="ffffff"/>
+                      </a:solidFill>
+                    </a:lnR>
+                    <a:lnT w="720">
+                      <a:solidFill>
+                        <a:srgbClr val="ffffff"/>
+                      </a:solidFill>
+                    </a:lnT>
+                    <a:lnB w="720">
+                      <a:solidFill>
+                        <a:srgbClr val="ffffff"/>
+                      </a:solidFill>
+                    </a:lnB>
+                    <a:solidFill>
+                      <a:srgbClr val="9999cc"/>
+                    </a:solidFill>
                   </a:tcPr>
                 </a:tc>
               </a:tr>
               <a:tr h="519480">
                 <a:tc>
                   <a:txBody>
-                    <a:bodyPr lIns="91080" rIns="91080"/>
+                    <a:bodyPr lIns="90000" rIns="90000"/>
                     <a:p>
                       <a:pPr>
                         <a:lnSpc>
@@ -30809,33 +30875,35 @@
                       </a:endParaRPr>
                     </a:p>
                   </a:txBody>
-                  <a:tcPr marL="91080" marR="91080">
-                    <a:lnL w="9360">
-                      <a:solidFill>
-                        <a:srgbClr val="9e9e9e"/>
-                      </a:solidFill>
-                    </a:lnL>
-                    <a:lnR w="9360">
-                      <a:solidFill>
-                        <a:srgbClr val="9e9e9e"/>
-                      </a:solidFill>
-                    </a:lnR>
-                    <a:lnT w="9360">
-                      <a:solidFill>
-                        <a:srgbClr val="9e9e9e"/>
-                      </a:solidFill>
-                    </a:lnT>
-                    <a:lnB w="9360">
-                      <a:solidFill>
-                        <a:srgbClr val="9e9e9e"/>
-                      </a:solidFill>
-                    </a:lnB>
-                    <a:noFill/>
-                  </a:tcPr>
-                </a:tc>
-                <a:tc>
-                  <a:txBody>
-                    <a:bodyPr lIns="91080" rIns="91080"/>
+                  <a:tcPr marL="90000" marR="90000">
+                    <a:lnL w="720">
+                      <a:solidFill>
+                        <a:srgbClr val="ffffff"/>
+                      </a:solidFill>
+                    </a:lnL>
+                    <a:lnR w="720">
+                      <a:solidFill>
+                        <a:srgbClr val="ffffff"/>
+                      </a:solidFill>
+                    </a:lnR>
+                    <a:lnT w="720">
+                      <a:solidFill>
+                        <a:srgbClr val="ffffff"/>
+                      </a:solidFill>
+                    </a:lnT>
+                    <a:lnB w="720">
+                      <a:solidFill>
+                        <a:srgbClr val="ffffff"/>
+                      </a:solidFill>
+                    </a:lnB>
+                    <a:solidFill>
+                      <a:srgbClr val="e6e6ff"/>
+                    </a:solidFill>
+                  </a:tcPr>
+                </a:tc>
+                <a:tc>
+                  <a:txBody>
+                    <a:bodyPr lIns="90000" rIns="90000"/>
                     <a:p>
                       <a:pPr>
                         <a:lnSpc>
@@ -30853,33 +30921,35 @@
                       </a:endParaRPr>
                     </a:p>
                   </a:txBody>
-                  <a:tcPr marL="91080" marR="91080">
-                    <a:lnL w="9360">
-                      <a:solidFill>
-                        <a:srgbClr val="9e9e9e"/>
-                      </a:solidFill>
-                    </a:lnL>
-                    <a:lnR w="9360">
-                      <a:solidFill>
-                        <a:srgbClr val="9e9e9e"/>
-                      </a:solidFill>
-                    </a:lnR>
-                    <a:lnT w="9360">
-                      <a:solidFill>
-                        <a:srgbClr val="9e9e9e"/>
-                      </a:solidFill>
-                    </a:lnT>
-                    <a:lnB w="9360">
-                      <a:solidFill>
-                        <a:srgbClr val="9e9e9e"/>
-                      </a:solidFill>
-                    </a:lnB>
-                    <a:noFill/>
-                  </a:tcPr>
-                </a:tc>
-                <a:tc>
-                  <a:txBody>
-                    <a:bodyPr lIns="91080" rIns="91080"/>
+                  <a:tcPr marL="90000" marR="90000">
+                    <a:lnL w="720">
+                      <a:solidFill>
+                        <a:srgbClr val="ffffff"/>
+                      </a:solidFill>
+                    </a:lnL>
+                    <a:lnR w="720">
+                      <a:solidFill>
+                        <a:srgbClr val="ffffff"/>
+                      </a:solidFill>
+                    </a:lnR>
+                    <a:lnT w="720">
+                      <a:solidFill>
+                        <a:srgbClr val="ffffff"/>
+                      </a:solidFill>
+                    </a:lnT>
+                    <a:lnB w="720">
+                      <a:solidFill>
+                        <a:srgbClr val="ffffff"/>
+                      </a:solidFill>
+                    </a:lnB>
+                    <a:solidFill>
+                      <a:srgbClr val="e6e6ff"/>
+                    </a:solidFill>
+                  </a:tcPr>
+                </a:tc>
+                <a:tc>
+                  <a:txBody>
+                    <a:bodyPr lIns="90000" rIns="90000"/>
                     <a:p>
                       <a:pPr>
                         <a:lnSpc>
@@ -30897,33 +30967,35 @@
                       </a:endParaRPr>
                     </a:p>
                   </a:txBody>
-                  <a:tcPr marL="91080" marR="91080">
-                    <a:lnL w="9360">
-                      <a:solidFill>
-                        <a:srgbClr val="9e9e9e"/>
-                      </a:solidFill>
-                    </a:lnL>
-                    <a:lnR w="9360">
-                      <a:solidFill>
-                        <a:srgbClr val="9e9e9e"/>
-                      </a:solidFill>
-                    </a:lnR>
-                    <a:lnT w="9360">
-                      <a:solidFill>
-                        <a:srgbClr val="9e9e9e"/>
-                      </a:solidFill>
-                    </a:lnT>
-                    <a:lnB w="9360">
-                      <a:solidFill>
-                        <a:srgbClr val="9e9e9e"/>
-                      </a:solidFill>
-                    </a:lnB>
-                    <a:noFill/>
-                  </a:tcPr>
-                </a:tc>
-                <a:tc>
-                  <a:txBody>
-                    <a:bodyPr lIns="91080" rIns="91080"/>
+                  <a:tcPr marL="90000" marR="90000">
+                    <a:lnL w="720">
+                      <a:solidFill>
+                        <a:srgbClr val="ffffff"/>
+                      </a:solidFill>
+                    </a:lnL>
+                    <a:lnR w="720">
+                      <a:solidFill>
+                        <a:srgbClr val="ffffff"/>
+                      </a:solidFill>
+                    </a:lnR>
+                    <a:lnT w="720">
+                      <a:solidFill>
+                        <a:srgbClr val="ffffff"/>
+                      </a:solidFill>
+                    </a:lnT>
+                    <a:lnB w="720">
+                      <a:solidFill>
+                        <a:srgbClr val="ffffff"/>
+                      </a:solidFill>
+                    </a:lnB>
+                    <a:solidFill>
+                      <a:srgbClr val="e6e6ff"/>
+                    </a:solidFill>
+                  </a:tcPr>
+                </a:tc>
+                <a:tc>
+                  <a:txBody>
+                    <a:bodyPr lIns="90000" rIns="90000"/>
                     <a:p>
                       <a:pPr>
                         <a:lnSpc>
@@ -30941,35 +31013,37 @@
                       </a:endParaRPr>
                     </a:p>
                   </a:txBody>
-                  <a:tcPr marL="91080" marR="91080">
-                    <a:lnL w="9360">
-                      <a:solidFill>
-                        <a:srgbClr val="9e9e9e"/>
-                      </a:solidFill>
-                    </a:lnL>
-                    <a:lnR w="9360">
-                      <a:solidFill>
-                        <a:srgbClr val="9e9e9e"/>
-                      </a:solidFill>
-                    </a:lnR>
-                    <a:lnT w="9360">
-                      <a:solidFill>
-                        <a:srgbClr val="9e9e9e"/>
-                      </a:solidFill>
-                    </a:lnT>
-                    <a:lnB w="9360">
-                      <a:solidFill>
-                        <a:srgbClr val="9e9e9e"/>
-                      </a:solidFill>
-                    </a:lnB>
-                    <a:noFill/>
+                  <a:tcPr marL="90000" marR="90000">
+                    <a:lnL w="720">
+                      <a:solidFill>
+                        <a:srgbClr val="ffffff"/>
+                      </a:solidFill>
+                    </a:lnL>
+                    <a:lnR w="720">
+                      <a:solidFill>
+                        <a:srgbClr val="ffffff"/>
+                      </a:solidFill>
+                    </a:lnR>
+                    <a:lnT w="720">
+                      <a:solidFill>
+                        <a:srgbClr val="ffffff"/>
+                      </a:solidFill>
+                    </a:lnT>
+                    <a:lnB w="720">
+                      <a:solidFill>
+                        <a:srgbClr val="ffffff"/>
+                      </a:solidFill>
+                    </a:lnB>
+                    <a:solidFill>
+                      <a:srgbClr val="e6e6ff"/>
+                    </a:solidFill>
                   </a:tcPr>
                 </a:tc>
               </a:tr>
               <a:tr h="519480">
                 <a:tc>
                   <a:txBody>
-                    <a:bodyPr lIns="91080" rIns="91080"/>
+                    <a:bodyPr lIns="90000" rIns="90000"/>
                     <a:p>
                       <a:pPr>
                         <a:lnSpc>
@@ -30991,33 +31065,35 @@
                       </a:endParaRPr>
                     </a:p>
                   </a:txBody>
-                  <a:tcPr marL="91080" marR="91080">
-                    <a:lnL w="9360">
-                      <a:solidFill>
-                        <a:srgbClr val="9e9e9e"/>
-                      </a:solidFill>
-                    </a:lnL>
-                    <a:lnR w="9360">
-                      <a:solidFill>
-                        <a:srgbClr val="9e9e9e"/>
-                      </a:solidFill>
-                    </a:lnR>
-                    <a:lnT w="9360">
-                      <a:solidFill>
-                        <a:srgbClr val="9e9e9e"/>
-                      </a:solidFill>
-                    </a:lnT>
-                    <a:lnB w="9360">
-                      <a:solidFill>
-                        <a:srgbClr val="9e9e9e"/>
-                      </a:solidFill>
-                    </a:lnB>
-                    <a:noFill/>
-                  </a:tcPr>
-                </a:tc>
-                <a:tc>
-                  <a:txBody>
-                    <a:bodyPr lIns="91080" rIns="91080"/>
+                  <a:tcPr marL="90000" marR="90000">
+                    <a:lnL w="720">
+                      <a:solidFill>
+                        <a:srgbClr val="ffffff"/>
+                      </a:solidFill>
+                    </a:lnL>
+                    <a:lnR w="720">
+                      <a:solidFill>
+                        <a:srgbClr val="ffffff"/>
+                      </a:solidFill>
+                    </a:lnR>
+                    <a:lnT w="720">
+                      <a:solidFill>
+                        <a:srgbClr val="ffffff"/>
+                      </a:solidFill>
+                    </a:lnT>
+                    <a:lnB w="720">
+                      <a:solidFill>
+                        <a:srgbClr val="ffffff"/>
+                      </a:solidFill>
+                    </a:lnB>
+                    <a:solidFill>
+                      <a:srgbClr val="ffffff"/>
+                    </a:solidFill>
+                  </a:tcPr>
+                </a:tc>
+                <a:tc>
+                  <a:txBody>
+                    <a:bodyPr lIns="90000" rIns="90000"/>
                     <a:p>
                       <a:pPr>
                         <a:lnSpc>
@@ -31035,33 +31111,35 @@
                       </a:endParaRPr>
                     </a:p>
                   </a:txBody>
-                  <a:tcPr marL="91080" marR="91080">
-                    <a:lnL w="9360">
-                      <a:solidFill>
-                        <a:srgbClr val="9e9e9e"/>
-                      </a:solidFill>
-                    </a:lnL>
-                    <a:lnR w="9360">
-                      <a:solidFill>
-                        <a:srgbClr val="9e9e9e"/>
-                      </a:solidFill>
-                    </a:lnR>
-                    <a:lnT w="9360">
-                      <a:solidFill>
-                        <a:srgbClr val="9e9e9e"/>
-                      </a:solidFill>
-                    </a:lnT>
-                    <a:lnB w="9360">
-                      <a:solidFill>
-                        <a:srgbClr val="9e9e9e"/>
-                      </a:solidFill>
-                    </a:lnB>
-                    <a:noFill/>
-                  </a:tcPr>
-                </a:tc>
-                <a:tc>
-                  <a:txBody>
-                    <a:bodyPr lIns="91080" rIns="91080"/>
+                  <a:tcPr marL="90000" marR="90000">
+                    <a:lnL w="720">
+                      <a:solidFill>
+                        <a:srgbClr val="ffffff"/>
+                      </a:solidFill>
+                    </a:lnL>
+                    <a:lnR w="720">
+                      <a:solidFill>
+                        <a:srgbClr val="ffffff"/>
+                      </a:solidFill>
+                    </a:lnR>
+                    <a:lnT w="720">
+                      <a:solidFill>
+                        <a:srgbClr val="ffffff"/>
+                      </a:solidFill>
+                    </a:lnT>
+                    <a:lnB w="720">
+                      <a:solidFill>
+                        <a:srgbClr val="ffffff"/>
+                      </a:solidFill>
+                    </a:lnB>
+                    <a:solidFill>
+                      <a:srgbClr val="ffffff"/>
+                    </a:solidFill>
+                  </a:tcPr>
+                </a:tc>
+                <a:tc>
+                  <a:txBody>
+                    <a:bodyPr lIns="90000" rIns="90000"/>
                     <a:p>
                       <a:pPr>
                         <a:lnSpc>
@@ -31079,33 +31157,35 @@
                       </a:endParaRPr>
                     </a:p>
                   </a:txBody>
-                  <a:tcPr marL="91080" marR="91080">
-                    <a:lnL w="9360">
-                      <a:solidFill>
-                        <a:srgbClr val="9e9e9e"/>
-                      </a:solidFill>
-                    </a:lnL>
-                    <a:lnR w="9360">
-                      <a:solidFill>
-                        <a:srgbClr val="9e9e9e"/>
-                      </a:solidFill>
-                    </a:lnR>
-                    <a:lnT w="9360">
-                      <a:solidFill>
-                        <a:srgbClr val="9e9e9e"/>
-                      </a:solidFill>
-                    </a:lnT>
-                    <a:lnB w="9360">
-                      <a:solidFill>
-                        <a:srgbClr val="9e9e9e"/>
-                      </a:solidFill>
-                    </a:lnB>
-                    <a:noFill/>
-                  </a:tcPr>
-                </a:tc>
-                <a:tc>
-                  <a:txBody>
-                    <a:bodyPr lIns="91080" rIns="91080"/>
+                  <a:tcPr marL="90000" marR="90000">
+                    <a:lnL w="720">
+                      <a:solidFill>
+                        <a:srgbClr val="ffffff"/>
+                      </a:solidFill>
+                    </a:lnL>
+                    <a:lnR w="720">
+                      <a:solidFill>
+                        <a:srgbClr val="ffffff"/>
+                      </a:solidFill>
+                    </a:lnR>
+                    <a:lnT w="720">
+                      <a:solidFill>
+                        <a:srgbClr val="ffffff"/>
+                      </a:solidFill>
+                    </a:lnT>
+                    <a:lnB w="720">
+                      <a:solidFill>
+                        <a:srgbClr val="ffffff"/>
+                      </a:solidFill>
+                    </a:lnB>
+                    <a:solidFill>
+                      <a:srgbClr val="ffffff"/>
+                    </a:solidFill>
+                  </a:tcPr>
+                </a:tc>
+                <a:tc>
+                  <a:txBody>
+                    <a:bodyPr lIns="90000" rIns="90000"/>
                     <a:p>
                       <a:pPr>
                         <a:lnSpc>
@@ -31123,35 +31203,37 @@
                       </a:endParaRPr>
                     </a:p>
                   </a:txBody>
-                  <a:tcPr marL="91080" marR="91080">
-                    <a:lnL w="9360">
-                      <a:solidFill>
-                        <a:srgbClr val="9e9e9e"/>
-                      </a:solidFill>
-                    </a:lnL>
-                    <a:lnR w="9360">
-                      <a:solidFill>
-                        <a:srgbClr val="9e9e9e"/>
-                      </a:solidFill>
-                    </a:lnR>
-                    <a:lnT w="9360">
-                      <a:solidFill>
-                        <a:srgbClr val="9e9e9e"/>
-                      </a:solidFill>
-                    </a:lnT>
-                    <a:lnB w="9360">
-                      <a:solidFill>
-                        <a:srgbClr val="9e9e9e"/>
-                      </a:solidFill>
-                    </a:lnB>
-                    <a:noFill/>
+                  <a:tcPr marL="90000" marR="90000">
+                    <a:lnL w="720">
+                      <a:solidFill>
+                        <a:srgbClr val="ffffff"/>
+                      </a:solidFill>
+                    </a:lnL>
+                    <a:lnR w="720">
+                      <a:solidFill>
+                        <a:srgbClr val="ffffff"/>
+                      </a:solidFill>
+                    </a:lnR>
+                    <a:lnT w="720">
+                      <a:solidFill>
+                        <a:srgbClr val="ffffff"/>
+                      </a:solidFill>
+                    </a:lnT>
+                    <a:lnB w="720">
+                      <a:solidFill>
+                        <a:srgbClr val="ffffff"/>
+                      </a:solidFill>
+                    </a:lnB>
+                    <a:solidFill>
+                      <a:srgbClr val="ffffff"/>
+                    </a:solidFill>
                   </a:tcPr>
                 </a:tc>
               </a:tr>
               <a:tr h="519480">
                 <a:tc>
                   <a:txBody>
-                    <a:bodyPr lIns="91080" rIns="91080"/>
+                    <a:bodyPr lIns="90000" rIns="90000"/>
                     <a:p>
                       <a:pPr>
                         <a:lnSpc>
@@ -31169,33 +31251,35 @@
                       </a:endParaRPr>
                     </a:p>
                   </a:txBody>
-                  <a:tcPr marL="91080" marR="91080">
-                    <a:lnL w="9360">
-                      <a:solidFill>
-                        <a:srgbClr val="9e9e9e"/>
-                      </a:solidFill>
-                    </a:lnL>
-                    <a:lnR w="9360">
-                      <a:solidFill>
-                        <a:srgbClr val="9e9e9e"/>
-                      </a:solidFill>
-                    </a:lnR>
-                    <a:lnT w="9360">
-                      <a:solidFill>
-                        <a:srgbClr val="9e9e9e"/>
-                      </a:solidFill>
-                    </a:lnT>
-                    <a:lnB w="9360">
-                      <a:solidFill>
-                        <a:srgbClr val="9e9e9e"/>
-                      </a:solidFill>
-                    </a:lnB>
-                    <a:noFill/>
-                  </a:tcPr>
-                </a:tc>
-                <a:tc>
-                  <a:txBody>
-                    <a:bodyPr lIns="91080" rIns="91080"/>
+                  <a:tcPr marL="90000" marR="90000">
+                    <a:lnL w="720">
+                      <a:solidFill>
+                        <a:srgbClr val="ffffff"/>
+                      </a:solidFill>
+                    </a:lnL>
+                    <a:lnR w="720">
+                      <a:solidFill>
+                        <a:srgbClr val="ffffff"/>
+                      </a:solidFill>
+                    </a:lnR>
+                    <a:lnT w="720">
+                      <a:solidFill>
+                        <a:srgbClr val="ffffff"/>
+                      </a:solidFill>
+                    </a:lnT>
+                    <a:lnB w="720">
+                      <a:solidFill>
+                        <a:srgbClr val="ffffff"/>
+                      </a:solidFill>
+                    </a:lnB>
+                    <a:solidFill>
+                      <a:srgbClr val="e6e6ff"/>
+                    </a:solidFill>
+                  </a:tcPr>
+                </a:tc>
+                <a:tc>
+                  <a:txBody>
+                    <a:bodyPr lIns="90000" rIns="90000"/>
                     <a:p>
                       <a:pPr>
                         <a:lnSpc>
@@ -31213,33 +31297,35 @@
                       </a:endParaRPr>
                     </a:p>
                   </a:txBody>
-                  <a:tcPr marL="91080" marR="91080">
-                    <a:lnL w="9360">
-                      <a:solidFill>
-                        <a:srgbClr val="9e9e9e"/>
-                      </a:solidFill>
-                    </a:lnL>
-                    <a:lnR w="9360">
-                      <a:solidFill>
-                        <a:srgbClr val="9e9e9e"/>
-                      </a:solidFill>
-                    </a:lnR>
-                    <a:lnT w="9360">
-                      <a:solidFill>
-                        <a:srgbClr val="9e9e9e"/>
-                      </a:solidFill>
-                    </a:lnT>
-                    <a:lnB w="9360">
-                      <a:solidFill>
-                        <a:srgbClr val="9e9e9e"/>
-                      </a:solidFill>
-                    </a:lnB>
-                    <a:noFill/>
-                  </a:tcPr>
-                </a:tc>
-                <a:tc>
-                  <a:txBody>
-                    <a:bodyPr lIns="91080" rIns="91080"/>
+                  <a:tcPr marL="90000" marR="90000">
+                    <a:lnL w="720">
+                      <a:solidFill>
+                        <a:srgbClr val="ffffff"/>
+                      </a:solidFill>
+                    </a:lnL>
+                    <a:lnR w="720">
+                      <a:solidFill>
+                        <a:srgbClr val="ffffff"/>
+                      </a:solidFill>
+                    </a:lnR>
+                    <a:lnT w="720">
+                      <a:solidFill>
+                        <a:srgbClr val="ffffff"/>
+                      </a:solidFill>
+                    </a:lnT>
+                    <a:lnB w="720">
+                      <a:solidFill>
+                        <a:srgbClr val="ffffff"/>
+                      </a:solidFill>
+                    </a:lnB>
+                    <a:solidFill>
+                      <a:srgbClr val="e6e6ff"/>
+                    </a:solidFill>
+                  </a:tcPr>
+                </a:tc>
+                <a:tc>
+                  <a:txBody>
+                    <a:bodyPr lIns="90000" rIns="90000"/>
                     <a:p>
                       <a:pPr>
                         <a:lnSpc>
@@ -31257,33 +31343,35 @@
                       </a:endParaRPr>
                     </a:p>
                   </a:txBody>
-                  <a:tcPr marL="91080" marR="91080">
-                    <a:lnL w="9360">
-                      <a:solidFill>
-                        <a:srgbClr val="9e9e9e"/>
-                      </a:solidFill>
-                    </a:lnL>
-                    <a:lnR w="9360">
-                      <a:solidFill>
-                        <a:srgbClr val="9e9e9e"/>
-                      </a:solidFill>
-                    </a:lnR>
-                    <a:lnT w="9360">
-                      <a:solidFill>
-                        <a:srgbClr val="9e9e9e"/>
-                      </a:solidFill>
-                    </a:lnT>
-                    <a:lnB w="9360">
-                      <a:solidFill>
-                        <a:srgbClr val="9e9e9e"/>
-                      </a:solidFill>
-                    </a:lnB>
-                    <a:noFill/>
-                  </a:tcPr>
-                </a:tc>
-                <a:tc>
-                  <a:txBody>
-                    <a:bodyPr lIns="91080" rIns="91080"/>
+                  <a:tcPr marL="90000" marR="90000">
+                    <a:lnL w="720">
+                      <a:solidFill>
+                        <a:srgbClr val="ffffff"/>
+                      </a:solidFill>
+                    </a:lnL>
+                    <a:lnR w="720">
+                      <a:solidFill>
+                        <a:srgbClr val="ffffff"/>
+                      </a:solidFill>
+                    </a:lnR>
+                    <a:lnT w="720">
+                      <a:solidFill>
+                        <a:srgbClr val="ffffff"/>
+                      </a:solidFill>
+                    </a:lnT>
+                    <a:lnB w="720">
+                      <a:solidFill>
+                        <a:srgbClr val="ffffff"/>
+                      </a:solidFill>
+                    </a:lnB>
+                    <a:solidFill>
+                      <a:srgbClr val="e6e6ff"/>
+                    </a:solidFill>
+                  </a:tcPr>
+                </a:tc>
+                <a:tc>
+                  <a:txBody>
+                    <a:bodyPr lIns="90000" rIns="90000"/>
                     <a:p>
                       <a:pPr>
                         <a:lnSpc>
@@ -31301,28 +31389,30 @@
                       </a:endParaRPr>
                     </a:p>
                   </a:txBody>
-                  <a:tcPr marL="91080" marR="91080">
-                    <a:lnL w="9360">
-                      <a:solidFill>
-                        <a:srgbClr val="9e9e9e"/>
-                      </a:solidFill>
-                    </a:lnL>
-                    <a:lnR w="9360">
-                      <a:solidFill>
-                        <a:srgbClr val="9e9e9e"/>
-                      </a:solidFill>
-                    </a:lnR>
-                    <a:lnT w="9360">
-                      <a:solidFill>
-                        <a:srgbClr val="9e9e9e"/>
-                      </a:solidFill>
-                    </a:lnT>
-                    <a:lnB w="9360">
-                      <a:solidFill>
-                        <a:srgbClr val="9e9e9e"/>
-                      </a:solidFill>
-                    </a:lnB>
-                    <a:noFill/>
+                  <a:tcPr marL="90000" marR="90000">
+                    <a:lnL w="720">
+                      <a:solidFill>
+                        <a:srgbClr val="ffffff"/>
+                      </a:solidFill>
+                    </a:lnL>
+                    <a:lnR w="720">
+                      <a:solidFill>
+                        <a:srgbClr val="ffffff"/>
+                      </a:solidFill>
+                    </a:lnR>
+                    <a:lnT w="720">
+                      <a:solidFill>
+                        <a:srgbClr val="ffffff"/>
+                      </a:solidFill>
+                    </a:lnT>
+                    <a:lnB w="720">
+                      <a:solidFill>
+                        <a:srgbClr val="ffffff"/>
+                      </a:solidFill>
+                    </a:lnB>
+                    <a:solidFill>
+                      <a:srgbClr val="e6e6ff"/>
+                    </a:solidFill>
                   </a:tcPr>
                 </a:tc>
               </a:tr>
@@ -31388,7 +31478,7 @@
         <p:spPr>
           <a:xfrm>
             <a:off x="311760" y="444960"/>
-            <a:ext cx="8505720" cy="558000"/>
+            <a:ext cx="8504640" cy="556920"/>
           </a:xfrm>
           <a:prstGeom prst="rect">
             <a:avLst/>
@@ -31422,7 +31512,7 @@
                 <a:latin typeface="Arial"/>
                 <a:ea typeface="Arial"/>
               </a:rPr>
-              <a:t>gayashan sample</a:t>
+              <a:t>Loop sample data</a:t>
             </a:r>
             <a:endParaRPr b="0" lang="en-US" sz="2800" spc="-1" strike="noStrike">
               <a:latin typeface="Arial"/>
@@ -31439,7 +31529,7 @@
         <p:spPr>
           <a:xfrm>
             <a:off x="311760" y="1152360"/>
-            <a:ext cx="8505720" cy="3401640"/>
+            <a:ext cx="8504640" cy="3400560"/>
           </a:xfrm>
           <a:prstGeom prst="rect">
             <a:avLst/>
@@ -31479,9 +31569,9 @@
                 <a:latin typeface="Arial"/>
                 <a:ea typeface="Arial"/>
               </a:rPr>
-              <a:t> GAYA 1  12
- GAYA 2  22
- GAYA 13  32
+              <a:t> Kamal  12
+ Amal  22
+ Nuwan  32
 </a:t>
             </a:r>
             <a:br/>
@@ -31493,9 +31583,9 @@
                 <a:latin typeface="Arial"/>
                 <a:ea typeface="Arial"/>
               </a:rPr>
-              <a:t> GAYA 1   12 
- GAYA 2   22 
- GAYA 13   32 
+              <a:t> Sama   12 
+ Amara   22 
+ Nayana   32 
 </a:t>
             </a:r>
             <a:br/>
@@ -31507,9 +31597,9 @@
                 <a:latin typeface="Arial"/>
                 <a:ea typeface="Arial"/>
               </a:rPr>
-              <a:t> GAYA 1    12 
- GAYA 2    22 
- GAYA 13    32 
+              <a:t> Colombo 1 
+ Colombo 2 
+ Colombo 3 
 </a:t>
             </a:r>
             <a:endParaRPr b="0" lang="en-US" sz="1800" spc="-1" strike="noStrike">
@@ -31576,7 +31666,7 @@
         <p:spPr>
           <a:xfrm>
             <a:off x="311760" y="444960"/>
-            <a:ext cx="8505720" cy="558000"/>
+            <a:ext cx="8504640" cy="556920"/>
           </a:xfrm>
           <a:prstGeom prst="rect">
             <a:avLst/>
@@ -31606,7 +31696,7 @@
         <p:spPr>
           <a:xfrm>
             <a:off x="311760" y="1152360"/>
-            <a:ext cx="8505720" cy="3401640"/>
+            <a:ext cx="8504640" cy="3400560"/>
           </a:xfrm>
           <a:prstGeom prst="rect">
             <a:avLst/>
@@ -39465,7 +39555,7 @@
         <p:spPr>
           <a:xfrm>
             <a:off x="640080" y="640080"/>
-            <a:ext cx="7942320" cy="333360"/>
+            <a:ext cx="7941240" cy="332280"/>
           </a:xfrm>
           <a:prstGeom prst="rect">
             <a:avLst/>
@@ -39495,7 +39585,7 @@
         <p:spPr>
           <a:xfrm>
             <a:off x="311760" y="1152360"/>
-            <a:ext cx="8505720" cy="3401640"/>
+            <a:ext cx="8504640" cy="3400560"/>
           </a:xfrm>
           <a:prstGeom prst="rect">
             <a:avLst/>

--- a/output.pptx
+++ b/output.pptx
@@ -3231,7 +3231,7 @@
         <p:spPr>
           <a:xfrm>
             <a:off x="311760" y="744480"/>
-            <a:ext cx="8504640" cy="2036880"/>
+            <a:ext cx="8504280" cy="2036520"/>
           </a:xfrm>
           <a:prstGeom prst="rect">
             <a:avLst/>
@@ -3265,7 +3265,7 @@
                 <a:latin typeface="Arial"/>
                 <a:ea typeface="Arial"/>
               </a:rPr>
-              <a:t>Gayashan Sameera</a:t>
+              <a:t>JHON DEO</a:t>
             </a:r>
             <a:br/>
             <a:r>
@@ -3287,7 +3287,7 @@
                 <a:latin typeface="Keraleeyam"/>
                 <a:ea typeface="Arial"/>
               </a:rPr>
-              <a:t>Minuwangoda</a:t>
+              <a:t>NW</a:t>
             </a:r>
             <a:endParaRPr b="0" lang="en-US" sz="2000" spc="-1" strike="noStrike">
               <a:latin typeface="Arial"/>
@@ -3304,7 +3304,7 @@
         <p:spPr>
           <a:xfrm>
             <a:off x="311760" y="2834280"/>
-            <a:ext cx="8504640" cy="776880"/>
+            <a:ext cx="8504280" cy="776520"/>
           </a:xfrm>
           <a:prstGeom prst="rect">
             <a:avLst/>
@@ -3383,7 +3383,7 @@
         <p:spPr>
           <a:xfrm>
             <a:off x="311760" y="1152360"/>
-            <a:ext cx="8504640" cy="3400560"/>
+            <a:ext cx="8504280" cy="3400200"/>
           </a:xfrm>
           <a:prstGeom prst="rect">
             <a:avLst/>
@@ -11242,7 +11242,7 @@
         <p:spPr>
           <a:xfrm>
             <a:off x="311760" y="1152360"/>
-            <a:ext cx="8504640" cy="3400560"/>
+            <a:ext cx="8504280" cy="3400200"/>
           </a:xfrm>
           <a:prstGeom prst="rect">
             <a:avLst/>
@@ -19101,7 +19101,7 @@
         <p:spPr>
           <a:xfrm>
             <a:off x="311760" y="1152360"/>
-            <a:ext cx="8504640" cy="3400560"/>
+            <a:ext cx="8504280" cy="3400200"/>
           </a:xfrm>
           <a:prstGeom prst="rect">
             <a:avLst/>
@@ -26960,7 +26960,7 @@
         <p:spPr>
           <a:xfrm>
             <a:off x="311760" y="1152360"/>
-            <a:ext cx="8504640" cy="3400560"/>
+            <a:ext cx="8504280" cy="3400200"/>
           </a:xfrm>
           <a:prstGeom prst="rect">
             <a:avLst/>
@@ -29002,7 +29002,7 @@
         <p:spPr>
           <a:xfrm>
             <a:off x="311760" y="1152360"/>
-            <a:ext cx="8504640" cy="3400560"/>
+            <a:ext cx="8504280" cy="3400200"/>
           </a:xfrm>
           <a:prstGeom prst="rect">
             <a:avLst/>
@@ -29105,7 +29105,7 @@
         <p:spPr>
           <a:xfrm>
             <a:off x="311760" y="1152360"/>
-            <a:ext cx="8504640" cy="3400560"/>
+            <a:ext cx="8504280" cy="3400200"/>
           </a:xfrm>
           <a:prstGeom prst="rect">
             <a:avLst/>
@@ -29208,7 +29208,7 @@
         <p:spPr>
           <a:xfrm>
             <a:off x="311760" y="444960"/>
-            <a:ext cx="8504640" cy="556920"/>
+            <a:ext cx="8504280" cy="556560"/>
           </a:xfrm>
           <a:prstGeom prst="rect">
             <a:avLst/>
@@ -29242,7 +29242,7 @@
                 <a:latin typeface="Arial"/>
                 <a:ea typeface="Arial"/>
               </a:rPr>
-              <a:t>Workflow landing page</a:t>
+              <a:t>This is a sample image</a:t>
             </a:r>
             <a:endParaRPr b="0" lang="en-US" sz="2800" spc="-1" strike="noStrike">
               <a:latin typeface="Arial"/>
@@ -29259,7 +29259,7 @@
         <p:spPr>
           <a:xfrm>
             <a:off x="311760" y="1152360"/>
-            <a:ext cx="8504640" cy="3400560"/>
+            <a:ext cx="8504280" cy="3400200"/>
           </a:xfrm>
           <a:prstGeom prst="rect">
             <a:avLst/>
@@ -29306,7 +29306,7 @@
       </p:sp>
       <p:pic>
         <p:nvPicPr>
-          <p:cNvPr id="80" name="Picture 79" descr="1.png"/>
+          <p:cNvPr id="80" name="Picture 79" descr="Sample-image.png"/>
           <p:cNvPicPr>
             <a:picLocks noChangeAspect="1"/>
           </p:cNvPicPr>
@@ -29386,7 +29386,7 @@
         <p:spPr>
           <a:xfrm>
             <a:off x="731520" y="2419920"/>
-            <a:ext cx="7583760" cy="596520"/>
+            <a:ext cx="7583400" cy="596160"/>
           </a:xfrm>
           <a:prstGeom prst="rect">
             <a:avLst/>
@@ -29484,7 +29484,7 @@
         <p:spPr>
           <a:xfrm>
             <a:off x="311760" y="444960"/>
-            <a:ext cx="8504640" cy="556920"/>
+            <a:ext cx="8504280" cy="556560"/>
           </a:xfrm>
           <a:prstGeom prst="rect">
             <a:avLst/>
@@ -29535,7 +29535,7 @@
         <p:spPr>
           <a:xfrm>
             <a:off x="311760" y="1152360"/>
-            <a:ext cx="8504640" cy="3400560"/>
+            <a:ext cx="8504280" cy="3400200"/>
           </a:xfrm>
           <a:prstGeom prst="rect">
             <a:avLst/>
@@ -29639,7 +29639,7 @@
         <p:spPr>
           <a:xfrm>
             <a:off x="311760" y="444960"/>
-            <a:ext cx="8504640" cy="556920"/>
+            <a:ext cx="8504280" cy="556560"/>
           </a:xfrm>
           <a:prstGeom prst="rect">
             <a:avLst/>
@@ -29690,7 +29690,7 @@
         <p:spPr>
           <a:xfrm>
             <a:off x="311760" y="1152360"/>
-            <a:ext cx="8504640" cy="3400560"/>
+            <a:ext cx="8504280" cy="3400200"/>
           </a:xfrm>
           <a:prstGeom prst="rect">
             <a:avLst/>
@@ -30535,7 +30535,7 @@
         <p:spPr>
           <a:xfrm>
             <a:off x="311760" y="444960"/>
-            <a:ext cx="8504640" cy="556920"/>
+            <a:ext cx="8504280" cy="556560"/>
           </a:xfrm>
           <a:prstGeom prst="rect">
             <a:avLst/>
@@ -30586,7 +30586,7 @@
         <p:spPr>
           <a:xfrm>
             <a:off x="311760" y="1152360"/>
-            <a:ext cx="8504640" cy="3400560"/>
+            <a:ext cx="8504280" cy="3400200"/>
           </a:xfrm>
           <a:prstGeom prst="rect">
             <a:avLst/>
@@ -31478,7 +31478,7 @@
         <p:spPr>
           <a:xfrm>
             <a:off x="311760" y="444960"/>
-            <a:ext cx="8504640" cy="556920"/>
+            <a:ext cx="8504280" cy="556560"/>
           </a:xfrm>
           <a:prstGeom prst="rect">
             <a:avLst/>
@@ -31529,7 +31529,7 @@
         <p:spPr>
           <a:xfrm>
             <a:off x="311760" y="1152360"/>
-            <a:ext cx="8504640" cy="3400560"/>
+            <a:ext cx="8504280" cy="3400200"/>
           </a:xfrm>
           <a:prstGeom prst="rect">
             <a:avLst/>
@@ -31666,7 +31666,7 @@
         <p:spPr>
           <a:xfrm>
             <a:off x="311760" y="444960"/>
-            <a:ext cx="8504640" cy="556920"/>
+            <a:ext cx="8504280" cy="556560"/>
           </a:xfrm>
           <a:prstGeom prst="rect">
             <a:avLst/>
@@ -31696,7 +31696,7 @@
         <p:spPr>
           <a:xfrm>
             <a:off x="311760" y="1152360"/>
-            <a:ext cx="8504640" cy="3400560"/>
+            <a:ext cx="8504280" cy="3400200"/>
           </a:xfrm>
           <a:prstGeom prst="rect">
             <a:avLst/>
@@ -39555,7 +39555,7 @@
         <p:spPr>
           <a:xfrm>
             <a:off x="640080" y="640080"/>
-            <a:ext cx="7941240" cy="332280"/>
+            <a:ext cx="7940880" cy="331920"/>
           </a:xfrm>
           <a:prstGeom prst="rect">
             <a:avLst/>
@@ -39585,7 +39585,7 @@
         <p:spPr>
           <a:xfrm>
             <a:off x="311760" y="1152360"/>
-            <a:ext cx="8504640" cy="3400560"/>
+            <a:ext cx="8504280" cy="3400200"/>
           </a:xfrm>
           <a:prstGeom prst="rect">
             <a:avLst/>

--- a/output.pptx
+++ b/output.pptx
@@ -324,7 +324,7 @@
       </p15:sldGuideLst>
     </p:ext>
     <p:ext uri="http://customooxmlschemas.google.com/">
-      <go:slidesCustomData xmlns:go="http://customooxmlschemas.google.com/" r:id="rId10" roundtripDataSignature="AMtx7mjz1+Ikn2RmrM0Klc7LZ2tMJrPE7w=="/>
+      <go:slidesCustomData xmlns:go="http://customooxmlschemas.google.com/" r:id="rId10" roundtripDataSignature="AMtx7mjbMprhFW3JgVwMpRN9WAv+O5O9gA=="/>
     </p:ext>
   </p:extLst>
 </p:presentation>
@@ -40937,7 +40937,7 @@
             </a:pPr>
             <a:r>
               <a:rPr lang="en-US"/>
-              <a:t>None</a:t>
+              <a:t>Investment performance to 30 June 2021</a:t>
             </a:r>
             <a:endParaRPr/>
           </a:p>
@@ -41274,7 +41274,7 @@
             <a:tbl>
               <a:tblPr bandRow="1" firstRow="1">
                 <a:noFill/>
-                <a:tableStyleId>{E1541F87-A43A-4253-811E-3C32A387B9B4}</a:tableStyleId>
+                <a:tableStyleId>{DE3F6A8A-573A-4A32-A02A-5D0C521A33D1}</a:tableStyleId>
               </a:tblPr>
               <a:tblGrid>
                 <a:gridCol w="1394575"/>
@@ -42291,7 +42291,7 @@
             <a:tbl>
               <a:tblPr bandRow="1" firstRow="1">
                 <a:noFill/>
-                <a:tableStyleId>{E1541F87-A43A-4253-811E-3C32A387B9B4}</a:tableStyleId>
+                <a:tableStyleId>{DE3F6A8A-573A-4A32-A02A-5D0C521A33D1}</a:tableStyleId>
               </a:tblPr>
               <a:tblGrid>
                 <a:gridCol w="1816200"/>
@@ -44521,66 +44521,6 @@
           <p:cNvPr id="331" name="Google Shape;331;p5"/>
           <p:cNvSpPr txBox="1"/>
           <p:nvPr>
-            <p:ph type="title"/>
-          </p:nvPr>
-        </p:nvSpPr>
-        <p:spPr>
-          <a:xfrm>
-            <a:off x="271469" y="323225"/>
-            <a:ext cx="4277100" cy="416400"/>
-          </a:xfrm>
-          <a:prstGeom prst="rect">
-            <a:avLst/>
-          </a:prstGeom>
-          <a:noFill/>
-          <a:ln>
-            <a:noFill/>
-          </a:ln>
-        </p:spPr>
-        <p:txBody>
-          <a:bodyPr anchorCtr="0" anchor="t" bIns="0" lIns="0" spcFirstLastPara="1" rIns="0" wrap="square" tIns="0">
-            <a:normAutofit/>
-          </a:bodyPr>
-          <a:lstStyle/>
-          <a:p>
-            <a:pPr indent="0" lvl="0" marL="0" rtl="0" algn="l">
-              <a:lnSpc>
-                <a:spcPct val="100000"/>
-              </a:lnSpc>
-              <a:spcBef>
-                <a:spcPts val="0"/>
-              </a:spcBef>
-              <a:spcAft>
-                <a:spcPts val="0"/>
-              </a:spcAft>
-              <a:buClr>
-                <a:schemeClr val="accent2"/>
-              </a:buClr>
-              <a:buSzPts val="2400"/>
-              <a:buFont typeface="Arial"/>
-              <a:buNone/>
-            </a:pPr>
-            <a:r>
-              <a:rPr lang="en-US"/>
-              <a:t>+++INS </a:t>
-            </a:r>
-            <a:r>
-              <a:rPr lang="en-US"/>
-              <a:t>heading_assets</a:t>
-            </a:r>
-            <a:r>
-              <a:rPr lang="en-US"/>
-              <a:t> +++</a:t>
-            </a:r>
-            <a:endParaRPr/>
-          </a:p>
-        </p:txBody>
-      </p:sp>
-      <p:sp>
-        <p:nvSpPr>
-          <p:cNvPr id="332" name="Google Shape;332;p5"/>
-          <p:cNvSpPr txBox="1"/>
-          <p:nvPr>
             <p:ph idx="12" type="sldNum"/>
           </p:nvPr>
         </p:nvSpPr>
@@ -44625,7 +44565,7 @@
       </p:sp>
       <p:graphicFrame>
         <p:nvGraphicFramePr>
-          <p:cNvPr id="333" name="Google Shape;333;p5"/>
+          <p:cNvPr id="332" name="Google Shape;332;p5"/>
           <p:cNvGraphicFramePr/>
           <p:nvPr/>
         </p:nvGraphicFramePr>
@@ -44638,7 +44578,7 @@
             <a:tbl>
               <a:tblPr>
                 <a:noFill/>
-                <a:tableStyleId>{433B8BBE-5106-4190-9751-F5412046DAAA}</a:tableStyleId>
+                <a:tableStyleId>{AC70E99F-9D21-4A43-806E-23EFE630B211}</a:tableStyleId>
               </a:tblPr>
               <a:tblGrid>
                 <a:gridCol w="1440000"/>
@@ -47597,7 +47537,7 @@
       </p:graphicFrame>
       <p:sp>
         <p:nvSpPr>
-          <p:cNvPr id="334" name="Google Shape;334;p5"/>
+          <p:cNvPr id="333" name="Google Shape;333;p5"/>
           <p:cNvSpPr txBox="1"/>
           <p:nvPr/>
         </p:nvSpPr>
@@ -47643,14 +47583,14 @@
       </p:sp>
       <p:sp>
         <p:nvSpPr>
-          <p:cNvPr id="335" name="Google Shape;335;p5"/>
+          <p:cNvPr id="334" name="Google Shape;334;p5"/>
           <p:cNvSpPr txBox="1"/>
           <p:nvPr/>
         </p:nvSpPr>
         <p:spPr>
           <a:xfrm>
-            <a:off x="5251850" y="413325"/>
-            <a:ext cx="4381200" cy="400200"/>
+            <a:off x="7981950" y="413325"/>
+            <a:ext cx="1651200" cy="431100"/>
           </a:xfrm>
           <a:prstGeom prst="rect">
             <a:avLst/>
@@ -47676,8 +47616,60 @@
               <a:buNone/>
             </a:pPr>
             <a:r>
+              <a:rPr lang="en-US" sz="800"/>
+              <a:t/>
+            </a:r>
+            <a:endParaRPr sz="800"/>
+          </a:p>
+        </p:txBody>
+      </p:sp>
+      <p:sp>
+        <p:nvSpPr>
+          <p:cNvPr id="335" name="Google Shape;335;p5"/>
+          <p:cNvSpPr txBox="1"/>
+          <p:nvPr>
+            <p:ph type="title"/>
+          </p:nvPr>
+        </p:nvSpPr>
+        <p:spPr>
+          <a:xfrm>
+            <a:off x="271464" y="323217"/>
+            <a:ext cx="9361500" cy="416700"/>
+          </a:xfrm>
+          <a:prstGeom prst="rect">
+            <a:avLst/>
+          </a:prstGeom>
+          <a:noFill/>
+          <a:ln>
+            <a:noFill/>
+          </a:ln>
+        </p:spPr>
+        <p:txBody>
+          <a:bodyPr anchorCtr="0" anchor="t" bIns="0" lIns="0" spcFirstLastPara="1" rIns="0" wrap="square" tIns="0">
+            <a:normAutofit/>
+          </a:bodyPr>
+          <a:lstStyle/>
+          <a:p>
+            <a:pPr indent="0" lvl="0" marL="0" rtl="0" algn="l">
+              <a:lnSpc>
+                <a:spcPct val="100000"/>
+              </a:lnSpc>
+              <a:spcBef>
+                <a:spcPts val="0"/>
+              </a:spcBef>
+              <a:spcAft>
+                <a:spcPts val="0"/>
+              </a:spcAft>
+              <a:buClr>
+                <a:schemeClr val="accent2"/>
+              </a:buClr>
+              <a:buSzPts val="2400"/>
+              <a:buFont typeface="Arial"/>
+              <a:buNone/>
+            </a:pPr>
+            <a:r>
               <a:rPr lang="en-US"/>
-              <a:t/>
+              <a:t>Investment performance to 30 June 2021</a:t>
             </a:r>
             <a:endParaRPr/>
           </a:p>
@@ -47700,7 +47692,7 @@
         <p:spPr>
           <a:xfrm>
             <a:off x="914400" y="914400"/>
-            <a:ext cx="3657600" cy="2743200"/>
+            <a:ext cx="3840480" cy="2743200"/>
           </a:xfrm>
           <a:prstGeom prst="rect">
             <a:avLst/>
